--- a/presentations/aspnetcore3-whatsnew/aspnetcore3-whatsnew.pptx
+++ b/presentations/aspnetcore3-whatsnew/aspnetcore3-whatsnew.pptx
@@ -5,13 +5,14 @@
     <p:sldMasterId id="2147483648" r:id="rId4"/>
   </p:sldMasterIdLst>
   <p:notesMasterIdLst>
-    <p:notesMasterId r:id="rId6"/>
+    <p:notesMasterId r:id="rId7"/>
   </p:notesMasterIdLst>
   <p:handoutMasterIdLst>
-    <p:handoutMasterId r:id="rId7"/>
+    <p:handoutMasterId r:id="rId8"/>
   </p:handoutMasterIdLst>
   <p:sldIdLst>
     <p:sldId id="298" r:id="rId5"/>
+    <p:sldId id="299" r:id="rId6"/>
   </p:sldIdLst>
   <p:sldSz cx="12192000" cy="6858000"/>
   <p:notesSz cx="6858000" cy="9144000"/>
@@ -113,12 +114,10 @@
   <p:extLst>
     <p:ext uri="{521415D9-36F7-43E2-AB2F-B90AF26B5E84}">
       <p14:sectionLst xmlns:p14="http://schemas.microsoft.com/office/powerpoint/2010/main">
-        <p14:section name="Summary Section" id="{8916951F-F7D3-4DB9-9F40-792C0A710FD5}">
-          <p14:sldIdLst/>
-        </p14:section>
-        <p14:section name="Advanced  Azure  App Services" id="{76D3CC47-09D7-466F-B5E8-D22F37A41311}">
+        <p14:section name="Introduction" id="{2B4F2F16-BA58-436E-99C4-412377A0C918}">
           <p14:sldIdLst>
             <p14:sldId id="298"/>
+            <p14:sldId id="299"/>
           </p14:sldIdLst>
         </p14:section>
       </p14:sectionLst>
@@ -227,7 +226,7 @@
           <a:p>
             <a:fld id="{EF1077DB-935E-4A0A-947A-D283B9F9F452}" type="datetimeFigureOut">
               <a:rPr lang="en-US" smtClean="0"/>
-              <a:t>9/6/2019</a:t>
+              <a:t>9/13/2019</a:t>
             </a:fld>
             <a:endParaRPr lang="en-US"/>
           </a:p>
@@ -404,7 +403,7 @@
           <a:p>
             <a:fld id="{2D9EC30E-1A71-4188-9BE7-E2A64929A436}" type="datetimeFigureOut">
               <a:rPr lang="en-US" noProof="0" smtClean="0"/>
-              <a:t>9/6/2019</a:t>
+              <a:t>9/13/2019</a:t>
             </a:fld>
             <a:endParaRPr lang="en-US" noProof="0"/>
           </a:p>
@@ -19580,6 +19579,36 @@
           <a:chExt cx="0" cy="0"/>
         </a:xfrm>
       </p:grpSpPr>
+      <p:pic>
+        <p:nvPicPr>
+          <p:cNvPr id="5" name="Picture 4" descr="A close up of a sign&#10;&#10;Description automatically generated">
+            <a:extLst>
+              <a:ext uri="{FF2B5EF4-FFF2-40B4-BE49-F238E27FC236}">
+                <a16:creationId xmlns:a16="http://schemas.microsoft.com/office/drawing/2014/main" id="{71E3FD6E-072E-4DAF-96B6-BA6EA33DBE46}"/>
+              </a:ext>
+            </a:extLst>
+          </p:cNvPr>
+          <p:cNvPicPr>
+            <a:picLocks noChangeAspect="1"/>
+          </p:cNvPicPr>
+          <p:nvPr/>
+        </p:nvPicPr>
+        <p:blipFill>
+          <a:blip r:embed="rId2"/>
+          <a:stretch>
+            <a:fillRect/>
+          </a:stretch>
+        </p:blipFill>
+        <p:spPr>
+          <a:xfrm>
+            <a:off x="5239519" y="189161"/>
+            <a:ext cx="2128357" cy="2128357"/>
+          </a:xfrm>
+          <a:prstGeom prst="rect">
+            <a:avLst/>
+          </a:prstGeom>
+        </p:spPr>
+      </p:pic>
       <p:sp>
         <p:nvSpPr>
           <p:cNvPr id="3" name="Title 2">
@@ -19598,14 +19627,19 @@
         </p:nvSpPr>
         <p:spPr>
           <a:xfrm>
-            <a:off x="5735575" y="4793501"/>
-            <a:ext cx="6389625" cy="1993506"/>
+            <a:off x="1608821" y="3590575"/>
+            <a:ext cx="9383129" cy="3191643"/>
           </a:xfrm>
         </p:spPr>
         <p:txBody>
           <a:bodyPr/>
           <a:lstStyle/>
           <a:p>
+            <a:pPr>
+              <a:lnSpc>
+                <a:spcPct val="100000"/>
+              </a:lnSpc>
+            </a:pPr>
             <a:r>
               <a:rPr lang="en-US" dirty="0">
                 <a:solidFill>
@@ -19629,12 +19663,27 @@
               </a:rPr>
             </a:br>
             <a:r>
-              <a:rPr lang="en-US" dirty="0">
+              <a:rPr lang="en-US" sz="4000" dirty="0">
                 <a:solidFill>
                   <a:schemeClr val="accent6"/>
                 </a:solidFill>
               </a:rPr>
-              <a:t>What’s New?</a:t>
+              <a:t>Building Apps &amp; Services</a:t>
+            </a:r>
+            <a:br>
+              <a:rPr lang="en-US" sz="4000" dirty="0">
+                <a:solidFill>
+                  <a:schemeClr val="accent6"/>
+                </a:solidFill>
+              </a:rPr>
+            </a:br>
+            <a:r>
+              <a:rPr lang="en-US" sz="4000" dirty="0">
+                <a:solidFill>
+                  <a:schemeClr val="accent6"/>
+                </a:solidFill>
+              </a:rPr>
+              <a:t> . . . Whats New!?</a:t>
             </a:r>
           </a:p>
         </p:txBody>
@@ -19657,7 +19706,7 @@
         </p:nvSpPr>
         <p:spPr>
           <a:xfrm>
-            <a:off x="7923346" y="5834976"/>
+            <a:off x="6860536" y="5839763"/>
             <a:ext cx="4000500" cy="758933"/>
           </a:xfrm>
         </p:spPr>
@@ -19694,6 +19743,96 @@
           </a:p>
         </p:txBody>
       </p:sp>
+      <p:pic>
+        <p:nvPicPr>
+          <p:cNvPr id="7" name="Picture 6">
+            <a:extLst>
+              <a:ext uri="{FF2B5EF4-FFF2-40B4-BE49-F238E27FC236}">
+                <a16:creationId xmlns:a16="http://schemas.microsoft.com/office/drawing/2014/main" id="{71ED7D9C-B11F-4B9C-A824-F6CD09BA456A}"/>
+              </a:ext>
+            </a:extLst>
+          </p:cNvPr>
+          <p:cNvPicPr>
+            <a:picLocks noChangeAspect="1"/>
+          </p:cNvPicPr>
+          <p:nvPr/>
+        </p:nvPicPr>
+        <p:blipFill>
+          <a:blip r:embed="rId3"/>
+          <a:stretch>
+            <a:fillRect/>
+          </a:stretch>
+        </p:blipFill>
+        <p:spPr>
+          <a:xfrm>
+            <a:off x="10944133" y="352276"/>
+            <a:ext cx="853707" cy="853707"/>
+          </a:xfrm>
+          <a:prstGeom prst="rect">
+            <a:avLst/>
+          </a:prstGeom>
+        </p:spPr>
+      </p:pic>
+      <p:pic>
+        <p:nvPicPr>
+          <p:cNvPr id="9" name="Picture 8" descr="A close up of a logo&#10;&#10;Description automatically generated">
+            <a:extLst>
+              <a:ext uri="{FF2B5EF4-FFF2-40B4-BE49-F238E27FC236}">
+                <a16:creationId xmlns:a16="http://schemas.microsoft.com/office/drawing/2014/main" id="{92034088-A9D1-4D7D-93EF-BCB23C6B5ABB}"/>
+              </a:ext>
+            </a:extLst>
+          </p:cNvPr>
+          <p:cNvPicPr>
+            <a:picLocks noChangeAspect="1"/>
+          </p:cNvPicPr>
+          <p:nvPr/>
+        </p:nvPicPr>
+        <p:blipFill>
+          <a:blip r:embed="rId4"/>
+          <a:stretch>
+            <a:fillRect/>
+          </a:stretch>
+        </p:blipFill>
+        <p:spPr>
+          <a:xfrm>
+            <a:off x="10669427" y="1155766"/>
+            <a:ext cx="1403118" cy="1403118"/>
+          </a:xfrm>
+          <a:prstGeom prst="rect">
+            <a:avLst/>
+          </a:prstGeom>
+        </p:spPr>
+      </p:pic>
+      <p:pic>
+        <p:nvPicPr>
+          <p:cNvPr id="12" name="Picture 11">
+            <a:extLst>
+              <a:ext uri="{FF2B5EF4-FFF2-40B4-BE49-F238E27FC236}">
+                <a16:creationId xmlns:a16="http://schemas.microsoft.com/office/drawing/2014/main" id="{163361A9-B2CE-4CA4-A930-39F81E745E8B}"/>
+              </a:ext>
+            </a:extLst>
+          </p:cNvPr>
+          <p:cNvPicPr>
+            <a:picLocks noChangeAspect="1"/>
+          </p:cNvPicPr>
+          <p:nvPr/>
+        </p:nvPicPr>
+        <p:blipFill>
+          <a:blip r:embed="rId5"/>
+          <a:stretch>
+            <a:fillRect/>
+          </a:stretch>
+        </p:blipFill>
+        <p:spPr>
+          <a:xfrm>
+            <a:off x="7682073" y="352276"/>
+            <a:ext cx="2947863" cy="1965242"/>
+          </a:xfrm>
+          <a:prstGeom prst="rect">
+            <a:avLst/>
+          </a:prstGeom>
+        </p:spPr>
+      </p:pic>
     </p:spTree>
     <p:extLst>
       <p:ext uri="{BB962C8B-B14F-4D97-AF65-F5344CB8AC3E}">
@@ -19716,6 +19855,223 @@
       </p:transition>
     </mc:Fallback>
   </mc:AlternateContent>
+</p:sld>
+</file>
+
+<file path=ppt/slides/slide2.xml><?xml version="1.0" encoding="utf-8"?>
+<p:sld xmlns:a="http://schemas.openxmlformats.org/drawingml/2006/main" xmlns:r="http://schemas.openxmlformats.org/officeDocument/2006/relationships" xmlns:p="http://schemas.openxmlformats.org/presentationml/2006/main">
+  <p:cSld>
+    <p:spTree>
+      <p:nvGrpSpPr>
+        <p:cNvPr id="1" name=""/>
+        <p:cNvGrpSpPr/>
+        <p:nvPr/>
+      </p:nvGrpSpPr>
+      <p:grpSpPr>
+        <a:xfrm>
+          <a:off x="0" y="0"/>
+          <a:ext cx="0" cy="0"/>
+          <a:chOff x="0" y="0"/>
+          <a:chExt cx="0" cy="0"/>
+        </a:xfrm>
+      </p:grpSpPr>
+      <p:sp>
+        <p:nvSpPr>
+          <p:cNvPr id="2" name="Title 1">
+            <a:extLst>
+              <a:ext uri="{FF2B5EF4-FFF2-40B4-BE49-F238E27FC236}">
+                <a16:creationId xmlns:a16="http://schemas.microsoft.com/office/drawing/2014/main" id="{DFC9D017-DF12-4AE6-91DC-FBC83885B92B}"/>
+              </a:ext>
+            </a:extLst>
+          </p:cNvPr>
+          <p:cNvSpPr>
+            <a:spLocks noGrp="1"/>
+          </p:cNvSpPr>
+          <p:nvPr>
+            <p:ph type="title"/>
+          </p:nvPr>
+        </p:nvSpPr>
+        <p:spPr/>
+        <p:txBody>
+          <a:bodyPr/>
+          <a:lstStyle/>
+          <a:p>
+            <a:r>
+              <a:rPr lang="en-US" dirty="0"/>
+              <a:t>Agenda</a:t>
+            </a:r>
+          </a:p>
+        </p:txBody>
+      </p:sp>
+      <p:sp>
+        <p:nvSpPr>
+          <p:cNvPr id="3" name="Text Placeholder 2">
+            <a:extLst>
+              <a:ext uri="{FF2B5EF4-FFF2-40B4-BE49-F238E27FC236}">
+                <a16:creationId xmlns:a16="http://schemas.microsoft.com/office/drawing/2014/main" id="{A148DC94-D3E9-4D73-94BA-7F1D5BDEFCE5}"/>
+              </a:ext>
+            </a:extLst>
+          </p:cNvPr>
+          <p:cNvSpPr>
+            <a:spLocks noGrp="1"/>
+          </p:cNvSpPr>
+          <p:nvPr>
+            <p:ph type="body" sz="quarter" idx="32"/>
+          </p:nvPr>
+        </p:nvSpPr>
+        <p:spPr/>
+        <p:txBody>
+          <a:bodyPr/>
+          <a:lstStyle/>
+          <a:p>
+            <a:endParaRPr lang="en-US" dirty="0"/>
+          </a:p>
+        </p:txBody>
+      </p:sp>
+      <p:sp>
+        <p:nvSpPr>
+          <p:cNvPr id="5" name="Slide Number Placeholder 4">
+            <a:extLst>
+              <a:ext uri="{FF2B5EF4-FFF2-40B4-BE49-F238E27FC236}">
+                <a16:creationId xmlns:a16="http://schemas.microsoft.com/office/drawing/2014/main" id="{91874900-2BB1-4696-8E74-372784047B61}"/>
+              </a:ext>
+            </a:extLst>
+          </p:cNvPr>
+          <p:cNvSpPr>
+            <a:spLocks noGrp="1"/>
+          </p:cNvSpPr>
+          <p:nvPr>
+            <p:ph type="sldNum" sz="quarter" idx="15"/>
+          </p:nvPr>
+        </p:nvSpPr>
+        <p:spPr/>
+        <p:txBody>
+          <a:bodyPr/>
+          <a:lstStyle/>
+          <a:p>
+            <a:fld id="{19B51A1E-902D-48AF-9020-955120F399B6}" type="slidenum">
+              <a:rPr lang="en-US" noProof="0" smtClean="0"/>
+              <a:pPr/>
+              <a:t>2</a:t>
+            </a:fld>
+            <a:endParaRPr lang="en-US" noProof="0" dirty="0"/>
+          </a:p>
+        </p:txBody>
+      </p:sp>
+      <p:pic>
+        <p:nvPicPr>
+          <p:cNvPr id="13" name="Content Placeholder 10">
+            <a:extLst>
+              <a:ext uri="{FF2B5EF4-FFF2-40B4-BE49-F238E27FC236}">
+                <a16:creationId xmlns:a16="http://schemas.microsoft.com/office/drawing/2014/main" id="{89C8C398-40F5-47A8-B3CB-0D1713764CB5}"/>
+              </a:ext>
+            </a:extLst>
+          </p:cNvPr>
+          <p:cNvPicPr>
+            <a:picLocks noGrp="1" noChangeAspect="1"/>
+          </p:cNvPicPr>
+          <p:nvPr>
+            <p:ph idx="34"/>
+          </p:nvPr>
+        </p:nvPicPr>
+        <p:blipFill>
+          <a:blip r:embed="rId2"/>
+          <a:stretch>
+            <a:fillRect/>
+          </a:stretch>
+        </p:blipFill>
+        <p:spPr>
+          <a:xfrm>
+            <a:off x="8172450" y="2652209"/>
+            <a:ext cx="3598863" cy="2398131"/>
+          </a:xfrm>
+          <a:prstGeom prst="rect">
+            <a:avLst/>
+          </a:prstGeom>
+        </p:spPr>
+      </p:pic>
+      <p:pic>
+        <p:nvPicPr>
+          <p:cNvPr id="15" name="Content Placeholder 9" descr="A close up of a logo&#10;&#10;Description automatically generated">
+            <a:extLst>
+              <a:ext uri="{FF2B5EF4-FFF2-40B4-BE49-F238E27FC236}">
+                <a16:creationId xmlns:a16="http://schemas.microsoft.com/office/drawing/2014/main" id="{8EBFA666-E162-451C-B1AB-A756B70AFB18}"/>
+              </a:ext>
+            </a:extLst>
+          </p:cNvPr>
+          <p:cNvPicPr>
+            <a:picLocks noGrp="1" noChangeAspect="1"/>
+          </p:cNvPicPr>
+          <p:nvPr>
+            <p:ph idx="33"/>
+          </p:nvPr>
+        </p:nvPicPr>
+        <p:blipFill>
+          <a:blip r:embed="rId3">
+            <a:duotone>
+              <a:prstClr val="black"/>
+              <a:schemeClr val="accent4">
+                <a:tint val="45000"/>
+                <a:satMod val="400000"/>
+              </a:schemeClr>
+            </a:duotone>
+          </a:blip>
+          <a:stretch>
+            <a:fillRect/>
+          </a:stretch>
+        </p:blipFill>
+        <p:spPr>
+          <a:xfrm>
+            <a:off x="4302125" y="2051050"/>
+            <a:ext cx="3600450" cy="3600450"/>
+          </a:xfrm>
+          <a:prstGeom prst="rect">
+            <a:avLst/>
+          </a:prstGeom>
+        </p:spPr>
+      </p:pic>
+      <p:pic>
+        <p:nvPicPr>
+          <p:cNvPr id="17" name="Content Placeholder 7" descr="A close up of a sign&#10;&#10;Description automatically generated">
+            <a:extLst>
+              <a:ext uri="{FF2B5EF4-FFF2-40B4-BE49-F238E27FC236}">
+                <a16:creationId xmlns:a16="http://schemas.microsoft.com/office/drawing/2014/main" id="{8DC43BBD-7FA7-4429-8056-1ABBC9FF0F9B}"/>
+              </a:ext>
+            </a:extLst>
+          </p:cNvPr>
+          <p:cNvPicPr>
+            <a:picLocks noGrp="1" noChangeAspect="1"/>
+          </p:cNvPicPr>
+          <p:nvPr>
+            <p:ph idx="1"/>
+          </p:nvPr>
+        </p:nvPicPr>
+        <p:blipFill>
+          <a:blip r:embed="rId4"/>
+          <a:stretch>
+            <a:fillRect/>
+          </a:stretch>
+        </p:blipFill>
+        <p:spPr>
+          <a:xfrm>
+            <a:off x="431800" y="2051050"/>
+            <a:ext cx="3600450" cy="3600450"/>
+          </a:xfrm>
+          <a:prstGeom prst="rect">
+            <a:avLst/>
+          </a:prstGeom>
+        </p:spPr>
+      </p:pic>
+    </p:spTree>
+    <p:extLst>
+      <p:ext uri="{BB962C8B-B14F-4D97-AF65-F5344CB8AC3E}">
+        <p14:creationId xmlns:p14="http://schemas.microsoft.com/office/powerpoint/2010/main" val="1569185726"/>
+      </p:ext>
+    </p:extLst>
+  </p:cSld>
+  <p:clrMapOvr>
+    <a:masterClrMapping/>
+  </p:clrMapOvr>
 </p:sld>
 </file>
 
@@ -20541,6 +20897,23 @@
 </file>
 
 <file path=customXml/item1.xml><?xml version="1.0" encoding="utf-8"?>
+<p:properties xmlns:p="http://schemas.microsoft.com/office/2006/metadata/properties" xmlns:xsi="http://www.w3.org/2001/XMLSchema-instance" xmlns:pc="http://schemas.microsoft.com/office/infopath/2007/PartnerControls">
+  <documentManagement>
+    <MediaServiceKeyPoints xmlns="71af3243-3dd4-4a8d-8c0d-dd76da1f02a5" xsi:nil="true"/>
+  </documentManagement>
+</p:properties>
+</file>
+
+<file path=customXml/item2.xml><?xml version="1.0" encoding="utf-8"?>
+<?mso-contentType ?>
+<FormTemplates xmlns="http://schemas.microsoft.com/sharepoint/v3/contenttype/forms">
+  <Display>DocumentLibraryForm</Display>
+  <Edit>DocumentLibraryForm</Edit>
+  <New>DocumentLibraryForm</New>
+</FormTemplates>
+</file>
+
+<file path=customXml/item3.xml><?xml version="1.0" encoding="utf-8"?>
 <ct:contentTypeSchema xmlns:ct="http://schemas.microsoft.com/office/2006/metadata/contentType" xmlns:ma="http://schemas.microsoft.com/office/2006/metadata/properties/metaAttributes" ct:_="" ma:_="" ma:contentTypeName="Document" ma:contentTypeID="0x01010079F111ED35F8CC479449609E8A0923A6" ma:contentTypeVersion="11" ma:contentTypeDescription="Create a new document." ma:contentTypeScope="" ma:versionID="96291512c1ee715ab617f4c07df79fc1">
   <xsd:schema xmlns:xsd="http://www.w3.org/2001/XMLSchema" xmlns:xs="http://www.w3.org/2001/XMLSchema" xmlns:p="http://schemas.microsoft.com/office/2006/metadata/properties" xmlns:ns2="71af3243-3dd4-4a8d-8c0d-dd76da1f02a5" xmlns:ns3="16c05727-aa75-4e4a-9b5f-8a80a1165891" targetNamespace="http://schemas.microsoft.com/office/2006/metadata/properties" ma:root="true" ma:fieldsID="8256c27c40ca5c40ce1cf6c44f0205df" ns2:_="" ns3:_="">
     <xsd:import namespace="71af3243-3dd4-4a8d-8c0d-dd76da1f02a5"/>
@@ -20751,24 +21124,32 @@
 </ct:contentTypeSchema>
 </file>
 
-<file path=customXml/item2.xml><?xml version="1.0" encoding="utf-8"?>
-<?mso-contentType ?>
-<FormTemplates xmlns="http://schemas.microsoft.com/sharepoint/v3/contenttype/forms">
-  <Display>DocumentLibraryForm</Display>
-  <Edit>DocumentLibraryForm</Edit>
-  <New>DocumentLibraryForm</New>
-</FormTemplates>
+<file path=customXml/itemProps1.xml><?xml version="1.0" encoding="utf-8"?>
+<ds:datastoreItem xmlns:ds="http://schemas.openxmlformats.org/officeDocument/2006/customXml" ds:itemID="{A861FE8A-8F15-409F-AF62-619C69C0D537}">
+  <ds:schemaRefs>
+    <ds:schemaRef ds:uri="http://schemas.openxmlformats.org/package/2006/metadata/core-properties"/>
+    <ds:schemaRef ds:uri="http://purl.org/dc/terms/"/>
+    <ds:schemaRef ds:uri="http://schemas.microsoft.com/office/infopath/2007/PartnerControls"/>
+    <ds:schemaRef ds:uri="http://schemas.microsoft.com/office/2006/documentManagement/types"/>
+    <ds:schemaRef ds:uri="http://schemas.microsoft.com/office/2006/metadata/properties"/>
+    <ds:schemaRef ds:uri="http://purl.org/dc/elements/1.1/"/>
+    <ds:schemaRef ds:uri="16c05727-aa75-4e4a-9b5f-8a80a1165891"/>
+    <ds:schemaRef ds:uri="71af3243-3dd4-4a8d-8c0d-dd76da1f02a5"/>
+    <ds:schemaRef ds:uri="http://www.w3.org/XML/1998/namespace"/>
+    <ds:schemaRef ds:uri="http://purl.org/dc/dcmitype/"/>
+  </ds:schemaRefs>
+</ds:datastoreItem>
 </file>
 
-<file path=customXml/item3.xml><?xml version="1.0" encoding="utf-8"?>
-<p:properties xmlns:p="http://schemas.microsoft.com/office/2006/metadata/properties" xmlns:xsi="http://www.w3.org/2001/XMLSchema-instance" xmlns:pc="http://schemas.microsoft.com/office/infopath/2007/PartnerControls">
-  <documentManagement>
-    <MediaServiceKeyPoints xmlns="71af3243-3dd4-4a8d-8c0d-dd76da1f02a5" xsi:nil="true"/>
-  </documentManagement>
-</p:properties>
+<file path=customXml/itemProps2.xml><?xml version="1.0" encoding="utf-8"?>
+<ds:datastoreItem xmlns:ds="http://schemas.openxmlformats.org/officeDocument/2006/customXml" ds:itemID="{8A930687-51F2-44C8-9CE6-D1B3D6E17522}">
+  <ds:schemaRefs>
+    <ds:schemaRef ds:uri="http://schemas.microsoft.com/sharepoint/v3/contenttype/forms"/>
+  </ds:schemaRefs>
+</ds:datastoreItem>
 </file>
 
-<file path=customXml/itemProps1.xml><?xml version="1.0" encoding="utf-8"?>
+<file path=customXml/itemProps3.xml><?xml version="1.0" encoding="utf-8"?>
 <ds:datastoreItem xmlns:ds="http://schemas.openxmlformats.org/officeDocument/2006/customXml" ds:itemID="{29AE7CBC-C35C-4FA9-B339-59E31F30C6AC}">
   <ds:schemaRefs>
     <ds:schemaRef ds:uri="http://schemas.microsoft.com/office/2006/metadata/contentType"/>
@@ -20785,29 +21166,4 @@
     <ds:schemaRef ds:uri="http://schemas.microsoft.com/internal/obd"/>
   </ds:schemaRefs>
 </ds:datastoreItem>
-</file>
-
-<file path=customXml/itemProps2.xml><?xml version="1.0" encoding="utf-8"?>
-<ds:datastoreItem xmlns:ds="http://schemas.openxmlformats.org/officeDocument/2006/customXml" ds:itemID="{8A930687-51F2-44C8-9CE6-D1B3D6E17522}">
-  <ds:schemaRefs>
-    <ds:schemaRef ds:uri="http://schemas.microsoft.com/sharepoint/v3/contenttype/forms"/>
-  </ds:schemaRefs>
-</ds:datastoreItem>
-</file>
-
-<file path=customXml/itemProps3.xml><?xml version="1.0" encoding="utf-8"?>
-<ds:datastoreItem xmlns:ds="http://schemas.openxmlformats.org/officeDocument/2006/customXml" ds:itemID="{A861FE8A-8F15-409F-AF62-619C69C0D537}">
-  <ds:schemaRefs>
-    <ds:schemaRef ds:uri="http://schemas.openxmlformats.org/package/2006/metadata/core-properties"/>
-    <ds:schemaRef ds:uri="http://purl.org/dc/terms/"/>
-    <ds:schemaRef ds:uri="http://schemas.microsoft.com/office/infopath/2007/PartnerControls"/>
-    <ds:schemaRef ds:uri="http://schemas.microsoft.com/office/2006/documentManagement/types"/>
-    <ds:schemaRef ds:uri="http://schemas.microsoft.com/office/2006/metadata/properties"/>
-    <ds:schemaRef ds:uri="http://purl.org/dc/elements/1.1/"/>
-    <ds:schemaRef ds:uri="16c05727-aa75-4e4a-9b5f-8a80a1165891"/>
-    <ds:schemaRef ds:uri="71af3243-3dd4-4a8d-8c0d-dd76da1f02a5"/>
-    <ds:schemaRef ds:uri="http://www.w3.org/XML/1998/namespace"/>
-    <ds:schemaRef ds:uri="http://purl.org/dc/dcmitype/"/>
-  </ds:schemaRefs>
-</ds:datastoreItem>
 </file>
--- a/presentations/aspnetcore3-whatsnew/aspnetcore3-whatsnew.pptx
+++ b/presentations/aspnetcore3-whatsnew/aspnetcore3-whatsnew.pptx
@@ -5,16 +5,35 @@
     <p:sldMasterId id="2147483648" r:id="rId4"/>
   </p:sldMasterIdLst>
   <p:notesMasterIdLst>
-    <p:notesMasterId r:id="rId9"/>
+    <p:notesMasterId r:id="rId28"/>
   </p:notesMasterIdLst>
   <p:handoutMasterIdLst>
-    <p:handoutMasterId r:id="rId10"/>
+    <p:handoutMasterId r:id="rId29"/>
   </p:handoutMasterIdLst>
   <p:sldIdLst>
-    <p:sldId id="298" r:id="rId5"/>
-    <p:sldId id="302" r:id="rId6"/>
-    <p:sldId id="330" r:id="rId7"/>
-    <p:sldId id="331" r:id="rId8"/>
+    <p:sldId id="332" r:id="rId5"/>
+    <p:sldId id="334" r:id="rId6"/>
+    <p:sldId id="335" r:id="rId7"/>
+    <p:sldId id="336" r:id="rId8"/>
+    <p:sldId id="338" r:id="rId9"/>
+    <p:sldId id="337" r:id="rId10"/>
+    <p:sldId id="341" r:id="rId11"/>
+    <p:sldId id="342" r:id="rId12"/>
+    <p:sldId id="343" r:id="rId13"/>
+    <p:sldId id="344" r:id="rId14"/>
+    <p:sldId id="345" r:id="rId15"/>
+    <p:sldId id="346" r:id="rId16"/>
+    <p:sldId id="340" r:id="rId17"/>
+    <p:sldId id="339" r:id="rId18"/>
+    <p:sldId id="347" r:id="rId19"/>
+    <p:sldId id="333" r:id="rId20"/>
+    <p:sldId id="348" r:id="rId21"/>
+    <p:sldId id="349" r:id="rId22"/>
+    <p:sldId id="350" r:id="rId23"/>
+    <p:sldId id="351" r:id="rId24"/>
+    <p:sldId id="352" r:id="rId25"/>
+    <p:sldId id="353" r:id="rId26"/>
+    <p:sldId id="354" r:id="rId27"/>
   </p:sldIdLst>
   <p:sldSz cx="12192000" cy="6858000"/>
   <p:notesSz cx="6858000" cy="9144000"/>
@@ -118,10 +137,29 @@
       <p14:sectionLst xmlns:p14="http://schemas.microsoft.com/office/powerpoint/2010/main">
         <p14:section name="Introduction" id="{2B4F2F16-BA58-436E-99C4-412377A0C918}">
           <p14:sldIdLst>
-            <p14:sldId id="298"/>
-            <p14:sldId id="302"/>
-            <p14:sldId id="330"/>
-            <p14:sldId id="331"/>
+            <p14:sldId id="332"/>
+            <p14:sldId id="334"/>
+            <p14:sldId id="335"/>
+            <p14:sldId id="336"/>
+            <p14:sldId id="338"/>
+            <p14:sldId id="337"/>
+            <p14:sldId id="341"/>
+            <p14:sldId id="342"/>
+            <p14:sldId id="343"/>
+            <p14:sldId id="344"/>
+            <p14:sldId id="345"/>
+            <p14:sldId id="346"/>
+            <p14:sldId id="340"/>
+            <p14:sldId id="339"/>
+            <p14:sldId id="347"/>
+            <p14:sldId id="333"/>
+            <p14:sldId id="348"/>
+            <p14:sldId id="349"/>
+            <p14:sldId id="350"/>
+            <p14:sldId id="351"/>
+            <p14:sldId id="352"/>
+            <p14:sldId id="353"/>
+            <p14:sldId id="354"/>
           </p14:sldIdLst>
         </p14:section>
       </p14:sectionLst>
@@ -134,3064 +172,6 @@
     </p:ext>
   </p:extLst>
 </p:presentation>
-</file>
-
-<file path=ppt/diagrams/colors1.xml><?xml version="1.0" encoding="utf-8"?>
-<dgm:colorsDef xmlns:dgm="http://schemas.openxmlformats.org/drawingml/2006/diagram" xmlns:a="http://schemas.openxmlformats.org/drawingml/2006/main" uniqueId="urn:microsoft.com/office/officeart/2005/8/colors/colorful4">
-  <dgm:title val=""/>
-  <dgm:desc val=""/>
-  <dgm:catLst>
-    <dgm:cat type="colorful" pri="10400"/>
-  </dgm:catLst>
-  <dgm:styleLbl name="node0">
-    <dgm:fillClrLst meth="repeat">
-      <a:schemeClr val="accent3"/>
-    </dgm:fillClrLst>
-    <dgm:linClrLst meth="repeat">
-      <a:schemeClr val="lt1"/>
-    </dgm:linClrLst>
-    <dgm:effectClrLst/>
-    <dgm:txLinClrLst/>
-    <dgm:txFillClrLst/>
-    <dgm:txEffectClrLst/>
-  </dgm:styleLbl>
-  <dgm:styleLbl name="node1">
-    <dgm:fillClrLst>
-      <a:schemeClr val="accent4"/>
-      <a:schemeClr val="accent5"/>
-    </dgm:fillClrLst>
-    <dgm:linClrLst meth="repeat">
-      <a:schemeClr val="lt1"/>
-    </dgm:linClrLst>
-    <dgm:effectClrLst/>
-    <dgm:txLinClrLst/>
-    <dgm:txFillClrLst/>
-    <dgm:txEffectClrLst/>
-  </dgm:styleLbl>
-  <dgm:styleLbl name="alignNode1">
-    <dgm:fillClrLst>
-      <a:schemeClr val="accent4"/>
-      <a:schemeClr val="accent5"/>
-    </dgm:fillClrLst>
-    <dgm:linClrLst>
-      <a:schemeClr val="accent4"/>
-      <a:schemeClr val="accent5"/>
-    </dgm:linClrLst>
-    <dgm:effectClrLst/>
-    <dgm:txLinClrLst/>
-    <dgm:txFillClrLst/>
-    <dgm:txEffectClrLst/>
-  </dgm:styleLbl>
-  <dgm:styleLbl name="lnNode1">
-    <dgm:fillClrLst>
-      <a:schemeClr val="accent4"/>
-      <a:schemeClr val="accent5"/>
-    </dgm:fillClrLst>
-    <dgm:linClrLst meth="repeat">
-      <a:schemeClr val="lt1"/>
-    </dgm:linClrLst>
-    <dgm:effectClrLst/>
-    <dgm:txLinClrLst/>
-    <dgm:txFillClrLst/>
-    <dgm:txEffectClrLst/>
-  </dgm:styleLbl>
-  <dgm:styleLbl name="vennNode1">
-    <dgm:fillClrLst>
-      <a:schemeClr val="accent4">
-        <a:alpha val="50000"/>
-      </a:schemeClr>
-      <a:schemeClr val="accent5">
-        <a:alpha val="50000"/>
-      </a:schemeClr>
-    </dgm:fillClrLst>
-    <dgm:linClrLst meth="repeat">
-      <a:schemeClr val="lt1"/>
-    </dgm:linClrLst>
-    <dgm:effectClrLst/>
-    <dgm:txLinClrLst/>
-    <dgm:txFillClrLst/>
-    <dgm:txEffectClrLst/>
-  </dgm:styleLbl>
-  <dgm:styleLbl name="node2">
-    <dgm:fillClrLst>
-      <a:schemeClr val="accent5"/>
-    </dgm:fillClrLst>
-    <dgm:linClrLst meth="repeat">
-      <a:schemeClr val="lt1"/>
-    </dgm:linClrLst>
-    <dgm:effectClrLst/>
-    <dgm:txLinClrLst/>
-    <dgm:txFillClrLst/>
-    <dgm:txEffectClrLst/>
-  </dgm:styleLbl>
-  <dgm:styleLbl name="node3">
-    <dgm:fillClrLst>
-      <a:schemeClr val="accent6"/>
-    </dgm:fillClrLst>
-    <dgm:linClrLst meth="repeat">
-      <a:schemeClr val="lt1"/>
-    </dgm:linClrLst>
-    <dgm:effectClrLst/>
-    <dgm:txLinClrLst/>
-    <dgm:txFillClrLst/>
-    <dgm:txEffectClrLst/>
-  </dgm:styleLbl>
-  <dgm:styleLbl name="node4">
-    <dgm:fillClrLst>
-      <a:schemeClr val="accent1"/>
-    </dgm:fillClrLst>
-    <dgm:linClrLst meth="repeat">
-      <a:schemeClr val="lt1"/>
-    </dgm:linClrLst>
-    <dgm:effectClrLst/>
-    <dgm:txLinClrLst/>
-    <dgm:txFillClrLst/>
-    <dgm:txEffectClrLst/>
-  </dgm:styleLbl>
-  <dgm:styleLbl name="fgImgPlace1">
-    <dgm:fillClrLst>
-      <a:schemeClr val="accent4">
-        <a:tint val="50000"/>
-      </a:schemeClr>
-      <a:schemeClr val="accent5">
-        <a:tint val="50000"/>
-      </a:schemeClr>
-    </dgm:fillClrLst>
-    <dgm:linClrLst meth="repeat">
-      <a:schemeClr val="lt1"/>
-    </dgm:linClrLst>
-    <dgm:effectClrLst/>
-    <dgm:txLinClrLst/>
-    <dgm:txFillClrLst meth="repeat">
-      <a:schemeClr val="lt1"/>
-    </dgm:txFillClrLst>
-    <dgm:txEffectClrLst/>
-  </dgm:styleLbl>
-  <dgm:styleLbl name="alignImgPlace1">
-    <dgm:fillClrLst>
-      <a:schemeClr val="accent4">
-        <a:tint val="50000"/>
-      </a:schemeClr>
-      <a:schemeClr val="accent5">
-        <a:tint val="20000"/>
-      </a:schemeClr>
-    </dgm:fillClrLst>
-    <dgm:linClrLst meth="repeat">
-      <a:schemeClr val="lt1"/>
-    </dgm:linClrLst>
-    <dgm:effectClrLst/>
-    <dgm:txLinClrLst/>
-    <dgm:txFillClrLst meth="repeat">
-      <a:schemeClr val="lt1"/>
-    </dgm:txFillClrLst>
-    <dgm:txEffectClrLst/>
-  </dgm:styleLbl>
-  <dgm:styleLbl name="bgImgPlace1">
-    <dgm:fillClrLst>
-      <a:schemeClr val="accent4">
-        <a:tint val="50000"/>
-      </a:schemeClr>
-      <a:schemeClr val="accent5">
-        <a:tint val="20000"/>
-      </a:schemeClr>
-    </dgm:fillClrLst>
-    <dgm:linClrLst meth="repeat">
-      <a:schemeClr val="lt1"/>
-    </dgm:linClrLst>
-    <dgm:effectClrLst/>
-    <dgm:txLinClrLst/>
-    <dgm:txFillClrLst meth="repeat">
-      <a:schemeClr val="lt1"/>
-    </dgm:txFillClrLst>
-    <dgm:txEffectClrLst/>
-  </dgm:styleLbl>
-  <dgm:styleLbl name="sibTrans2D1">
-    <dgm:fillClrLst>
-      <a:schemeClr val="accent4"/>
-      <a:schemeClr val="accent5"/>
-    </dgm:fillClrLst>
-    <dgm:linClrLst meth="repeat">
-      <a:schemeClr val="lt1"/>
-    </dgm:linClrLst>
-    <dgm:effectClrLst/>
-    <dgm:txLinClrLst/>
-    <dgm:txFillClrLst/>
-    <dgm:txEffectClrLst/>
-  </dgm:styleLbl>
-  <dgm:styleLbl name="fgSibTrans2D1">
-    <dgm:fillClrLst>
-      <a:schemeClr val="accent4"/>
-      <a:schemeClr val="accent5"/>
-    </dgm:fillClrLst>
-    <dgm:linClrLst meth="repeat">
-      <a:schemeClr val="lt1"/>
-    </dgm:linClrLst>
-    <dgm:effectClrLst/>
-    <dgm:txLinClrLst/>
-    <dgm:txFillClrLst meth="repeat">
-      <a:schemeClr val="lt1"/>
-    </dgm:txFillClrLst>
-    <dgm:txEffectClrLst/>
-  </dgm:styleLbl>
-  <dgm:styleLbl name="bgSibTrans2D1">
-    <dgm:fillClrLst>
-      <a:schemeClr val="accent4"/>
-      <a:schemeClr val="accent5"/>
-    </dgm:fillClrLst>
-    <dgm:linClrLst meth="repeat">
-      <a:schemeClr val="lt1"/>
-    </dgm:linClrLst>
-    <dgm:effectClrLst/>
-    <dgm:txLinClrLst/>
-    <dgm:txFillClrLst meth="repeat">
-      <a:schemeClr val="lt1"/>
-    </dgm:txFillClrLst>
-    <dgm:txEffectClrLst/>
-  </dgm:styleLbl>
-  <dgm:styleLbl name="sibTrans1D1">
-    <dgm:fillClrLst/>
-    <dgm:linClrLst>
-      <a:schemeClr val="accent4"/>
-      <a:schemeClr val="accent5"/>
-    </dgm:linClrLst>
-    <dgm:effectClrLst/>
-    <dgm:txLinClrLst/>
-    <dgm:txFillClrLst meth="repeat">
-      <a:schemeClr val="tx1"/>
-    </dgm:txFillClrLst>
-    <dgm:txEffectClrLst/>
-  </dgm:styleLbl>
-  <dgm:styleLbl name="callout">
-    <dgm:fillClrLst meth="repeat">
-      <a:schemeClr val="accent4"/>
-    </dgm:fillClrLst>
-    <dgm:linClrLst meth="repeat">
-      <a:schemeClr val="accent4">
-        <a:tint val="50000"/>
-      </a:schemeClr>
-    </dgm:linClrLst>
-    <dgm:effectClrLst/>
-    <dgm:txLinClrLst/>
-    <dgm:txFillClrLst meth="repeat">
-      <a:schemeClr val="tx1"/>
-    </dgm:txFillClrLst>
-    <dgm:txEffectClrLst/>
-  </dgm:styleLbl>
-  <dgm:styleLbl name="asst0">
-    <dgm:fillClrLst meth="repeat">
-      <a:schemeClr val="accent4"/>
-    </dgm:fillClrLst>
-    <dgm:linClrLst meth="repeat">
-      <a:schemeClr val="lt1">
-        <a:shade val="80000"/>
-      </a:schemeClr>
-    </dgm:linClrLst>
-    <dgm:effectClrLst/>
-    <dgm:txLinClrLst/>
-    <dgm:txFillClrLst/>
-    <dgm:txEffectClrLst/>
-  </dgm:styleLbl>
-  <dgm:styleLbl name="asst1">
-    <dgm:fillClrLst meth="repeat">
-      <a:schemeClr val="accent5"/>
-    </dgm:fillClrLst>
-    <dgm:linClrLst meth="repeat">
-      <a:schemeClr val="lt1">
-        <a:shade val="80000"/>
-      </a:schemeClr>
-    </dgm:linClrLst>
-    <dgm:effectClrLst/>
-    <dgm:txLinClrLst/>
-    <dgm:txFillClrLst/>
-    <dgm:txEffectClrLst/>
-  </dgm:styleLbl>
-  <dgm:styleLbl name="asst2">
-    <dgm:fillClrLst>
-      <a:schemeClr val="accent6"/>
-    </dgm:fillClrLst>
-    <dgm:linClrLst meth="repeat">
-      <a:schemeClr val="lt1"/>
-    </dgm:linClrLst>
-    <dgm:effectClrLst/>
-    <dgm:txLinClrLst/>
-    <dgm:txFillClrLst/>
-    <dgm:txEffectClrLst/>
-  </dgm:styleLbl>
-  <dgm:styleLbl name="asst3">
-    <dgm:fillClrLst>
-      <a:schemeClr val="accent1"/>
-    </dgm:fillClrLst>
-    <dgm:linClrLst meth="repeat">
-      <a:schemeClr val="lt1"/>
-    </dgm:linClrLst>
-    <dgm:effectClrLst/>
-    <dgm:txLinClrLst/>
-    <dgm:txFillClrLst/>
-    <dgm:txEffectClrLst/>
-  </dgm:styleLbl>
-  <dgm:styleLbl name="asst4">
-    <dgm:fillClrLst>
-      <a:schemeClr val="accent2"/>
-    </dgm:fillClrLst>
-    <dgm:linClrLst meth="repeat">
-      <a:schemeClr val="lt1"/>
-    </dgm:linClrLst>
-    <dgm:effectClrLst/>
-    <dgm:txLinClrLst/>
-    <dgm:txFillClrLst/>
-    <dgm:txEffectClrLst/>
-  </dgm:styleLbl>
-  <dgm:styleLbl name="parChTrans2D1">
-    <dgm:fillClrLst meth="repeat">
-      <a:schemeClr val="accent4"/>
-    </dgm:fillClrLst>
-    <dgm:linClrLst meth="repeat">
-      <a:schemeClr val="lt1"/>
-    </dgm:linClrLst>
-    <dgm:effectClrLst/>
-    <dgm:txLinClrLst/>
-    <dgm:txFillClrLst meth="repeat">
-      <a:schemeClr val="lt1"/>
-    </dgm:txFillClrLst>
-    <dgm:txEffectClrLst/>
-  </dgm:styleLbl>
-  <dgm:styleLbl name="parChTrans2D2">
-    <dgm:fillClrLst meth="repeat">
-      <a:schemeClr val="accent5"/>
-    </dgm:fillClrLst>
-    <dgm:linClrLst meth="repeat">
-      <a:schemeClr val="lt1"/>
-    </dgm:linClrLst>
-    <dgm:effectClrLst/>
-    <dgm:txLinClrLst/>
-    <dgm:txFillClrLst/>
-    <dgm:txEffectClrLst/>
-  </dgm:styleLbl>
-  <dgm:styleLbl name="parChTrans2D3">
-    <dgm:fillClrLst meth="repeat">
-      <a:schemeClr val="accent5"/>
-    </dgm:fillClrLst>
-    <dgm:linClrLst meth="repeat">
-      <a:schemeClr val="lt1"/>
-    </dgm:linClrLst>
-    <dgm:effectClrLst/>
-    <dgm:txLinClrLst/>
-    <dgm:txFillClrLst/>
-    <dgm:txEffectClrLst/>
-  </dgm:styleLbl>
-  <dgm:styleLbl name="parChTrans2D4">
-    <dgm:fillClrLst meth="repeat">
-      <a:schemeClr val="accent6"/>
-    </dgm:fillClrLst>
-    <dgm:linClrLst meth="repeat">
-      <a:schemeClr val="lt1"/>
-    </dgm:linClrLst>
-    <dgm:effectClrLst/>
-    <dgm:txLinClrLst/>
-    <dgm:txFillClrLst meth="repeat">
-      <a:schemeClr val="lt1"/>
-    </dgm:txFillClrLst>
-    <dgm:txEffectClrLst/>
-  </dgm:styleLbl>
-  <dgm:styleLbl name="parChTrans1D1">
-    <dgm:fillClrLst meth="repeat">
-      <a:schemeClr val="accent4"/>
-    </dgm:fillClrLst>
-    <dgm:linClrLst meth="repeat">
-      <a:schemeClr val="accent4"/>
-    </dgm:linClrLst>
-    <dgm:effectClrLst/>
-    <dgm:txLinClrLst/>
-    <dgm:txFillClrLst meth="repeat">
-      <a:schemeClr val="tx1"/>
-    </dgm:txFillClrLst>
-    <dgm:txEffectClrLst/>
-  </dgm:styleLbl>
-  <dgm:styleLbl name="parChTrans1D2">
-    <dgm:fillClrLst meth="repeat">
-      <a:schemeClr val="accent4">
-        <a:tint val="90000"/>
-      </a:schemeClr>
-    </dgm:fillClrLst>
-    <dgm:linClrLst meth="repeat">
-      <a:schemeClr val="accent5"/>
-    </dgm:linClrLst>
-    <dgm:effectClrLst/>
-    <dgm:txLinClrLst/>
-    <dgm:txFillClrLst meth="repeat">
-      <a:schemeClr val="tx1"/>
-    </dgm:txFillClrLst>
-    <dgm:txEffectClrLst/>
-  </dgm:styleLbl>
-  <dgm:styleLbl name="parChTrans1D3">
-    <dgm:fillClrLst meth="repeat">
-      <a:schemeClr val="accent4">
-        <a:tint val="70000"/>
-      </a:schemeClr>
-    </dgm:fillClrLst>
-    <dgm:linClrLst meth="repeat">
-      <a:schemeClr val="accent6"/>
-    </dgm:linClrLst>
-    <dgm:effectClrLst/>
-    <dgm:txLinClrLst/>
-    <dgm:txFillClrLst meth="repeat">
-      <a:schemeClr val="tx1"/>
-    </dgm:txFillClrLst>
-    <dgm:txEffectClrLst/>
-  </dgm:styleLbl>
-  <dgm:styleLbl name="parChTrans1D4">
-    <dgm:fillClrLst meth="repeat">
-      <a:schemeClr val="accent4">
-        <a:tint val="50000"/>
-      </a:schemeClr>
-    </dgm:fillClrLst>
-    <dgm:linClrLst meth="repeat">
-      <a:schemeClr val="accent1"/>
-    </dgm:linClrLst>
-    <dgm:effectClrLst/>
-    <dgm:txLinClrLst/>
-    <dgm:txFillClrLst meth="repeat">
-      <a:schemeClr val="tx1"/>
-    </dgm:txFillClrLst>
-    <dgm:txEffectClrLst/>
-  </dgm:styleLbl>
-  <dgm:styleLbl name="fgAcc1">
-    <dgm:fillClrLst meth="repeat">
-      <a:schemeClr val="lt1">
-        <a:alpha val="90000"/>
-      </a:schemeClr>
-    </dgm:fillClrLst>
-    <dgm:linClrLst>
-      <a:schemeClr val="accent4"/>
-      <a:schemeClr val="accent5"/>
-    </dgm:linClrLst>
-    <dgm:effectClrLst/>
-    <dgm:txLinClrLst/>
-    <dgm:txFillClrLst meth="repeat">
-      <a:schemeClr val="dk1"/>
-    </dgm:txFillClrLst>
-    <dgm:txEffectClrLst/>
-  </dgm:styleLbl>
-  <dgm:styleLbl name="conFgAcc1">
-    <dgm:fillClrLst meth="repeat">
-      <a:schemeClr val="lt1">
-        <a:alpha val="90000"/>
-      </a:schemeClr>
-    </dgm:fillClrLst>
-    <dgm:linClrLst>
-      <a:schemeClr val="accent4"/>
-      <a:schemeClr val="accent5"/>
-    </dgm:linClrLst>
-    <dgm:effectClrLst/>
-    <dgm:txLinClrLst/>
-    <dgm:txFillClrLst meth="repeat">
-      <a:schemeClr val="dk1"/>
-    </dgm:txFillClrLst>
-    <dgm:txEffectClrLst/>
-  </dgm:styleLbl>
-  <dgm:styleLbl name="alignAcc1">
-    <dgm:fillClrLst meth="repeat">
-      <a:schemeClr val="lt1">
-        <a:alpha val="90000"/>
-      </a:schemeClr>
-    </dgm:fillClrLst>
-    <dgm:linClrLst>
-      <a:schemeClr val="accent4"/>
-      <a:schemeClr val="accent5"/>
-    </dgm:linClrLst>
-    <dgm:effectClrLst/>
-    <dgm:txLinClrLst/>
-    <dgm:txFillClrLst meth="repeat">
-      <a:schemeClr val="dk1"/>
-    </dgm:txFillClrLst>
-    <dgm:txEffectClrLst/>
-  </dgm:styleLbl>
-  <dgm:styleLbl name="trAlignAcc1">
-    <dgm:fillClrLst meth="repeat">
-      <a:schemeClr val="lt1">
-        <a:alpha val="40000"/>
-      </a:schemeClr>
-    </dgm:fillClrLst>
-    <dgm:linClrLst meth="repeat">
-      <a:schemeClr val="accent4"/>
-    </dgm:linClrLst>
-    <dgm:effectClrLst/>
-    <dgm:txLinClrLst/>
-    <dgm:txFillClrLst meth="repeat">
-      <a:schemeClr val="dk1"/>
-    </dgm:txFillClrLst>
-    <dgm:txEffectClrLst/>
-  </dgm:styleLbl>
-  <dgm:styleLbl name="bgAcc1">
-    <dgm:fillClrLst meth="repeat">
-      <a:schemeClr val="lt1">
-        <a:alpha val="90000"/>
-      </a:schemeClr>
-    </dgm:fillClrLst>
-    <dgm:linClrLst>
-      <a:schemeClr val="accent4"/>
-      <a:schemeClr val="accent5"/>
-    </dgm:linClrLst>
-    <dgm:effectClrLst/>
-    <dgm:txLinClrLst/>
-    <dgm:txFillClrLst meth="repeat">
-      <a:schemeClr val="dk1"/>
-    </dgm:txFillClrLst>
-    <dgm:txEffectClrLst/>
-  </dgm:styleLbl>
-  <dgm:styleLbl name="solidFgAcc1">
-    <dgm:fillClrLst meth="repeat">
-      <a:schemeClr val="lt1"/>
-    </dgm:fillClrLst>
-    <dgm:linClrLst>
-      <a:schemeClr val="accent4"/>
-      <a:schemeClr val="accent5"/>
-    </dgm:linClrLst>
-    <dgm:effectClrLst/>
-    <dgm:txLinClrLst/>
-    <dgm:txFillClrLst meth="repeat">
-      <a:schemeClr val="dk1"/>
-    </dgm:txFillClrLst>
-    <dgm:txEffectClrLst/>
-  </dgm:styleLbl>
-  <dgm:styleLbl name="solidAlignAcc1">
-    <dgm:fillClrLst meth="repeat">
-      <a:schemeClr val="lt1"/>
-    </dgm:fillClrLst>
-    <dgm:linClrLst>
-      <a:schemeClr val="accent4"/>
-      <a:schemeClr val="accent5"/>
-    </dgm:linClrLst>
-    <dgm:effectClrLst/>
-    <dgm:txLinClrLst/>
-    <dgm:txFillClrLst meth="repeat">
-      <a:schemeClr val="dk1"/>
-    </dgm:txFillClrLst>
-    <dgm:txEffectClrLst/>
-  </dgm:styleLbl>
-  <dgm:styleLbl name="solidBgAcc1">
-    <dgm:fillClrLst meth="repeat">
-      <a:schemeClr val="lt1"/>
-    </dgm:fillClrLst>
-    <dgm:linClrLst>
-      <a:schemeClr val="accent4"/>
-      <a:schemeClr val="accent5"/>
-    </dgm:linClrLst>
-    <dgm:effectClrLst/>
-    <dgm:txLinClrLst/>
-    <dgm:txFillClrLst meth="repeat">
-      <a:schemeClr val="dk1"/>
-    </dgm:txFillClrLst>
-    <dgm:txEffectClrLst/>
-  </dgm:styleLbl>
-  <dgm:styleLbl name="fgAccFollowNode1">
-    <dgm:fillClrLst>
-      <a:schemeClr val="accent4">
-        <a:tint val="40000"/>
-        <a:alpha val="90000"/>
-      </a:schemeClr>
-      <a:schemeClr val="accent5">
-        <a:tint val="40000"/>
-        <a:alpha val="90000"/>
-      </a:schemeClr>
-    </dgm:fillClrLst>
-    <dgm:linClrLst>
-      <a:schemeClr val="accent4">
-        <a:tint val="40000"/>
-        <a:alpha val="90000"/>
-      </a:schemeClr>
-      <a:schemeClr val="accent5">
-        <a:tint val="40000"/>
-        <a:alpha val="90000"/>
-      </a:schemeClr>
-    </dgm:linClrLst>
-    <dgm:effectClrLst/>
-    <dgm:txLinClrLst/>
-    <dgm:txFillClrLst meth="repeat">
-      <a:schemeClr val="dk1"/>
-    </dgm:txFillClrLst>
-    <dgm:txEffectClrLst/>
-  </dgm:styleLbl>
-  <dgm:styleLbl name="alignAccFollowNode1">
-    <dgm:fillClrLst>
-      <a:schemeClr val="accent4">
-        <a:tint val="40000"/>
-        <a:alpha val="90000"/>
-      </a:schemeClr>
-      <a:schemeClr val="accent5">
-        <a:tint val="40000"/>
-        <a:alpha val="90000"/>
-      </a:schemeClr>
-    </dgm:fillClrLst>
-    <dgm:linClrLst>
-      <a:schemeClr val="accent4">
-        <a:tint val="40000"/>
-        <a:alpha val="90000"/>
-      </a:schemeClr>
-      <a:schemeClr val="accent5">
-        <a:tint val="40000"/>
-        <a:alpha val="90000"/>
-      </a:schemeClr>
-    </dgm:linClrLst>
-    <dgm:effectClrLst/>
-    <dgm:txLinClrLst/>
-    <dgm:txFillClrLst meth="repeat">
-      <a:schemeClr val="dk1"/>
-    </dgm:txFillClrLst>
-    <dgm:txEffectClrLst/>
-  </dgm:styleLbl>
-  <dgm:styleLbl name="bgAccFollowNode1">
-    <dgm:fillClrLst>
-      <a:schemeClr val="accent4">
-        <a:tint val="40000"/>
-        <a:alpha val="90000"/>
-      </a:schemeClr>
-      <a:schemeClr val="accent5">
-        <a:tint val="40000"/>
-        <a:alpha val="90000"/>
-      </a:schemeClr>
-    </dgm:fillClrLst>
-    <dgm:linClrLst>
-      <a:schemeClr val="accent4">
-        <a:tint val="40000"/>
-        <a:alpha val="90000"/>
-      </a:schemeClr>
-      <a:schemeClr val="accent5">
-        <a:tint val="40000"/>
-        <a:alpha val="90000"/>
-      </a:schemeClr>
-    </dgm:linClrLst>
-    <dgm:effectClrLst/>
-    <dgm:txLinClrLst/>
-    <dgm:txFillClrLst meth="repeat">
-      <a:schemeClr val="dk1"/>
-    </dgm:txFillClrLst>
-    <dgm:txEffectClrLst/>
-  </dgm:styleLbl>
-  <dgm:styleLbl name="fgAcc0">
-    <dgm:fillClrLst meth="repeat">
-      <a:schemeClr val="lt1">
-        <a:alpha val="90000"/>
-      </a:schemeClr>
-    </dgm:fillClrLst>
-    <dgm:linClrLst>
-      <a:schemeClr val="accent3"/>
-    </dgm:linClrLst>
-    <dgm:effectClrLst/>
-    <dgm:txLinClrLst/>
-    <dgm:txFillClrLst meth="repeat">
-      <a:schemeClr val="dk1"/>
-    </dgm:txFillClrLst>
-    <dgm:txEffectClrLst/>
-  </dgm:styleLbl>
-  <dgm:styleLbl name="fgAcc2">
-    <dgm:fillClrLst meth="repeat">
-      <a:schemeClr val="lt1">
-        <a:alpha val="90000"/>
-      </a:schemeClr>
-    </dgm:fillClrLst>
-    <dgm:linClrLst>
-      <a:schemeClr val="accent5"/>
-    </dgm:linClrLst>
-    <dgm:effectClrLst/>
-    <dgm:txLinClrLst/>
-    <dgm:txFillClrLst meth="repeat">
-      <a:schemeClr val="dk1"/>
-    </dgm:txFillClrLst>
-    <dgm:txEffectClrLst/>
-  </dgm:styleLbl>
-  <dgm:styleLbl name="fgAcc3">
-    <dgm:fillClrLst meth="repeat">
-      <a:schemeClr val="lt1">
-        <a:alpha val="90000"/>
-      </a:schemeClr>
-    </dgm:fillClrLst>
-    <dgm:linClrLst>
-      <a:schemeClr val="accent6"/>
-    </dgm:linClrLst>
-    <dgm:effectClrLst/>
-    <dgm:txLinClrLst/>
-    <dgm:txFillClrLst meth="repeat">
-      <a:schemeClr val="dk1"/>
-    </dgm:txFillClrLst>
-    <dgm:txEffectClrLst/>
-  </dgm:styleLbl>
-  <dgm:styleLbl name="fgAcc4">
-    <dgm:fillClrLst meth="repeat">
-      <a:schemeClr val="lt1">
-        <a:alpha val="90000"/>
-      </a:schemeClr>
-    </dgm:fillClrLst>
-    <dgm:linClrLst>
-      <a:schemeClr val="accent1"/>
-    </dgm:linClrLst>
-    <dgm:effectClrLst/>
-    <dgm:txLinClrLst/>
-    <dgm:txFillClrLst meth="repeat">
-      <a:schemeClr val="dk1"/>
-    </dgm:txFillClrLst>
-    <dgm:txEffectClrLst/>
-  </dgm:styleLbl>
-  <dgm:styleLbl name="bgShp">
-    <dgm:fillClrLst meth="repeat">
-      <a:schemeClr val="accent4">
-        <a:tint val="40000"/>
-      </a:schemeClr>
-    </dgm:fillClrLst>
-    <dgm:linClrLst meth="repeat">
-      <a:schemeClr val="dk1"/>
-    </dgm:linClrLst>
-    <dgm:effectClrLst/>
-    <dgm:txLinClrLst/>
-    <dgm:txFillClrLst meth="repeat">
-      <a:schemeClr val="dk1"/>
-    </dgm:txFillClrLst>
-    <dgm:txEffectClrLst/>
-  </dgm:styleLbl>
-  <dgm:styleLbl name="dkBgShp">
-    <dgm:fillClrLst meth="repeat">
-      <a:schemeClr val="accent4">
-        <a:shade val="90000"/>
-      </a:schemeClr>
-    </dgm:fillClrLst>
-    <dgm:linClrLst meth="repeat">
-      <a:schemeClr val="dk1"/>
-    </dgm:linClrLst>
-    <dgm:effectClrLst/>
-    <dgm:txLinClrLst/>
-    <dgm:txFillClrLst meth="repeat">
-      <a:schemeClr val="lt1"/>
-    </dgm:txFillClrLst>
-    <dgm:txEffectClrLst/>
-  </dgm:styleLbl>
-  <dgm:styleLbl name="trBgShp">
-    <dgm:fillClrLst meth="repeat">
-      <a:schemeClr val="accent4">
-        <a:tint val="50000"/>
-        <a:alpha val="40000"/>
-      </a:schemeClr>
-    </dgm:fillClrLst>
-    <dgm:linClrLst meth="repeat">
-      <a:schemeClr val="accent4"/>
-    </dgm:linClrLst>
-    <dgm:effectClrLst/>
-    <dgm:txLinClrLst/>
-    <dgm:txFillClrLst meth="repeat">
-      <a:schemeClr val="lt1"/>
-    </dgm:txFillClrLst>
-    <dgm:txEffectClrLst/>
-  </dgm:styleLbl>
-  <dgm:styleLbl name="fgShp">
-    <dgm:fillClrLst meth="repeat">
-      <a:schemeClr val="accent4">
-        <a:tint val="40000"/>
-      </a:schemeClr>
-    </dgm:fillClrLst>
-    <dgm:linClrLst meth="repeat">
-      <a:schemeClr val="lt1"/>
-    </dgm:linClrLst>
-    <dgm:effectClrLst/>
-    <dgm:txLinClrLst/>
-    <dgm:txFillClrLst meth="repeat">
-      <a:schemeClr val="dk1"/>
-    </dgm:txFillClrLst>
-    <dgm:txEffectClrLst/>
-  </dgm:styleLbl>
-  <dgm:styleLbl name="revTx">
-    <dgm:fillClrLst meth="repeat">
-      <a:schemeClr val="lt1">
-        <a:alpha val="0"/>
-      </a:schemeClr>
-    </dgm:fillClrLst>
-    <dgm:linClrLst meth="repeat">
-      <a:schemeClr val="dk1">
-        <a:alpha val="0"/>
-      </a:schemeClr>
-    </dgm:linClrLst>
-    <dgm:effectClrLst/>
-    <dgm:txLinClrLst/>
-    <dgm:txFillClrLst meth="repeat">
-      <a:schemeClr val="tx1"/>
-    </dgm:txFillClrLst>
-    <dgm:txEffectClrLst/>
-  </dgm:styleLbl>
-</dgm:colorsDef>
-</file>
-
-<file path=ppt/diagrams/data1.xml><?xml version="1.0" encoding="utf-8"?>
-<dgm:dataModel xmlns:dgm="http://schemas.openxmlformats.org/drawingml/2006/diagram" xmlns:a="http://schemas.openxmlformats.org/drawingml/2006/main">
-  <dgm:ptLst>
-    <dgm:pt modelId="{5F32B56F-D14A-4223-8878-85956C97AF4E}" type="doc">
-      <dgm:prSet loTypeId="urn:microsoft.com/office/officeart/2005/8/layout/pList1" loCatId="list" qsTypeId="urn:microsoft.com/office/officeart/2005/8/quickstyle/simple1" qsCatId="simple" csTypeId="urn:microsoft.com/office/officeart/2005/8/colors/colorful4" csCatId="colorful" phldr="1"/>
-      <dgm:spPr/>
-      <dgm:t>
-        <a:bodyPr/>
-        <a:lstStyle/>
-        <a:p>
-          <a:endParaRPr lang="en-US"/>
-        </a:p>
-      </dgm:t>
-    </dgm:pt>
-    <dgm:pt modelId="{89A07AC4-D9F7-4E69-A1C0-3A8511BD1989}">
-      <dgm:prSet phldrT="[Text]"/>
-      <dgm:spPr/>
-      <dgm:t>
-        <a:bodyPr/>
-        <a:lstStyle/>
-        <a:p>
-          <a:r>
-            <a:rPr lang="en-US" dirty="0"/>
-            <a:t>Fast</a:t>
-          </a:r>
-        </a:p>
-      </dgm:t>
-    </dgm:pt>
-    <dgm:pt modelId="{A817C364-1721-4B5A-8447-54FA7387E7EC}" type="parTrans" cxnId="{EA3144FE-6FA1-4635-96E1-C242AE62A665}">
-      <dgm:prSet/>
-      <dgm:spPr/>
-      <dgm:t>
-        <a:bodyPr/>
-        <a:lstStyle/>
-        <a:p>
-          <a:endParaRPr lang="en-US"/>
-        </a:p>
-      </dgm:t>
-    </dgm:pt>
-    <dgm:pt modelId="{419E58E6-8E69-4CCA-9FA4-9424CE4699AC}" type="sibTrans" cxnId="{EA3144FE-6FA1-4635-96E1-C242AE62A665}">
-      <dgm:prSet/>
-      <dgm:spPr/>
-      <dgm:t>
-        <a:bodyPr/>
-        <a:lstStyle/>
-        <a:p>
-          <a:endParaRPr lang="en-US"/>
-        </a:p>
-      </dgm:t>
-    </dgm:pt>
-    <dgm:pt modelId="{383021C0-B8C1-4BEB-8A69-9A6417668343}">
-      <dgm:prSet phldrT="[Text]"/>
-      <dgm:spPr/>
-      <dgm:t>
-        <a:bodyPr/>
-        <a:lstStyle/>
-        <a:p>
-          <a:r>
-            <a:rPr lang="en-US" dirty="0"/>
-            <a:t>Cross-platform</a:t>
-          </a:r>
-        </a:p>
-      </dgm:t>
-    </dgm:pt>
-    <dgm:pt modelId="{0A7A3477-FE36-42C8-A64C-64DE53821429}" type="parTrans" cxnId="{7CE2024D-55B5-4D3C-BFEF-8AA6FB32CFF1}">
-      <dgm:prSet/>
-      <dgm:spPr/>
-      <dgm:t>
-        <a:bodyPr/>
-        <a:lstStyle/>
-        <a:p>
-          <a:endParaRPr lang="en-US"/>
-        </a:p>
-      </dgm:t>
-    </dgm:pt>
-    <dgm:pt modelId="{9DA64E8B-0D35-4D51-938E-B1347B95F55B}" type="sibTrans" cxnId="{7CE2024D-55B5-4D3C-BFEF-8AA6FB32CFF1}">
-      <dgm:prSet/>
-      <dgm:spPr/>
-      <dgm:t>
-        <a:bodyPr/>
-        <a:lstStyle/>
-        <a:p>
-          <a:endParaRPr lang="en-US"/>
-        </a:p>
-      </dgm:t>
-    </dgm:pt>
-    <dgm:pt modelId="{5F297E3E-892F-47AA-AEEA-C8956E312990}">
-      <dgm:prSet phldrT="[Text]"/>
-      <dgm:spPr/>
-      <dgm:t>
-        <a:bodyPr/>
-        <a:lstStyle/>
-        <a:p>
-          <a:r>
-            <a:rPr lang="en-US" dirty="0"/>
-            <a:t>Lightweight</a:t>
-          </a:r>
-        </a:p>
-      </dgm:t>
-    </dgm:pt>
-    <dgm:pt modelId="{8638EB5C-24D4-4F40-9BF7-ECBB97E1B0FC}" type="parTrans" cxnId="{7AF2363D-9D44-4CD9-9F2A-73EA19A76D33}">
-      <dgm:prSet/>
-      <dgm:spPr/>
-      <dgm:t>
-        <a:bodyPr/>
-        <a:lstStyle/>
-        <a:p>
-          <a:endParaRPr lang="en-US"/>
-        </a:p>
-      </dgm:t>
-    </dgm:pt>
-    <dgm:pt modelId="{30269D8C-A343-4415-B81C-6038AFC6BC1D}" type="sibTrans" cxnId="{7AF2363D-9D44-4CD9-9F2A-73EA19A76D33}">
-      <dgm:prSet/>
-      <dgm:spPr/>
-      <dgm:t>
-        <a:bodyPr/>
-        <a:lstStyle/>
-        <a:p>
-          <a:endParaRPr lang="en-US"/>
-        </a:p>
-      </dgm:t>
-    </dgm:pt>
-    <dgm:pt modelId="{448F134F-986D-4B86-9C64-8BB16EF457DE}">
-      <dgm:prSet phldrT="[Text]"/>
-      <dgm:spPr/>
-      <dgm:t>
-        <a:bodyPr/>
-        <a:lstStyle/>
-        <a:p>
-          <a:r>
-            <a:rPr lang="en-US" dirty="0"/>
-            <a:t>Open Source</a:t>
-          </a:r>
-        </a:p>
-      </dgm:t>
-    </dgm:pt>
-    <dgm:pt modelId="{C8817C0F-7630-43C2-91F1-CF701E9BE92A}" type="parTrans" cxnId="{65D8C318-B022-47C0-903E-ED6EC969F706}">
-      <dgm:prSet/>
-      <dgm:spPr/>
-      <dgm:t>
-        <a:bodyPr/>
-        <a:lstStyle/>
-        <a:p>
-          <a:endParaRPr lang="en-US"/>
-        </a:p>
-      </dgm:t>
-    </dgm:pt>
-    <dgm:pt modelId="{35B298A6-B899-4D59-9F93-D792E306B07A}" type="sibTrans" cxnId="{65D8C318-B022-47C0-903E-ED6EC969F706}">
-      <dgm:prSet/>
-      <dgm:spPr/>
-      <dgm:t>
-        <a:bodyPr/>
-        <a:lstStyle/>
-        <a:p>
-          <a:endParaRPr lang="en-US"/>
-        </a:p>
-      </dgm:t>
-    </dgm:pt>
-    <dgm:pt modelId="{5C21EB59-91FF-4284-9B25-469F7B0016F3}">
-      <dgm:prSet phldrT="[Text]"/>
-      <dgm:spPr/>
-      <dgm:t>
-        <a:bodyPr/>
-        <a:lstStyle/>
-        <a:p>
-          <a:r>
-            <a:rPr lang="en-US" dirty="0"/>
-            <a:t>Compatible</a:t>
-          </a:r>
-        </a:p>
-      </dgm:t>
-    </dgm:pt>
-    <dgm:pt modelId="{0B2A4B9F-79BE-4791-ACDB-F144FF6B181E}" type="parTrans" cxnId="{94668A1D-50C6-45A7-9983-7177EA21C28D}">
-      <dgm:prSet/>
-      <dgm:spPr/>
-      <dgm:t>
-        <a:bodyPr/>
-        <a:lstStyle/>
-        <a:p>
-          <a:endParaRPr lang="en-US"/>
-        </a:p>
-      </dgm:t>
-    </dgm:pt>
-    <dgm:pt modelId="{6A23A31F-42BF-47D7-83A4-0154FE83A361}" type="sibTrans" cxnId="{94668A1D-50C6-45A7-9983-7177EA21C28D}">
-      <dgm:prSet/>
-      <dgm:spPr/>
-      <dgm:t>
-        <a:bodyPr/>
-        <a:lstStyle/>
-        <a:p>
-          <a:endParaRPr lang="en-US"/>
-        </a:p>
-      </dgm:t>
-    </dgm:pt>
-    <dgm:pt modelId="{4EBE0E74-796C-4996-BC3F-D1E8D489A964}">
-      <dgm:prSet phldrT="[Text]"/>
-      <dgm:spPr/>
-      <dgm:t>
-        <a:bodyPr/>
-        <a:lstStyle/>
-        <a:p>
-          <a:r>
-            <a:rPr lang="en-US" dirty="0"/>
-            <a:t>Tools</a:t>
-          </a:r>
-        </a:p>
-      </dgm:t>
-    </dgm:pt>
-    <dgm:pt modelId="{820E792B-FFDB-47EE-9483-57DA6328B53C}" type="parTrans" cxnId="{DC705C1C-3A4D-4C64-86D4-5D73E93EB782}">
-      <dgm:prSet/>
-      <dgm:spPr/>
-      <dgm:t>
-        <a:bodyPr/>
-        <a:lstStyle/>
-        <a:p>
-          <a:endParaRPr lang="en-US"/>
-        </a:p>
-      </dgm:t>
-    </dgm:pt>
-    <dgm:pt modelId="{FCB4109B-D1AA-49EB-BAE6-9B1E0C4D44AD}" type="sibTrans" cxnId="{DC705C1C-3A4D-4C64-86D4-5D73E93EB782}">
-      <dgm:prSet/>
-      <dgm:spPr/>
-      <dgm:t>
-        <a:bodyPr/>
-        <a:lstStyle/>
-        <a:p>
-          <a:endParaRPr lang="en-US"/>
-        </a:p>
-      </dgm:t>
-    </dgm:pt>
-    <dgm:pt modelId="{0B99C268-17F1-4F7E-B2F0-94539FB54CF2}" type="pres">
-      <dgm:prSet presAssocID="{5F32B56F-D14A-4223-8878-85956C97AF4E}" presName="Name0" presStyleCnt="0">
-        <dgm:presLayoutVars>
-          <dgm:dir/>
-          <dgm:resizeHandles val="exact"/>
-        </dgm:presLayoutVars>
-      </dgm:prSet>
-      <dgm:spPr/>
-    </dgm:pt>
-    <dgm:pt modelId="{5398620F-6B6D-410D-9599-9106DAA98D2F}" type="pres">
-      <dgm:prSet presAssocID="{89A07AC4-D9F7-4E69-A1C0-3A8511BD1989}" presName="compNode" presStyleCnt="0"/>
-      <dgm:spPr/>
-    </dgm:pt>
-    <dgm:pt modelId="{B769F961-6DFA-4047-8E99-1C58C6F92AB1}" type="pres">
-      <dgm:prSet presAssocID="{89A07AC4-D9F7-4E69-A1C0-3A8511BD1989}" presName="pictRect" presStyleLbl="node1" presStyleIdx="0" presStyleCnt="6"/>
-      <dgm:spPr/>
-    </dgm:pt>
-    <dgm:pt modelId="{0B9AAAA8-B604-4A06-B71E-A10F4AD1B0B2}" type="pres">
-      <dgm:prSet presAssocID="{89A07AC4-D9F7-4E69-A1C0-3A8511BD1989}" presName="textRect" presStyleLbl="revTx" presStyleIdx="0" presStyleCnt="6">
-        <dgm:presLayoutVars>
-          <dgm:bulletEnabled val="1"/>
-        </dgm:presLayoutVars>
-      </dgm:prSet>
-      <dgm:spPr/>
-    </dgm:pt>
-    <dgm:pt modelId="{F3B586A2-D1DC-4520-A1E4-34264C60501F}" type="pres">
-      <dgm:prSet presAssocID="{419E58E6-8E69-4CCA-9FA4-9424CE4699AC}" presName="sibTrans" presStyleLbl="sibTrans2D1" presStyleIdx="0" presStyleCnt="0"/>
-      <dgm:spPr/>
-    </dgm:pt>
-    <dgm:pt modelId="{1C12008E-9E81-41FF-A205-2C25719961E8}" type="pres">
-      <dgm:prSet presAssocID="{383021C0-B8C1-4BEB-8A69-9A6417668343}" presName="compNode" presStyleCnt="0"/>
-      <dgm:spPr/>
-    </dgm:pt>
-    <dgm:pt modelId="{3FEA3033-3776-4329-BAB6-00A553EEC64D}" type="pres">
-      <dgm:prSet presAssocID="{383021C0-B8C1-4BEB-8A69-9A6417668343}" presName="pictRect" presStyleLbl="node1" presStyleIdx="1" presStyleCnt="6"/>
-      <dgm:spPr/>
-    </dgm:pt>
-    <dgm:pt modelId="{3F5D9F09-2A35-4585-AC23-62BA598A8316}" type="pres">
-      <dgm:prSet presAssocID="{383021C0-B8C1-4BEB-8A69-9A6417668343}" presName="textRect" presStyleLbl="revTx" presStyleIdx="1" presStyleCnt="6">
-        <dgm:presLayoutVars>
-          <dgm:bulletEnabled val="1"/>
-        </dgm:presLayoutVars>
-      </dgm:prSet>
-      <dgm:spPr/>
-    </dgm:pt>
-    <dgm:pt modelId="{1212940F-84CE-47B9-AB48-4C1BFBD13338}" type="pres">
-      <dgm:prSet presAssocID="{9DA64E8B-0D35-4D51-938E-B1347B95F55B}" presName="sibTrans" presStyleLbl="sibTrans2D1" presStyleIdx="0" presStyleCnt="0"/>
-      <dgm:spPr/>
-    </dgm:pt>
-    <dgm:pt modelId="{FD76FE5F-9E93-4015-B611-55C8740A7803}" type="pres">
-      <dgm:prSet presAssocID="{5F297E3E-892F-47AA-AEEA-C8956E312990}" presName="compNode" presStyleCnt="0"/>
-      <dgm:spPr/>
-    </dgm:pt>
-    <dgm:pt modelId="{60FAA2C6-01BA-46CC-AECD-ECFC42D0911B}" type="pres">
-      <dgm:prSet presAssocID="{5F297E3E-892F-47AA-AEEA-C8956E312990}" presName="pictRect" presStyleLbl="node1" presStyleIdx="2" presStyleCnt="6"/>
-      <dgm:spPr/>
-    </dgm:pt>
-    <dgm:pt modelId="{E321FAD1-3AFF-47CE-8C6C-69CD9E134AB6}" type="pres">
-      <dgm:prSet presAssocID="{5F297E3E-892F-47AA-AEEA-C8956E312990}" presName="textRect" presStyleLbl="revTx" presStyleIdx="2" presStyleCnt="6">
-        <dgm:presLayoutVars>
-          <dgm:bulletEnabled val="1"/>
-        </dgm:presLayoutVars>
-      </dgm:prSet>
-      <dgm:spPr/>
-    </dgm:pt>
-    <dgm:pt modelId="{8CC8A9D2-6E62-40CA-86B2-71429B91639F}" type="pres">
-      <dgm:prSet presAssocID="{30269D8C-A343-4415-B81C-6038AFC6BC1D}" presName="sibTrans" presStyleLbl="sibTrans2D1" presStyleIdx="0" presStyleCnt="0"/>
-      <dgm:spPr/>
-    </dgm:pt>
-    <dgm:pt modelId="{424A8183-58C7-437A-8615-9968827092EF}" type="pres">
-      <dgm:prSet presAssocID="{448F134F-986D-4B86-9C64-8BB16EF457DE}" presName="compNode" presStyleCnt="0"/>
-      <dgm:spPr/>
-    </dgm:pt>
-    <dgm:pt modelId="{CA84D3F6-3B22-42DB-BEFE-9F852DFB1A28}" type="pres">
-      <dgm:prSet presAssocID="{448F134F-986D-4B86-9C64-8BB16EF457DE}" presName="pictRect" presStyleLbl="node1" presStyleIdx="3" presStyleCnt="6"/>
-      <dgm:spPr/>
-    </dgm:pt>
-    <dgm:pt modelId="{FEB547A9-EDB8-4250-B8D2-8CC6A0378FF6}" type="pres">
-      <dgm:prSet presAssocID="{448F134F-986D-4B86-9C64-8BB16EF457DE}" presName="textRect" presStyleLbl="revTx" presStyleIdx="3" presStyleCnt="6">
-        <dgm:presLayoutVars>
-          <dgm:bulletEnabled val="1"/>
-        </dgm:presLayoutVars>
-      </dgm:prSet>
-      <dgm:spPr/>
-    </dgm:pt>
-    <dgm:pt modelId="{EACD2F6F-1DB5-4F2E-980D-F22DBB026B09}" type="pres">
-      <dgm:prSet presAssocID="{35B298A6-B899-4D59-9F93-D792E306B07A}" presName="sibTrans" presStyleLbl="sibTrans2D1" presStyleIdx="0" presStyleCnt="0"/>
-      <dgm:spPr/>
-    </dgm:pt>
-    <dgm:pt modelId="{EB01C664-E7D8-4A22-81F3-0C5224DDAC24}" type="pres">
-      <dgm:prSet presAssocID="{5C21EB59-91FF-4284-9B25-469F7B0016F3}" presName="compNode" presStyleCnt="0"/>
-      <dgm:spPr/>
-    </dgm:pt>
-    <dgm:pt modelId="{1DABE7AF-B0D0-4E82-981F-340732C0F622}" type="pres">
-      <dgm:prSet presAssocID="{5C21EB59-91FF-4284-9B25-469F7B0016F3}" presName="pictRect" presStyleLbl="node1" presStyleIdx="4" presStyleCnt="6"/>
-      <dgm:spPr/>
-    </dgm:pt>
-    <dgm:pt modelId="{7DCDB1E0-92AA-4686-BD87-1D96AEEA541D}" type="pres">
-      <dgm:prSet presAssocID="{5C21EB59-91FF-4284-9B25-469F7B0016F3}" presName="textRect" presStyleLbl="revTx" presStyleIdx="4" presStyleCnt="6">
-        <dgm:presLayoutVars>
-          <dgm:bulletEnabled val="1"/>
-        </dgm:presLayoutVars>
-      </dgm:prSet>
-      <dgm:spPr/>
-    </dgm:pt>
-    <dgm:pt modelId="{2E3153A5-7C61-45A5-BD65-625ADDC07B54}" type="pres">
-      <dgm:prSet presAssocID="{6A23A31F-42BF-47D7-83A4-0154FE83A361}" presName="sibTrans" presStyleLbl="sibTrans2D1" presStyleIdx="0" presStyleCnt="0"/>
-      <dgm:spPr/>
-    </dgm:pt>
-    <dgm:pt modelId="{DCAD51B9-B8FD-49AB-B0BB-A352757ABFF7}" type="pres">
-      <dgm:prSet presAssocID="{4EBE0E74-796C-4996-BC3F-D1E8D489A964}" presName="compNode" presStyleCnt="0"/>
-      <dgm:spPr/>
-    </dgm:pt>
-    <dgm:pt modelId="{37490828-1D06-45D6-A3DB-2D2823462344}" type="pres">
-      <dgm:prSet presAssocID="{4EBE0E74-796C-4996-BC3F-D1E8D489A964}" presName="pictRect" presStyleLbl="node1" presStyleIdx="5" presStyleCnt="6"/>
-      <dgm:spPr/>
-    </dgm:pt>
-    <dgm:pt modelId="{DF6DF190-9611-4A3A-9CE1-423B333AFA92}" type="pres">
-      <dgm:prSet presAssocID="{4EBE0E74-796C-4996-BC3F-D1E8D489A964}" presName="textRect" presStyleLbl="revTx" presStyleIdx="5" presStyleCnt="6">
-        <dgm:presLayoutVars>
-          <dgm:bulletEnabled val="1"/>
-        </dgm:presLayoutVars>
-      </dgm:prSet>
-      <dgm:spPr/>
-    </dgm:pt>
-  </dgm:ptLst>
-  <dgm:cxnLst>
-    <dgm:cxn modelId="{359E2B0F-C6E2-4342-B1E5-F4FB02150A26}" type="presOf" srcId="{30269D8C-A343-4415-B81C-6038AFC6BC1D}" destId="{8CC8A9D2-6E62-40CA-86B2-71429B91639F}" srcOrd="0" destOrd="0" presId="urn:microsoft.com/office/officeart/2005/8/layout/pList1"/>
-    <dgm:cxn modelId="{65D8C318-B022-47C0-903E-ED6EC969F706}" srcId="{5F32B56F-D14A-4223-8878-85956C97AF4E}" destId="{448F134F-986D-4B86-9C64-8BB16EF457DE}" srcOrd="3" destOrd="0" parTransId="{C8817C0F-7630-43C2-91F1-CF701E9BE92A}" sibTransId="{35B298A6-B899-4D59-9F93-D792E306B07A}"/>
-    <dgm:cxn modelId="{32844519-1E50-4B1E-B588-66C0E6BA5E5A}" type="presOf" srcId="{383021C0-B8C1-4BEB-8A69-9A6417668343}" destId="{3F5D9F09-2A35-4585-AC23-62BA598A8316}" srcOrd="0" destOrd="0" presId="urn:microsoft.com/office/officeart/2005/8/layout/pList1"/>
-    <dgm:cxn modelId="{DC705C1C-3A4D-4C64-86D4-5D73E93EB782}" srcId="{5F32B56F-D14A-4223-8878-85956C97AF4E}" destId="{4EBE0E74-796C-4996-BC3F-D1E8D489A964}" srcOrd="5" destOrd="0" parTransId="{820E792B-FFDB-47EE-9483-57DA6328B53C}" sibTransId="{FCB4109B-D1AA-49EB-BAE6-9B1E0C4D44AD}"/>
-    <dgm:cxn modelId="{94668A1D-50C6-45A7-9983-7177EA21C28D}" srcId="{5F32B56F-D14A-4223-8878-85956C97AF4E}" destId="{5C21EB59-91FF-4284-9B25-469F7B0016F3}" srcOrd="4" destOrd="0" parTransId="{0B2A4B9F-79BE-4791-ACDB-F144FF6B181E}" sibTransId="{6A23A31F-42BF-47D7-83A4-0154FE83A361}"/>
-    <dgm:cxn modelId="{EF662D29-005D-44E8-B616-36AF881CE946}" type="presOf" srcId="{5F32B56F-D14A-4223-8878-85956C97AF4E}" destId="{0B99C268-17F1-4F7E-B2F0-94539FB54CF2}" srcOrd="0" destOrd="0" presId="urn:microsoft.com/office/officeart/2005/8/layout/pList1"/>
-    <dgm:cxn modelId="{7AF2363D-9D44-4CD9-9F2A-73EA19A76D33}" srcId="{5F32B56F-D14A-4223-8878-85956C97AF4E}" destId="{5F297E3E-892F-47AA-AEEA-C8956E312990}" srcOrd="2" destOrd="0" parTransId="{8638EB5C-24D4-4F40-9BF7-ECBB97E1B0FC}" sibTransId="{30269D8C-A343-4415-B81C-6038AFC6BC1D}"/>
-    <dgm:cxn modelId="{A551A55C-7F36-4B94-8CFF-C083EE636FF3}" type="presOf" srcId="{419E58E6-8E69-4CCA-9FA4-9424CE4699AC}" destId="{F3B586A2-D1DC-4520-A1E4-34264C60501F}" srcOrd="0" destOrd="0" presId="urn:microsoft.com/office/officeart/2005/8/layout/pList1"/>
-    <dgm:cxn modelId="{7CE2024D-55B5-4D3C-BFEF-8AA6FB32CFF1}" srcId="{5F32B56F-D14A-4223-8878-85956C97AF4E}" destId="{383021C0-B8C1-4BEB-8A69-9A6417668343}" srcOrd="1" destOrd="0" parTransId="{0A7A3477-FE36-42C8-A64C-64DE53821429}" sibTransId="{9DA64E8B-0D35-4D51-938E-B1347B95F55B}"/>
-    <dgm:cxn modelId="{B0C66F4F-DB57-4BAE-AA58-B8DB60CBB4BF}" type="presOf" srcId="{9DA64E8B-0D35-4D51-938E-B1347B95F55B}" destId="{1212940F-84CE-47B9-AB48-4C1BFBD13338}" srcOrd="0" destOrd="0" presId="urn:microsoft.com/office/officeart/2005/8/layout/pList1"/>
-    <dgm:cxn modelId="{1956B3A4-CC3A-4F2B-A283-F4ACD4C5A197}" type="presOf" srcId="{5C21EB59-91FF-4284-9B25-469F7B0016F3}" destId="{7DCDB1E0-92AA-4686-BD87-1D96AEEA541D}" srcOrd="0" destOrd="0" presId="urn:microsoft.com/office/officeart/2005/8/layout/pList1"/>
-    <dgm:cxn modelId="{29B898DB-45E8-48C4-A409-B06E1310A813}" type="presOf" srcId="{5F297E3E-892F-47AA-AEEA-C8956E312990}" destId="{E321FAD1-3AFF-47CE-8C6C-69CD9E134AB6}" srcOrd="0" destOrd="0" presId="urn:microsoft.com/office/officeart/2005/8/layout/pList1"/>
-    <dgm:cxn modelId="{496D3EDE-2919-4C90-B557-D6F7AF97E6CC}" type="presOf" srcId="{448F134F-986D-4B86-9C64-8BB16EF457DE}" destId="{FEB547A9-EDB8-4250-B8D2-8CC6A0378FF6}" srcOrd="0" destOrd="0" presId="urn:microsoft.com/office/officeart/2005/8/layout/pList1"/>
-    <dgm:cxn modelId="{6E7E1ADF-BCA3-4CEE-BADC-2808E194CBDA}" type="presOf" srcId="{6A23A31F-42BF-47D7-83A4-0154FE83A361}" destId="{2E3153A5-7C61-45A5-BD65-625ADDC07B54}" srcOrd="0" destOrd="0" presId="urn:microsoft.com/office/officeart/2005/8/layout/pList1"/>
-    <dgm:cxn modelId="{13FF49E4-410D-4EAA-AB92-4F8D8A887DC8}" type="presOf" srcId="{89A07AC4-D9F7-4E69-A1C0-3A8511BD1989}" destId="{0B9AAAA8-B604-4A06-B71E-A10F4AD1B0B2}" srcOrd="0" destOrd="0" presId="urn:microsoft.com/office/officeart/2005/8/layout/pList1"/>
-    <dgm:cxn modelId="{58C3C4EA-CC4B-4E54-A131-532FF2B6284F}" type="presOf" srcId="{35B298A6-B899-4D59-9F93-D792E306B07A}" destId="{EACD2F6F-1DB5-4F2E-980D-F22DBB026B09}" srcOrd="0" destOrd="0" presId="urn:microsoft.com/office/officeart/2005/8/layout/pList1"/>
-    <dgm:cxn modelId="{11B2B7F6-B6AA-401A-98B4-F39B772CDEF8}" type="presOf" srcId="{4EBE0E74-796C-4996-BC3F-D1E8D489A964}" destId="{DF6DF190-9611-4A3A-9CE1-423B333AFA92}" srcOrd="0" destOrd="0" presId="urn:microsoft.com/office/officeart/2005/8/layout/pList1"/>
-    <dgm:cxn modelId="{EA3144FE-6FA1-4635-96E1-C242AE62A665}" srcId="{5F32B56F-D14A-4223-8878-85956C97AF4E}" destId="{89A07AC4-D9F7-4E69-A1C0-3A8511BD1989}" srcOrd="0" destOrd="0" parTransId="{A817C364-1721-4B5A-8447-54FA7387E7EC}" sibTransId="{419E58E6-8E69-4CCA-9FA4-9424CE4699AC}"/>
-    <dgm:cxn modelId="{49A3AAC3-B42E-4DF7-A166-7AF2299098FA}" type="presParOf" srcId="{0B99C268-17F1-4F7E-B2F0-94539FB54CF2}" destId="{5398620F-6B6D-410D-9599-9106DAA98D2F}" srcOrd="0" destOrd="0" presId="urn:microsoft.com/office/officeart/2005/8/layout/pList1"/>
-    <dgm:cxn modelId="{E5061664-09FD-4C3F-B775-37C20B666C0F}" type="presParOf" srcId="{5398620F-6B6D-410D-9599-9106DAA98D2F}" destId="{B769F961-6DFA-4047-8E99-1C58C6F92AB1}" srcOrd="0" destOrd="0" presId="urn:microsoft.com/office/officeart/2005/8/layout/pList1"/>
-    <dgm:cxn modelId="{CDC76E61-6E63-4DF1-A8B0-75363F39BA89}" type="presParOf" srcId="{5398620F-6B6D-410D-9599-9106DAA98D2F}" destId="{0B9AAAA8-B604-4A06-B71E-A10F4AD1B0B2}" srcOrd="1" destOrd="0" presId="urn:microsoft.com/office/officeart/2005/8/layout/pList1"/>
-    <dgm:cxn modelId="{C6BE4CFB-4FF9-4CFC-91AA-6FBB76D859A1}" type="presParOf" srcId="{0B99C268-17F1-4F7E-B2F0-94539FB54CF2}" destId="{F3B586A2-D1DC-4520-A1E4-34264C60501F}" srcOrd="1" destOrd="0" presId="urn:microsoft.com/office/officeart/2005/8/layout/pList1"/>
-    <dgm:cxn modelId="{6FA3DFDD-0781-4AAE-80FB-F53EF31CBBE6}" type="presParOf" srcId="{0B99C268-17F1-4F7E-B2F0-94539FB54CF2}" destId="{1C12008E-9E81-41FF-A205-2C25719961E8}" srcOrd="2" destOrd="0" presId="urn:microsoft.com/office/officeart/2005/8/layout/pList1"/>
-    <dgm:cxn modelId="{02D4623C-7325-42D4-814E-AC7EA8D86ED3}" type="presParOf" srcId="{1C12008E-9E81-41FF-A205-2C25719961E8}" destId="{3FEA3033-3776-4329-BAB6-00A553EEC64D}" srcOrd="0" destOrd="0" presId="urn:microsoft.com/office/officeart/2005/8/layout/pList1"/>
-    <dgm:cxn modelId="{E2B33DD0-65D2-4D35-BCDC-5F13D72F21F1}" type="presParOf" srcId="{1C12008E-9E81-41FF-A205-2C25719961E8}" destId="{3F5D9F09-2A35-4585-AC23-62BA598A8316}" srcOrd="1" destOrd="0" presId="urn:microsoft.com/office/officeart/2005/8/layout/pList1"/>
-    <dgm:cxn modelId="{3A9873AC-93C8-4913-935B-832FC7FE9700}" type="presParOf" srcId="{0B99C268-17F1-4F7E-B2F0-94539FB54CF2}" destId="{1212940F-84CE-47B9-AB48-4C1BFBD13338}" srcOrd="3" destOrd="0" presId="urn:microsoft.com/office/officeart/2005/8/layout/pList1"/>
-    <dgm:cxn modelId="{1B522A90-D690-458A-B6DC-D52CD3CA6E29}" type="presParOf" srcId="{0B99C268-17F1-4F7E-B2F0-94539FB54CF2}" destId="{FD76FE5F-9E93-4015-B611-55C8740A7803}" srcOrd="4" destOrd="0" presId="urn:microsoft.com/office/officeart/2005/8/layout/pList1"/>
-    <dgm:cxn modelId="{49D648D4-8622-4A5A-B05F-40B5E570655E}" type="presParOf" srcId="{FD76FE5F-9E93-4015-B611-55C8740A7803}" destId="{60FAA2C6-01BA-46CC-AECD-ECFC42D0911B}" srcOrd="0" destOrd="0" presId="urn:microsoft.com/office/officeart/2005/8/layout/pList1"/>
-    <dgm:cxn modelId="{47400968-B8DF-4261-9675-B021C7AFACC7}" type="presParOf" srcId="{FD76FE5F-9E93-4015-B611-55C8740A7803}" destId="{E321FAD1-3AFF-47CE-8C6C-69CD9E134AB6}" srcOrd="1" destOrd="0" presId="urn:microsoft.com/office/officeart/2005/8/layout/pList1"/>
-    <dgm:cxn modelId="{6F5A05C6-AF8D-4B3F-BB75-5832375325C6}" type="presParOf" srcId="{0B99C268-17F1-4F7E-B2F0-94539FB54CF2}" destId="{8CC8A9D2-6E62-40CA-86B2-71429B91639F}" srcOrd="5" destOrd="0" presId="urn:microsoft.com/office/officeart/2005/8/layout/pList1"/>
-    <dgm:cxn modelId="{503324AB-49A5-4BCA-9310-6A10D83DFD7E}" type="presParOf" srcId="{0B99C268-17F1-4F7E-B2F0-94539FB54CF2}" destId="{424A8183-58C7-437A-8615-9968827092EF}" srcOrd="6" destOrd="0" presId="urn:microsoft.com/office/officeart/2005/8/layout/pList1"/>
-    <dgm:cxn modelId="{5A2DB6F6-F031-4154-BE26-E0B40CADEA2C}" type="presParOf" srcId="{424A8183-58C7-437A-8615-9968827092EF}" destId="{CA84D3F6-3B22-42DB-BEFE-9F852DFB1A28}" srcOrd="0" destOrd="0" presId="urn:microsoft.com/office/officeart/2005/8/layout/pList1"/>
-    <dgm:cxn modelId="{E3ADB3BE-CE0A-43D0-8574-94E6F36068F9}" type="presParOf" srcId="{424A8183-58C7-437A-8615-9968827092EF}" destId="{FEB547A9-EDB8-4250-B8D2-8CC6A0378FF6}" srcOrd="1" destOrd="0" presId="urn:microsoft.com/office/officeart/2005/8/layout/pList1"/>
-    <dgm:cxn modelId="{0AB6185A-82C1-44E1-BF23-54D154C795A0}" type="presParOf" srcId="{0B99C268-17F1-4F7E-B2F0-94539FB54CF2}" destId="{EACD2F6F-1DB5-4F2E-980D-F22DBB026B09}" srcOrd="7" destOrd="0" presId="urn:microsoft.com/office/officeart/2005/8/layout/pList1"/>
-    <dgm:cxn modelId="{4CB415A9-1DD0-41E7-B19F-3509FC3CC1F3}" type="presParOf" srcId="{0B99C268-17F1-4F7E-B2F0-94539FB54CF2}" destId="{EB01C664-E7D8-4A22-81F3-0C5224DDAC24}" srcOrd="8" destOrd="0" presId="urn:microsoft.com/office/officeart/2005/8/layout/pList1"/>
-    <dgm:cxn modelId="{2BAE45A6-F158-4E87-A609-25A2B175D298}" type="presParOf" srcId="{EB01C664-E7D8-4A22-81F3-0C5224DDAC24}" destId="{1DABE7AF-B0D0-4E82-981F-340732C0F622}" srcOrd="0" destOrd="0" presId="urn:microsoft.com/office/officeart/2005/8/layout/pList1"/>
-    <dgm:cxn modelId="{4D6F42C5-1188-487D-BF29-3286BB108635}" type="presParOf" srcId="{EB01C664-E7D8-4A22-81F3-0C5224DDAC24}" destId="{7DCDB1E0-92AA-4686-BD87-1D96AEEA541D}" srcOrd="1" destOrd="0" presId="urn:microsoft.com/office/officeart/2005/8/layout/pList1"/>
-    <dgm:cxn modelId="{5BE11AFA-348E-4C8B-A194-CB13C79C8344}" type="presParOf" srcId="{0B99C268-17F1-4F7E-B2F0-94539FB54CF2}" destId="{2E3153A5-7C61-45A5-BD65-625ADDC07B54}" srcOrd="9" destOrd="0" presId="urn:microsoft.com/office/officeart/2005/8/layout/pList1"/>
-    <dgm:cxn modelId="{DC3C8D13-944B-4A40-AC35-2A5EBD270677}" type="presParOf" srcId="{0B99C268-17F1-4F7E-B2F0-94539FB54CF2}" destId="{DCAD51B9-B8FD-49AB-B0BB-A352757ABFF7}" srcOrd="10" destOrd="0" presId="urn:microsoft.com/office/officeart/2005/8/layout/pList1"/>
-    <dgm:cxn modelId="{7E79DF5C-A2C4-4EF8-A5A4-0426C96E0942}" type="presParOf" srcId="{DCAD51B9-B8FD-49AB-B0BB-A352757ABFF7}" destId="{37490828-1D06-45D6-A3DB-2D2823462344}" srcOrd="0" destOrd="0" presId="urn:microsoft.com/office/officeart/2005/8/layout/pList1"/>
-    <dgm:cxn modelId="{0F05526A-73D9-4EB8-987D-6EEC4AF39E41}" type="presParOf" srcId="{DCAD51B9-B8FD-49AB-B0BB-A352757ABFF7}" destId="{DF6DF190-9611-4A3A-9CE1-423B333AFA92}" srcOrd="1" destOrd="0" presId="urn:microsoft.com/office/officeart/2005/8/layout/pList1"/>
-  </dgm:cxnLst>
-  <dgm:bg/>
-  <dgm:whole/>
-  <dgm:extLst>
-    <a:ext uri="http://schemas.microsoft.com/office/drawing/2008/diagram">
-      <dsp:dataModelExt xmlns:dsp="http://schemas.microsoft.com/office/drawing/2008/diagram" relId="rId6" minVer="http://schemas.openxmlformats.org/drawingml/2006/diagram"/>
-    </a:ext>
-  </dgm:extLst>
-</dgm:dataModel>
-</file>
-
-<file path=ppt/diagrams/drawing1.xml><?xml version="1.0" encoding="utf-8"?>
-<dsp:drawing xmlns:dgm="http://schemas.openxmlformats.org/drawingml/2006/diagram" xmlns:dsp="http://schemas.microsoft.com/office/drawing/2008/diagram" xmlns:a="http://schemas.openxmlformats.org/drawingml/2006/main">
-  <dsp:spTree>
-    <dsp:nvGrpSpPr>
-      <dsp:cNvPr id="0" name=""/>
-      <dsp:cNvGrpSpPr/>
-    </dsp:nvGrpSpPr>
-    <dsp:grpSpPr/>
-    <dsp:sp modelId="{B769F961-6DFA-4047-8E99-1C58C6F92AB1}">
-      <dsp:nvSpPr>
-        <dsp:cNvPr id="0" name=""/>
-        <dsp:cNvSpPr/>
-      </dsp:nvSpPr>
-      <dsp:spPr>
-        <a:xfrm>
-          <a:off x="120215" y="903"/>
-          <a:ext cx="1829817" cy="1260743"/>
-        </a:xfrm>
-        <a:prstGeom prst="roundRect">
-          <a:avLst/>
-        </a:prstGeom>
-        <a:solidFill>
-          <a:schemeClr val="accent4">
-            <a:hueOff val="0"/>
-            <a:satOff val="0"/>
-            <a:lumOff val="0"/>
-            <a:alphaOff val="0"/>
-          </a:schemeClr>
-        </a:solidFill>
-        <a:ln w="12700" cap="flat" cmpd="sng" algn="ctr">
-          <a:solidFill>
-            <a:schemeClr val="lt1">
-              <a:hueOff val="0"/>
-              <a:satOff val="0"/>
-              <a:lumOff val="0"/>
-              <a:alphaOff val="0"/>
-            </a:schemeClr>
-          </a:solidFill>
-          <a:prstDash val="solid"/>
-          <a:miter lim="800000"/>
-        </a:ln>
-        <a:effectLst/>
-      </dsp:spPr>
-      <dsp:style>
-        <a:lnRef idx="2">
-          <a:scrgbClr r="0" g="0" b="0"/>
-        </a:lnRef>
-        <a:fillRef idx="1">
-          <a:scrgbClr r="0" g="0" b="0"/>
-        </a:fillRef>
-        <a:effectRef idx="0">
-          <a:scrgbClr r="0" g="0" b="0"/>
-        </a:effectRef>
-        <a:fontRef idx="minor">
-          <a:schemeClr val="lt1"/>
-        </a:fontRef>
-      </dsp:style>
-    </dsp:sp>
-    <dsp:sp modelId="{0B9AAAA8-B604-4A06-B71E-A10F4AD1B0B2}">
-      <dsp:nvSpPr>
-        <dsp:cNvPr id="0" name=""/>
-        <dsp:cNvSpPr/>
-      </dsp:nvSpPr>
-      <dsp:spPr>
-        <a:xfrm>
-          <a:off x="120215" y="1261647"/>
-          <a:ext cx="1829817" cy="678862"/>
-        </a:xfrm>
-        <a:prstGeom prst="rect">
-          <a:avLst/>
-        </a:prstGeom>
-        <a:noFill/>
-        <a:ln>
-          <a:noFill/>
-        </a:ln>
-        <a:effectLst/>
-      </dsp:spPr>
-      <dsp:style>
-        <a:lnRef idx="0">
-          <a:scrgbClr r="0" g="0" b="0"/>
-        </a:lnRef>
-        <a:fillRef idx="0">
-          <a:scrgbClr r="0" g="0" b="0"/>
-        </a:fillRef>
-        <a:effectRef idx="0">
-          <a:scrgbClr r="0" g="0" b="0"/>
-        </a:effectRef>
-        <a:fontRef idx="minor"/>
-      </dsp:style>
-      <dsp:txBody>
-        <a:bodyPr spcFirstLastPara="0" vert="horz" wrap="square" lIns="142240" tIns="142240" rIns="142240" bIns="0" numCol="1" spcCol="1270" anchor="t" anchorCtr="0">
-          <a:noAutofit/>
-        </a:bodyPr>
-        <a:lstStyle/>
-        <a:p>
-          <a:pPr marL="0" lvl="0" indent="0" algn="ctr" defTabSz="889000">
-            <a:lnSpc>
-              <a:spcPct val="90000"/>
-            </a:lnSpc>
-            <a:spcBef>
-              <a:spcPct val="0"/>
-            </a:spcBef>
-            <a:spcAft>
-              <a:spcPct val="35000"/>
-            </a:spcAft>
-            <a:buNone/>
-          </a:pPr>
-          <a:r>
-            <a:rPr lang="en-US" sz="2000" kern="1200" dirty="0"/>
-            <a:t>Fast</a:t>
-          </a:r>
-        </a:p>
-      </dsp:txBody>
-      <dsp:txXfrm>
-        <a:off x="120215" y="1261647"/>
-        <a:ext cx="1829817" cy="678862"/>
-      </dsp:txXfrm>
-    </dsp:sp>
-    <dsp:sp modelId="{3FEA3033-3776-4329-BAB6-00A553EEC64D}">
-      <dsp:nvSpPr>
-        <dsp:cNvPr id="0" name=""/>
-        <dsp:cNvSpPr/>
-      </dsp:nvSpPr>
-      <dsp:spPr>
-        <a:xfrm>
-          <a:off x="2133091" y="903"/>
-          <a:ext cx="1829817" cy="1260743"/>
-        </a:xfrm>
-        <a:prstGeom prst="roundRect">
-          <a:avLst/>
-        </a:prstGeom>
-        <a:solidFill>
-          <a:schemeClr val="accent4">
-            <a:hueOff val="2376473"/>
-            <a:satOff val="-6821"/>
-            <a:lumOff val="-5725"/>
-            <a:alphaOff val="0"/>
-          </a:schemeClr>
-        </a:solidFill>
-        <a:ln w="12700" cap="flat" cmpd="sng" algn="ctr">
-          <a:solidFill>
-            <a:schemeClr val="lt1">
-              <a:hueOff val="0"/>
-              <a:satOff val="0"/>
-              <a:lumOff val="0"/>
-              <a:alphaOff val="0"/>
-            </a:schemeClr>
-          </a:solidFill>
-          <a:prstDash val="solid"/>
-          <a:miter lim="800000"/>
-        </a:ln>
-        <a:effectLst/>
-      </dsp:spPr>
-      <dsp:style>
-        <a:lnRef idx="2">
-          <a:scrgbClr r="0" g="0" b="0"/>
-        </a:lnRef>
-        <a:fillRef idx="1">
-          <a:scrgbClr r="0" g="0" b="0"/>
-        </a:fillRef>
-        <a:effectRef idx="0">
-          <a:scrgbClr r="0" g="0" b="0"/>
-        </a:effectRef>
-        <a:fontRef idx="minor">
-          <a:schemeClr val="lt1"/>
-        </a:fontRef>
-      </dsp:style>
-    </dsp:sp>
-    <dsp:sp modelId="{3F5D9F09-2A35-4585-AC23-62BA598A8316}">
-      <dsp:nvSpPr>
-        <dsp:cNvPr id="0" name=""/>
-        <dsp:cNvSpPr/>
-      </dsp:nvSpPr>
-      <dsp:spPr>
-        <a:xfrm>
-          <a:off x="2133091" y="1261647"/>
-          <a:ext cx="1829817" cy="678862"/>
-        </a:xfrm>
-        <a:prstGeom prst="rect">
-          <a:avLst/>
-        </a:prstGeom>
-        <a:noFill/>
-        <a:ln>
-          <a:noFill/>
-        </a:ln>
-        <a:effectLst/>
-      </dsp:spPr>
-      <dsp:style>
-        <a:lnRef idx="0">
-          <a:scrgbClr r="0" g="0" b="0"/>
-        </a:lnRef>
-        <a:fillRef idx="0">
-          <a:scrgbClr r="0" g="0" b="0"/>
-        </a:fillRef>
-        <a:effectRef idx="0">
-          <a:scrgbClr r="0" g="0" b="0"/>
-        </a:effectRef>
-        <a:fontRef idx="minor"/>
-      </dsp:style>
-      <dsp:txBody>
-        <a:bodyPr spcFirstLastPara="0" vert="horz" wrap="square" lIns="142240" tIns="142240" rIns="142240" bIns="0" numCol="1" spcCol="1270" anchor="t" anchorCtr="0">
-          <a:noAutofit/>
-        </a:bodyPr>
-        <a:lstStyle/>
-        <a:p>
-          <a:pPr marL="0" lvl="0" indent="0" algn="ctr" defTabSz="889000">
-            <a:lnSpc>
-              <a:spcPct val="90000"/>
-            </a:lnSpc>
-            <a:spcBef>
-              <a:spcPct val="0"/>
-            </a:spcBef>
-            <a:spcAft>
-              <a:spcPct val="35000"/>
-            </a:spcAft>
-            <a:buNone/>
-          </a:pPr>
-          <a:r>
-            <a:rPr lang="en-US" sz="2000" kern="1200" dirty="0"/>
-            <a:t>Cross-platform</a:t>
-          </a:r>
-        </a:p>
-      </dsp:txBody>
-      <dsp:txXfrm>
-        <a:off x="2133091" y="1261647"/>
-        <a:ext cx="1829817" cy="678862"/>
-      </dsp:txXfrm>
-    </dsp:sp>
-    <dsp:sp modelId="{60FAA2C6-01BA-46CC-AECD-ECFC42D0911B}">
-      <dsp:nvSpPr>
-        <dsp:cNvPr id="0" name=""/>
-        <dsp:cNvSpPr/>
-      </dsp:nvSpPr>
-      <dsp:spPr>
-        <a:xfrm>
-          <a:off x="4145967" y="903"/>
-          <a:ext cx="1829817" cy="1260743"/>
-        </a:xfrm>
-        <a:prstGeom prst="roundRect">
-          <a:avLst/>
-        </a:prstGeom>
-        <a:solidFill>
-          <a:schemeClr val="accent4">
-            <a:hueOff val="4752946"/>
-            <a:satOff val="-13642"/>
-            <a:lumOff val="-11450"/>
-            <a:alphaOff val="0"/>
-          </a:schemeClr>
-        </a:solidFill>
-        <a:ln w="12700" cap="flat" cmpd="sng" algn="ctr">
-          <a:solidFill>
-            <a:schemeClr val="lt1">
-              <a:hueOff val="0"/>
-              <a:satOff val="0"/>
-              <a:lumOff val="0"/>
-              <a:alphaOff val="0"/>
-            </a:schemeClr>
-          </a:solidFill>
-          <a:prstDash val="solid"/>
-          <a:miter lim="800000"/>
-        </a:ln>
-        <a:effectLst/>
-      </dsp:spPr>
-      <dsp:style>
-        <a:lnRef idx="2">
-          <a:scrgbClr r="0" g="0" b="0"/>
-        </a:lnRef>
-        <a:fillRef idx="1">
-          <a:scrgbClr r="0" g="0" b="0"/>
-        </a:fillRef>
-        <a:effectRef idx="0">
-          <a:scrgbClr r="0" g="0" b="0"/>
-        </a:effectRef>
-        <a:fontRef idx="minor">
-          <a:schemeClr val="lt1"/>
-        </a:fontRef>
-      </dsp:style>
-    </dsp:sp>
-    <dsp:sp modelId="{E321FAD1-3AFF-47CE-8C6C-69CD9E134AB6}">
-      <dsp:nvSpPr>
-        <dsp:cNvPr id="0" name=""/>
-        <dsp:cNvSpPr/>
-      </dsp:nvSpPr>
-      <dsp:spPr>
-        <a:xfrm>
-          <a:off x="4145967" y="1261647"/>
-          <a:ext cx="1829817" cy="678862"/>
-        </a:xfrm>
-        <a:prstGeom prst="rect">
-          <a:avLst/>
-        </a:prstGeom>
-        <a:noFill/>
-        <a:ln>
-          <a:noFill/>
-        </a:ln>
-        <a:effectLst/>
-      </dsp:spPr>
-      <dsp:style>
-        <a:lnRef idx="0">
-          <a:scrgbClr r="0" g="0" b="0"/>
-        </a:lnRef>
-        <a:fillRef idx="0">
-          <a:scrgbClr r="0" g="0" b="0"/>
-        </a:fillRef>
-        <a:effectRef idx="0">
-          <a:scrgbClr r="0" g="0" b="0"/>
-        </a:effectRef>
-        <a:fontRef idx="minor"/>
-      </dsp:style>
-      <dsp:txBody>
-        <a:bodyPr spcFirstLastPara="0" vert="horz" wrap="square" lIns="142240" tIns="142240" rIns="142240" bIns="0" numCol="1" spcCol="1270" anchor="t" anchorCtr="0">
-          <a:noAutofit/>
-        </a:bodyPr>
-        <a:lstStyle/>
-        <a:p>
-          <a:pPr marL="0" lvl="0" indent="0" algn="ctr" defTabSz="889000">
-            <a:lnSpc>
-              <a:spcPct val="90000"/>
-            </a:lnSpc>
-            <a:spcBef>
-              <a:spcPct val="0"/>
-            </a:spcBef>
-            <a:spcAft>
-              <a:spcPct val="35000"/>
-            </a:spcAft>
-            <a:buNone/>
-          </a:pPr>
-          <a:r>
-            <a:rPr lang="en-US" sz="2000" kern="1200" dirty="0"/>
-            <a:t>Lightweight</a:t>
-          </a:r>
-        </a:p>
-      </dsp:txBody>
-      <dsp:txXfrm>
-        <a:off x="4145967" y="1261647"/>
-        <a:ext cx="1829817" cy="678862"/>
-      </dsp:txXfrm>
-    </dsp:sp>
-    <dsp:sp modelId="{CA84D3F6-3B22-42DB-BEFE-9F852DFB1A28}">
-      <dsp:nvSpPr>
-        <dsp:cNvPr id="0" name=""/>
-        <dsp:cNvSpPr/>
-      </dsp:nvSpPr>
-      <dsp:spPr>
-        <a:xfrm>
-          <a:off x="120215" y="2123490"/>
-          <a:ext cx="1829817" cy="1260743"/>
-        </a:xfrm>
-        <a:prstGeom prst="roundRect">
-          <a:avLst/>
-        </a:prstGeom>
-        <a:solidFill>
-          <a:schemeClr val="accent4">
-            <a:hueOff val="7129419"/>
-            <a:satOff val="-20463"/>
-            <a:lumOff val="-17175"/>
-            <a:alphaOff val="0"/>
-          </a:schemeClr>
-        </a:solidFill>
-        <a:ln w="12700" cap="flat" cmpd="sng" algn="ctr">
-          <a:solidFill>
-            <a:schemeClr val="lt1">
-              <a:hueOff val="0"/>
-              <a:satOff val="0"/>
-              <a:lumOff val="0"/>
-              <a:alphaOff val="0"/>
-            </a:schemeClr>
-          </a:solidFill>
-          <a:prstDash val="solid"/>
-          <a:miter lim="800000"/>
-        </a:ln>
-        <a:effectLst/>
-      </dsp:spPr>
-      <dsp:style>
-        <a:lnRef idx="2">
-          <a:scrgbClr r="0" g="0" b="0"/>
-        </a:lnRef>
-        <a:fillRef idx="1">
-          <a:scrgbClr r="0" g="0" b="0"/>
-        </a:fillRef>
-        <a:effectRef idx="0">
-          <a:scrgbClr r="0" g="0" b="0"/>
-        </a:effectRef>
-        <a:fontRef idx="minor">
-          <a:schemeClr val="lt1"/>
-        </a:fontRef>
-      </dsp:style>
-    </dsp:sp>
-    <dsp:sp modelId="{FEB547A9-EDB8-4250-B8D2-8CC6A0378FF6}">
-      <dsp:nvSpPr>
-        <dsp:cNvPr id="0" name=""/>
-        <dsp:cNvSpPr/>
-      </dsp:nvSpPr>
-      <dsp:spPr>
-        <a:xfrm>
-          <a:off x="120215" y="3384234"/>
-          <a:ext cx="1829817" cy="678862"/>
-        </a:xfrm>
-        <a:prstGeom prst="rect">
-          <a:avLst/>
-        </a:prstGeom>
-        <a:noFill/>
-        <a:ln>
-          <a:noFill/>
-        </a:ln>
-        <a:effectLst/>
-      </dsp:spPr>
-      <dsp:style>
-        <a:lnRef idx="0">
-          <a:scrgbClr r="0" g="0" b="0"/>
-        </a:lnRef>
-        <a:fillRef idx="0">
-          <a:scrgbClr r="0" g="0" b="0"/>
-        </a:fillRef>
-        <a:effectRef idx="0">
-          <a:scrgbClr r="0" g="0" b="0"/>
-        </a:effectRef>
-        <a:fontRef idx="minor"/>
-      </dsp:style>
-      <dsp:txBody>
-        <a:bodyPr spcFirstLastPara="0" vert="horz" wrap="square" lIns="142240" tIns="142240" rIns="142240" bIns="0" numCol="1" spcCol="1270" anchor="t" anchorCtr="0">
-          <a:noAutofit/>
-        </a:bodyPr>
-        <a:lstStyle/>
-        <a:p>
-          <a:pPr marL="0" lvl="0" indent="0" algn="ctr" defTabSz="889000">
-            <a:lnSpc>
-              <a:spcPct val="90000"/>
-            </a:lnSpc>
-            <a:spcBef>
-              <a:spcPct val="0"/>
-            </a:spcBef>
-            <a:spcAft>
-              <a:spcPct val="35000"/>
-            </a:spcAft>
-            <a:buNone/>
-          </a:pPr>
-          <a:r>
-            <a:rPr lang="en-US" sz="2000" kern="1200" dirty="0"/>
-            <a:t>Open Source</a:t>
-          </a:r>
-        </a:p>
-      </dsp:txBody>
-      <dsp:txXfrm>
-        <a:off x="120215" y="3384234"/>
-        <a:ext cx="1829817" cy="678862"/>
-      </dsp:txXfrm>
-    </dsp:sp>
-    <dsp:sp modelId="{1DABE7AF-B0D0-4E82-981F-340732C0F622}">
-      <dsp:nvSpPr>
-        <dsp:cNvPr id="0" name=""/>
-        <dsp:cNvSpPr/>
-      </dsp:nvSpPr>
-      <dsp:spPr>
-        <a:xfrm>
-          <a:off x="2133091" y="2123490"/>
-          <a:ext cx="1829817" cy="1260743"/>
-        </a:xfrm>
-        <a:prstGeom prst="roundRect">
-          <a:avLst/>
-        </a:prstGeom>
-        <a:solidFill>
-          <a:schemeClr val="accent4">
-            <a:hueOff val="9505892"/>
-            <a:satOff val="-27284"/>
-            <a:lumOff val="-22900"/>
-            <a:alphaOff val="0"/>
-          </a:schemeClr>
-        </a:solidFill>
-        <a:ln w="12700" cap="flat" cmpd="sng" algn="ctr">
-          <a:solidFill>
-            <a:schemeClr val="lt1">
-              <a:hueOff val="0"/>
-              <a:satOff val="0"/>
-              <a:lumOff val="0"/>
-              <a:alphaOff val="0"/>
-            </a:schemeClr>
-          </a:solidFill>
-          <a:prstDash val="solid"/>
-          <a:miter lim="800000"/>
-        </a:ln>
-        <a:effectLst/>
-      </dsp:spPr>
-      <dsp:style>
-        <a:lnRef idx="2">
-          <a:scrgbClr r="0" g="0" b="0"/>
-        </a:lnRef>
-        <a:fillRef idx="1">
-          <a:scrgbClr r="0" g="0" b="0"/>
-        </a:fillRef>
-        <a:effectRef idx="0">
-          <a:scrgbClr r="0" g="0" b="0"/>
-        </a:effectRef>
-        <a:fontRef idx="minor">
-          <a:schemeClr val="lt1"/>
-        </a:fontRef>
-      </dsp:style>
-    </dsp:sp>
-    <dsp:sp modelId="{7DCDB1E0-92AA-4686-BD87-1D96AEEA541D}">
-      <dsp:nvSpPr>
-        <dsp:cNvPr id="0" name=""/>
-        <dsp:cNvSpPr/>
-      </dsp:nvSpPr>
-      <dsp:spPr>
-        <a:xfrm>
-          <a:off x="2133091" y="3384234"/>
-          <a:ext cx="1829817" cy="678862"/>
-        </a:xfrm>
-        <a:prstGeom prst="rect">
-          <a:avLst/>
-        </a:prstGeom>
-        <a:noFill/>
-        <a:ln>
-          <a:noFill/>
-        </a:ln>
-        <a:effectLst/>
-      </dsp:spPr>
-      <dsp:style>
-        <a:lnRef idx="0">
-          <a:scrgbClr r="0" g="0" b="0"/>
-        </a:lnRef>
-        <a:fillRef idx="0">
-          <a:scrgbClr r="0" g="0" b="0"/>
-        </a:fillRef>
-        <a:effectRef idx="0">
-          <a:scrgbClr r="0" g="0" b="0"/>
-        </a:effectRef>
-        <a:fontRef idx="minor"/>
-      </dsp:style>
-      <dsp:txBody>
-        <a:bodyPr spcFirstLastPara="0" vert="horz" wrap="square" lIns="142240" tIns="142240" rIns="142240" bIns="0" numCol="1" spcCol="1270" anchor="t" anchorCtr="0">
-          <a:noAutofit/>
-        </a:bodyPr>
-        <a:lstStyle/>
-        <a:p>
-          <a:pPr marL="0" lvl="0" indent="0" algn="ctr" defTabSz="889000">
-            <a:lnSpc>
-              <a:spcPct val="90000"/>
-            </a:lnSpc>
-            <a:spcBef>
-              <a:spcPct val="0"/>
-            </a:spcBef>
-            <a:spcAft>
-              <a:spcPct val="35000"/>
-            </a:spcAft>
-            <a:buNone/>
-          </a:pPr>
-          <a:r>
-            <a:rPr lang="en-US" sz="2000" kern="1200" dirty="0"/>
-            <a:t>Compatible</a:t>
-          </a:r>
-        </a:p>
-      </dsp:txBody>
-      <dsp:txXfrm>
-        <a:off x="2133091" y="3384234"/>
-        <a:ext cx="1829817" cy="678862"/>
-      </dsp:txXfrm>
-    </dsp:sp>
-    <dsp:sp modelId="{37490828-1D06-45D6-A3DB-2D2823462344}">
-      <dsp:nvSpPr>
-        <dsp:cNvPr id="0" name=""/>
-        <dsp:cNvSpPr/>
-      </dsp:nvSpPr>
-      <dsp:spPr>
-        <a:xfrm>
-          <a:off x="4145967" y="2123490"/>
-          <a:ext cx="1829817" cy="1260743"/>
-        </a:xfrm>
-        <a:prstGeom prst="roundRect">
-          <a:avLst/>
-        </a:prstGeom>
-        <a:solidFill>
-          <a:schemeClr val="accent4">
-            <a:hueOff val="11882365"/>
-            <a:satOff val="-34105"/>
-            <a:lumOff val="-28625"/>
-            <a:alphaOff val="0"/>
-          </a:schemeClr>
-        </a:solidFill>
-        <a:ln w="12700" cap="flat" cmpd="sng" algn="ctr">
-          <a:solidFill>
-            <a:schemeClr val="lt1">
-              <a:hueOff val="0"/>
-              <a:satOff val="0"/>
-              <a:lumOff val="0"/>
-              <a:alphaOff val="0"/>
-            </a:schemeClr>
-          </a:solidFill>
-          <a:prstDash val="solid"/>
-          <a:miter lim="800000"/>
-        </a:ln>
-        <a:effectLst/>
-      </dsp:spPr>
-      <dsp:style>
-        <a:lnRef idx="2">
-          <a:scrgbClr r="0" g="0" b="0"/>
-        </a:lnRef>
-        <a:fillRef idx="1">
-          <a:scrgbClr r="0" g="0" b="0"/>
-        </a:fillRef>
-        <a:effectRef idx="0">
-          <a:scrgbClr r="0" g="0" b="0"/>
-        </a:effectRef>
-        <a:fontRef idx="minor">
-          <a:schemeClr val="lt1"/>
-        </a:fontRef>
-      </dsp:style>
-    </dsp:sp>
-    <dsp:sp modelId="{DF6DF190-9611-4A3A-9CE1-423B333AFA92}">
-      <dsp:nvSpPr>
-        <dsp:cNvPr id="0" name=""/>
-        <dsp:cNvSpPr/>
-      </dsp:nvSpPr>
-      <dsp:spPr>
-        <a:xfrm>
-          <a:off x="4145967" y="3384234"/>
-          <a:ext cx="1829817" cy="678862"/>
-        </a:xfrm>
-        <a:prstGeom prst="rect">
-          <a:avLst/>
-        </a:prstGeom>
-        <a:noFill/>
-        <a:ln>
-          <a:noFill/>
-        </a:ln>
-        <a:effectLst/>
-      </dsp:spPr>
-      <dsp:style>
-        <a:lnRef idx="0">
-          <a:scrgbClr r="0" g="0" b="0"/>
-        </a:lnRef>
-        <a:fillRef idx="0">
-          <a:scrgbClr r="0" g="0" b="0"/>
-        </a:fillRef>
-        <a:effectRef idx="0">
-          <a:scrgbClr r="0" g="0" b="0"/>
-        </a:effectRef>
-        <a:fontRef idx="minor"/>
-      </dsp:style>
-      <dsp:txBody>
-        <a:bodyPr spcFirstLastPara="0" vert="horz" wrap="square" lIns="142240" tIns="142240" rIns="142240" bIns="0" numCol="1" spcCol="1270" anchor="t" anchorCtr="0">
-          <a:noAutofit/>
-        </a:bodyPr>
-        <a:lstStyle/>
-        <a:p>
-          <a:pPr marL="0" lvl="0" indent="0" algn="ctr" defTabSz="889000">
-            <a:lnSpc>
-              <a:spcPct val="90000"/>
-            </a:lnSpc>
-            <a:spcBef>
-              <a:spcPct val="0"/>
-            </a:spcBef>
-            <a:spcAft>
-              <a:spcPct val="35000"/>
-            </a:spcAft>
-            <a:buNone/>
-          </a:pPr>
-          <a:r>
-            <a:rPr lang="en-US" sz="2000" kern="1200" dirty="0"/>
-            <a:t>Tools</a:t>
-          </a:r>
-        </a:p>
-      </dsp:txBody>
-      <dsp:txXfrm>
-        <a:off x="4145967" y="3384234"/>
-        <a:ext cx="1829817" cy="678862"/>
-      </dsp:txXfrm>
-    </dsp:sp>
-  </dsp:spTree>
-</dsp:drawing>
-</file>
-
-<file path=ppt/diagrams/layout1.xml><?xml version="1.0" encoding="utf-8"?>
-<dgm:layoutDef xmlns:dgm="http://schemas.openxmlformats.org/drawingml/2006/diagram" xmlns:a="http://schemas.openxmlformats.org/drawingml/2006/main" uniqueId="urn:microsoft.com/office/officeart/2005/8/layout/pList1">
-  <dgm:title val=""/>
-  <dgm:desc val=""/>
-  <dgm:catLst>
-    <dgm:cat type="list" pri="2000"/>
-    <dgm:cat type="picture" pri="2500"/>
-    <dgm:cat type="pictureconvert" pri="2500"/>
-  </dgm:catLst>
-  <dgm:sampData>
-    <dgm:dataModel>
-      <dgm:ptLst>
-        <dgm:pt modelId="0" type="doc"/>
-        <dgm:pt modelId="1">
-          <dgm:prSet phldr="1"/>
-        </dgm:pt>
-        <dgm:pt modelId="2">
-          <dgm:prSet phldr="1"/>
-        </dgm:pt>
-        <dgm:pt modelId="3">
-          <dgm:prSet phldr="1"/>
-        </dgm:pt>
-        <dgm:pt modelId="4">
-          <dgm:prSet phldr="1"/>
-        </dgm:pt>
-      </dgm:ptLst>
-      <dgm:cxnLst>
-        <dgm:cxn modelId="7" srcId="0" destId="1" srcOrd="0" destOrd="0"/>
-        <dgm:cxn modelId="8" srcId="0" destId="2" srcOrd="1" destOrd="0"/>
-        <dgm:cxn modelId="9" srcId="0" destId="3" srcOrd="2" destOrd="0"/>
-        <dgm:cxn modelId="10" srcId="0" destId="4" srcOrd="3" destOrd="0"/>
-      </dgm:cxnLst>
-      <dgm:bg/>
-      <dgm:whole/>
-    </dgm:dataModel>
-  </dgm:sampData>
-  <dgm:styleData>
-    <dgm:dataModel>
-      <dgm:ptLst>
-        <dgm:pt modelId="0" type="doc"/>
-        <dgm:pt modelId="1"/>
-        <dgm:pt modelId="2"/>
-      </dgm:ptLst>
-      <dgm:cxnLst>
-        <dgm:cxn modelId="3" srcId="0" destId="1" srcOrd="0" destOrd="0"/>
-        <dgm:cxn modelId="4" srcId="0" destId="2" srcOrd="1" destOrd="0"/>
-      </dgm:cxnLst>
-      <dgm:bg/>
-      <dgm:whole/>
-    </dgm:dataModel>
-  </dgm:styleData>
-  <dgm:clrData useDef="1">
-    <dgm:dataModel>
-      <dgm:ptLst/>
-      <dgm:bg/>
-      <dgm:whole/>
-    </dgm:dataModel>
-  </dgm:clrData>
-  <dgm:layoutNode name="Name0">
-    <dgm:varLst>
-      <dgm:dir/>
-      <dgm:resizeHandles val="exact"/>
-    </dgm:varLst>
-    <dgm:choose name="Name1">
-      <dgm:if name="Name2" axis="self" func="var" arg="dir" op="equ" val="norm">
-        <dgm:alg type="snake">
-          <dgm:param type="grDir" val="tL"/>
-          <dgm:param type="flowDir" val="row"/>
-          <dgm:param type="contDir" val="sameDir"/>
-          <dgm:param type="off" val="ctr"/>
-          <dgm:param type="vertAlign" val="mid"/>
-          <dgm:param type="horzAlign" val="ctr"/>
-        </dgm:alg>
-      </dgm:if>
-      <dgm:else name="Name3">
-        <dgm:alg type="snake">
-          <dgm:param type="grDir" val="tR"/>
-          <dgm:param type="flowDir" val="row"/>
-          <dgm:param type="contDir" val="sameDir"/>
-          <dgm:param type="off" val="ctr"/>
-          <dgm:param type="vertAlign" val="mid"/>
-          <dgm:param type="horzAlign" val="ctr"/>
-        </dgm:alg>
-      </dgm:else>
-    </dgm:choose>
-    <dgm:shape xmlns:r="http://schemas.openxmlformats.org/officeDocument/2006/relationships" r:blip="">
-      <dgm:adjLst/>
-    </dgm:shape>
-    <dgm:presOf/>
-    <dgm:constrLst>
-      <dgm:constr type="w" for="ch" forName="compNode" refType="w"/>
-      <dgm:constr type="w" for="ch" ptType="sibTrans" refType="w" refFor="ch" refForName="compNode" op="equ" fact="0.1"/>
-      <dgm:constr type="sp" refType="w" refFor="ch" refForName="compNode" op="equ" fact="0.1"/>
-      <dgm:constr type="primFontSz" for="des" ptType="node" op="equ" val="65"/>
-    </dgm:constrLst>
-    <dgm:ruleLst/>
-    <dgm:forEach name="Name4" axis="ch" ptType="node">
-      <dgm:layoutNode name="compNode">
-        <dgm:alg type="composite">
-          <dgm:param type="ar" val="0.943"/>
-        </dgm:alg>
-        <dgm:shape xmlns:r="http://schemas.openxmlformats.org/officeDocument/2006/relationships" r:blip="">
-          <dgm:adjLst/>
-        </dgm:shape>
-        <dgm:presOf axis="self"/>
-        <dgm:constrLst>
-          <dgm:constr type="h" refType="w" fact="1.06"/>
-          <dgm:constr type="h" for="ch" forName="pictRect" refType="h" fact="0.65"/>
-          <dgm:constr type="w" for="ch" forName="pictRect" refType="w"/>
-          <dgm:constr type="l" for="ch" forName="pictRect"/>
-          <dgm:constr type="t" for="ch" forName="pictRect"/>
-          <dgm:constr type="w" for="ch" forName="textRect" refType="w"/>
-          <dgm:constr type="h" for="ch" forName="textRect" refType="h" fact="0.35"/>
-          <dgm:constr type="l" for="ch" forName="textRect"/>
-          <dgm:constr type="t" for="ch" forName="textRect" refType="b" refFor="ch" refForName="pictRect"/>
-        </dgm:constrLst>
-        <dgm:ruleLst/>
-        <dgm:layoutNode name="pictRect">
-          <dgm:alg type="sp"/>
-          <dgm:shape xmlns:r="http://schemas.openxmlformats.org/officeDocument/2006/relationships" type="roundRect" r:blip="" blipPhldr="1">
-            <dgm:adjLst/>
-          </dgm:shape>
-          <dgm:presOf/>
-          <dgm:constrLst/>
-          <dgm:ruleLst/>
-        </dgm:layoutNode>
-        <dgm:layoutNode name="textRect" styleLbl="revTx">
-          <dgm:varLst>
-            <dgm:bulletEnabled val="1"/>
-          </dgm:varLst>
-          <dgm:alg type="tx">
-            <dgm:param type="txAnchorVert" val="t"/>
-          </dgm:alg>
-          <dgm:shape xmlns:r="http://schemas.openxmlformats.org/officeDocument/2006/relationships" type="rect" r:blip="">
-            <dgm:adjLst/>
-          </dgm:shape>
-          <dgm:presOf axis="desOrSelf" ptType="node"/>
-          <dgm:constrLst>
-            <dgm:constr type="bMarg"/>
-          </dgm:constrLst>
-          <dgm:ruleLst>
-            <dgm:rule type="primFontSz" val="5" fact="NaN" max="NaN"/>
-          </dgm:ruleLst>
-        </dgm:layoutNode>
-      </dgm:layoutNode>
-      <dgm:forEach name="Name5" axis="followSib" ptType="sibTrans" cnt="1">
-        <dgm:layoutNode name="sibTrans">
-          <dgm:alg type="sp"/>
-          <dgm:shape xmlns:r="http://schemas.openxmlformats.org/officeDocument/2006/relationships" type="rect" r:blip="" hideGeom="1">
-            <dgm:adjLst/>
-          </dgm:shape>
-          <dgm:presOf axis="self"/>
-          <dgm:constrLst/>
-          <dgm:ruleLst/>
-        </dgm:layoutNode>
-      </dgm:forEach>
-    </dgm:forEach>
-  </dgm:layoutNode>
-</dgm:layoutDef>
-</file>
-
-<file path=ppt/diagrams/quickStyle1.xml><?xml version="1.0" encoding="utf-8"?>
-<dgm:styleDef xmlns:dgm="http://schemas.openxmlformats.org/drawingml/2006/diagram" xmlns:a="http://schemas.openxmlformats.org/drawingml/2006/main" uniqueId="urn:microsoft.com/office/officeart/2005/8/quickstyle/simple1">
-  <dgm:title val=""/>
-  <dgm:desc val=""/>
-  <dgm:catLst>
-    <dgm:cat type="simple" pri="10100"/>
-  </dgm:catLst>
-  <dgm:scene3d>
-    <a:camera prst="orthographicFront"/>
-    <a:lightRig rig="threePt" dir="t"/>
-  </dgm:scene3d>
-  <dgm:styleLbl name="node0">
-    <dgm:scene3d>
-      <a:camera prst="orthographicFront"/>
-      <a:lightRig rig="threePt" dir="t"/>
-    </dgm:scene3d>
-    <dgm:sp3d/>
-    <dgm:txPr/>
-    <dgm:style>
-      <a:lnRef idx="2">
-        <a:scrgbClr r="0" g="0" b="0"/>
-      </a:lnRef>
-      <a:fillRef idx="1">
-        <a:scrgbClr r="0" g="0" b="0"/>
-      </a:fillRef>
-      <a:effectRef idx="0">
-        <a:scrgbClr r="0" g="0" b="0"/>
-      </a:effectRef>
-      <a:fontRef idx="minor">
-        <a:schemeClr val="lt1"/>
-      </a:fontRef>
-    </dgm:style>
-  </dgm:styleLbl>
-  <dgm:styleLbl name="lnNode1">
-    <dgm:scene3d>
-      <a:camera prst="orthographicFront"/>
-      <a:lightRig rig="threePt" dir="t"/>
-    </dgm:scene3d>
-    <dgm:sp3d/>
-    <dgm:txPr/>
-    <dgm:style>
-      <a:lnRef idx="2">
-        <a:scrgbClr r="0" g="0" b="0"/>
-      </a:lnRef>
-      <a:fillRef idx="1">
-        <a:scrgbClr r="0" g="0" b="0"/>
-      </a:fillRef>
-      <a:effectRef idx="0">
-        <a:scrgbClr r="0" g="0" b="0"/>
-      </a:effectRef>
-      <a:fontRef idx="minor">
-        <a:schemeClr val="lt1"/>
-      </a:fontRef>
-    </dgm:style>
-  </dgm:styleLbl>
-  <dgm:styleLbl name="vennNode1">
-    <dgm:scene3d>
-      <a:camera prst="orthographicFront"/>
-      <a:lightRig rig="threePt" dir="t"/>
-    </dgm:scene3d>
-    <dgm:sp3d/>
-    <dgm:txPr/>
-    <dgm:style>
-      <a:lnRef idx="2">
-        <a:scrgbClr r="0" g="0" b="0"/>
-      </a:lnRef>
-      <a:fillRef idx="1">
-        <a:scrgbClr r="0" g="0" b="0"/>
-      </a:fillRef>
-      <a:effectRef idx="0">
-        <a:scrgbClr r="0" g="0" b="0"/>
-      </a:effectRef>
-      <a:fontRef idx="minor">
-        <a:schemeClr val="tx1"/>
-      </a:fontRef>
-    </dgm:style>
-  </dgm:styleLbl>
-  <dgm:styleLbl name="alignNode1">
-    <dgm:scene3d>
-      <a:camera prst="orthographicFront"/>
-      <a:lightRig rig="threePt" dir="t"/>
-    </dgm:scene3d>
-    <dgm:sp3d/>
-    <dgm:txPr/>
-    <dgm:style>
-      <a:lnRef idx="2">
-        <a:scrgbClr r="0" g="0" b="0"/>
-      </a:lnRef>
-      <a:fillRef idx="1">
-        <a:scrgbClr r="0" g="0" b="0"/>
-      </a:fillRef>
-      <a:effectRef idx="0">
-        <a:scrgbClr r="0" g="0" b="0"/>
-      </a:effectRef>
-      <a:fontRef idx="minor">
-        <a:schemeClr val="lt1"/>
-      </a:fontRef>
-    </dgm:style>
-  </dgm:styleLbl>
-  <dgm:styleLbl name="node1">
-    <dgm:scene3d>
-      <a:camera prst="orthographicFront"/>
-      <a:lightRig rig="threePt" dir="t"/>
-    </dgm:scene3d>
-    <dgm:sp3d/>
-    <dgm:txPr/>
-    <dgm:style>
-      <a:lnRef idx="2">
-        <a:scrgbClr r="0" g="0" b="0"/>
-      </a:lnRef>
-      <a:fillRef idx="1">
-        <a:scrgbClr r="0" g="0" b="0"/>
-      </a:fillRef>
-      <a:effectRef idx="0">
-        <a:scrgbClr r="0" g="0" b="0"/>
-      </a:effectRef>
-      <a:fontRef idx="minor">
-        <a:schemeClr val="lt1"/>
-      </a:fontRef>
-    </dgm:style>
-  </dgm:styleLbl>
-  <dgm:styleLbl name="node2">
-    <dgm:scene3d>
-      <a:camera prst="orthographicFront"/>
-      <a:lightRig rig="threePt" dir="t"/>
-    </dgm:scene3d>
-    <dgm:sp3d/>
-    <dgm:txPr/>
-    <dgm:style>
-      <a:lnRef idx="2">
-        <a:scrgbClr r="0" g="0" b="0"/>
-      </a:lnRef>
-      <a:fillRef idx="1">
-        <a:scrgbClr r="0" g="0" b="0"/>
-      </a:fillRef>
-      <a:effectRef idx="0">
-        <a:scrgbClr r="0" g="0" b="0"/>
-      </a:effectRef>
-      <a:fontRef idx="minor">
-        <a:schemeClr val="lt1"/>
-      </a:fontRef>
-    </dgm:style>
-  </dgm:styleLbl>
-  <dgm:styleLbl name="node3">
-    <dgm:scene3d>
-      <a:camera prst="orthographicFront"/>
-      <a:lightRig rig="threePt" dir="t"/>
-    </dgm:scene3d>
-    <dgm:sp3d/>
-    <dgm:txPr/>
-    <dgm:style>
-      <a:lnRef idx="2">
-        <a:scrgbClr r="0" g="0" b="0"/>
-      </a:lnRef>
-      <a:fillRef idx="1">
-        <a:scrgbClr r="0" g="0" b="0"/>
-      </a:fillRef>
-      <a:effectRef idx="0">
-        <a:scrgbClr r="0" g="0" b="0"/>
-      </a:effectRef>
-      <a:fontRef idx="minor">
-        <a:schemeClr val="lt1"/>
-      </a:fontRef>
-    </dgm:style>
-  </dgm:styleLbl>
-  <dgm:styleLbl name="node4">
-    <dgm:scene3d>
-      <a:camera prst="orthographicFront"/>
-      <a:lightRig rig="threePt" dir="t"/>
-    </dgm:scene3d>
-    <dgm:sp3d/>
-    <dgm:txPr/>
-    <dgm:style>
-      <a:lnRef idx="2">
-        <a:scrgbClr r="0" g="0" b="0"/>
-      </a:lnRef>
-      <a:fillRef idx="1">
-        <a:scrgbClr r="0" g="0" b="0"/>
-      </a:fillRef>
-      <a:effectRef idx="0">
-        <a:scrgbClr r="0" g="0" b="0"/>
-      </a:effectRef>
-      <a:fontRef idx="minor">
-        <a:schemeClr val="lt1"/>
-      </a:fontRef>
-    </dgm:style>
-  </dgm:styleLbl>
-  <dgm:styleLbl name="fgImgPlace1">
-    <dgm:scene3d>
-      <a:camera prst="orthographicFront"/>
-      <a:lightRig rig="threePt" dir="t"/>
-    </dgm:scene3d>
-    <dgm:sp3d/>
-    <dgm:txPr/>
-    <dgm:style>
-      <a:lnRef idx="2">
-        <a:scrgbClr r="0" g="0" b="0"/>
-      </a:lnRef>
-      <a:fillRef idx="1">
-        <a:scrgbClr r="0" g="0" b="0"/>
-      </a:fillRef>
-      <a:effectRef idx="0">
-        <a:scrgbClr r="0" g="0" b="0"/>
-      </a:effectRef>
-      <a:fontRef idx="minor"/>
-    </dgm:style>
-  </dgm:styleLbl>
-  <dgm:styleLbl name="alignImgPlace1">
-    <dgm:scene3d>
-      <a:camera prst="orthographicFront"/>
-      <a:lightRig rig="threePt" dir="t"/>
-    </dgm:scene3d>
-    <dgm:sp3d/>
-    <dgm:txPr/>
-    <dgm:style>
-      <a:lnRef idx="2">
-        <a:scrgbClr r="0" g="0" b="0"/>
-      </a:lnRef>
-      <a:fillRef idx="1">
-        <a:scrgbClr r="0" g="0" b="0"/>
-      </a:fillRef>
-      <a:effectRef idx="0">
-        <a:scrgbClr r="0" g="0" b="0"/>
-      </a:effectRef>
-      <a:fontRef idx="minor"/>
-    </dgm:style>
-  </dgm:styleLbl>
-  <dgm:styleLbl name="bgImgPlace1">
-    <dgm:scene3d>
-      <a:camera prst="orthographicFront"/>
-      <a:lightRig rig="threePt" dir="t"/>
-    </dgm:scene3d>
-    <dgm:sp3d/>
-    <dgm:txPr/>
-    <dgm:style>
-      <a:lnRef idx="2">
-        <a:scrgbClr r="0" g="0" b="0"/>
-      </a:lnRef>
-      <a:fillRef idx="1">
-        <a:scrgbClr r="0" g="0" b="0"/>
-      </a:fillRef>
-      <a:effectRef idx="0">
-        <a:scrgbClr r="0" g="0" b="0"/>
-      </a:effectRef>
-      <a:fontRef idx="minor"/>
-    </dgm:style>
-  </dgm:styleLbl>
-  <dgm:styleLbl name="sibTrans2D1">
-    <dgm:scene3d>
-      <a:camera prst="orthographicFront"/>
-      <a:lightRig rig="threePt" dir="t"/>
-    </dgm:scene3d>
-    <dgm:sp3d/>
-    <dgm:txPr/>
-    <dgm:style>
-      <a:lnRef idx="0">
-        <a:scrgbClr r="0" g="0" b="0"/>
-      </a:lnRef>
-      <a:fillRef idx="1">
-        <a:scrgbClr r="0" g="0" b="0"/>
-      </a:fillRef>
-      <a:effectRef idx="0">
-        <a:scrgbClr r="0" g="0" b="0"/>
-      </a:effectRef>
-      <a:fontRef idx="minor">
-        <a:schemeClr val="lt1"/>
-      </a:fontRef>
-    </dgm:style>
-  </dgm:styleLbl>
-  <dgm:styleLbl name="fgSibTrans2D1">
-    <dgm:scene3d>
-      <a:camera prst="orthographicFront"/>
-      <a:lightRig rig="threePt" dir="t"/>
-    </dgm:scene3d>
-    <dgm:sp3d/>
-    <dgm:txPr/>
-    <dgm:style>
-      <a:lnRef idx="0">
-        <a:scrgbClr r="0" g="0" b="0"/>
-      </a:lnRef>
-      <a:fillRef idx="1">
-        <a:scrgbClr r="0" g="0" b="0"/>
-      </a:fillRef>
-      <a:effectRef idx="0">
-        <a:scrgbClr r="0" g="0" b="0"/>
-      </a:effectRef>
-      <a:fontRef idx="minor">
-        <a:schemeClr val="lt1"/>
-      </a:fontRef>
-    </dgm:style>
-  </dgm:styleLbl>
-  <dgm:styleLbl name="bgSibTrans2D1">
-    <dgm:scene3d>
-      <a:camera prst="orthographicFront"/>
-      <a:lightRig rig="threePt" dir="t"/>
-    </dgm:scene3d>
-    <dgm:sp3d/>
-    <dgm:txPr/>
-    <dgm:style>
-      <a:lnRef idx="0">
-        <a:scrgbClr r="0" g="0" b="0"/>
-      </a:lnRef>
-      <a:fillRef idx="1">
-        <a:scrgbClr r="0" g="0" b="0"/>
-      </a:fillRef>
-      <a:effectRef idx="0">
-        <a:scrgbClr r="0" g="0" b="0"/>
-      </a:effectRef>
-      <a:fontRef idx="minor">
-        <a:schemeClr val="lt1"/>
-      </a:fontRef>
-    </dgm:style>
-  </dgm:styleLbl>
-  <dgm:styleLbl name="sibTrans1D1">
-    <dgm:scene3d>
-      <a:camera prst="orthographicFront"/>
-      <a:lightRig rig="threePt" dir="t"/>
-    </dgm:scene3d>
-    <dgm:sp3d/>
-    <dgm:txPr/>
-    <dgm:style>
-      <a:lnRef idx="1">
-        <a:scrgbClr r="0" g="0" b="0"/>
-      </a:lnRef>
-      <a:fillRef idx="0">
-        <a:scrgbClr r="0" g="0" b="0"/>
-      </a:fillRef>
-      <a:effectRef idx="0">
-        <a:scrgbClr r="0" g="0" b="0"/>
-      </a:effectRef>
-      <a:fontRef idx="minor"/>
-    </dgm:style>
-  </dgm:styleLbl>
-  <dgm:styleLbl name="callout">
-    <dgm:scene3d>
-      <a:camera prst="orthographicFront"/>
-      <a:lightRig rig="threePt" dir="t"/>
-    </dgm:scene3d>
-    <dgm:sp3d/>
-    <dgm:txPr/>
-    <dgm:style>
-      <a:lnRef idx="2">
-        <a:scrgbClr r="0" g="0" b="0"/>
-      </a:lnRef>
-      <a:fillRef idx="1">
-        <a:scrgbClr r="0" g="0" b="0"/>
-      </a:fillRef>
-      <a:effectRef idx="0">
-        <a:scrgbClr r="0" g="0" b="0"/>
-      </a:effectRef>
-      <a:fontRef idx="minor"/>
-    </dgm:style>
-  </dgm:styleLbl>
-  <dgm:styleLbl name="asst0">
-    <dgm:scene3d>
-      <a:camera prst="orthographicFront"/>
-      <a:lightRig rig="threePt" dir="t"/>
-    </dgm:scene3d>
-    <dgm:sp3d/>
-    <dgm:txPr/>
-    <dgm:style>
-      <a:lnRef idx="2">
-        <a:scrgbClr r="0" g="0" b="0"/>
-      </a:lnRef>
-      <a:fillRef idx="1">
-        <a:scrgbClr r="0" g="0" b="0"/>
-      </a:fillRef>
-      <a:effectRef idx="0">
-        <a:scrgbClr r="0" g="0" b="0"/>
-      </a:effectRef>
-      <a:fontRef idx="minor">
-        <a:schemeClr val="lt1"/>
-      </a:fontRef>
-    </dgm:style>
-  </dgm:styleLbl>
-  <dgm:styleLbl name="asst1">
-    <dgm:scene3d>
-      <a:camera prst="orthographicFront"/>
-      <a:lightRig rig="threePt" dir="t"/>
-    </dgm:scene3d>
-    <dgm:sp3d/>
-    <dgm:txPr/>
-    <dgm:style>
-      <a:lnRef idx="2">
-        <a:scrgbClr r="0" g="0" b="0"/>
-      </a:lnRef>
-      <a:fillRef idx="1">
-        <a:scrgbClr r="0" g="0" b="0"/>
-      </a:fillRef>
-      <a:effectRef idx="0">
-        <a:scrgbClr r="0" g="0" b="0"/>
-      </a:effectRef>
-      <a:fontRef idx="minor">
-        <a:schemeClr val="lt1"/>
-      </a:fontRef>
-    </dgm:style>
-  </dgm:styleLbl>
-  <dgm:styleLbl name="asst2">
-    <dgm:scene3d>
-      <a:camera prst="orthographicFront"/>
-      <a:lightRig rig="threePt" dir="t"/>
-    </dgm:scene3d>
-    <dgm:sp3d/>
-    <dgm:txPr/>
-    <dgm:style>
-      <a:lnRef idx="2">
-        <a:scrgbClr r="0" g="0" b="0"/>
-      </a:lnRef>
-      <a:fillRef idx="1">
-        <a:scrgbClr r="0" g="0" b="0"/>
-      </a:fillRef>
-      <a:effectRef idx="0">
-        <a:scrgbClr r="0" g="0" b="0"/>
-      </a:effectRef>
-      <a:fontRef idx="minor">
-        <a:schemeClr val="lt1"/>
-      </a:fontRef>
-    </dgm:style>
-  </dgm:styleLbl>
-  <dgm:styleLbl name="asst3">
-    <dgm:scene3d>
-      <a:camera prst="orthographicFront"/>
-      <a:lightRig rig="threePt" dir="t"/>
-    </dgm:scene3d>
-    <dgm:sp3d/>
-    <dgm:txPr/>
-    <dgm:style>
-      <a:lnRef idx="2">
-        <a:scrgbClr r="0" g="0" b="0"/>
-      </a:lnRef>
-      <a:fillRef idx="1">
-        <a:scrgbClr r="0" g="0" b="0"/>
-      </a:fillRef>
-      <a:effectRef idx="0">
-        <a:scrgbClr r="0" g="0" b="0"/>
-      </a:effectRef>
-      <a:fontRef idx="minor">
-        <a:schemeClr val="lt1"/>
-      </a:fontRef>
-    </dgm:style>
-  </dgm:styleLbl>
-  <dgm:styleLbl name="asst4">
-    <dgm:scene3d>
-      <a:camera prst="orthographicFront"/>
-      <a:lightRig rig="threePt" dir="t"/>
-    </dgm:scene3d>
-    <dgm:sp3d/>
-    <dgm:txPr/>
-    <dgm:style>
-      <a:lnRef idx="2">
-        <a:scrgbClr r="0" g="0" b="0"/>
-      </a:lnRef>
-      <a:fillRef idx="1">
-        <a:scrgbClr r="0" g="0" b="0"/>
-      </a:fillRef>
-      <a:effectRef idx="0">
-        <a:scrgbClr r="0" g="0" b="0"/>
-      </a:effectRef>
-      <a:fontRef idx="minor">
-        <a:schemeClr val="lt1"/>
-      </a:fontRef>
-    </dgm:style>
-  </dgm:styleLbl>
-  <dgm:styleLbl name="parChTrans2D1">
-    <dgm:scene3d>
-      <a:camera prst="orthographicFront"/>
-      <a:lightRig rig="threePt" dir="t"/>
-    </dgm:scene3d>
-    <dgm:sp3d/>
-    <dgm:txPr/>
-    <dgm:style>
-      <a:lnRef idx="2">
-        <a:scrgbClr r="0" g="0" b="0"/>
-      </a:lnRef>
-      <a:fillRef idx="1">
-        <a:scrgbClr r="0" g="0" b="0"/>
-      </a:fillRef>
-      <a:effectRef idx="0">
-        <a:scrgbClr r="0" g="0" b="0"/>
-      </a:effectRef>
-      <a:fontRef idx="minor">
-        <a:schemeClr val="lt1"/>
-      </a:fontRef>
-    </dgm:style>
-  </dgm:styleLbl>
-  <dgm:styleLbl name="parChTrans2D2">
-    <dgm:scene3d>
-      <a:camera prst="orthographicFront"/>
-      <a:lightRig rig="threePt" dir="t"/>
-    </dgm:scene3d>
-    <dgm:sp3d/>
-    <dgm:txPr/>
-    <dgm:style>
-      <a:lnRef idx="2">
-        <a:scrgbClr r="0" g="0" b="0"/>
-      </a:lnRef>
-      <a:fillRef idx="1">
-        <a:scrgbClr r="0" g="0" b="0"/>
-      </a:fillRef>
-      <a:effectRef idx="0">
-        <a:scrgbClr r="0" g="0" b="0"/>
-      </a:effectRef>
-      <a:fontRef idx="minor">
-        <a:schemeClr val="lt1"/>
-      </a:fontRef>
-    </dgm:style>
-  </dgm:styleLbl>
-  <dgm:styleLbl name="parChTrans2D3">
-    <dgm:scene3d>
-      <a:camera prst="orthographicFront"/>
-      <a:lightRig rig="threePt" dir="t"/>
-    </dgm:scene3d>
-    <dgm:sp3d/>
-    <dgm:txPr/>
-    <dgm:style>
-      <a:lnRef idx="2">
-        <a:scrgbClr r="0" g="0" b="0"/>
-      </a:lnRef>
-      <a:fillRef idx="1">
-        <a:scrgbClr r="0" g="0" b="0"/>
-      </a:fillRef>
-      <a:effectRef idx="0">
-        <a:scrgbClr r="0" g="0" b="0"/>
-      </a:effectRef>
-      <a:fontRef idx="minor">
-        <a:schemeClr val="lt1"/>
-      </a:fontRef>
-    </dgm:style>
-  </dgm:styleLbl>
-  <dgm:styleLbl name="parChTrans2D4">
-    <dgm:scene3d>
-      <a:camera prst="orthographicFront"/>
-      <a:lightRig rig="threePt" dir="t"/>
-    </dgm:scene3d>
-    <dgm:sp3d/>
-    <dgm:txPr/>
-    <dgm:style>
-      <a:lnRef idx="2">
-        <a:scrgbClr r="0" g="0" b="0"/>
-      </a:lnRef>
-      <a:fillRef idx="1">
-        <a:scrgbClr r="0" g="0" b="0"/>
-      </a:fillRef>
-      <a:effectRef idx="0">
-        <a:scrgbClr r="0" g="0" b="0"/>
-      </a:effectRef>
-      <a:fontRef idx="minor">
-        <a:schemeClr val="lt1"/>
-      </a:fontRef>
-    </dgm:style>
-  </dgm:styleLbl>
-  <dgm:styleLbl name="parChTrans1D1">
-    <dgm:scene3d>
-      <a:camera prst="orthographicFront"/>
-      <a:lightRig rig="threePt" dir="t"/>
-    </dgm:scene3d>
-    <dgm:sp3d/>
-    <dgm:txPr/>
-    <dgm:style>
-      <a:lnRef idx="2">
-        <a:scrgbClr r="0" g="0" b="0"/>
-      </a:lnRef>
-      <a:fillRef idx="0">
-        <a:scrgbClr r="0" g="0" b="0"/>
-      </a:fillRef>
-      <a:effectRef idx="0">
-        <a:scrgbClr r="0" g="0" b="0"/>
-      </a:effectRef>
-      <a:fontRef idx="minor"/>
-    </dgm:style>
-  </dgm:styleLbl>
-  <dgm:styleLbl name="parChTrans1D2">
-    <dgm:scene3d>
-      <a:camera prst="orthographicFront"/>
-      <a:lightRig rig="threePt" dir="t"/>
-    </dgm:scene3d>
-    <dgm:sp3d/>
-    <dgm:txPr/>
-    <dgm:style>
-      <a:lnRef idx="2">
-        <a:scrgbClr r="0" g="0" b="0"/>
-      </a:lnRef>
-      <a:fillRef idx="0">
-        <a:scrgbClr r="0" g="0" b="0"/>
-      </a:fillRef>
-      <a:effectRef idx="0">
-        <a:scrgbClr r="0" g="0" b="0"/>
-      </a:effectRef>
-      <a:fontRef idx="minor"/>
-    </dgm:style>
-  </dgm:styleLbl>
-  <dgm:styleLbl name="parChTrans1D3">
-    <dgm:scene3d>
-      <a:camera prst="orthographicFront"/>
-      <a:lightRig rig="threePt" dir="t"/>
-    </dgm:scene3d>
-    <dgm:sp3d/>
-    <dgm:txPr/>
-    <dgm:style>
-      <a:lnRef idx="2">
-        <a:scrgbClr r="0" g="0" b="0"/>
-      </a:lnRef>
-      <a:fillRef idx="0">
-        <a:scrgbClr r="0" g="0" b="0"/>
-      </a:fillRef>
-      <a:effectRef idx="0">
-        <a:scrgbClr r="0" g="0" b="0"/>
-      </a:effectRef>
-      <a:fontRef idx="minor"/>
-    </dgm:style>
-  </dgm:styleLbl>
-  <dgm:styleLbl name="parChTrans1D4">
-    <dgm:scene3d>
-      <a:camera prst="orthographicFront"/>
-      <a:lightRig rig="threePt" dir="t"/>
-    </dgm:scene3d>
-    <dgm:sp3d/>
-    <dgm:txPr/>
-    <dgm:style>
-      <a:lnRef idx="2">
-        <a:scrgbClr r="0" g="0" b="0"/>
-      </a:lnRef>
-      <a:fillRef idx="0">
-        <a:scrgbClr r="0" g="0" b="0"/>
-      </a:fillRef>
-      <a:effectRef idx="0">
-        <a:scrgbClr r="0" g="0" b="0"/>
-      </a:effectRef>
-      <a:fontRef idx="minor"/>
-    </dgm:style>
-  </dgm:styleLbl>
-  <dgm:styleLbl name="fgAcc1">
-    <dgm:scene3d>
-      <a:camera prst="orthographicFront"/>
-      <a:lightRig rig="threePt" dir="t"/>
-    </dgm:scene3d>
-    <dgm:sp3d/>
-    <dgm:txPr/>
-    <dgm:style>
-      <a:lnRef idx="2">
-        <a:scrgbClr r="0" g="0" b="0"/>
-      </a:lnRef>
-      <a:fillRef idx="1">
-        <a:scrgbClr r="0" g="0" b="0"/>
-      </a:fillRef>
-      <a:effectRef idx="0">
-        <a:scrgbClr r="0" g="0" b="0"/>
-      </a:effectRef>
-      <a:fontRef idx="minor"/>
-    </dgm:style>
-  </dgm:styleLbl>
-  <dgm:styleLbl name="conFgAcc1">
-    <dgm:scene3d>
-      <a:camera prst="orthographicFront"/>
-      <a:lightRig rig="threePt" dir="t"/>
-    </dgm:scene3d>
-    <dgm:sp3d/>
-    <dgm:txPr/>
-    <dgm:style>
-      <a:lnRef idx="2">
-        <a:scrgbClr r="0" g="0" b="0"/>
-      </a:lnRef>
-      <a:fillRef idx="1">
-        <a:scrgbClr r="0" g="0" b="0"/>
-      </a:fillRef>
-      <a:effectRef idx="0">
-        <a:scrgbClr r="0" g="0" b="0"/>
-      </a:effectRef>
-      <a:fontRef idx="minor"/>
-    </dgm:style>
-  </dgm:styleLbl>
-  <dgm:styleLbl name="alignAcc1">
-    <dgm:scene3d>
-      <a:camera prst="orthographicFront"/>
-      <a:lightRig rig="threePt" dir="t"/>
-    </dgm:scene3d>
-    <dgm:sp3d/>
-    <dgm:txPr/>
-    <dgm:style>
-      <a:lnRef idx="2">
-        <a:scrgbClr r="0" g="0" b="0"/>
-      </a:lnRef>
-      <a:fillRef idx="1">
-        <a:scrgbClr r="0" g="0" b="0"/>
-      </a:fillRef>
-      <a:effectRef idx="0">
-        <a:scrgbClr r="0" g="0" b="0"/>
-      </a:effectRef>
-      <a:fontRef idx="minor"/>
-    </dgm:style>
-  </dgm:styleLbl>
-  <dgm:styleLbl name="trAlignAcc1">
-    <dgm:scene3d>
-      <a:camera prst="orthographicFront"/>
-      <a:lightRig rig="threePt" dir="t"/>
-    </dgm:scene3d>
-    <dgm:sp3d/>
-    <dgm:txPr/>
-    <dgm:style>
-      <a:lnRef idx="1">
-        <a:scrgbClr r="0" g="0" b="0"/>
-      </a:lnRef>
-      <a:fillRef idx="1">
-        <a:scrgbClr r="0" g="0" b="0"/>
-      </a:fillRef>
-      <a:effectRef idx="0">
-        <a:scrgbClr r="0" g="0" b="0"/>
-      </a:effectRef>
-      <a:fontRef idx="minor"/>
-    </dgm:style>
-  </dgm:styleLbl>
-  <dgm:styleLbl name="bgAcc1">
-    <dgm:scene3d>
-      <a:camera prst="orthographicFront"/>
-      <a:lightRig rig="threePt" dir="t"/>
-    </dgm:scene3d>
-    <dgm:sp3d/>
-    <dgm:txPr/>
-    <dgm:style>
-      <a:lnRef idx="2">
-        <a:scrgbClr r="0" g="0" b="0"/>
-      </a:lnRef>
-      <a:fillRef idx="1">
-        <a:scrgbClr r="0" g="0" b="0"/>
-      </a:fillRef>
-      <a:effectRef idx="0">
-        <a:scrgbClr r="0" g="0" b="0"/>
-      </a:effectRef>
-      <a:fontRef idx="minor"/>
-    </dgm:style>
-  </dgm:styleLbl>
-  <dgm:styleLbl name="solidFgAcc1">
-    <dgm:scene3d>
-      <a:camera prst="orthographicFront"/>
-      <a:lightRig rig="threePt" dir="t"/>
-    </dgm:scene3d>
-    <dgm:sp3d/>
-    <dgm:txPr/>
-    <dgm:style>
-      <a:lnRef idx="2">
-        <a:scrgbClr r="0" g="0" b="0"/>
-      </a:lnRef>
-      <a:fillRef idx="1">
-        <a:scrgbClr r="0" g="0" b="0"/>
-      </a:fillRef>
-      <a:effectRef idx="0">
-        <a:scrgbClr r="0" g="0" b="0"/>
-      </a:effectRef>
-      <a:fontRef idx="minor"/>
-    </dgm:style>
-  </dgm:styleLbl>
-  <dgm:styleLbl name="solidAlignAcc1">
-    <dgm:scene3d>
-      <a:camera prst="orthographicFront"/>
-      <a:lightRig rig="threePt" dir="t"/>
-    </dgm:scene3d>
-    <dgm:sp3d/>
-    <dgm:txPr/>
-    <dgm:style>
-      <a:lnRef idx="2">
-        <a:scrgbClr r="0" g="0" b="0"/>
-      </a:lnRef>
-      <a:fillRef idx="1">
-        <a:scrgbClr r="0" g="0" b="0"/>
-      </a:fillRef>
-      <a:effectRef idx="0">
-        <a:scrgbClr r="0" g="0" b="0"/>
-      </a:effectRef>
-      <a:fontRef idx="minor"/>
-    </dgm:style>
-  </dgm:styleLbl>
-  <dgm:styleLbl name="solidBgAcc1">
-    <dgm:scene3d>
-      <a:camera prst="orthographicFront"/>
-      <a:lightRig rig="threePt" dir="t"/>
-    </dgm:scene3d>
-    <dgm:sp3d/>
-    <dgm:txPr/>
-    <dgm:style>
-      <a:lnRef idx="2">
-        <a:scrgbClr r="0" g="0" b="0"/>
-      </a:lnRef>
-      <a:fillRef idx="1">
-        <a:scrgbClr r="0" g="0" b="0"/>
-      </a:fillRef>
-      <a:effectRef idx="0">
-        <a:scrgbClr r="0" g="0" b="0"/>
-      </a:effectRef>
-      <a:fontRef idx="minor"/>
-    </dgm:style>
-  </dgm:styleLbl>
-  <dgm:styleLbl name="fgAccFollowNode1">
-    <dgm:scene3d>
-      <a:camera prst="orthographicFront"/>
-      <a:lightRig rig="threePt" dir="t"/>
-    </dgm:scene3d>
-    <dgm:sp3d/>
-    <dgm:txPr/>
-    <dgm:style>
-      <a:lnRef idx="2">
-        <a:scrgbClr r="0" g="0" b="0"/>
-      </a:lnRef>
-      <a:fillRef idx="1">
-        <a:scrgbClr r="0" g="0" b="0"/>
-      </a:fillRef>
-      <a:effectRef idx="0">
-        <a:scrgbClr r="0" g="0" b="0"/>
-      </a:effectRef>
-      <a:fontRef idx="minor"/>
-    </dgm:style>
-  </dgm:styleLbl>
-  <dgm:styleLbl name="alignAccFollowNode1">
-    <dgm:scene3d>
-      <a:camera prst="orthographicFront"/>
-      <a:lightRig rig="threePt" dir="t"/>
-    </dgm:scene3d>
-    <dgm:sp3d/>
-    <dgm:txPr/>
-    <dgm:style>
-      <a:lnRef idx="2">
-        <a:scrgbClr r="0" g="0" b="0"/>
-      </a:lnRef>
-      <a:fillRef idx="1">
-        <a:scrgbClr r="0" g="0" b="0"/>
-      </a:fillRef>
-      <a:effectRef idx="0">
-        <a:scrgbClr r="0" g="0" b="0"/>
-      </a:effectRef>
-      <a:fontRef idx="minor"/>
-    </dgm:style>
-  </dgm:styleLbl>
-  <dgm:styleLbl name="bgAccFollowNode1">
-    <dgm:scene3d>
-      <a:camera prst="orthographicFront"/>
-      <a:lightRig rig="threePt" dir="t"/>
-    </dgm:scene3d>
-    <dgm:sp3d/>
-    <dgm:txPr/>
-    <dgm:style>
-      <a:lnRef idx="2">
-        <a:scrgbClr r="0" g="0" b="0"/>
-      </a:lnRef>
-      <a:fillRef idx="1">
-        <a:scrgbClr r="0" g="0" b="0"/>
-      </a:fillRef>
-      <a:effectRef idx="0">
-        <a:scrgbClr r="0" g="0" b="0"/>
-      </a:effectRef>
-      <a:fontRef idx="minor"/>
-    </dgm:style>
-  </dgm:styleLbl>
-  <dgm:styleLbl name="fgAcc0">
-    <dgm:scene3d>
-      <a:camera prst="orthographicFront"/>
-      <a:lightRig rig="threePt" dir="t"/>
-    </dgm:scene3d>
-    <dgm:sp3d/>
-    <dgm:txPr/>
-    <dgm:style>
-      <a:lnRef idx="2">
-        <a:scrgbClr r="0" g="0" b="0"/>
-      </a:lnRef>
-      <a:fillRef idx="1">
-        <a:scrgbClr r="0" g="0" b="0"/>
-      </a:fillRef>
-      <a:effectRef idx="0">
-        <a:scrgbClr r="0" g="0" b="0"/>
-      </a:effectRef>
-      <a:fontRef idx="minor"/>
-    </dgm:style>
-  </dgm:styleLbl>
-  <dgm:styleLbl name="fgAcc2">
-    <dgm:scene3d>
-      <a:camera prst="orthographicFront"/>
-      <a:lightRig rig="threePt" dir="t"/>
-    </dgm:scene3d>
-    <dgm:sp3d/>
-    <dgm:txPr/>
-    <dgm:style>
-      <a:lnRef idx="2">
-        <a:scrgbClr r="0" g="0" b="0"/>
-      </a:lnRef>
-      <a:fillRef idx="1">
-        <a:scrgbClr r="0" g="0" b="0"/>
-      </a:fillRef>
-      <a:effectRef idx="0">
-        <a:scrgbClr r="0" g="0" b="0"/>
-      </a:effectRef>
-      <a:fontRef idx="minor"/>
-    </dgm:style>
-  </dgm:styleLbl>
-  <dgm:styleLbl name="fgAcc3">
-    <dgm:scene3d>
-      <a:camera prst="orthographicFront"/>
-      <a:lightRig rig="threePt" dir="t"/>
-    </dgm:scene3d>
-    <dgm:sp3d/>
-    <dgm:txPr/>
-    <dgm:style>
-      <a:lnRef idx="2">
-        <a:scrgbClr r="0" g="0" b="0"/>
-      </a:lnRef>
-      <a:fillRef idx="1">
-        <a:scrgbClr r="0" g="0" b="0"/>
-      </a:fillRef>
-      <a:effectRef idx="0">
-        <a:scrgbClr r="0" g="0" b="0"/>
-      </a:effectRef>
-      <a:fontRef idx="minor"/>
-    </dgm:style>
-  </dgm:styleLbl>
-  <dgm:styleLbl name="fgAcc4">
-    <dgm:scene3d>
-      <a:camera prst="orthographicFront"/>
-      <a:lightRig rig="threePt" dir="t"/>
-    </dgm:scene3d>
-    <dgm:sp3d/>
-    <dgm:txPr/>
-    <dgm:style>
-      <a:lnRef idx="2">
-        <a:scrgbClr r="0" g="0" b="0"/>
-      </a:lnRef>
-      <a:fillRef idx="1">
-        <a:scrgbClr r="0" g="0" b="0"/>
-      </a:fillRef>
-      <a:effectRef idx="0">
-        <a:scrgbClr r="0" g="0" b="0"/>
-      </a:effectRef>
-      <a:fontRef idx="minor"/>
-    </dgm:style>
-  </dgm:styleLbl>
-  <dgm:styleLbl name="bgShp">
-    <dgm:scene3d>
-      <a:camera prst="orthographicFront"/>
-      <a:lightRig rig="threePt" dir="t"/>
-    </dgm:scene3d>
-    <dgm:sp3d/>
-    <dgm:txPr/>
-    <dgm:style>
-      <a:lnRef idx="0">
-        <a:scrgbClr r="0" g="0" b="0"/>
-      </a:lnRef>
-      <a:fillRef idx="1">
-        <a:scrgbClr r="0" g="0" b="0"/>
-      </a:fillRef>
-      <a:effectRef idx="0">
-        <a:scrgbClr r="0" g="0" b="0"/>
-      </a:effectRef>
-      <a:fontRef idx="minor"/>
-    </dgm:style>
-  </dgm:styleLbl>
-  <dgm:styleLbl name="dkBgShp">
-    <dgm:scene3d>
-      <a:camera prst="orthographicFront"/>
-      <a:lightRig rig="threePt" dir="t"/>
-    </dgm:scene3d>
-    <dgm:sp3d/>
-    <dgm:txPr/>
-    <dgm:style>
-      <a:lnRef idx="0">
-        <a:scrgbClr r="0" g="0" b="0"/>
-      </a:lnRef>
-      <a:fillRef idx="1">
-        <a:scrgbClr r="0" g="0" b="0"/>
-      </a:fillRef>
-      <a:effectRef idx="0">
-        <a:scrgbClr r="0" g="0" b="0"/>
-      </a:effectRef>
-      <a:fontRef idx="minor"/>
-    </dgm:style>
-  </dgm:styleLbl>
-  <dgm:styleLbl name="trBgShp">
-    <dgm:scene3d>
-      <a:camera prst="orthographicFront"/>
-      <a:lightRig rig="threePt" dir="t"/>
-    </dgm:scene3d>
-    <dgm:sp3d/>
-    <dgm:txPr/>
-    <dgm:style>
-      <a:lnRef idx="0">
-        <a:scrgbClr r="0" g="0" b="0"/>
-      </a:lnRef>
-      <a:fillRef idx="1">
-        <a:scrgbClr r="0" g="0" b="0"/>
-      </a:fillRef>
-      <a:effectRef idx="0">
-        <a:scrgbClr r="0" g="0" b="0"/>
-      </a:effectRef>
-      <a:fontRef idx="minor"/>
-    </dgm:style>
-  </dgm:styleLbl>
-  <dgm:styleLbl name="fgShp">
-    <dgm:scene3d>
-      <a:camera prst="orthographicFront"/>
-      <a:lightRig rig="threePt" dir="t"/>
-    </dgm:scene3d>
-    <dgm:sp3d/>
-    <dgm:txPr/>
-    <dgm:style>
-      <a:lnRef idx="2">
-        <a:scrgbClr r="0" g="0" b="0"/>
-      </a:lnRef>
-      <a:fillRef idx="1">
-        <a:scrgbClr r="0" g="0" b="0"/>
-      </a:fillRef>
-      <a:effectRef idx="0">
-        <a:scrgbClr r="0" g="0" b="0"/>
-      </a:effectRef>
-      <a:fontRef idx="minor"/>
-    </dgm:style>
-  </dgm:styleLbl>
-  <dgm:styleLbl name="revTx">
-    <dgm:scene3d>
-      <a:camera prst="orthographicFront"/>
-      <a:lightRig rig="threePt" dir="t"/>
-    </dgm:scene3d>
-    <dgm:sp3d/>
-    <dgm:txPr/>
-    <dgm:style>
-      <a:lnRef idx="0">
-        <a:scrgbClr r="0" g="0" b="0"/>
-      </a:lnRef>
-      <a:fillRef idx="0">
-        <a:scrgbClr r="0" g="0" b="0"/>
-      </a:fillRef>
-      <a:effectRef idx="0">
-        <a:scrgbClr r="0" g="0" b="0"/>
-      </a:effectRef>
-      <a:fontRef idx="minor"/>
-    </dgm:style>
-  </dgm:styleLbl>
-</dgm:styleDef>
 </file>
 
 <file path=ppt/handoutMasters/handoutMaster1.xml><?xml version="1.0" encoding="utf-8"?>
@@ -22785,232 +19765,6 @@
 <file path=ppt/slides/slide1.xml><?xml version="1.0" encoding="utf-8"?>
 <p:sld xmlns:a="http://schemas.openxmlformats.org/drawingml/2006/main" xmlns:r="http://schemas.openxmlformats.org/officeDocument/2006/relationships" xmlns:p="http://schemas.openxmlformats.org/presentationml/2006/main">
   <p:cSld>
-    <p:bg>
-      <p:bgPr>
-        <a:solidFill>
-          <a:schemeClr val="tx1">
-            <a:alpha val="98000"/>
-          </a:schemeClr>
-        </a:solidFill>
-        <a:effectLst/>
-      </p:bgPr>
-    </p:bg>
-    <p:spTree>
-      <p:nvGrpSpPr>
-        <p:cNvPr id="1" name=""/>
-        <p:cNvGrpSpPr/>
-        <p:nvPr/>
-      </p:nvGrpSpPr>
-      <p:grpSpPr>
-        <a:xfrm>
-          <a:off x="0" y="0"/>
-          <a:ext cx="0" cy="0"/>
-          <a:chOff x="0" y="0"/>
-          <a:chExt cx="0" cy="0"/>
-        </a:xfrm>
-      </p:grpSpPr>
-      <p:pic>
-        <p:nvPicPr>
-          <p:cNvPr id="17" name="Picture 16" descr="A close up of a car&#10;&#10;Description automatically generated">
-            <a:extLst>
-              <a:ext uri="{FF2B5EF4-FFF2-40B4-BE49-F238E27FC236}">
-                <a16:creationId xmlns:a16="http://schemas.microsoft.com/office/drawing/2014/main" id="{9F277B26-636C-4A0F-9587-DD93847651B7}"/>
-              </a:ext>
-            </a:extLst>
-          </p:cNvPr>
-          <p:cNvPicPr>
-            <a:picLocks noChangeAspect="1"/>
-          </p:cNvPicPr>
-          <p:nvPr/>
-        </p:nvPicPr>
-        <p:blipFill>
-          <a:blip r:embed="rId2"/>
-          <a:stretch>
-            <a:fillRect/>
-          </a:stretch>
-        </p:blipFill>
-        <p:spPr>
-          <a:xfrm>
-            <a:off x="4199809" y="2249505"/>
-            <a:ext cx="7846276" cy="4413942"/>
-          </a:xfrm>
-          <a:prstGeom prst="rect">
-            <a:avLst/>
-          </a:prstGeom>
-          <a:effectLst>
-            <a:softEdge rad="127000"/>
-          </a:effectLst>
-        </p:spPr>
-      </p:pic>
-      <p:sp>
-        <p:nvSpPr>
-          <p:cNvPr id="4" name="Subtitle 3">
-            <a:extLst>
-              <a:ext uri="{FF2B5EF4-FFF2-40B4-BE49-F238E27FC236}">
-                <a16:creationId xmlns:a16="http://schemas.microsoft.com/office/drawing/2014/main" id="{196D0107-BD79-4806-90CC-A9E9312E9E11}"/>
-              </a:ext>
-            </a:extLst>
-          </p:cNvPr>
-          <p:cNvSpPr>
-            <a:spLocks noGrp="1"/>
-          </p:cNvSpPr>
-          <p:nvPr>
-            <p:ph type="subTitle" idx="1"/>
-          </p:nvPr>
-        </p:nvSpPr>
-        <p:spPr>
-          <a:xfrm>
-            <a:off x="6717394" y="4109654"/>
-            <a:ext cx="1663324" cy="984052"/>
-          </a:xfrm>
-        </p:spPr>
-        <p:txBody>
-          <a:bodyPr/>
-          <a:lstStyle/>
-          <a:p>
-            <a:pPr algn="r"/>
-            <a:r>
-              <a:rPr lang="en-US" sz="2000" dirty="0">
-                <a:solidFill>
-                  <a:schemeClr val="accent6"/>
-                </a:solidFill>
-              </a:rPr>
-              <a:t>K. Scott Allen</a:t>
-            </a:r>
-          </a:p>
-          <a:p>
-            <a:pPr algn="r"/>
-            <a:r>
-              <a:rPr lang="en-US" sz="2000" dirty="0">
-                <a:solidFill>
-                  <a:schemeClr val="accent6"/>
-                </a:solidFill>
-              </a:rPr>
-              <a:t>@OdeToCode</a:t>
-            </a:r>
-          </a:p>
-        </p:txBody>
-      </p:sp>
-      <p:sp>
-        <p:nvSpPr>
-          <p:cNvPr id="22" name="Rectangle 21">
-            <a:extLst>
-              <a:ext uri="{FF2B5EF4-FFF2-40B4-BE49-F238E27FC236}">
-                <a16:creationId xmlns:a16="http://schemas.microsoft.com/office/drawing/2014/main" id="{1ED6D759-BF26-4BE9-82B3-1BC2E603BC0E}"/>
-              </a:ext>
-            </a:extLst>
-          </p:cNvPr>
-          <p:cNvSpPr/>
-          <p:nvPr/>
-        </p:nvSpPr>
-        <p:spPr>
-          <a:xfrm>
-            <a:off x="6858858" y="3642286"/>
-            <a:ext cx="4064257" cy="369332"/>
-          </a:xfrm>
-          <a:prstGeom prst="rect">
-            <a:avLst/>
-          </a:prstGeom>
-        </p:spPr>
-        <p:txBody>
-          <a:bodyPr wrap="square">
-            <a:spAutoFit/>
-          </a:bodyPr>
-          <a:lstStyle/>
-          <a:p>
-            <a:r>
-              <a:rPr lang="en-US" dirty="0">
-                <a:solidFill>
-                  <a:schemeClr val="accent6"/>
-                </a:solidFill>
-              </a:rPr>
-              <a:t>Building Apps &amp; Services - Whats New!?</a:t>
-            </a:r>
-            <a:endParaRPr lang="en-US" dirty="0"/>
-          </a:p>
-        </p:txBody>
-      </p:sp>
-      <p:sp>
-        <p:nvSpPr>
-          <p:cNvPr id="23" name="Rectangle 22">
-            <a:extLst>
-              <a:ext uri="{FF2B5EF4-FFF2-40B4-BE49-F238E27FC236}">
-                <a16:creationId xmlns:a16="http://schemas.microsoft.com/office/drawing/2014/main" id="{B99052DE-14CC-47F0-BECF-F7E191CE2DCB}"/>
-              </a:ext>
-            </a:extLst>
-          </p:cNvPr>
-          <p:cNvSpPr/>
-          <p:nvPr/>
-        </p:nvSpPr>
-        <p:spPr>
-          <a:xfrm>
-            <a:off x="6858858" y="3229522"/>
-            <a:ext cx="6355860" cy="923330"/>
-          </a:xfrm>
-          <a:prstGeom prst="rect">
-            <a:avLst/>
-          </a:prstGeom>
-        </p:spPr>
-        <p:txBody>
-          <a:bodyPr wrap="square">
-            <a:spAutoFit/>
-          </a:bodyPr>
-          <a:lstStyle/>
-          <a:p>
-            <a:r>
-              <a:rPr lang="en-US" dirty="0">
-                <a:solidFill>
-                  <a:schemeClr val="accent6"/>
-                </a:solidFill>
-              </a:rPr>
-              <a:t>ASP.NET Core 3</a:t>
-            </a:r>
-            <a:br>
-              <a:rPr lang="en-US" dirty="0">
-                <a:solidFill>
-                  <a:schemeClr val="accent6"/>
-                </a:solidFill>
-              </a:rPr>
-            </a:br>
-            <a:br>
-              <a:rPr lang="en-US" dirty="0">
-                <a:solidFill>
-                  <a:schemeClr val="accent6"/>
-                </a:solidFill>
-              </a:rPr>
-            </a:br>
-            <a:endParaRPr lang="en-US" dirty="0"/>
-          </a:p>
-        </p:txBody>
-      </p:sp>
-    </p:spTree>
-    <p:extLst>
-      <p:ext uri="{BB962C8B-B14F-4D97-AF65-F5344CB8AC3E}">
-        <p14:creationId xmlns:p14="http://schemas.microsoft.com/office/powerpoint/2010/main" val="707349710"/>
-      </p:ext>
-    </p:extLst>
-  </p:cSld>
-  <p:clrMapOvr>
-    <a:masterClrMapping/>
-  </p:clrMapOvr>
-  <mc:AlternateContent xmlns:mc="http://schemas.openxmlformats.org/markup-compatibility/2006" xmlns:p14="http://schemas.microsoft.com/office/powerpoint/2010/main">
-    <mc:Choice Requires="p14">
-      <p:transition spd="med" p14:dur="700">
-        <p:fade/>
-      </p:transition>
-    </mc:Choice>
-    <mc:Fallback xmlns="">
-      <p:transition spd="med">
-        <p:fade/>
-      </p:transition>
-    </mc:Fallback>
-  </mc:AlternateContent>
-</p:sld>
-</file>
-
-<file path=ppt/slides/slide2.xml><?xml version="1.0" encoding="utf-8"?>
-<p:sld xmlns:a="http://schemas.openxmlformats.org/drawingml/2006/main" xmlns:r="http://schemas.openxmlformats.org/officeDocument/2006/relationships" xmlns:p="http://schemas.openxmlformats.org/presentationml/2006/main">
-  <p:cSld>
     <p:spTree>
       <p:nvGrpSpPr>
         <p:cNvPr id="1" name=""/>
@@ -23027,29 +19781,59 @@
       </p:grpSpPr>
       <p:sp>
         <p:nvSpPr>
-          <p:cNvPr id="3" name="Title 2">
+          <p:cNvPr id="12" name="Title 2">
             <a:extLst>
               <a:ext uri="{FF2B5EF4-FFF2-40B4-BE49-F238E27FC236}">
-                <a16:creationId xmlns:a16="http://schemas.microsoft.com/office/drawing/2014/main" id="{B1C1F905-2FAC-49F7-95D4-2458CA9A1066}"/>
+                <a16:creationId xmlns:a16="http://schemas.microsoft.com/office/drawing/2014/main" id="{F3141809-9B98-4BF3-AC03-52BD30D1D682}"/>
               </a:ext>
             </a:extLst>
           </p:cNvPr>
-          <p:cNvSpPr>
-            <a:spLocks noGrp="1"/>
+          <p:cNvSpPr txBox="1">
+            <a:spLocks/>
           </p:cNvSpPr>
-          <p:nvPr>
-            <p:ph type="ctrTitle"/>
-          </p:nvPr>
+          <p:nvPr/>
         </p:nvSpPr>
         <p:spPr>
           <a:xfrm>
-            <a:off x="2405515" y="2880611"/>
-            <a:ext cx="7380970" cy="3191643"/>
+            <a:off x="6867729" y="4105073"/>
+            <a:ext cx="4936786" cy="2602150"/>
           </a:xfrm>
+          <a:prstGeom prst="rect">
+            <a:avLst/>
+          </a:prstGeom>
+          <a:solidFill>
+            <a:schemeClr val="tx1"/>
+          </a:solidFill>
+          <a:effectLst>
+            <a:softEdge rad="0"/>
+          </a:effectLst>
         </p:spPr>
         <p:txBody>
-          <a:bodyPr/>
-          <a:lstStyle/>
+          <a:bodyPr vert="horz" lIns="0" tIns="0" rIns="0" bIns="0" rtlCol="0" anchor="ctr">
+            <a:noAutofit/>
+          </a:bodyPr>
+          <a:lstStyle>
+            <a:lvl1pPr algn="l" defTabSz="914400" rtl="0" eaLnBrk="1" latinLnBrk="0" hangingPunct="1">
+              <a:lnSpc>
+                <a:spcPct val="90000"/>
+              </a:lnSpc>
+              <a:spcBef>
+                <a:spcPct val="0"/>
+              </a:spcBef>
+              <a:buNone/>
+              <a:defRPr sz="3200" b="1" kern="1200">
+                <a:solidFill>
+                  <a:schemeClr val="tx1">
+                    <a:lumMod val="75000"/>
+                    <a:lumOff val="25000"/>
+                  </a:schemeClr>
+                </a:solidFill>
+                <a:latin typeface="Myriad Pro" pitchFamily="34" charset="0"/>
+                <a:ea typeface="+mj-ea"/>
+                <a:cs typeface="+mj-cs"/>
+              </a:defRPr>
+            </a:lvl1pPr>
+          </a:lstStyle>
           <a:p>
             <a:pPr>
               <a:lnSpc>
@@ -23062,7 +19846,7 @@
                   <a:schemeClr val="accent6"/>
                 </a:solidFill>
               </a:rPr>
-              <a:t>ASP.NET Core 3</a:t>
+              <a:t> ASP.NET Core 3</a:t>
             </a:r>
             <a:br>
               <a:rPr lang="en-US" dirty="0">
@@ -23071,114 +19855,99 @@
                 </a:solidFill>
               </a:rPr>
             </a:br>
+            <a:r>
+              <a:rPr lang="en-US" dirty="0">
+                <a:solidFill>
+                  <a:schemeClr val="accent6"/>
+                </a:solidFill>
+              </a:rPr>
+              <a:t> </a:t>
+            </a:r>
+            <a:r>
+              <a:rPr lang="en-US" sz="1800" spc="-150" dirty="0">
+                <a:solidFill>
+                  <a:schemeClr val="accent6"/>
+                </a:solidFill>
+              </a:rPr>
+              <a:t>Building Apps &amp; Services  -  Whats New?</a:t>
+            </a:r>
             <a:br>
-              <a:rPr lang="en-US" dirty="0">
+              <a:rPr lang="en-US" sz="1800" spc="-150" dirty="0">
+                <a:solidFill>
+                  <a:schemeClr val="accent6"/>
+                </a:solidFill>
+              </a:rPr>
+            </a:br>
+            <a:br>
+              <a:rPr lang="en-US" sz="2800" spc="-150" dirty="0">
                 <a:solidFill>
                   <a:schemeClr val="accent6"/>
                 </a:solidFill>
               </a:rPr>
             </a:br>
             <a:r>
-              <a:rPr lang="en-US" sz="4000" dirty="0">
+              <a:rPr lang="en-US" sz="2800" spc="-150" dirty="0">
                 <a:solidFill>
                   <a:schemeClr val="accent6"/>
                 </a:solidFill>
               </a:rPr>
-              <a:t>Building Apps &amp; Services  - </a:t>
+              <a:t> </a:t>
+            </a:r>
+            <a:r>
+              <a:rPr lang="en-US" sz="2000" spc="-150" dirty="0">
+                <a:solidFill>
+                  <a:schemeClr val="accent6"/>
+                </a:solidFill>
+              </a:rPr>
+              <a:t>K. Scott Allen</a:t>
             </a:r>
             <a:br>
-              <a:rPr lang="en-US" sz="4000" dirty="0">
+              <a:rPr lang="en-US" sz="2000" spc="-150" dirty="0">
                 <a:solidFill>
                   <a:schemeClr val="accent6"/>
                 </a:solidFill>
               </a:rPr>
             </a:br>
             <a:r>
-              <a:rPr lang="en-US" sz="4000" dirty="0">
+              <a:rPr lang="en-US" sz="2000" spc="-150" dirty="0">
                 <a:solidFill>
                   <a:schemeClr val="accent6"/>
                 </a:solidFill>
               </a:rPr>
-              <a:t>Whats New!?</a:t>
+              <a:t> @OdeToCode</a:t>
             </a:r>
-          </a:p>
-        </p:txBody>
-      </p:sp>
-      <p:sp>
-        <p:nvSpPr>
-          <p:cNvPr id="4" name="Subtitle 3">
-            <a:extLst>
-              <a:ext uri="{FF2B5EF4-FFF2-40B4-BE49-F238E27FC236}">
-                <a16:creationId xmlns:a16="http://schemas.microsoft.com/office/drawing/2014/main" id="{196D0107-BD79-4806-90CC-A9E9312E9E11}"/>
-              </a:ext>
-            </a:extLst>
-          </p:cNvPr>
-          <p:cNvSpPr>
-            <a:spLocks noGrp="1"/>
-          </p:cNvSpPr>
-          <p:nvPr>
-            <p:ph type="subTitle" idx="1"/>
-          </p:nvPr>
-        </p:nvSpPr>
-        <p:spPr>
-          <a:xfrm>
-            <a:off x="5639419" y="5258454"/>
-            <a:ext cx="4000500" cy="758933"/>
-          </a:xfrm>
-        </p:spPr>
-        <p:txBody>
-          <a:bodyPr/>
-          <a:lstStyle/>
-          <a:p>
-            <a:pPr algn="r"/>
-            <a:r>
-              <a:rPr lang="en-US" dirty="0">
+            <a:br>
+              <a:rPr lang="en-US" sz="1600" dirty="0">
                 <a:solidFill>
                   <a:schemeClr val="accent6"/>
                 </a:solidFill>
               </a:rPr>
-              <a:t>K. Scott Allen</a:t>
-            </a:r>
-          </a:p>
-          <a:p>
-            <a:pPr algn="r"/>
-            <a:r>
-              <a:rPr lang="en-US" dirty="0">
-                <a:solidFill>
-                  <a:schemeClr val="accent6"/>
-                </a:solidFill>
-              </a:rPr>
-              <a:t>@OdeToCode</a:t>
-            </a:r>
+            </a:br>
+            <a:endParaRPr lang="en-US" sz="2000" dirty="0">
+              <a:solidFill>
+                <a:schemeClr val="accent6"/>
+              </a:solidFill>
+            </a:endParaRPr>
           </a:p>
         </p:txBody>
       </p:sp>
     </p:spTree>
     <p:extLst>
       <p:ext uri="{BB962C8B-B14F-4D97-AF65-F5344CB8AC3E}">
-        <p14:creationId xmlns:p14="http://schemas.microsoft.com/office/powerpoint/2010/main" val="1154260899"/>
+        <p14:creationId xmlns:p14="http://schemas.microsoft.com/office/powerpoint/2010/main" val="1348567918"/>
       </p:ext>
     </p:extLst>
   </p:cSld>
   <p:clrMapOvr>
     <a:masterClrMapping/>
   </p:clrMapOvr>
-  <mc:AlternateContent xmlns:mc="http://schemas.openxmlformats.org/markup-compatibility/2006" xmlns:p14="http://schemas.microsoft.com/office/powerpoint/2010/main">
-    <mc:Choice Requires="p14">
-      <p:transition spd="med" p14:dur="700">
-        <p:fade/>
-      </p:transition>
-    </mc:Choice>
-    <mc:Fallback xmlns="">
-      <p:transition spd="med">
-        <p:fade/>
-      </p:transition>
-    </mc:Fallback>
-  </mc:AlternateContent>
+  <p:transition>
+    <p:fade/>
+  </p:transition>
 </p:sld>
 </file>
 
-<file path=ppt/slides/slide3.xml><?xml version="1.0" encoding="utf-8"?>
+<file path=ppt/slides/slide10.xml><?xml version="1.0" encoding="utf-8"?>
 <p:sld xmlns:a="http://schemas.openxmlformats.org/drawingml/2006/main" xmlns:r="http://schemas.openxmlformats.org/officeDocument/2006/relationships" xmlns:p="http://schemas.openxmlformats.org/presentationml/2006/main">
   <p:cSld>
     <p:spTree>
@@ -23200,7 +19969,7 @@
           <p:cNvPr id="2" name="Title 1">
             <a:extLst>
               <a:ext uri="{FF2B5EF4-FFF2-40B4-BE49-F238E27FC236}">
-                <a16:creationId xmlns:a16="http://schemas.microsoft.com/office/drawing/2014/main" id="{08C488A7-C36B-4FC5-9DEF-EEE0EB7751AA}"/>
+                <a16:creationId xmlns:a16="http://schemas.microsoft.com/office/drawing/2014/main" id="{1EE351B6-312E-4A5D-83F6-E1D166F471EF}"/>
               </a:ext>
             </a:extLst>
           </p:cNvPr>
@@ -23211,331 +19980,56 @@
             <p:ph type="title"/>
           </p:nvPr>
         </p:nvSpPr>
-        <p:spPr>
-          <a:xfrm>
-            <a:off x="1981200" y="304800"/>
-            <a:ext cx="8229600" cy="762000"/>
-          </a:xfrm>
-        </p:spPr>
+        <p:spPr/>
         <p:txBody>
           <a:bodyPr/>
           <a:lstStyle/>
           <a:p>
             <a:r>
+              <a:rPr lang="en-US" dirty="0" err="1"/>
+              <a:t>gRPC</a:t>
+            </a:r>
+            <a:r>
               <a:rPr lang="en-US" dirty="0"/>
-              <a:t>.NET Core</a:t>
+              <a:t> in an ASP.NET Core Project</a:t>
             </a:r>
           </a:p>
         </p:txBody>
       </p:sp>
-      <p:graphicFrame>
-        <p:nvGraphicFramePr>
-          <p:cNvPr id="4" name="Diagram 3">
+      <p:pic>
+        <p:nvPicPr>
+          <p:cNvPr id="4" name="Picture 3">
             <a:extLst>
               <a:ext uri="{FF2B5EF4-FFF2-40B4-BE49-F238E27FC236}">
-                <a16:creationId xmlns:a16="http://schemas.microsoft.com/office/drawing/2014/main" id="{C5214A96-FDCE-4F54-BF24-A0517EF11918}"/>
-              </a:ext>
-            </a:extLst>
-          </p:cNvPr>
-          <p:cNvGraphicFramePr/>
-          <p:nvPr/>
-        </p:nvGraphicFramePr>
-        <p:xfrm>
-          <a:off x="3048000" y="1625600"/>
-          <a:ext cx="6096000" cy="4064000"/>
-        </p:xfrm>
-        <a:graphic>
-          <a:graphicData uri="http://schemas.openxmlformats.org/drawingml/2006/diagram">
-            <dgm:relIds xmlns:dgm="http://schemas.openxmlformats.org/drawingml/2006/diagram" xmlns:r="http://schemas.openxmlformats.org/officeDocument/2006/relationships" r:dm="rId2" r:lo="rId3" r:qs="rId4" r:cs="rId5"/>
-          </a:graphicData>
-        </a:graphic>
-      </p:graphicFrame>
-      <p:pic>
-        <p:nvPicPr>
-          <p:cNvPr id="1028" name="Picture 4" descr="fast, shoe, speed icon">
-            <a:extLst>
-              <a:ext uri="{FF2B5EF4-FFF2-40B4-BE49-F238E27FC236}">
-                <a16:creationId xmlns:a16="http://schemas.microsoft.com/office/drawing/2014/main" id="{BF133D05-0630-4C43-9E76-B3B3CAAA9627}"/>
+                <a16:creationId xmlns:a16="http://schemas.microsoft.com/office/drawing/2014/main" id="{D86DCCFA-90BA-4D55-8415-48B0E2601BC4}"/>
               </a:ext>
             </a:extLst>
           </p:cNvPr>
           <p:cNvPicPr>
-            <a:picLocks noChangeAspect="1" noChangeArrowheads="1"/>
+            <a:picLocks noChangeAspect="1"/>
           </p:cNvPicPr>
           <p:nvPr/>
         </p:nvPicPr>
         <p:blipFill>
-          <a:blip r:embed="rId7">
-            <a:extLst>
-              <a:ext uri="{28A0092B-C50C-407E-A947-70E740481C1C}">
-                <a14:useLocalDpi xmlns:a14="http://schemas.microsoft.com/office/drawing/2010/main" val="0"/>
-              </a:ext>
-            </a:extLst>
-          </a:blip>
-          <a:srcRect/>
+          <a:blip r:embed="rId2"/>
           <a:stretch>
             <a:fillRect/>
           </a:stretch>
         </p:blipFill>
-        <p:spPr bwMode="auto">
+        <p:spPr>
           <a:xfrm>
-            <a:off x="3454400" y="1625600"/>
-            <a:ext cx="1270000" cy="1270000"/>
+            <a:off x="1752538" y="2266092"/>
+            <a:ext cx="8877756" cy="3079908"/>
           </a:xfrm>
           <a:prstGeom prst="rect">
             <a:avLst/>
           </a:prstGeom>
-          <a:noFill/>
-          <a:extLst>
-            <a:ext uri="{909E8E84-426E-40DD-AFC4-6F175D3DCCD1}">
-              <a14:hiddenFill xmlns:a14="http://schemas.microsoft.com/office/drawing/2010/main">
-                <a:solidFill>
-                  <a:srgbClr val="FFFFFF"/>
-                </a:solidFill>
-              </a14:hiddenFill>
-            </a:ext>
-          </a:extLst>
-        </p:spPr>
-      </p:pic>
-      <p:pic>
-        <p:nvPicPr>
-          <p:cNvPr id="1030" name="Picture 6" descr="arrows, cross, shuffle icon">
-            <a:extLst>
-              <a:ext uri="{FF2B5EF4-FFF2-40B4-BE49-F238E27FC236}">
-                <a16:creationId xmlns:a16="http://schemas.microsoft.com/office/drawing/2014/main" id="{21A31EEB-4261-465B-BA20-64BE8F705AD7}"/>
-              </a:ext>
-            </a:extLst>
-          </p:cNvPr>
-          <p:cNvPicPr>
-            <a:picLocks noChangeAspect="1" noChangeArrowheads="1"/>
-          </p:cNvPicPr>
-          <p:nvPr/>
-        </p:nvPicPr>
-        <p:blipFill>
-          <a:blip r:embed="rId8">
-            <a:extLst>
-              <a:ext uri="{28A0092B-C50C-407E-A947-70E740481C1C}">
-                <a14:useLocalDpi xmlns:a14="http://schemas.microsoft.com/office/drawing/2010/main" val="0"/>
-              </a:ext>
-            </a:extLst>
-          </a:blip>
-          <a:srcRect/>
-          <a:stretch>
-            <a:fillRect/>
-          </a:stretch>
-        </p:blipFill>
-        <p:spPr bwMode="auto">
-          <a:xfrm>
-            <a:off x="5334000" y="1524000"/>
-            <a:ext cx="1524000" cy="1524000"/>
-          </a:xfrm>
-          <a:prstGeom prst="rect">
-            <a:avLst/>
-          </a:prstGeom>
-          <a:noFill/>
-          <a:extLst>
-            <a:ext uri="{909E8E84-426E-40DD-AFC4-6F175D3DCCD1}">
-              <a14:hiddenFill xmlns:a14="http://schemas.microsoft.com/office/drawing/2010/main">
-                <a:solidFill>
-                  <a:srgbClr val="FFFFFF"/>
-                </a:solidFill>
-              </a14:hiddenFill>
-            </a:ext>
-          </a:extLst>
-        </p:spPr>
-      </p:pic>
-      <p:pic>
-        <p:nvPicPr>
-          <p:cNvPr id="1032" name="Picture 8" descr="lightweight, slim icon">
-            <a:extLst>
-              <a:ext uri="{FF2B5EF4-FFF2-40B4-BE49-F238E27FC236}">
-                <a16:creationId xmlns:a16="http://schemas.microsoft.com/office/drawing/2014/main" id="{19290C96-0ABC-43D3-B5CF-5343C4B8D7CD}"/>
-              </a:ext>
-            </a:extLst>
-          </p:cNvPr>
-          <p:cNvPicPr>
-            <a:picLocks noChangeAspect="1" noChangeArrowheads="1"/>
-          </p:cNvPicPr>
-          <p:nvPr/>
-        </p:nvPicPr>
-        <p:blipFill>
-          <a:blip r:embed="rId9">
-            <a:extLst>
-              <a:ext uri="{28A0092B-C50C-407E-A947-70E740481C1C}">
-                <a14:useLocalDpi xmlns:a14="http://schemas.microsoft.com/office/drawing/2010/main" val="0"/>
-              </a:ext>
-            </a:extLst>
-          </a:blip>
-          <a:srcRect/>
-          <a:stretch>
-            <a:fillRect/>
-          </a:stretch>
-        </p:blipFill>
-        <p:spPr bwMode="auto">
-          <a:xfrm>
-            <a:off x="7345218" y="1660236"/>
-            <a:ext cx="1265382" cy="1265382"/>
-          </a:xfrm>
-          <a:prstGeom prst="rect">
-            <a:avLst/>
-          </a:prstGeom>
-          <a:noFill/>
-          <a:extLst>
-            <a:ext uri="{909E8E84-426E-40DD-AFC4-6F175D3DCCD1}">
-              <a14:hiddenFill xmlns:a14="http://schemas.microsoft.com/office/drawing/2010/main">
-                <a:solidFill>
-                  <a:srgbClr val="FFFFFF"/>
-                </a:solidFill>
-              </a14:hiddenFill>
-            </a:ext>
-          </a:extLst>
-        </p:spPr>
-      </p:pic>
-      <p:pic>
-        <p:nvPicPr>
-          <p:cNvPr id="1034" name="Picture 10" descr="box, open box, product icon">
-            <a:extLst>
-              <a:ext uri="{FF2B5EF4-FFF2-40B4-BE49-F238E27FC236}">
-                <a16:creationId xmlns:a16="http://schemas.microsoft.com/office/drawing/2014/main" id="{9B228F6E-CE62-49E0-ACB9-8321DF9A2C03}"/>
-              </a:ext>
-            </a:extLst>
-          </p:cNvPr>
-          <p:cNvPicPr>
-            <a:picLocks noChangeAspect="1" noChangeArrowheads="1"/>
-          </p:cNvPicPr>
-          <p:nvPr/>
-        </p:nvPicPr>
-        <p:blipFill>
-          <a:blip r:embed="rId10">
-            <a:extLst>
-              <a:ext uri="{28A0092B-C50C-407E-A947-70E740481C1C}">
-                <a14:useLocalDpi xmlns:a14="http://schemas.microsoft.com/office/drawing/2010/main" val="0"/>
-              </a:ext>
-            </a:extLst>
-          </a:blip>
-          <a:srcRect/>
-          <a:stretch>
-            <a:fillRect/>
-          </a:stretch>
-        </p:blipFill>
-        <p:spPr bwMode="auto">
-          <a:xfrm>
-            <a:off x="3429000" y="3733800"/>
-            <a:ext cx="1270000" cy="1270000"/>
-          </a:xfrm>
-          <a:prstGeom prst="rect">
-            <a:avLst/>
-          </a:prstGeom>
-          <a:noFill/>
-          <a:extLst>
-            <a:ext uri="{909E8E84-426E-40DD-AFC4-6F175D3DCCD1}">
-              <a14:hiddenFill xmlns:a14="http://schemas.microsoft.com/office/drawing/2010/main">
-                <a:solidFill>
-                  <a:srgbClr val="FFFFFF"/>
-                </a:solidFill>
-              </a14:hiddenFill>
-            </a:ext>
-          </a:extLst>
-        </p:spPr>
-      </p:pic>
-      <p:pic>
-        <p:nvPicPr>
-          <p:cNvPr id="1036" name="Picture 12" descr="compatible, component, in, module, plug, plugin, puzzle icon">
-            <a:extLst>
-              <a:ext uri="{FF2B5EF4-FFF2-40B4-BE49-F238E27FC236}">
-                <a16:creationId xmlns:a16="http://schemas.microsoft.com/office/drawing/2014/main" id="{EDAF2BC1-EF31-4D2D-8F78-028E9DC6D7B9}"/>
-              </a:ext>
-            </a:extLst>
-          </p:cNvPr>
-          <p:cNvPicPr>
-            <a:picLocks noChangeAspect="1" noChangeArrowheads="1"/>
-          </p:cNvPicPr>
-          <p:nvPr/>
-        </p:nvPicPr>
-        <p:blipFill>
-          <a:blip r:embed="rId11">
-            <a:extLst>
-              <a:ext uri="{28A0092B-C50C-407E-A947-70E740481C1C}">
-                <a14:useLocalDpi xmlns:a14="http://schemas.microsoft.com/office/drawing/2010/main" val="0"/>
-              </a:ext>
-            </a:extLst>
-          </a:blip>
-          <a:srcRect/>
-          <a:stretch>
-            <a:fillRect/>
-          </a:stretch>
-        </p:blipFill>
-        <p:spPr bwMode="auto">
-          <a:xfrm>
-            <a:off x="5486400" y="3775364"/>
-            <a:ext cx="1177636" cy="1177636"/>
-          </a:xfrm>
-          <a:prstGeom prst="rect">
-            <a:avLst/>
-          </a:prstGeom>
-          <a:noFill/>
-          <a:extLst>
-            <a:ext uri="{909E8E84-426E-40DD-AFC4-6F175D3DCCD1}">
-              <a14:hiddenFill xmlns:a14="http://schemas.microsoft.com/office/drawing/2010/main">
-                <a:solidFill>
-                  <a:srgbClr val="FFFFFF"/>
-                </a:solidFill>
-              </a14:hiddenFill>
-            </a:ext>
-          </a:extLst>
-        </p:spPr>
-      </p:pic>
-      <p:pic>
-        <p:nvPicPr>
-          <p:cNvPr id="1038" name="Picture 14" descr="settings, tools icon">
-            <a:extLst>
-              <a:ext uri="{FF2B5EF4-FFF2-40B4-BE49-F238E27FC236}">
-                <a16:creationId xmlns:a16="http://schemas.microsoft.com/office/drawing/2014/main" id="{10A7AD7B-5796-423F-9FDC-18391E4D0476}"/>
-              </a:ext>
-            </a:extLst>
-          </p:cNvPr>
-          <p:cNvPicPr>
-            <a:picLocks noChangeAspect="1" noChangeArrowheads="1"/>
-          </p:cNvPicPr>
-          <p:nvPr/>
-        </p:nvPicPr>
-        <p:blipFill>
-          <a:blip r:embed="rId12">
-            <a:extLst>
-              <a:ext uri="{28A0092B-C50C-407E-A947-70E740481C1C}">
-                <a14:useLocalDpi xmlns:a14="http://schemas.microsoft.com/office/drawing/2010/main" val="0"/>
-              </a:ext>
-            </a:extLst>
-          </a:blip>
-          <a:srcRect/>
-          <a:stretch>
-            <a:fillRect/>
-          </a:stretch>
-        </p:blipFill>
-        <p:spPr bwMode="auto">
-          <a:xfrm>
-            <a:off x="7467600" y="3775364"/>
-            <a:ext cx="1228436" cy="1228436"/>
-          </a:xfrm>
-          <a:prstGeom prst="rect">
-            <a:avLst/>
-          </a:prstGeom>
-          <a:noFill/>
-          <a:extLst>
-            <a:ext uri="{909E8E84-426E-40DD-AFC4-6F175D3DCCD1}">
-              <a14:hiddenFill xmlns:a14="http://schemas.microsoft.com/office/drawing/2010/main">
-                <a:solidFill>
-                  <a:srgbClr val="FFFFFF"/>
-                </a:solidFill>
-              </a14:hiddenFill>
-            </a:ext>
-          </a:extLst>
         </p:spPr>
       </p:pic>
     </p:spTree>
     <p:extLst>
       <p:ext uri="{BB962C8B-B14F-4D97-AF65-F5344CB8AC3E}">
-        <p14:creationId xmlns:p14="http://schemas.microsoft.com/office/powerpoint/2010/main" val="423552736"/>
+        <p14:creationId xmlns:p14="http://schemas.microsoft.com/office/powerpoint/2010/main" val="1719678424"/>
       </p:ext>
     </p:extLst>
   </p:cSld>
@@ -23566,7 +20060,7 @@
                             </p:stCondLst>
                             <p:childTnLst>
                               <p:par>
-                                <p:cTn id="5" presetID="10" presetClass="entr" presetSubtype="0" fill="hold" grpId="0" nodeType="clickEffect">
+                                <p:cTn id="5" presetID="10" presetClass="entr" presetSubtype="0" fill="hold" nodeType="clickEffect">
                                   <p:stCondLst>
                                     <p:cond delay="0"/>
                                   </p:stCondLst>
@@ -23579,11 +20073,7 @@
                                           </p:stCondLst>
                                         </p:cTn>
                                         <p:tgtEl>
-                                          <p:spTgt spid="4">
-                                            <p:graphicEl>
-                                              <a:dgm id="{B769F961-6DFA-4047-8E99-1C58C6F92AB1}"/>
-                                            </p:graphicEl>
-                                          </p:spTgt>
+                                          <p:spTgt spid="4"/>
                                         </p:tgtEl>
                                         <p:attrNameLst>
                                           <p:attrName>style.visibility</p:attrName>
@@ -23597,574 +20087,7 @@
                                       <p:cBhvr>
                                         <p:cTn id="7" dur="500"/>
                                         <p:tgtEl>
-                                          <p:spTgt spid="4">
-                                            <p:graphicEl>
-                                              <a:dgm id="{B769F961-6DFA-4047-8E99-1C58C6F92AB1}"/>
-                                            </p:graphicEl>
-                                          </p:spTgt>
-                                        </p:tgtEl>
-                                      </p:cBhvr>
-                                    </p:animEffect>
-                                  </p:childTnLst>
-                                </p:cTn>
-                              </p:par>
-                              <p:par>
-                                <p:cTn id="8" presetID="10" presetClass="entr" presetSubtype="0" fill="hold" grpId="0" nodeType="withEffect">
-                                  <p:stCondLst>
-                                    <p:cond delay="0"/>
-                                  </p:stCondLst>
-                                  <p:childTnLst>
-                                    <p:set>
-                                      <p:cBhvr>
-                                        <p:cTn id="9" dur="1" fill="hold">
-                                          <p:stCondLst>
-                                            <p:cond delay="0"/>
-                                          </p:stCondLst>
-                                        </p:cTn>
-                                        <p:tgtEl>
-                                          <p:spTgt spid="4">
-                                            <p:graphicEl>
-                                              <a:dgm id="{0B9AAAA8-B604-4A06-B71E-A10F4AD1B0B2}"/>
-                                            </p:graphicEl>
-                                          </p:spTgt>
-                                        </p:tgtEl>
-                                        <p:attrNameLst>
-                                          <p:attrName>style.visibility</p:attrName>
-                                        </p:attrNameLst>
-                                      </p:cBhvr>
-                                      <p:to>
-                                        <p:strVal val="visible"/>
-                                      </p:to>
-                                    </p:set>
-                                    <p:animEffect transition="in" filter="fade">
-                                      <p:cBhvr>
-                                        <p:cTn id="10" dur="500"/>
-                                        <p:tgtEl>
-                                          <p:spTgt spid="4">
-                                            <p:graphicEl>
-                                              <a:dgm id="{0B9AAAA8-B604-4A06-B71E-A10F4AD1B0B2}"/>
-                                            </p:graphicEl>
-                                          </p:spTgt>
-                                        </p:tgtEl>
-                                      </p:cBhvr>
-                                    </p:animEffect>
-                                  </p:childTnLst>
-                                </p:cTn>
-                              </p:par>
-                            </p:childTnLst>
-                          </p:cTn>
-                        </p:par>
-                      </p:childTnLst>
-                    </p:cTn>
-                  </p:par>
-                  <p:par>
-                    <p:cTn id="11" fill="hold">
-                      <p:stCondLst>
-                        <p:cond delay="indefinite"/>
-                      </p:stCondLst>
-                      <p:childTnLst>
-                        <p:par>
-                          <p:cTn id="12" fill="hold">
-                            <p:stCondLst>
-                              <p:cond delay="0"/>
-                            </p:stCondLst>
-                            <p:childTnLst>
-                              <p:par>
-                                <p:cTn id="13" presetID="10" presetClass="entr" presetSubtype="0" fill="hold" grpId="0" nodeType="clickEffect">
-                                  <p:stCondLst>
-                                    <p:cond delay="0"/>
-                                  </p:stCondLst>
-                                  <p:childTnLst>
-                                    <p:set>
-                                      <p:cBhvr>
-                                        <p:cTn id="14" dur="1" fill="hold">
-                                          <p:stCondLst>
-                                            <p:cond delay="0"/>
-                                          </p:stCondLst>
-                                        </p:cTn>
-                                        <p:tgtEl>
-                                          <p:spTgt spid="4">
-                                            <p:graphicEl>
-                                              <a:dgm id="{3FEA3033-3776-4329-BAB6-00A553EEC64D}"/>
-                                            </p:graphicEl>
-                                          </p:spTgt>
-                                        </p:tgtEl>
-                                        <p:attrNameLst>
-                                          <p:attrName>style.visibility</p:attrName>
-                                        </p:attrNameLst>
-                                      </p:cBhvr>
-                                      <p:to>
-                                        <p:strVal val="visible"/>
-                                      </p:to>
-                                    </p:set>
-                                    <p:animEffect transition="in" filter="fade">
-                                      <p:cBhvr>
-                                        <p:cTn id="15" dur="500"/>
-                                        <p:tgtEl>
-                                          <p:spTgt spid="4">
-                                            <p:graphicEl>
-                                              <a:dgm id="{3FEA3033-3776-4329-BAB6-00A553EEC64D}"/>
-                                            </p:graphicEl>
-                                          </p:spTgt>
-                                        </p:tgtEl>
-                                      </p:cBhvr>
-                                    </p:animEffect>
-                                  </p:childTnLst>
-                                </p:cTn>
-                              </p:par>
-                              <p:par>
-                                <p:cTn id="16" presetID="10" presetClass="entr" presetSubtype="0" fill="hold" grpId="0" nodeType="withEffect">
-                                  <p:stCondLst>
-                                    <p:cond delay="0"/>
-                                  </p:stCondLst>
-                                  <p:childTnLst>
-                                    <p:set>
-                                      <p:cBhvr>
-                                        <p:cTn id="17" dur="1" fill="hold">
-                                          <p:stCondLst>
-                                            <p:cond delay="0"/>
-                                          </p:stCondLst>
-                                        </p:cTn>
-                                        <p:tgtEl>
-                                          <p:spTgt spid="4">
-                                            <p:graphicEl>
-                                              <a:dgm id="{3F5D9F09-2A35-4585-AC23-62BA598A8316}"/>
-                                            </p:graphicEl>
-                                          </p:spTgt>
-                                        </p:tgtEl>
-                                        <p:attrNameLst>
-                                          <p:attrName>style.visibility</p:attrName>
-                                        </p:attrNameLst>
-                                      </p:cBhvr>
-                                      <p:to>
-                                        <p:strVal val="visible"/>
-                                      </p:to>
-                                    </p:set>
-                                    <p:animEffect transition="in" filter="fade">
-                                      <p:cBhvr>
-                                        <p:cTn id="18" dur="500"/>
-                                        <p:tgtEl>
-                                          <p:spTgt spid="4">
-                                            <p:graphicEl>
-                                              <a:dgm id="{3F5D9F09-2A35-4585-AC23-62BA598A8316}"/>
-                                            </p:graphicEl>
-                                          </p:spTgt>
-                                        </p:tgtEl>
-                                      </p:cBhvr>
-                                    </p:animEffect>
-                                  </p:childTnLst>
-                                </p:cTn>
-                              </p:par>
-                            </p:childTnLst>
-                          </p:cTn>
-                        </p:par>
-                      </p:childTnLst>
-                    </p:cTn>
-                  </p:par>
-                  <p:par>
-                    <p:cTn id="19" fill="hold">
-                      <p:stCondLst>
-                        <p:cond delay="indefinite"/>
-                      </p:stCondLst>
-                      <p:childTnLst>
-                        <p:par>
-                          <p:cTn id="20" fill="hold">
-                            <p:stCondLst>
-                              <p:cond delay="0"/>
-                            </p:stCondLst>
-                            <p:childTnLst>
-                              <p:par>
-                                <p:cTn id="21" presetID="10" presetClass="entr" presetSubtype="0" fill="hold" grpId="0" nodeType="clickEffect">
-                                  <p:stCondLst>
-                                    <p:cond delay="0"/>
-                                  </p:stCondLst>
-                                  <p:childTnLst>
-                                    <p:set>
-                                      <p:cBhvr>
-                                        <p:cTn id="22" dur="1" fill="hold">
-                                          <p:stCondLst>
-                                            <p:cond delay="0"/>
-                                          </p:stCondLst>
-                                        </p:cTn>
-                                        <p:tgtEl>
-                                          <p:spTgt spid="4">
-                                            <p:graphicEl>
-                                              <a:dgm id="{60FAA2C6-01BA-46CC-AECD-ECFC42D0911B}"/>
-                                            </p:graphicEl>
-                                          </p:spTgt>
-                                        </p:tgtEl>
-                                        <p:attrNameLst>
-                                          <p:attrName>style.visibility</p:attrName>
-                                        </p:attrNameLst>
-                                      </p:cBhvr>
-                                      <p:to>
-                                        <p:strVal val="visible"/>
-                                      </p:to>
-                                    </p:set>
-                                    <p:animEffect transition="in" filter="fade">
-                                      <p:cBhvr>
-                                        <p:cTn id="23" dur="500"/>
-                                        <p:tgtEl>
-                                          <p:spTgt spid="4">
-                                            <p:graphicEl>
-                                              <a:dgm id="{60FAA2C6-01BA-46CC-AECD-ECFC42D0911B}"/>
-                                            </p:graphicEl>
-                                          </p:spTgt>
-                                        </p:tgtEl>
-                                      </p:cBhvr>
-                                    </p:animEffect>
-                                  </p:childTnLst>
-                                </p:cTn>
-                              </p:par>
-                              <p:par>
-                                <p:cTn id="24" presetID="10" presetClass="entr" presetSubtype="0" fill="hold" grpId="0" nodeType="withEffect">
-                                  <p:stCondLst>
-                                    <p:cond delay="0"/>
-                                  </p:stCondLst>
-                                  <p:childTnLst>
-                                    <p:set>
-                                      <p:cBhvr>
-                                        <p:cTn id="25" dur="1" fill="hold">
-                                          <p:stCondLst>
-                                            <p:cond delay="0"/>
-                                          </p:stCondLst>
-                                        </p:cTn>
-                                        <p:tgtEl>
-                                          <p:spTgt spid="4">
-                                            <p:graphicEl>
-                                              <a:dgm id="{E321FAD1-3AFF-47CE-8C6C-69CD9E134AB6}"/>
-                                            </p:graphicEl>
-                                          </p:spTgt>
-                                        </p:tgtEl>
-                                        <p:attrNameLst>
-                                          <p:attrName>style.visibility</p:attrName>
-                                        </p:attrNameLst>
-                                      </p:cBhvr>
-                                      <p:to>
-                                        <p:strVal val="visible"/>
-                                      </p:to>
-                                    </p:set>
-                                    <p:animEffect transition="in" filter="fade">
-                                      <p:cBhvr>
-                                        <p:cTn id="26" dur="500"/>
-                                        <p:tgtEl>
-                                          <p:spTgt spid="4">
-                                            <p:graphicEl>
-                                              <a:dgm id="{E321FAD1-3AFF-47CE-8C6C-69CD9E134AB6}"/>
-                                            </p:graphicEl>
-                                          </p:spTgt>
-                                        </p:tgtEl>
-                                      </p:cBhvr>
-                                    </p:animEffect>
-                                  </p:childTnLst>
-                                </p:cTn>
-                              </p:par>
-                            </p:childTnLst>
-                          </p:cTn>
-                        </p:par>
-                      </p:childTnLst>
-                    </p:cTn>
-                  </p:par>
-                  <p:par>
-                    <p:cTn id="27" fill="hold">
-                      <p:stCondLst>
-                        <p:cond delay="indefinite"/>
-                      </p:stCondLst>
-                      <p:childTnLst>
-                        <p:par>
-                          <p:cTn id="28" fill="hold">
-                            <p:stCondLst>
-                              <p:cond delay="0"/>
-                            </p:stCondLst>
-                            <p:childTnLst>
-                              <p:par>
-                                <p:cTn id="29" presetID="10" presetClass="entr" presetSubtype="0" fill="hold" grpId="0" nodeType="clickEffect">
-                                  <p:stCondLst>
-                                    <p:cond delay="0"/>
-                                  </p:stCondLst>
-                                  <p:childTnLst>
-                                    <p:set>
-                                      <p:cBhvr>
-                                        <p:cTn id="30" dur="1" fill="hold">
-                                          <p:stCondLst>
-                                            <p:cond delay="0"/>
-                                          </p:stCondLst>
-                                        </p:cTn>
-                                        <p:tgtEl>
-                                          <p:spTgt spid="4">
-                                            <p:graphicEl>
-                                              <a:dgm id="{CA84D3F6-3B22-42DB-BEFE-9F852DFB1A28}"/>
-                                            </p:graphicEl>
-                                          </p:spTgt>
-                                        </p:tgtEl>
-                                        <p:attrNameLst>
-                                          <p:attrName>style.visibility</p:attrName>
-                                        </p:attrNameLst>
-                                      </p:cBhvr>
-                                      <p:to>
-                                        <p:strVal val="visible"/>
-                                      </p:to>
-                                    </p:set>
-                                    <p:animEffect transition="in" filter="fade">
-                                      <p:cBhvr>
-                                        <p:cTn id="31" dur="500"/>
-                                        <p:tgtEl>
-                                          <p:spTgt spid="4">
-                                            <p:graphicEl>
-                                              <a:dgm id="{CA84D3F6-3B22-42DB-BEFE-9F852DFB1A28}"/>
-                                            </p:graphicEl>
-                                          </p:spTgt>
-                                        </p:tgtEl>
-                                      </p:cBhvr>
-                                    </p:animEffect>
-                                  </p:childTnLst>
-                                </p:cTn>
-                              </p:par>
-                              <p:par>
-                                <p:cTn id="32" presetID="10" presetClass="entr" presetSubtype="0" fill="hold" grpId="0" nodeType="withEffect">
-                                  <p:stCondLst>
-                                    <p:cond delay="0"/>
-                                  </p:stCondLst>
-                                  <p:childTnLst>
-                                    <p:set>
-                                      <p:cBhvr>
-                                        <p:cTn id="33" dur="1" fill="hold">
-                                          <p:stCondLst>
-                                            <p:cond delay="0"/>
-                                          </p:stCondLst>
-                                        </p:cTn>
-                                        <p:tgtEl>
-                                          <p:spTgt spid="4">
-                                            <p:graphicEl>
-                                              <a:dgm id="{FEB547A9-EDB8-4250-B8D2-8CC6A0378FF6}"/>
-                                            </p:graphicEl>
-                                          </p:spTgt>
-                                        </p:tgtEl>
-                                        <p:attrNameLst>
-                                          <p:attrName>style.visibility</p:attrName>
-                                        </p:attrNameLst>
-                                      </p:cBhvr>
-                                      <p:to>
-                                        <p:strVal val="visible"/>
-                                      </p:to>
-                                    </p:set>
-                                    <p:animEffect transition="in" filter="fade">
-                                      <p:cBhvr>
-                                        <p:cTn id="34" dur="500"/>
-                                        <p:tgtEl>
-                                          <p:spTgt spid="4">
-                                            <p:graphicEl>
-                                              <a:dgm id="{FEB547A9-EDB8-4250-B8D2-8CC6A0378FF6}"/>
-                                            </p:graphicEl>
-                                          </p:spTgt>
-                                        </p:tgtEl>
-                                      </p:cBhvr>
-                                    </p:animEffect>
-                                  </p:childTnLst>
-                                </p:cTn>
-                              </p:par>
-                            </p:childTnLst>
-                          </p:cTn>
-                        </p:par>
-                      </p:childTnLst>
-                    </p:cTn>
-                  </p:par>
-                  <p:par>
-                    <p:cTn id="35" fill="hold">
-                      <p:stCondLst>
-                        <p:cond delay="indefinite"/>
-                      </p:stCondLst>
-                      <p:childTnLst>
-                        <p:par>
-                          <p:cTn id="36" fill="hold">
-                            <p:stCondLst>
-                              <p:cond delay="0"/>
-                            </p:stCondLst>
-                            <p:childTnLst>
-                              <p:par>
-                                <p:cTn id="37" presetID="10" presetClass="entr" presetSubtype="0" fill="hold" grpId="0" nodeType="clickEffect">
-                                  <p:stCondLst>
-                                    <p:cond delay="0"/>
-                                  </p:stCondLst>
-                                  <p:childTnLst>
-                                    <p:set>
-                                      <p:cBhvr>
-                                        <p:cTn id="38" dur="1" fill="hold">
-                                          <p:stCondLst>
-                                            <p:cond delay="0"/>
-                                          </p:stCondLst>
-                                        </p:cTn>
-                                        <p:tgtEl>
-                                          <p:spTgt spid="4">
-                                            <p:graphicEl>
-                                              <a:dgm id="{1DABE7AF-B0D0-4E82-981F-340732C0F622}"/>
-                                            </p:graphicEl>
-                                          </p:spTgt>
-                                        </p:tgtEl>
-                                        <p:attrNameLst>
-                                          <p:attrName>style.visibility</p:attrName>
-                                        </p:attrNameLst>
-                                      </p:cBhvr>
-                                      <p:to>
-                                        <p:strVal val="visible"/>
-                                      </p:to>
-                                    </p:set>
-                                    <p:animEffect transition="in" filter="fade">
-                                      <p:cBhvr>
-                                        <p:cTn id="39" dur="500"/>
-                                        <p:tgtEl>
-                                          <p:spTgt spid="4">
-                                            <p:graphicEl>
-                                              <a:dgm id="{1DABE7AF-B0D0-4E82-981F-340732C0F622}"/>
-                                            </p:graphicEl>
-                                          </p:spTgt>
-                                        </p:tgtEl>
-                                      </p:cBhvr>
-                                    </p:animEffect>
-                                  </p:childTnLst>
-                                </p:cTn>
-                              </p:par>
-                              <p:par>
-                                <p:cTn id="40" presetID="10" presetClass="entr" presetSubtype="0" fill="hold" grpId="0" nodeType="withEffect">
-                                  <p:stCondLst>
-                                    <p:cond delay="0"/>
-                                  </p:stCondLst>
-                                  <p:childTnLst>
-                                    <p:set>
-                                      <p:cBhvr>
-                                        <p:cTn id="41" dur="1" fill="hold">
-                                          <p:stCondLst>
-                                            <p:cond delay="0"/>
-                                          </p:stCondLst>
-                                        </p:cTn>
-                                        <p:tgtEl>
-                                          <p:spTgt spid="4">
-                                            <p:graphicEl>
-                                              <a:dgm id="{7DCDB1E0-92AA-4686-BD87-1D96AEEA541D}"/>
-                                            </p:graphicEl>
-                                          </p:spTgt>
-                                        </p:tgtEl>
-                                        <p:attrNameLst>
-                                          <p:attrName>style.visibility</p:attrName>
-                                        </p:attrNameLst>
-                                      </p:cBhvr>
-                                      <p:to>
-                                        <p:strVal val="visible"/>
-                                      </p:to>
-                                    </p:set>
-                                    <p:animEffect transition="in" filter="fade">
-                                      <p:cBhvr>
-                                        <p:cTn id="42" dur="500"/>
-                                        <p:tgtEl>
-                                          <p:spTgt spid="4">
-                                            <p:graphicEl>
-                                              <a:dgm id="{7DCDB1E0-92AA-4686-BD87-1D96AEEA541D}"/>
-                                            </p:graphicEl>
-                                          </p:spTgt>
-                                        </p:tgtEl>
-                                      </p:cBhvr>
-                                    </p:animEffect>
-                                  </p:childTnLst>
-                                </p:cTn>
-                              </p:par>
-                            </p:childTnLst>
-                          </p:cTn>
-                        </p:par>
-                      </p:childTnLst>
-                    </p:cTn>
-                  </p:par>
-                  <p:par>
-                    <p:cTn id="43" fill="hold">
-                      <p:stCondLst>
-                        <p:cond delay="indefinite"/>
-                      </p:stCondLst>
-                      <p:childTnLst>
-                        <p:par>
-                          <p:cTn id="44" fill="hold">
-                            <p:stCondLst>
-                              <p:cond delay="0"/>
-                            </p:stCondLst>
-                            <p:childTnLst>
-                              <p:par>
-                                <p:cTn id="45" presetID="10" presetClass="entr" presetSubtype="0" fill="hold" grpId="0" nodeType="clickEffect">
-                                  <p:stCondLst>
-                                    <p:cond delay="0"/>
-                                  </p:stCondLst>
-                                  <p:childTnLst>
-                                    <p:set>
-                                      <p:cBhvr>
-                                        <p:cTn id="46" dur="1" fill="hold">
-                                          <p:stCondLst>
-                                            <p:cond delay="0"/>
-                                          </p:stCondLst>
-                                        </p:cTn>
-                                        <p:tgtEl>
-                                          <p:spTgt spid="4">
-                                            <p:graphicEl>
-                                              <a:dgm id="{37490828-1D06-45D6-A3DB-2D2823462344}"/>
-                                            </p:graphicEl>
-                                          </p:spTgt>
-                                        </p:tgtEl>
-                                        <p:attrNameLst>
-                                          <p:attrName>style.visibility</p:attrName>
-                                        </p:attrNameLst>
-                                      </p:cBhvr>
-                                      <p:to>
-                                        <p:strVal val="visible"/>
-                                      </p:to>
-                                    </p:set>
-                                    <p:animEffect transition="in" filter="fade">
-                                      <p:cBhvr>
-                                        <p:cTn id="47" dur="500"/>
-                                        <p:tgtEl>
-                                          <p:spTgt spid="4">
-                                            <p:graphicEl>
-                                              <a:dgm id="{37490828-1D06-45D6-A3DB-2D2823462344}"/>
-                                            </p:graphicEl>
-                                          </p:spTgt>
-                                        </p:tgtEl>
-                                      </p:cBhvr>
-                                    </p:animEffect>
-                                  </p:childTnLst>
-                                </p:cTn>
-                              </p:par>
-                              <p:par>
-                                <p:cTn id="48" presetID="10" presetClass="entr" presetSubtype="0" fill="hold" grpId="0" nodeType="withEffect">
-                                  <p:stCondLst>
-                                    <p:cond delay="0"/>
-                                  </p:stCondLst>
-                                  <p:childTnLst>
-                                    <p:set>
-                                      <p:cBhvr>
-                                        <p:cTn id="49" dur="1" fill="hold">
-                                          <p:stCondLst>
-                                            <p:cond delay="0"/>
-                                          </p:stCondLst>
-                                        </p:cTn>
-                                        <p:tgtEl>
-                                          <p:spTgt spid="4">
-                                            <p:graphicEl>
-                                              <a:dgm id="{DF6DF190-9611-4A3A-9CE1-423B333AFA92}"/>
-                                            </p:graphicEl>
-                                          </p:spTgt>
-                                        </p:tgtEl>
-                                        <p:attrNameLst>
-                                          <p:attrName>style.visibility</p:attrName>
-                                        </p:attrNameLst>
-                                      </p:cBhvr>
-                                      <p:to>
-                                        <p:strVal val="visible"/>
-                                      </p:to>
-                                    </p:set>
-                                    <p:animEffect transition="in" filter="fade">
-                                      <p:cBhvr>
-                                        <p:cTn id="50" dur="500"/>
-                                        <p:tgtEl>
-                                          <p:spTgt spid="4">
-                                            <p:graphicEl>
-                                              <a:dgm id="{DF6DF190-9611-4A3A-9CE1-423B333AFA92}"/>
-                                            </p:graphicEl>
-                                          </p:spTgt>
+                                          <p:spTgt spid="4"/>
                                         </p:tgtEl>
                                       </p:cBhvr>
                                     </p:animEffect>
@@ -24198,13 +20121,2711 @@
         </p:cTn>
       </p:par>
     </p:tnLst>
-    <p:bldLst>
-      <p:bldGraphic spid="4" grpId="0">
-        <p:bldSub>
-          <a:bldDgm bld="one"/>
-        </p:bldSub>
-      </p:bldGraphic>
-    </p:bldLst>
+  </p:timing>
+</p:sld>
+</file>
+
+<file path=ppt/slides/slide11.xml><?xml version="1.0" encoding="utf-8"?>
+<p:sld xmlns:a="http://schemas.openxmlformats.org/drawingml/2006/main" xmlns:r="http://schemas.openxmlformats.org/officeDocument/2006/relationships" xmlns:p="http://schemas.openxmlformats.org/presentationml/2006/main">
+  <p:cSld>
+    <p:spTree>
+      <p:nvGrpSpPr>
+        <p:cNvPr id="1" name=""/>
+        <p:cNvGrpSpPr/>
+        <p:nvPr/>
+      </p:nvGrpSpPr>
+      <p:grpSpPr>
+        <a:xfrm>
+          <a:off x="0" y="0"/>
+          <a:ext cx="0" cy="0"/>
+          <a:chOff x="0" y="0"/>
+          <a:chExt cx="0" cy="0"/>
+        </a:xfrm>
+      </p:grpSpPr>
+      <p:sp>
+        <p:nvSpPr>
+          <p:cNvPr id="2" name="Title 1">
+            <a:extLst>
+              <a:ext uri="{FF2B5EF4-FFF2-40B4-BE49-F238E27FC236}">
+                <a16:creationId xmlns:a16="http://schemas.microsoft.com/office/drawing/2014/main" id="{DEB6CCAD-91FF-41E9-8536-4467B008EC2D}"/>
+              </a:ext>
+            </a:extLst>
+          </p:cNvPr>
+          <p:cNvSpPr>
+            <a:spLocks noGrp="1"/>
+          </p:cNvSpPr>
+          <p:nvPr>
+            <p:ph type="title"/>
+          </p:nvPr>
+        </p:nvSpPr>
+        <p:spPr/>
+        <p:txBody>
+          <a:bodyPr/>
+          <a:lstStyle/>
+          <a:p>
+            <a:r>
+              <a:rPr lang="en-US" dirty="0"/>
+              <a:t>Service Implementation</a:t>
+            </a:r>
+          </a:p>
+        </p:txBody>
+      </p:sp>
+      <p:sp>
+        <p:nvSpPr>
+          <p:cNvPr id="3" name="Text Placeholder 2">
+            <a:extLst>
+              <a:ext uri="{FF2B5EF4-FFF2-40B4-BE49-F238E27FC236}">
+                <a16:creationId xmlns:a16="http://schemas.microsoft.com/office/drawing/2014/main" id="{0B41A5B2-B162-4551-A00A-87B3DC6E9CAC}"/>
+              </a:ext>
+            </a:extLst>
+          </p:cNvPr>
+          <p:cNvSpPr>
+            <a:spLocks noGrp="1"/>
+          </p:cNvSpPr>
+          <p:nvPr>
+            <p:ph type="body" idx="1"/>
+          </p:nvPr>
+        </p:nvSpPr>
+        <p:spPr/>
+        <p:txBody>
+          <a:bodyPr/>
+          <a:lstStyle/>
+          <a:p>
+            <a:endParaRPr lang="en-US"/>
+          </a:p>
+        </p:txBody>
+      </p:sp>
+      <p:pic>
+        <p:nvPicPr>
+          <p:cNvPr id="4" name="Picture 3">
+            <a:extLst>
+              <a:ext uri="{FF2B5EF4-FFF2-40B4-BE49-F238E27FC236}">
+                <a16:creationId xmlns:a16="http://schemas.microsoft.com/office/drawing/2014/main" id="{E5E6E81E-F275-4716-BFC8-C7DDA522B887}"/>
+              </a:ext>
+            </a:extLst>
+          </p:cNvPr>
+          <p:cNvPicPr>
+            <a:picLocks noChangeAspect="1"/>
+          </p:cNvPicPr>
+          <p:nvPr/>
+        </p:nvPicPr>
+        <p:blipFill>
+          <a:blip r:embed="rId2"/>
+          <a:stretch>
+            <a:fillRect/>
+          </a:stretch>
+        </p:blipFill>
+        <p:spPr>
+          <a:xfrm>
+            <a:off x="522201" y="1185927"/>
+            <a:ext cx="11147597" cy="5240073"/>
+          </a:xfrm>
+          <a:prstGeom prst="rect">
+            <a:avLst/>
+          </a:prstGeom>
+        </p:spPr>
+      </p:pic>
+    </p:spTree>
+    <p:extLst>
+      <p:ext uri="{BB962C8B-B14F-4D97-AF65-F5344CB8AC3E}">
+        <p14:creationId xmlns:p14="http://schemas.microsoft.com/office/powerpoint/2010/main" val="2663311956"/>
+      </p:ext>
+    </p:extLst>
+  </p:cSld>
+  <p:clrMapOvr>
+    <a:masterClrMapping/>
+  </p:clrMapOvr>
+  <p:transition>
+    <p:fade/>
+  </p:transition>
+  <p:timing>
+    <p:tnLst>
+      <p:par>
+        <p:cTn id="1" dur="indefinite" restart="never" nodeType="tmRoot">
+          <p:childTnLst>
+            <p:seq concurrent="1" nextAc="seek">
+              <p:cTn id="2" dur="indefinite" nodeType="mainSeq">
+                <p:childTnLst>
+                  <p:par>
+                    <p:cTn id="3" fill="hold">
+                      <p:stCondLst>
+                        <p:cond delay="indefinite"/>
+                      </p:stCondLst>
+                      <p:childTnLst>
+                        <p:par>
+                          <p:cTn id="4" fill="hold">
+                            <p:stCondLst>
+                              <p:cond delay="0"/>
+                            </p:stCondLst>
+                            <p:childTnLst>
+                              <p:par>
+                                <p:cTn id="5" presetID="10" presetClass="entr" presetSubtype="0" fill="hold" nodeType="clickEffect">
+                                  <p:stCondLst>
+                                    <p:cond delay="0"/>
+                                  </p:stCondLst>
+                                  <p:childTnLst>
+                                    <p:set>
+                                      <p:cBhvr>
+                                        <p:cTn id="6" dur="1" fill="hold">
+                                          <p:stCondLst>
+                                            <p:cond delay="0"/>
+                                          </p:stCondLst>
+                                        </p:cTn>
+                                        <p:tgtEl>
+                                          <p:spTgt spid="4"/>
+                                        </p:tgtEl>
+                                        <p:attrNameLst>
+                                          <p:attrName>style.visibility</p:attrName>
+                                        </p:attrNameLst>
+                                      </p:cBhvr>
+                                      <p:to>
+                                        <p:strVal val="visible"/>
+                                      </p:to>
+                                    </p:set>
+                                    <p:animEffect transition="in" filter="fade">
+                                      <p:cBhvr>
+                                        <p:cTn id="7" dur="500"/>
+                                        <p:tgtEl>
+                                          <p:spTgt spid="4"/>
+                                        </p:tgtEl>
+                                      </p:cBhvr>
+                                    </p:animEffect>
+                                  </p:childTnLst>
+                                </p:cTn>
+                              </p:par>
+                            </p:childTnLst>
+                          </p:cTn>
+                        </p:par>
+                      </p:childTnLst>
+                    </p:cTn>
+                  </p:par>
+                </p:childTnLst>
+              </p:cTn>
+              <p:prevCondLst>
+                <p:cond evt="onPrev" delay="0">
+                  <p:tgtEl>
+                    <p:sldTgt/>
+                  </p:tgtEl>
+                </p:cond>
+              </p:prevCondLst>
+              <p:nextCondLst>
+                <p:cond evt="onNext" delay="0">
+                  <p:tgtEl>
+                    <p:sldTgt/>
+                  </p:tgtEl>
+                </p:cond>
+              </p:nextCondLst>
+            </p:seq>
+          </p:childTnLst>
+        </p:cTn>
+      </p:par>
+    </p:tnLst>
+  </p:timing>
+</p:sld>
+</file>
+
+<file path=ppt/slides/slide12.xml><?xml version="1.0" encoding="utf-8"?>
+<p:sld xmlns:a="http://schemas.openxmlformats.org/drawingml/2006/main" xmlns:r="http://schemas.openxmlformats.org/officeDocument/2006/relationships" xmlns:p="http://schemas.openxmlformats.org/presentationml/2006/main">
+  <p:cSld>
+    <p:spTree>
+      <p:nvGrpSpPr>
+        <p:cNvPr id="1" name=""/>
+        <p:cNvGrpSpPr/>
+        <p:nvPr/>
+      </p:nvGrpSpPr>
+      <p:grpSpPr>
+        <a:xfrm>
+          <a:off x="0" y="0"/>
+          <a:ext cx="0" cy="0"/>
+          <a:chOff x="0" y="0"/>
+          <a:chExt cx="0" cy="0"/>
+        </a:xfrm>
+      </p:grpSpPr>
+      <p:sp>
+        <p:nvSpPr>
+          <p:cNvPr id="2" name="Title 1">
+            <a:extLst>
+              <a:ext uri="{FF2B5EF4-FFF2-40B4-BE49-F238E27FC236}">
+                <a16:creationId xmlns:a16="http://schemas.microsoft.com/office/drawing/2014/main" id="{22EA4470-7E26-460F-A3C7-C6F07A0B08A9}"/>
+              </a:ext>
+            </a:extLst>
+          </p:cNvPr>
+          <p:cNvSpPr>
+            <a:spLocks noGrp="1"/>
+          </p:cNvSpPr>
+          <p:nvPr>
+            <p:ph type="title"/>
+          </p:nvPr>
+        </p:nvSpPr>
+        <p:spPr/>
+        <p:txBody>
+          <a:bodyPr/>
+          <a:lstStyle/>
+          <a:p>
+            <a:r>
+              <a:rPr lang="en-US" dirty="0"/>
+              <a:t>Client Implementation</a:t>
+            </a:r>
+          </a:p>
+        </p:txBody>
+      </p:sp>
+      <p:sp>
+        <p:nvSpPr>
+          <p:cNvPr id="3" name="Text Placeholder 2">
+            <a:extLst>
+              <a:ext uri="{FF2B5EF4-FFF2-40B4-BE49-F238E27FC236}">
+                <a16:creationId xmlns:a16="http://schemas.microsoft.com/office/drawing/2014/main" id="{79C64083-11E6-401A-9822-35A1B82C586B}"/>
+              </a:ext>
+            </a:extLst>
+          </p:cNvPr>
+          <p:cNvSpPr>
+            <a:spLocks noGrp="1"/>
+          </p:cNvSpPr>
+          <p:nvPr>
+            <p:ph type="body" idx="1"/>
+          </p:nvPr>
+        </p:nvSpPr>
+        <p:spPr/>
+        <p:txBody>
+          <a:bodyPr/>
+          <a:lstStyle/>
+          <a:p>
+            <a:endParaRPr lang="en-US"/>
+          </a:p>
+        </p:txBody>
+      </p:sp>
+      <p:pic>
+        <p:nvPicPr>
+          <p:cNvPr id="4" name="Picture 3">
+            <a:extLst>
+              <a:ext uri="{FF2B5EF4-FFF2-40B4-BE49-F238E27FC236}">
+                <a16:creationId xmlns:a16="http://schemas.microsoft.com/office/drawing/2014/main" id="{24D111AC-4B9B-4C0A-831D-92369442EDA1}"/>
+              </a:ext>
+            </a:extLst>
+          </p:cNvPr>
+          <p:cNvPicPr>
+            <a:picLocks noChangeAspect="1"/>
+          </p:cNvPicPr>
+          <p:nvPr/>
+        </p:nvPicPr>
+        <p:blipFill>
+          <a:blip r:embed="rId2"/>
+          <a:stretch>
+            <a:fillRect/>
+          </a:stretch>
+        </p:blipFill>
+        <p:spPr>
+          <a:xfrm>
+            <a:off x="1550472" y="2265744"/>
+            <a:ext cx="8757100" cy="2851297"/>
+          </a:xfrm>
+          <a:prstGeom prst="rect">
+            <a:avLst/>
+          </a:prstGeom>
+        </p:spPr>
+      </p:pic>
+    </p:spTree>
+    <p:extLst>
+      <p:ext uri="{BB962C8B-B14F-4D97-AF65-F5344CB8AC3E}">
+        <p14:creationId xmlns:p14="http://schemas.microsoft.com/office/powerpoint/2010/main" val="2917677255"/>
+      </p:ext>
+    </p:extLst>
+  </p:cSld>
+  <p:clrMapOvr>
+    <a:masterClrMapping/>
+  </p:clrMapOvr>
+  <p:transition>
+    <p:fade/>
+  </p:transition>
+  <p:timing>
+    <p:tnLst>
+      <p:par>
+        <p:cTn id="1" dur="indefinite" restart="never" nodeType="tmRoot">
+          <p:childTnLst>
+            <p:seq concurrent="1" nextAc="seek">
+              <p:cTn id="2" dur="indefinite" nodeType="mainSeq">
+                <p:childTnLst>
+                  <p:par>
+                    <p:cTn id="3" fill="hold">
+                      <p:stCondLst>
+                        <p:cond delay="indefinite"/>
+                      </p:stCondLst>
+                      <p:childTnLst>
+                        <p:par>
+                          <p:cTn id="4" fill="hold">
+                            <p:stCondLst>
+                              <p:cond delay="0"/>
+                            </p:stCondLst>
+                            <p:childTnLst>
+                              <p:par>
+                                <p:cTn id="5" presetID="10" presetClass="entr" presetSubtype="0" fill="hold" nodeType="clickEffect">
+                                  <p:stCondLst>
+                                    <p:cond delay="0"/>
+                                  </p:stCondLst>
+                                  <p:childTnLst>
+                                    <p:set>
+                                      <p:cBhvr>
+                                        <p:cTn id="6" dur="1" fill="hold">
+                                          <p:stCondLst>
+                                            <p:cond delay="0"/>
+                                          </p:stCondLst>
+                                        </p:cTn>
+                                        <p:tgtEl>
+                                          <p:spTgt spid="4"/>
+                                        </p:tgtEl>
+                                        <p:attrNameLst>
+                                          <p:attrName>style.visibility</p:attrName>
+                                        </p:attrNameLst>
+                                      </p:cBhvr>
+                                      <p:to>
+                                        <p:strVal val="visible"/>
+                                      </p:to>
+                                    </p:set>
+                                    <p:animEffect transition="in" filter="fade">
+                                      <p:cBhvr>
+                                        <p:cTn id="7" dur="500"/>
+                                        <p:tgtEl>
+                                          <p:spTgt spid="4"/>
+                                        </p:tgtEl>
+                                      </p:cBhvr>
+                                    </p:animEffect>
+                                  </p:childTnLst>
+                                </p:cTn>
+                              </p:par>
+                            </p:childTnLst>
+                          </p:cTn>
+                        </p:par>
+                      </p:childTnLst>
+                    </p:cTn>
+                  </p:par>
+                </p:childTnLst>
+              </p:cTn>
+              <p:prevCondLst>
+                <p:cond evt="onPrev" delay="0">
+                  <p:tgtEl>
+                    <p:sldTgt/>
+                  </p:tgtEl>
+                </p:cond>
+              </p:prevCondLst>
+              <p:nextCondLst>
+                <p:cond evt="onNext" delay="0">
+                  <p:tgtEl>
+                    <p:sldTgt/>
+                  </p:tgtEl>
+                </p:cond>
+              </p:nextCondLst>
+            </p:seq>
+          </p:childTnLst>
+        </p:cTn>
+      </p:par>
+    </p:tnLst>
+  </p:timing>
+</p:sld>
+</file>
+
+<file path=ppt/slides/slide13.xml><?xml version="1.0" encoding="utf-8"?>
+<p:sld xmlns:a="http://schemas.openxmlformats.org/drawingml/2006/main" xmlns:r="http://schemas.openxmlformats.org/officeDocument/2006/relationships" xmlns:p="http://schemas.openxmlformats.org/presentationml/2006/main">
+  <p:cSld>
+    <p:spTree>
+      <p:nvGrpSpPr>
+        <p:cNvPr id="1" name=""/>
+        <p:cNvGrpSpPr/>
+        <p:nvPr/>
+      </p:nvGrpSpPr>
+      <p:grpSpPr>
+        <a:xfrm>
+          <a:off x="0" y="0"/>
+          <a:ext cx="0" cy="0"/>
+          <a:chOff x="0" y="0"/>
+          <a:chExt cx="0" cy="0"/>
+        </a:xfrm>
+      </p:grpSpPr>
+      <p:sp>
+        <p:nvSpPr>
+          <p:cNvPr id="2" name="Title 1">
+            <a:extLst>
+              <a:ext uri="{FF2B5EF4-FFF2-40B4-BE49-F238E27FC236}">
+                <a16:creationId xmlns:a16="http://schemas.microsoft.com/office/drawing/2014/main" id="{A8A76B02-5A7E-4FDD-BE32-DC43DF050B60}"/>
+              </a:ext>
+            </a:extLst>
+          </p:cNvPr>
+          <p:cNvSpPr>
+            <a:spLocks noGrp="1"/>
+          </p:cNvSpPr>
+          <p:nvPr>
+            <p:ph type="title"/>
+          </p:nvPr>
+        </p:nvSpPr>
+        <p:spPr/>
+        <p:txBody>
+          <a:bodyPr/>
+          <a:lstStyle/>
+          <a:p>
+            <a:r>
+              <a:rPr lang="en-US" dirty="0"/>
+              <a:t>New: Hosting Long Running Tasks</a:t>
+            </a:r>
+          </a:p>
+        </p:txBody>
+      </p:sp>
+      <p:sp>
+        <p:nvSpPr>
+          <p:cNvPr id="3" name="Text Placeholder 2">
+            <a:extLst>
+              <a:ext uri="{FF2B5EF4-FFF2-40B4-BE49-F238E27FC236}">
+                <a16:creationId xmlns:a16="http://schemas.microsoft.com/office/drawing/2014/main" id="{3FAB089E-0BBF-4B28-8398-8EEC5795996A}"/>
+              </a:ext>
+            </a:extLst>
+          </p:cNvPr>
+          <p:cNvSpPr>
+            <a:spLocks noGrp="1"/>
+          </p:cNvSpPr>
+          <p:nvPr>
+            <p:ph type="body" idx="1"/>
+          </p:nvPr>
+        </p:nvSpPr>
+        <p:spPr/>
+        <p:txBody>
+          <a:bodyPr/>
+          <a:lstStyle/>
+          <a:p>
+            <a:endParaRPr lang="en-US"/>
+          </a:p>
+        </p:txBody>
+      </p:sp>
+      <p:pic>
+        <p:nvPicPr>
+          <p:cNvPr id="4" name="Picture 3">
+            <a:extLst>
+              <a:ext uri="{FF2B5EF4-FFF2-40B4-BE49-F238E27FC236}">
+                <a16:creationId xmlns:a16="http://schemas.microsoft.com/office/drawing/2014/main" id="{65988003-4614-4C7B-ADCB-66F00EB138D6}"/>
+              </a:ext>
+            </a:extLst>
+          </p:cNvPr>
+          <p:cNvPicPr>
+            <a:picLocks noChangeAspect="1"/>
+          </p:cNvPicPr>
+          <p:nvPr/>
+        </p:nvPicPr>
+        <p:blipFill>
+          <a:blip r:embed="rId2"/>
+          <a:stretch>
+            <a:fillRect/>
+          </a:stretch>
+        </p:blipFill>
+        <p:spPr>
+          <a:xfrm>
+            <a:off x="1200647" y="1201599"/>
+            <a:ext cx="7785563" cy="5300052"/>
+          </a:xfrm>
+          <a:prstGeom prst="rect">
+            <a:avLst/>
+          </a:prstGeom>
+        </p:spPr>
+      </p:pic>
+    </p:spTree>
+    <p:extLst>
+      <p:ext uri="{BB962C8B-B14F-4D97-AF65-F5344CB8AC3E}">
+        <p14:creationId xmlns:p14="http://schemas.microsoft.com/office/powerpoint/2010/main" val="2773476915"/>
+      </p:ext>
+    </p:extLst>
+  </p:cSld>
+  <p:clrMapOvr>
+    <a:masterClrMapping/>
+  </p:clrMapOvr>
+  <p:transition>
+    <p:fade/>
+  </p:transition>
+  <p:timing>
+    <p:tnLst>
+      <p:par>
+        <p:cTn id="1" dur="indefinite" restart="never" nodeType="tmRoot">
+          <p:childTnLst>
+            <p:seq concurrent="1" nextAc="seek">
+              <p:cTn id="2" dur="indefinite" nodeType="mainSeq">
+                <p:childTnLst>
+                  <p:par>
+                    <p:cTn id="3" fill="hold">
+                      <p:stCondLst>
+                        <p:cond delay="indefinite"/>
+                      </p:stCondLst>
+                      <p:childTnLst>
+                        <p:par>
+                          <p:cTn id="4" fill="hold">
+                            <p:stCondLst>
+                              <p:cond delay="0"/>
+                            </p:stCondLst>
+                            <p:childTnLst>
+                              <p:par>
+                                <p:cTn id="5" presetID="10" presetClass="entr" presetSubtype="0" fill="hold" nodeType="clickEffect">
+                                  <p:stCondLst>
+                                    <p:cond delay="0"/>
+                                  </p:stCondLst>
+                                  <p:childTnLst>
+                                    <p:set>
+                                      <p:cBhvr>
+                                        <p:cTn id="6" dur="1" fill="hold">
+                                          <p:stCondLst>
+                                            <p:cond delay="0"/>
+                                          </p:stCondLst>
+                                        </p:cTn>
+                                        <p:tgtEl>
+                                          <p:spTgt spid="4"/>
+                                        </p:tgtEl>
+                                        <p:attrNameLst>
+                                          <p:attrName>style.visibility</p:attrName>
+                                        </p:attrNameLst>
+                                      </p:cBhvr>
+                                      <p:to>
+                                        <p:strVal val="visible"/>
+                                      </p:to>
+                                    </p:set>
+                                    <p:animEffect transition="in" filter="fade">
+                                      <p:cBhvr>
+                                        <p:cTn id="7" dur="500"/>
+                                        <p:tgtEl>
+                                          <p:spTgt spid="4"/>
+                                        </p:tgtEl>
+                                      </p:cBhvr>
+                                    </p:animEffect>
+                                  </p:childTnLst>
+                                </p:cTn>
+                              </p:par>
+                            </p:childTnLst>
+                          </p:cTn>
+                        </p:par>
+                      </p:childTnLst>
+                    </p:cTn>
+                  </p:par>
+                </p:childTnLst>
+              </p:cTn>
+              <p:prevCondLst>
+                <p:cond evt="onPrev" delay="0">
+                  <p:tgtEl>
+                    <p:sldTgt/>
+                  </p:tgtEl>
+                </p:cond>
+              </p:prevCondLst>
+              <p:nextCondLst>
+                <p:cond evt="onNext" delay="0">
+                  <p:tgtEl>
+                    <p:sldTgt/>
+                  </p:tgtEl>
+                </p:cond>
+              </p:nextCondLst>
+            </p:seq>
+          </p:childTnLst>
+        </p:cTn>
+      </p:par>
+    </p:tnLst>
+  </p:timing>
+</p:sld>
+</file>
+
+<file path=ppt/slides/slide14.xml><?xml version="1.0" encoding="utf-8"?>
+<p:sld xmlns:a="http://schemas.openxmlformats.org/drawingml/2006/main" xmlns:r="http://schemas.openxmlformats.org/officeDocument/2006/relationships" xmlns:p="http://schemas.openxmlformats.org/presentationml/2006/main">
+  <p:cSld>
+    <p:spTree>
+      <p:nvGrpSpPr>
+        <p:cNvPr id="1" name=""/>
+        <p:cNvGrpSpPr/>
+        <p:nvPr/>
+      </p:nvGrpSpPr>
+      <p:grpSpPr>
+        <a:xfrm>
+          <a:off x="0" y="0"/>
+          <a:ext cx="0" cy="0"/>
+          <a:chOff x="0" y="0"/>
+          <a:chExt cx="0" cy="0"/>
+        </a:xfrm>
+      </p:grpSpPr>
+      <p:sp>
+        <p:nvSpPr>
+          <p:cNvPr id="2" name="Title 1">
+            <a:extLst>
+              <a:ext uri="{FF2B5EF4-FFF2-40B4-BE49-F238E27FC236}">
+                <a16:creationId xmlns:a16="http://schemas.microsoft.com/office/drawing/2014/main" id="{5EEB78C1-FBD0-4D73-83AA-D1AE83DBA697}"/>
+              </a:ext>
+            </a:extLst>
+          </p:cNvPr>
+          <p:cNvSpPr>
+            <a:spLocks noGrp="1"/>
+          </p:cNvSpPr>
+          <p:nvPr>
+            <p:ph type="title"/>
+          </p:nvPr>
+        </p:nvSpPr>
+        <p:spPr/>
+        <p:txBody>
+          <a:bodyPr/>
+          <a:lstStyle/>
+          <a:p>
+            <a:r>
+              <a:rPr lang="en-US" dirty="0"/>
+              <a:t>Razor Pages for HTML</a:t>
+            </a:r>
+          </a:p>
+        </p:txBody>
+      </p:sp>
+      <p:pic>
+        <p:nvPicPr>
+          <p:cNvPr id="4" name="Picture 3">
+            <a:extLst>
+              <a:ext uri="{FF2B5EF4-FFF2-40B4-BE49-F238E27FC236}">
+                <a16:creationId xmlns:a16="http://schemas.microsoft.com/office/drawing/2014/main" id="{499E4908-D906-4FB4-8793-6307E13152E7}"/>
+              </a:ext>
+            </a:extLst>
+          </p:cNvPr>
+          <p:cNvPicPr>
+            <a:picLocks noChangeAspect="1"/>
+          </p:cNvPicPr>
+          <p:nvPr/>
+        </p:nvPicPr>
+        <p:blipFill>
+          <a:blip r:embed="rId2"/>
+          <a:stretch>
+            <a:fillRect/>
+          </a:stretch>
+        </p:blipFill>
+        <p:spPr>
+          <a:xfrm>
+            <a:off x="1322546" y="1333901"/>
+            <a:ext cx="9023814" cy="4794496"/>
+          </a:xfrm>
+          <a:prstGeom prst="rect">
+            <a:avLst/>
+          </a:prstGeom>
+        </p:spPr>
+      </p:pic>
+    </p:spTree>
+    <p:extLst>
+      <p:ext uri="{BB962C8B-B14F-4D97-AF65-F5344CB8AC3E}">
+        <p14:creationId xmlns:p14="http://schemas.microsoft.com/office/powerpoint/2010/main" val="4174077298"/>
+      </p:ext>
+    </p:extLst>
+  </p:cSld>
+  <p:clrMapOvr>
+    <a:masterClrMapping/>
+  </p:clrMapOvr>
+  <p:transition>
+    <p:fade/>
+  </p:transition>
+  <p:timing>
+    <p:tnLst>
+      <p:par>
+        <p:cTn id="1" dur="indefinite" restart="never" nodeType="tmRoot">
+          <p:childTnLst>
+            <p:seq concurrent="1" nextAc="seek">
+              <p:cTn id="2" dur="indefinite" nodeType="mainSeq">
+                <p:childTnLst>
+                  <p:par>
+                    <p:cTn id="3" fill="hold">
+                      <p:stCondLst>
+                        <p:cond delay="indefinite"/>
+                      </p:stCondLst>
+                      <p:childTnLst>
+                        <p:par>
+                          <p:cTn id="4" fill="hold">
+                            <p:stCondLst>
+                              <p:cond delay="0"/>
+                            </p:stCondLst>
+                            <p:childTnLst>
+                              <p:par>
+                                <p:cTn id="5" presetID="10" presetClass="entr" presetSubtype="0" fill="hold" nodeType="clickEffect">
+                                  <p:stCondLst>
+                                    <p:cond delay="0"/>
+                                  </p:stCondLst>
+                                  <p:childTnLst>
+                                    <p:set>
+                                      <p:cBhvr>
+                                        <p:cTn id="6" dur="1" fill="hold">
+                                          <p:stCondLst>
+                                            <p:cond delay="0"/>
+                                          </p:stCondLst>
+                                        </p:cTn>
+                                        <p:tgtEl>
+                                          <p:spTgt spid="4"/>
+                                        </p:tgtEl>
+                                        <p:attrNameLst>
+                                          <p:attrName>style.visibility</p:attrName>
+                                        </p:attrNameLst>
+                                      </p:cBhvr>
+                                      <p:to>
+                                        <p:strVal val="visible"/>
+                                      </p:to>
+                                    </p:set>
+                                    <p:animEffect transition="in" filter="fade">
+                                      <p:cBhvr>
+                                        <p:cTn id="7" dur="500"/>
+                                        <p:tgtEl>
+                                          <p:spTgt spid="4"/>
+                                        </p:tgtEl>
+                                      </p:cBhvr>
+                                    </p:animEffect>
+                                  </p:childTnLst>
+                                </p:cTn>
+                              </p:par>
+                            </p:childTnLst>
+                          </p:cTn>
+                        </p:par>
+                      </p:childTnLst>
+                    </p:cTn>
+                  </p:par>
+                </p:childTnLst>
+              </p:cTn>
+              <p:prevCondLst>
+                <p:cond evt="onPrev" delay="0">
+                  <p:tgtEl>
+                    <p:sldTgt/>
+                  </p:tgtEl>
+                </p:cond>
+              </p:prevCondLst>
+              <p:nextCondLst>
+                <p:cond evt="onNext" delay="0">
+                  <p:tgtEl>
+                    <p:sldTgt/>
+                  </p:tgtEl>
+                </p:cond>
+              </p:nextCondLst>
+            </p:seq>
+          </p:childTnLst>
+        </p:cTn>
+      </p:par>
+    </p:tnLst>
+  </p:timing>
+</p:sld>
+</file>
+
+<file path=ppt/slides/slide15.xml><?xml version="1.0" encoding="utf-8"?>
+<p:sld xmlns:a="http://schemas.openxmlformats.org/drawingml/2006/main" xmlns:r="http://schemas.openxmlformats.org/officeDocument/2006/relationships" xmlns:p="http://schemas.openxmlformats.org/presentationml/2006/main">
+  <p:cSld>
+    <p:spTree>
+      <p:nvGrpSpPr>
+        <p:cNvPr id="1" name=""/>
+        <p:cNvGrpSpPr/>
+        <p:nvPr/>
+      </p:nvGrpSpPr>
+      <p:grpSpPr>
+        <a:xfrm>
+          <a:off x="0" y="0"/>
+          <a:ext cx="0" cy="0"/>
+          <a:chOff x="0" y="0"/>
+          <a:chExt cx="0" cy="0"/>
+        </a:xfrm>
+      </p:grpSpPr>
+      <p:sp>
+        <p:nvSpPr>
+          <p:cNvPr id="2" name="Title 1">
+            <a:extLst>
+              <a:ext uri="{FF2B5EF4-FFF2-40B4-BE49-F238E27FC236}">
+                <a16:creationId xmlns:a16="http://schemas.microsoft.com/office/drawing/2014/main" id="{5E59AA4E-802C-4912-9C39-D9B336CAB14D}"/>
+              </a:ext>
+            </a:extLst>
+          </p:cNvPr>
+          <p:cNvSpPr>
+            <a:spLocks noGrp="1"/>
+          </p:cNvSpPr>
+          <p:nvPr>
+            <p:ph type="title"/>
+          </p:nvPr>
+        </p:nvSpPr>
+        <p:spPr/>
+        <p:txBody>
+          <a:bodyPr/>
+          <a:lstStyle/>
+          <a:p>
+            <a:r>
+              <a:rPr lang="en-US" dirty="0" err="1"/>
+              <a:t>Blazor</a:t>
+            </a:r>
+            <a:r>
+              <a:rPr lang="en-US" dirty="0"/>
+              <a:t> for Components</a:t>
+            </a:r>
+          </a:p>
+        </p:txBody>
+      </p:sp>
+      <p:pic>
+        <p:nvPicPr>
+          <p:cNvPr id="4" name="Picture 3">
+            <a:extLst>
+              <a:ext uri="{FF2B5EF4-FFF2-40B4-BE49-F238E27FC236}">
+                <a16:creationId xmlns:a16="http://schemas.microsoft.com/office/drawing/2014/main" id="{A6266512-1BFB-40AA-83CC-ABE3BDF669B0}"/>
+              </a:ext>
+            </a:extLst>
+          </p:cNvPr>
+          <p:cNvPicPr>
+            <a:picLocks noChangeAspect="1"/>
+          </p:cNvPicPr>
+          <p:nvPr/>
+        </p:nvPicPr>
+        <p:blipFill>
+          <a:blip r:embed="rId2"/>
+          <a:stretch>
+            <a:fillRect/>
+          </a:stretch>
+        </p:blipFill>
+        <p:spPr>
+          <a:xfrm>
+            <a:off x="1815880" y="1923972"/>
+            <a:ext cx="8560240" cy="3010055"/>
+          </a:xfrm>
+          <a:prstGeom prst="rect">
+            <a:avLst/>
+          </a:prstGeom>
+        </p:spPr>
+      </p:pic>
+    </p:spTree>
+    <p:extLst>
+      <p:ext uri="{BB962C8B-B14F-4D97-AF65-F5344CB8AC3E}">
+        <p14:creationId xmlns:p14="http://schemas.microsoft.com/office/powerpoint/2010/main" val="2967812665"/>
+      </p:ext>
+    </p:extLst>
+  </p:cSld>
+  <p:clrMapOvr>
+    <a:masterClrMapping/>
+  </p:clrMapOvr>
+  <p:transition>
+    <p:fade/>
+  </p:transition>
+  <p:timing>
+    <p:tnLst>
+      <p:par>
+        <p:cTn id="1" dur="indefinite" restart="never" nodeType="tmRoot">
+          <p:childTnLst>
+            <p:seq concurrent="1" nextAc="seek">
+              <p:cTn id="2" dur="indefinite" nodeType="mainSeq">
+                <p:childTnLst>
+                  <p:par>
+                    <p:cTn id="3" fill="hold">
+                      <p:stCondLst>
+                        <p:cond delay="indefinite"/>
+                      </p:stCondLst>
+                      <p:childTnLst>
+                        <p:par>
+                          <p:cTn id="4" fill="hold">
+                            <p:stCondLst>
+                              <p:cond delay="0"/>
+                            </p:stCondLst>
+                            <p:childTnLst>
+                              <p:par>
+                                <p:cTn id="5" presetID="10" presetClass="entr" presetSubtype="0" fill="hold" nodeType="clickEffect">
+                                  <p:stCondLst>
+                                    <p:cond delay="0"/>
+                                  </p:stCondLst>
+                                  <p:childTnLst>
+                                    <p:set>
+                                      <p:cBhvr>
+                                        <p:cTn id="6" dur="1" fill="hold">
+                                          <p:stCondLst>
+                                            <p:cond delay="0"/>
+                                          </p:stCondLst>
+                                        </p:cTn>
+                                        <p:tgtEl>
+                                          <p:spTgt spid="4"/>
+                                        </p:tgtEl>
+                                        <p:attrNameLst>
+                                          <p:attrName>style.visibility</p:attrName>
+                                        </p:attrNameLst>
+                                      </p:cBhvr>
+                                      <p:to>
+                                        <p:strVal val="visible"/>
+                                      </p:to>
+                                    </p:set>
+                                    <p:animEffect transition="in" filter="fade">
+                                      <p:cBhvr>
+                                        <p:cTn id="7" dur="500"/>
+                                        <p:tgtEl>
+                                          <p:spTgt spid="4"/>
+                                        </p:tgtEl>
+                                      </p:cBhvr>
+                                    </p:animEffect>
+                                  </p:childTnLst>
+                                </p:cTn>
+                              </p:par>
+                            </p:childTnLst>
+                          </p:cTn>
+                        </p:par>
+                      </p:childTnLst>
+                    </p:cTn>
+                  </p:par>
+                </p:childTnLst>
+              </p:cTn>
+              <p:prevCondLst>
+                <p:cond evt="onPrev" delay="0">
+                  <p:tgtEl>
+                    <p:sldTgt/>
+                  </p:tgtEl>
+                </p:cond>
+              </p:prevCondLst>
+              <p:nextCondLst>
+                <p:cond evt="onNext" delay="0">
+                  <p:tgtEl>
+                    <p:sldTgt/>
+                  </p:tgtEl>
+                </p:cond>
+              </p:nextCondLst>
+            </p:seq>
+          </p:childTnLst>
+        </p:cTn>
+      </p:par>
+    </p:tnLst>
+  </p:timing>
+</p:sld>
+</file>
+
+<file path=ppt/slides/slide16.xml><?xml version="1.0" encoding="utf-8"?>
+<p:sld xmlns:a="http://schemas.openxmlformats.org/drawingml/2006/main" xmlns:r="http://schemas.openxmlformats.org/officeDocument/2006/relationships" xmlns:p="http://schemas.openxmlformats.org/presentationml/2006/main">
+  <p:cSld>
+    <p:spTree>
+      <p:nvGrpSpPr>
+        <p:cNvPr id="1" name=""/>
+        <p:cNvGrpSpPr/>
+        <p:nvPr/>
+      </p:nvGrpSpPr>
+      <p:grpSpPr>
+        <a:xfrm>
+          <a:off x="0" y="0"/>
+          <a:ext cx="0" cy="0"/>
+          <a:chOff x="0" y="0"/>
+          <a:chExt cx="0" cy="0"/>
+        </a:xfrm>
+      </p:grpSpPr>
+      <p:sp>
+        <p:nvSpPr>
+          <p:cNvPr id="2" name="Title 1">
+            <a:extLst>
+              <a:ext uri="{FF2B5EF4-FFF2-40B4-BE49-F238E27FC236}">
+                <a16:creationId xmlns:a16="http://schemas.microsoft.com/office/drawing/2014/main" id="{402E6B3B-AE11-4D6D-8A7B-12F3ECA3BC48}"/>
+              </a:ext>
+            </a:extLst>
+          </p:cNvPr>
+          <p:cNvSpPr>
+            <a:spLocks noGrp="1"/>
+          </p:cNvSpPr>
+          <p:nvPr>
+            <p:ph type="title"/>
+          </p:nvPr>
+        </p:nvSpPr>
+        <p:spPr/>
+        <p:txBody>
+          <a:bodyPr/>
+          <a:lstStyle/>
+          <a:p>
+            <a:r>
+              <a:rPr lang="en-US" dirty="0"/>
+              <a:t>.NET Core - Performance is a Feature</a:t>
+            </a:r>
+          </a:p>
+        </p:txBody>
+      </p:sp>
+      <p:sp>
+        <p:nvSpPr>
+          <p:cNvPr id="3" name="Text Placeholder 2">
+            <a:extLst>
+              <a:ext uri="{FF2B5EF4-FFF2-40B4-BE49-F238E27FC236}">
+                <a16:creationId xmlns:a16="http://schemas.microsoft.com/office/drawing/2014/main" id="{3C870619-42FC-403F-9317-B1308948AC6D}"/>
+              </a:ext>
+            </a:extLst>
+          </p:cNvPr>
+          <p:cNvSpPr>
+            <a:spLocks noGrp="1"/>
+          </p:cNvSpPr>
+          <p:nvPr>
+            <p:ph type="body" idx="1"/>
+          </p:nvPr>
+        </p:nvSpPr>
+        <p:spPr/>
+        <p:txBody>
+          <a:bodyPr/>
+          <a:lstStyle/>
+          <a:p>
+            <a:endParaRPr lang="en-US"/>
+          </a:p>
+        </p:txBody>
+      </p:sp>
+      <p:pic>
+        <p:nvPicPr>
+          <p:cNvPr id="5" name="Picture 4">
+            <a:extLst>
+              <a:ext uri="{FF2B5EF4-FFF2-40B4-BE49-F238E27FC236}">
+                <a16:creationId xmlns:a16="http://schemas.microsoft.com/office/drawing/2014/main" id="{45142B57-E45A-4EC0-8038-E8F5C673251A}"/>
+              </a:ext>
+            </a:extLst>
+          </p:cNvPr>
+          <p:cNvPicPr>
+            <a:picLocks noChangeAspect="1"/>
+          </p:cNvPicPr>
+          <p:nvPr/>
+        </p:nvPicPr>
+        <p:blipFill>
+          <a:blip r:embed="rId2"/>
+          <a:stretch>
+            <a:fillRect/>
+          </a:stretch>
+        </p:blipFill>
+        <p:spPr>
+          <a:xfrm>
+            <a:off x="261882" y="1065666"/>
+            <a:ext cx="11638700" cy="5125584"/>
+          </a:xfrm>
+          <a:prstGeom prst="rect">
+            <a:avLst/>
+          </a:prstGeom>
+        </p:spPr>
+      </p:pic>
+    </p:spTree>
+    <p:extLst>
+      <p:ext uri="{BB962C8B-B14F-4D97-AF65-F5344CB8AC3E}">
+        <p14:creationId xmlns:p14="http://schemas.microsoft.com/office/powerpoint/2010/main" val="4034267815"/>
+      </p:ext>
+    </p:extLst>
+  </p:cSld>
+  <p:clrMapOvr>
+    <a:masterClrMapping/>
+  </p:clrMapOvr>
+  <p:transition>
+    <p:fade/>
+  </p:transition>
+  <p:timing>
+    <p:tnLst>
+      <p:par>
+        <p:cTn id="1" dur="indefinite" restart="never" nodeType="tmRoot">
+          <p:childTnLst>
+            <p:seq concurrent="1" nextAc="seek">
+              <p:cTn id="2" dur="indefinite" nodeType="mainSeq">
+                <p:childTnLst>
+                  <p:par>
+                    <p:cTn id="3" fill="hold">
+                      <p:stCondLst>
+                        <p:cond delay="indefinite"/>
+                      </p:stCondLst>
+                      <p:childTnLst>
+                        <p:par>
+                          <p:cTn id="4" fill="hold">
+                            <p:stCondLst>
+                              <p:cond delay="0"/>
+                            </p:stCondLst>
+                            <p:childTnLst>
+                              <p:par>
+                                <p:cTn id="5" presetID="10" presetClass="entr" presetSubtype="0" fill="hold" nodeType="clickEffect">
+                                  <p:stCondLst>
+                                    <p:cond delay="0"/>
+                                  </p:stCondLst>
+                                  <p:childTnLst>
+                                    <p:set>
+                                      <p:cBhvr>
+                                        <p:cTn id="6" dur="1" fill="hold">
+                                          <p:stCondLst>
+                                            <p:cond delay="0"/>
+                                          </p:stCondLst>
+                                        </p:cTn>
+                                        <p:tgtEl>
+                                          <p:spTgt spid="5"/>
+                                        </p:tgtEl>
+                                        <p:attrNameLst>
+                                          <p:attrName>style.visibility</p:attrName>
+                                        </p:attrNameLst>
+                                      </p:cBhvr>
+                                      <p:to>
+                                        <p:strVal val="visible"/>
+                                      </p:to>
+                                    </p:set>
+                                    <p:animEffect transition="in" filter="fade">
+                                      <p:cBhvr>
+                                        <p:cTn id="7" dur="500"/>
+                                        <p:tgtEl>
+                                          <p:spTgt spid="5"/>
+                                        </p:tgtEl>
+                                      </p:cBhvr>
+                                    </p:animEffect>
+                                  </p:childTnLst>
+                                </p:cTn>
+                              </p:par>
+                            </p:childTnLst>
+                          </p:cTn>
+                        </p:par>
+                      </p:childTnLst>
+                    </p:cTn>
+                  </p:par>
+                </p:childTnLst>
+              </p:cTn>
+              <p:prevCondLst>
+                <p:cond evt="onPrev" delay="0">
+                  <p:tgtEl>
+                    <p:sldTgt/>
+                  </p:tgtEl>
+                </p:cond>
+              </p:prevCondLst>
+              <p:nextCondLst>
+                <p:cond evt="onNext" delay="0">
+                  <p:tgtEl>
+                    <p:sldTgt/>
+                  </p:tgtEl>
+                </p:cond>
+              </p:nextCondLst>
+            </p:seq>
+          </p:childTnLst>
+        </p:cTn>
+      </p:par>
+    </p:tnLst>
+  </p:timing>
+</p:sld>
+</file>
+
+<file path=ppt/slides/slide17.xml><?xml version="1.0" encoding="utf-8"?>
+<p:sld xmlns:a="http://schemas.openxmlformats.org/drawingml/2006/main" xmlns:r="http://schemas.openxmlformats.org/officeDocument/2006/relationships" xmlns:p="http://schemas.openxmlformats.org/presentationml/2006/main">
+  <p:cSld>
+    <p:spTree>
+      <p:nvGrpSpPr>
+        <p:cNvPr id="1" name=""/>
+        <p:cNvGrpSpPr/>
+        <p:nvPr/>
+      </p:nvGrpSpPr>
+      <p:grpSpPr>
+        <a:xfrm>
+          <a:off x="0" y="0"/>
+          <a:ext cx="0" cy="0"/>
+          <a:chOff x="0" y="0"/>
+          <a:chExt cx="0" cy="0"/>
+        </a:xfrm>
+      </p:grpSpPr>
+      <p:sp>
+        <p:nvSpPr>
+          <p:cNvPr id="2" name="Title 1">
+            <a:extLst>
+              <a:ext uri="{FF2B5EF4-FFF2-40B4-BE49-F238E27FC236}">
+                <a16:creationId xmlns:a16="http://schemas.microsoft.com/office/drawing/2014/main" id="{6EF05B2F-7FF3-42E7-98EF-A7525E279F44}"/>
+              </a:ext>
+            </a:extLst>
+          </p:cNvPr>
+          <p:cNvSpPr>
+            <a:spLocks noGrp="1"/>
+          </p:cNvSpPr>
+          <p:nvPr>
+            <p:ph type="title"/>
+          </p:nvPr>
+        </p:nvSpPr>
+        <p:spPr/>
+        <p:txBody>
+          <a:bodyPr/>
+          <a:lstStyle/>
+          <a:p>
+            <a:r>
+              <a:rPr lang="en-US" dirty="0"/>
+              <a:t>.NET Core Builds on C# - using declaration</a:t>
+            </a:r>
+          </a:p>
+        </p:txBody>
+      </p:sp>
+      <p:sp>
+        <p:nvSpPr>
+          <p:cNvPr id="3" name="Text Placeholder 2">
+            <a:extLst>
+              <a:ext uri="{FF2B5EF4-FFF2-40B4-BE49-F238E27FC236}">
+                <a16:creationId xmlns:a16="http://schemas.microsoft.com/office/drawing/2014/main" id="{954A6A49-77D6-4C02-98DF-49ACCDD8F9C8}"/>
+              </a:ext>
+            </a:extLst>
+          </p:cNvPr>
+          <p:cNvSpPr>
+            <a:spLocks noGrp="1"/>
+          </p:cNvSpPr>
+          <p:nvPr>
+            <p:ph type="body" idx="1"/>
+          </p:nvPr>
+        </p:nvSpPr>
+        <p:spPr/>
+        <p:txBody>
+          <a:bodyPr/>
+          <a:lstStyle/>
+          <a:p>
+            <a:endParaRPr lang="en-US"/>
+          </a:p>
+        </p:txBody>
+      </p:sp>
+      <p:pic>
+        <p:nvPicPr>
+          <p:cNvPr id="4" name="Picture 3">
+            <a:extLst>
+              <a:ext uri="{FF2B5EF4-FFF2-40B4-BE49-F238E27FC236}">
+                <a16:creationId xmlns:a16="http://schemas.microsoft.com/office/drawing/2014/main" id="{9E6EA81E-8FA7-4FE7-88BC-854B03C65300}"/>
+              </a:ext>
+            </a:extLst>
+          </p:cNvPr>
+          <p:cNvPicPr>
+            <a:picLocks noChangeAspect="1"/>
+          </p:cNvPicPr>
+          <p:nvPr/>
+        </p:nvPicPr>
+        <p:blipFill>
+          <a:blip r:embed="rId2"/>
+          <a:stretch>
+            <a:fillRect/>
+          </a:stretch>
+        </p:blipFill>
+        <p:spPr>
+          <a:xfrm>
+            <a:off x="2949413" y="1997001"/>
+            <a:ext cx="6293173" cy="2863997"/>
+          </a:xfrm>
+          <a:prstGeom prst="rect">
+            <a:avLst/>
+          </a:prstGeom>
+        </p:spPr>
+      </p:pic>
+    </p:spTree>
+    <p:extLst>
+      <p:ext uri="{BB962C8B-B14F-4D97-AF65-F5344CB8AC3E}">
+        <p14:creationId xmlns:p14="http://schemas.microsoft.com/office/powerpoint/2010/main" val="2422912653"/>
+      </p:ext>
+    </p:extLst>
+  </p:cSld>
+  <p:clrMapOvr>
+    <a:masterClrMapping/>
+  </p:clrMapOvr>
+  <p:transition>
+    <p:fade/>
+  </p:transition>
+  <p:timing>
+    <p:tnLst>
+      <p:par>
+        <p:cTn id="1" dur="indefinite" restart="never" nodeType="tmRoot">
+          <p:childTnLst>
+            <p:seq concurrent="1" nextAc="seek">
+              <p:cTn id="2" dur="indefinite" nodeType="mainSeq">
+                <p:childTnLst>
+                  <p:par>
+                    <p:cTn id="3" fill="hold">
+                      <p:stCondLst>
+                        <p:cond delay="indefinite"/>
+                      </p:stCondLst>
+                      <p:childTnLst>
+                        <p:par>
+                          <p:cTn id="4" fill="hold">
+                            <p:stCondLst>
+                              <p:cond delay="0"/>
+                            </p:stCondLst>
+                            <p:childTnLst>
+                              <p:par>
+                                <p:cTn id="5" presetID="10" presetClass="entr" presetSubtype="0" fill="hold" nodeType="clickEffect">
+                                  <p:stCondLst>
+                                    <p:cond delay="0"/>
+                                  </p:stCondLst>
+                                  <p:childTnLst>
+                                    <p:set>
+                                      <p:cBhvr>
+                                        <p:cTn id="6" dur="1" fill="hold">
+                                          <p:stCondLst>
+                                            <p:cond delay="0"/>
+                                          </p:stCondLst>
+                                        </p:cTn>
+                                        <p:tgtEl>
+                                          <p:spTgt spid="4"/>
+                                        </p:tgtEl>
+                                        <p:attrNameLst>
+                                          <p:attrName>style.visibility</p:attrName>
+                                        </p:attrNameLst>
+                                      </p:cBhvr>
+                                      <p:to>
+                                        <p:strVal val="visible"/>
+                                      </p:to>
+                                    </p:set>
+                                    <p:animEffect transition="in" filter="fade">
+                                      <p:cBhvr>
+                                        <p:cTn id="7" dur="500"/>
+                                        <p:tgtEl>
+                                          <p:spTgt spid="4"/>
+                                        </p:tgtEl>
+                                      </p:cBhvr>
+                                    </p:animEffect>
+                                  </p:childTnLst>
+                                </p:cTn>
+                              </p:par>
+                            </p:childTnLst>
+                          </p:cTn>
+                        </p:par>
+                      </p:childTnLst>
+                    </p:cTn>
+                  </p:par>
+                </p:childTnLst>
+              </p:cTn>
+              <p:prevCondLst>
+                <p:cond evt="onPrev" delay="0">
+                  <p:tgtEl>
+                    <p:sldTgt/>
+                  </p:tgtEl>
+                </p:cond>
+              </p:prevCondLst>
+              <p:nextCondLst>
+                <p:cond evt="onNext" delay="0">
+                  <p:tgtEl>
+                    <p:sldTgt/>
+                  </p:tgtEl>
+                </p:cond>
+              </p:nextCondLst>
+            </p:seq>
+          </p:childTnLst>
+        </p:cTn>
+      </p:par>
+    </p:tnLst>
+  </p:timing>
+</p:sld>
+</file>
+
+<file path=ppt/slides/slide18.xml><?xml version="1.0" encoding="utf-8"?>
+<p:sld xmlns:a="http://schemas.openxmlformats.org/drawingml/2006/main" xmlns:r="http://schemas.openxmlformats.org/officeDocument/2006/relationships" xmlns:p="http://schemas.openxmlformats.org/presentationml/2006/main">
+  <p:cSld>
+    <p:spTree>
+      <p:nvGrpSpPr>
+        <p:cNvPr id="1" name=""/>
+        <p:cNvGrpSpPr/>
+        <p:nvPr/>
+      </p:nvGrpSpPr>
+      <p:grpSpPr>
+        <a:xfrm>
+          <a:off x="0" y="0"/>
+          <a:ext cx="0" cy="0"/>
+          <a:chOff x="0" y="0"/>
+          <a:chExt cx="0" cy="0"/>
+        </a:xfrm>
+      </p:grpSpPr>
+      <p:sp>
+        <p:nvSpPr>
+          <p:cNvPr id="2" name="Title 1">
+            <a:extLst>
+              <a:ext uri="{FF2B5EF4-FFF2-40B4-BE49-F238E27FC236}">
+                <a16:creationId xmlns:a16="http://schemas.microsoft.com/office/drawing/2014/main" id="{6EF05B2F-7FF3-42E7-98EF-A7525E279F44}"/>
+              </a:ext>
+            </a:extLst>
+          </p:cNvPr>
+          <p:cNvSpPr>
+            <a:spLocks noGrp="1"/>
+          </p:cNvSpPr>
+          <p:nvPr>
+            <p:ph type="title"/>
+          </p:nvPr>
+        </p:nvSpPr>
+        <p:spPr/>
+        <p:txBody>
+          <a:bodyPr/>
+          <a:lstStyle/>
+          <a:p>
+            <a:r>
+              <a:rPr lang="en-US" dirty="0"/>
+              <a:t>.NET Core Builds on C# - better switch statements</a:t>
+            </a:r>
+          </a:p>
+        </p:txBody>
+      </p:sp>
+      <p:pic>
+        <p:nvPicPr>
+          <p:cNvPr id="5" name="Picture 4">
+            <a:extLst>
+              <a:ext uri="{FF2B5EF4-FFF2-40B4-BE49-F238E27FC236}">
+                <a16:creationId xmlns:a16="http://schemas.microsoft.com/office/drawing/2014/main" id="{C534C344-3E93-4C31-9377-CE85C2E91601}"/>
+              </a:ext>
+            </a:extLst>
+          </p:cNvPr>
+          <p:cNvPicPr>
+            <a:picLocks noChangeAspect="1"/>
+          </p:cNvPicPr>
+          <p:nvPr/>
+        </p:nvPicPr>
+        <p:blipFill>
+          <a:blip r:embed="rId2"/>
+          <a:stretch>
+            <a:fillRect/>
+          </a:stretch>
+        </p:blipFill>
+        <p:spPr>
+          <a:xfrm>
+            <a:off x="2111170" y="1768389"/>
+            <a:ext cx="7969660" cy="3321221"/>
+          </a:xfrm>
+          <a:prstGeom prst="rect">
+            <a:avLst/>
+          </a:prstGeom>
+        </p:spPr>
+      </p:pic>
+    </p:spTree>
+    <p:extLst>
+      <p:ext uri="{BB962C8B-B14F-4D97-AF65-F5344CB8AC3E}">
+        <p14:creationId xmlns:p14="http://schemas.microsoft.com/office/powerpoint/2010/main" val="712794532"/>
+      </p:ext>
+    </p:extLst>
+  </p:cSld>
+  <p:clrMapOvr>
+    <a:masterClrMapping/>
+  </p:clrMapOvr>
+  <p:transition>
+    <p:fade/>
+  </p:transition>
+  <p:timing>
+    <p:tnLst>
+      <p:par>
+        <p:cTn id="1" dur="indefinite" restart="never" nodeType="tmRoot">
+          <p:childTnLst>
+            <p:seq concurrent="1" nextAc="seek">
+              <p:cTn id="2" dur="indefinite" nodeType="mainSeq">
+                <p:childTnLst>
+                  <p:par>
+                    <p:cTn id="3" fill="hold">
+                      <p:stCondLst>
+                        <p:cond delay="indefinite"/>
+                      </p:stCondLst>
+                      <p:childTnLst>
+                        <p:par>
+                          <p:cTn id="4" fill="hold">
+                            <p:stCondLst>
+                              <p:cond delay="0"/>
+                            </p:stCondLst>
+                            <p:childTnLst>
+                              <p:par>
+                                <p:cTn id="5" presetID="10" presetClass="entr" presetSubtype="0" fill="hold" nodeType="clickEffect">
+                                  <p:stCondLst>
+                                    <p:cond delay="0"/>
+                                  </p:stCondLst>
+                                  <p:childTnLst>
+                                    <p:set>
+                                      <p:cBhvr>
+                                        <p:cTn id="6" dur="1" fill="hold">
+                                          <p:stCondLst>
+                                            <p:cond delay="0"/>
+                                          </p:stCondLst>
+                                        </p:cTn>
+                                        <p:tgtEl>
+                                          <p:spTgt spid="5"/>
+                                        </p:tgtEl>
+                                        <p:attrNameLst>
+                                          <p:attrName>style.visibility</p:attrName>
+                                        </p:attrNameLst>
+                                      </p:cBhvr>
+                                      <p:to>
+                                        <p:strVal val="visible"/>
+                                      </p:to>
+                                    </p:set>
+                                    <p:animEffect transition="in" filter="fade">
+                                      <p:cBhvr>
+                                        <p:cTn id="7" dur="500"/>
+                                        <p:tgtEl>
+                                          <p:spTgt spid="5"/>
+                                        </p:tgtEl>
+                                      </p:cBhvr>
+                                    </p:animEffect>
+                                  </p:childTnLst>
+                                </p:cTn>
+                              </p:par>
+                            </p:childTnLst>
+                          </p:cTn>
+                        </p:par>
+                      </p:childTnLst>
+                    </p:cTn>
+                  </p:par>
+                </p:childTnLst>
+              </p:cTn>
+              <p:prevCondLst>
+                <p:cond evt="onPrev" delay="0">
+                  <p:tgtEl>
+                    <p:sldTgt/>
+                  </p:tgtEl>
+                </p:cond>
+              </p:prevCondLst>
+              <p:nextCondLst>
+                <p:cond evt="onNext" delay="0">
+                  <p:tgtEl>
+                    <p:sldTgt/>
+                  </p:tgtEl>
+                </p:cond>
+              </p:nextCondLst>
+            </p:seq>
+          </p:childTnLst>
+        </p:cTn>
+      </p:par>
+    </p:tnLst>
+  </p:timing>
+</p:sld>
+</file>
+
+<file path=ppt/slides/slide19.xml><?xml version="1.0" encoding="utf-8"?>
+<p:sld xmlns:a="http://schemas.openxmlformats.org/drawingml/2006/main" xmlns:r="http://schemas.openxmlformats.org/officeDocument/2006/relationships" xmlns:p="http://schemas.openxmlformats.org/presentationml/2006/main">
+  <p:cSld>
+    <p:spTree>
+      <p:nvGrpSpPr>
+        <p:cNvPr id="1" name=""/>
+        <p:cNvGrpSpPr/>
+        <p:nvPr/>
+      </p:nvGrpSpPr>
+      <p:grpSpPr>
+        <a:xfrm>
+          <a:off x="0" y="0"/>
+          <a:ext cx="0" cy="0"/>
+          <a:chOff x="0" y="0"/>
+          <a:chExt cx="0" cy="0"/>
+        </a:xfrm>
+      </p:grpSpPr>
+      <p:sp>
+        <p:nvSpPr>
+          <p:cNvPr id="2" name="Title 1">
+            <a:extLst>
+              <a:ext uri="{FF2B5EF4-FFF2-40B4-BE49-F238E27FC236}">
+                <a16:creationId xmlns:a16="http://schemas.microsoft.com/office/drawing/2014/main" id="{6EF05B2F-7FF3-42E7-98EF-A7525E279F44}"/>
+              </a:ext>
+            </a:extLst>
+          </p:cNvPr>
+          <p:cNvSpPr>
+            <a:spLocks noGrp="1"/>
+          </p:cNvSpPr>
+          <p:nvPr>
+            <p:ph type="title"/>
+          </p:nvPr>
+        </p:nvSpPr>
+        <p:spPr/>
+        <p:txBody>
+          <a:bodyPr/>
+          <a:lstStyle/>
+          <a:p>
+            <a:r>
+              <a:rPr lang="en-US" dirty="0"/>
+              <a:t>.NET Core Builds on C# - default interface </a:t>
+            </a:r>
+            <a:r>
+              <a:rPr lang="en-US" dirty="0" err="1"/>
+              <a:t>impl</a:t>
+            </a:r>
+            <a:endParaRPr lang="en-US" dirty="0"/>
+          </a:p>
+        </p:txBody>
+      </p:sp>
+      <p:pic>
+        <p:nvPicPr>
+          <p:cNvPr id="3" name="Picture 2">
+            <a:extLst>
+              <a:ext uri="{FF2B5EF4-FFF2-40B4-BE49-F238E27FC236}">
+                <a16:creationId xmlns:a16="http://schemas.microsoft.com/office/drawing/2014/main" id="{9F50A6BE-E3A0-455D-A102-70BCC1397C0B}"/>
+              </a:ext>
+            </a:extLst>
+          </p:cNvPr>
+          <p:cNvPicPr>
+            <a:picLocks noChangeAspect="1"/>
+          </p:cNvPicPr>
+          <p:nvPr/>
+        </p:nvPicPr>
+        <p:blipFill>
+          <a:blip r:embed="rId2"/>
+          <a:stretch>
+            <a:fillRect/>
+          </a:stretch>
+        </p:blipFill>
+        <p:spPr>
+          <a:xfrm>
+            <a:off x="2673174" y="1415946"/>
+            <a:ext cx="6845652" cy="4026107"/>
+          </a:xfrm>
+          <a:prstGeom prst="rect">
+            <a:avLst/>
+          </a:prstGeom>
+        </p:spPr>
+      </p:pic>
+    </p:spTree>
+    <p:extLst>
+      <p:ext uri="{BB962C8B-B14F-4D97-AF65-F5344CB8AC3E}">
+        <p14:creationId xmlns:p14="http://schemas.microsoft.com/office/powerpoint/2010/main" val="1342310542"/>
+      </p:ext>
+    </p:extLst>
+  </p:cSld>
+  <p:clrMapOvr>
+    <a:masterClrMapping/>
+  </p:clrMapOvr>
+  <p:transition>
+    <p:fade/>
+  </p:transition>
+  <p:timing>
+    <p:tnLst>
+      <p:par>
+        <p:cTn id="1" dur="indefinite" restart="never" nodeType="tmRoot">
+          <p:childTnLst>
+            <p:seq concurrent="1" nextAc="seek">
+              <p:cTn id="2" dur="indefinite" nodeType="mainSeq">
+                <p:childTnLst>
+                  <p:par>
+                    <p:cTn id="3" fill="hold">
+                      <p:stCondLst>
+                        <p:cond delay="indefinite"/>
+                      </p:stCondLst>
+                      <p:childTnLst>
+                        <p:par>
+                          <p:cTn id="4" fill="hold">
+                            <p:stCondLst>
+                              <p:cond delay="0"/>
+                            </p:stCondLst>
+                            <p:childTnLst>
+                              <p:par>
+                                <p:cTn id="5" presetID="10" presetClass="entr" presetSubtype="0" fill="hold" nodeType="clickEffect">
+                                  <p:stCondLst>
+                                    <p:cond delay="0"/>
+                                  </p:stCondLst>
+                                  <p:childTnLst>
+                                    <p:set>
+                                      <p:cBhvr>
+                                        <p:cTn id="6" dur="1" fill="hold">
+                                          <p:stCondLst>
+                                            <p:cond delay="0"/>
+                                          </p:stCondLst>
+                                        </p:cTn>
+                                        <p:tgtEl>
+                                          <p:spTgt spid="3"/>
+                                        </p:tgtEl>
+                                        <p:attrNameLst>
+                                          <p:attrName>style.visibility</p:attrName>
+                                        </p:attrNameLst>
+                                      </p:cBhvr>
+                                      <p:to>
+                                        <p:strVal val="visible"/>
+                                      </p:to>
+                                    </p:set>
+                                    <p:animEffect transition="in" filter="fade">
+                                      <p:cBhvr>
+                                        <p:cTn id="7" dur="500"/>
+                                        <p:tgtEl>
+                                          <p:spTgt spid="3"/>
+                                        </p:tgtEl>
+                                      </p:cBhvr>
+                                    </p:animEffect>
+                                  </p:childTnLst>
+                                </p:cTn>
+                              </p:par>
+                            </p:childTnLst>
+                          </p:cTn>
+                        </p:par>
+                      </p:childTnLst>
+                    </p:cTn>
+                  </p:par>
+                </p:childTnLst>
+              </p:cTn>
+              <p:prevCondLst>
+                <p:cond evt="onPrev" delay="0">
+                  <p:tgtEl>
+                    <p:sldTgt/>
+                  </p:tgtEl>
+                </p:cond>
+              </p:prevCondLst>
+              <p:nextCondLst>
+                <p:cond evt="onNext" delay="0">
+                  <p:tgtEl>
+                    <p:sldTgt/>
+                  </p:tgtEl>
+                </p:cond>
+              </p:nextCondLst>
+            </p:seq>
+          </p:childTnLst>
+        </p:cTn>
+      </p:par>
+    </p:tnLst>
+  </p:timing>
+</p:sld>
+</file>
+
+<file path=ppt/slides/slide2.xml><?xml version="1.0" encoding="utf-8"?>
+<p:sld xmlns:a="http://schemas.openxmlformats.org/drawingml/2006/main" xmlns:r="http://schemas.openxmlformats.org/officeDocument/2006/relationships" xmlns:p="http://schemas.openxmlformats.org/presentationml/2006/main">
+  <p:cSld>
+    <p:spTree>
+      <p:nvGrpSpPr>
+        <p:cNvPr id="1" name=""/>
+        <p:cNvGrpSpPr/>
+        <p:nvPr/>
+      </p:nvGrpSpPr>
+      <p:grpSpPr>
+        <a:xfrm>
+          <a:off x="0" y="0"/>
+          <a:ext cx="0" cy="0"/>
+          <a:chOff x="0" y="0"/>
+          <a:chExt cx="0" cy="0"/>
+        </a:xfrm>
+      </p:grpSpPr>
+      <p:sp>
+        <p:nvSpPr>
+          <p:cNvPr id="2" name="Title 1">
+            <a:extLst>
+              <a:ext uri="{FF2B5EF4-FFF2-40B4-BE49-F238E27FC236}">
+                <a16:creationId xmlns:a16="http://schemas.microsoft.com/office/drawing/2014/main" id="{1B4BA059-010D-4666-BDE6-A439D5CC9053}"/>
+              </a:ext>
+            </a:extLst>
+          </p:cNvPr>
+          <p:cNvSpPr>
+            <a:spLocks noGrp="1"/>
+          </p:cNvSpPr>
+          <p:nvPr>
+            <p:ph type="title"/>
+          </p:nvPr>
+        </p:nvSpPr>
+        <p:spPr/>
+        <p:txBody>
+          <a:bodyPr/>
+          <a:lstStyle/>
+          <a:p>
+            <a:r>
+              <a:rPr lang="en-US" dirty="0"/>
+              <a:t>Getting Started with ASP.NET Core</a:t>
+            </a:r>
+          </a:p>
+        </p:txBody>
+      </p:sp>
+      <p:pic>
+        <p:nvPicPr>
+          <p:cNvPr id="5" name="Picture 4">
+            <a:extLst>
+              <a:ext uri="{FF2B5EF4-FFF2-40B4-BE49-F238E27FC236}">
+                <a16:creationId xmlns:a16="http://schemas.microsoft.com/office/drawing/2014/main" id="{2F46FDD2-A272-49CE-9A94-EBB8C8F68F2E}"/>
+              </a:ext>
+            </a:extLst>
+          </p:cNvPr>
+          <p:cNvPicPr>
+            <a:picLocks noChangeAspect="1"/>
+          </p:cNvPicPr>
+          <p:nvPr/>
+        </p:nvPicPr>
+        <p:blipFill>
+          <a:blip r:embed="rId2"/>
+          <a:stretch>
+            <a:fillRect/>
+          </a:stretch>
+        </p:blipFill>
+        <p:spPr>
+          <a:xfrm>
+            <a:off x="797441" y="1365975"/>
+            <a:ext cx="10597117" cy="4687909"/>
+          </a:xfrm>
+          <a:prstGeom prst="rect">
+            <a:avLst/>
+          </a:prstGeom>
+        </p:spPr>
+      </p:pic>
+    </p:spTree>
+    <p:extLst>
+      <p:ext uri="{BB962C8B-B14F-4D97-AF65-F5344CB8AC3E}">
+        <p14:creationId xmlns:p14="http://schemas.microsoft.com/office/powerpoint/2010/main" val="1566661947"/>
+      </p:ext>
+    </p:extLst>
+  </p:cSld>
+  <p:clrMapOvr>
+    <a:masterClrMapping/>
+  </p:clrMapOvr>
+  <p:transition>
+    <p:fade/>
+  </p:transition>
+  <p:timing>
+    <p:tnLst>
+      <p:par>
+        <p:cTn id="1" dur="indefinite" restart="never" nodeType="tmRoot">
+          <p:childTnLst>
+            <p:seq concurrent="1" nextAc="seek">
+              <p:cTn id="2" dur="indefinite" nodeType="mainSeq">
+                <p:childTnLst>
+                  <p:par>
+                    <p:cTn id="3" fill="hold">
+                      <p:stCondLst>
+                        <p:cond delay="indefinite"/>
+                      </p:stCondLst>
+                      <p:childTnLst>
+                        <p:par>
+                          <p:cTn id="4" fill="hold">
+                            <p:stCondLst>
+                              <p:cond delay="0"/>
+                            </p:stCondLst>
+                            <p:childTnLst>
+                              <p:par>
+                                <p:cTn id="5" presetID="10" presetClass="entr" presetSubtype="0" fill="hold" nodeType="clickEffect">
+                                  <p:stCondLst>
+                                    <p:cond delay="0"/>
+                                  </p:stCondLst>
+                                  <p:childTnLst>
+                                    <p:set>
+                                      <p:cBhvr>
+                                        <p:cTn id="6" dur="1" fill="hold">
+                                          <p:stCondLst>
+                                            <p:cond delay="0"/>
+                                          </p:stCondLst>
+                                        </p:cTn>
+                                        <p:tgtEl>
+                                          <p:spTgt spid="5"/>
+                                        </p:tgtEl>
+                                        <p:attrNameLst>
+                                          <p:attrName>style.visibility</p:attrName>
+                                        </p:attrNameLst>
+                                      </p:cBhvr>
+                                      <p:to>
+                                        <p:strVal val="visible"/>
+                                      </p:to>
+                                    </p:set>
+                                    <p:animEffect transition="in" filter="fade">
+                                      <p:cBhvr>
+                                        <p:cTn id="7" dur="500"/>
+                                        <p:tgtEl>
+                                          <p:spTgt spid="5"/>
+                                        </p:tgtEl>
+                                      </p:cBhvr>
+                                    </p:animEffect>
+                                  </p:childTnLst>
+                                </p:cTn>
+                              </p:par>
+                            </p:childTnLst>
+                          </p:cTn>
+                        </p:par>
+                      </p:childTnLst>
+                    </p:cTn>
+                  </p:par>
+                </p:childTnLst>
+              </p:cTn>
+              <p:prevCondLst>
+                <p:cond evt="onPrev" delay="0">
+                  <p:tgtEl>
+                    <p:sldTgt/>
+                  </p:tgtEl>
+                </p:cond>
+              </p:prevCondLst>
+              <p:nextCondLst>
+                <p:cond evt="onNext" delay="0">
+                  <p:tgtEl>
+                    <p:sldTgt/>
+                  </p:tgtEl>
+                </p:cond>
+              </p:nextCondLst>
+            </p:seq>
+          </p:childTnLst>
+        </p:cTn>
+      </p:par>
+    </p:tnLst>
+  </p:timing>
+</p:sld>
+</file>
+
+<file path=ppt/slides/slide20.xml><?xml version="1.0" encoding="utf-8"?>
+<p:sld xmlns:a="http://schemas.openxmlformats.org/drawingml/2006/main" xmlns:r="http://schemas.openxmlformats.org/officeDocument/2006/relationships" xmlns:p="http://schemas.openxmlformats.org/presentationml/2006/main">
+  <p:cSld>
+    <p:spTree>
+      <p:nvGrpSpPr>
+        <p:cNvPr id="1" name=""/>
+        <p:cNvGrpSpPr/>
+        <p:nvPr/>
+      </p:nvGrpSpPr>
+      <p:grpSpPr>
+        <a:xfrm>
+          <a:off x="0" y="0"/>
+          <a:ext cx="0" cy="0"/>
+          <a:chOff x="0" y="0"/>
+          <a:chExt cx="0" cy="0"/>
+        </a:xfrm>
+      </p:grpSpPr>
+      <p:sp>
+        <p:nvSpPr>
+          <p:cNvPr id="2" name="Title 1">
+            <a:extLst>
+              <a:ext uri="{FF2B5EF4-FFF2-40B4-BE49-F238E27FC236}">
+                <a16:creationId xmlns:a16="http://schemas.microsoft.com/office/drawing/2014/main" id="{6EF05B2F-7FF3-42E7-98EF-A7525E279F44}"/>
+              </a:ext>
+            </a:extLst>
+          </p:cNvPr>
+          <p:cNvSpPr>
+            <a:spLocks noGrp="1"/>
+          </p:cNvSpPr>
+          <p:nvPr>
+            <p:ph type="title"/>
+          </p:nvPr>
+        </p:nvSpPr>
+        <p:spPr/>
+        <p:txBody>
+          <a:bodyPr/>
+          <a:lstStyle/>
+          <a:p>
+            <a:r>
+              <a:rPr lang="en-US" dirty="0"/>
+              <a:t>.NET Core Builds on C# - async streams</a:t>
+            </a:r>
+          </a:p>
+        </p:txBody>
+      </p:sp>
+      <p:pic>
+        <p:nvPicPr>
+          <p:cNvPr id="4" name="Picture 3">
+            <a:extLst>
+              <a:ext uri="{FF2B5EF4-FFF2-40B4-BE49-F238E27FC236}">
+                <a16:creationId xmlns:a16="http://schemas.microsoft.com/office/drawing/2014/main" id="{9B2C5FCC-1A10-4BA4-A1D5-EF8528216A1D}"/>
+              </a:ext>
+            </a:extLst>
+          </p:cNvPr>
+          <p:cNvPicPr>
+            <a:picLocks noChangeAspect="1"/>
+          </p:cNvPicPr>
+          <p:nvPr/>
+        </p:nvPicPr>
+        <p:blipFill>
+          <a:blip r:embed="rId2"/>
+          <a:stretch>
+            <a:fillRect/>
+          </a:stretch>
+        </p:blipFill>
+        <p:spPr>
+          <a:xfrm>
+            <a:off x="2187374" y="1701711"/>
+            <a:ext cx="7817252" cy="3454578"/>
+          </a:xfrm>
+          <a:prstGeom prst="rect">
+            <a:avLst/>
+          </a:prstGeom>
+        </p:spPr>
+      </p:pic>
+    </p:spTree>
+    <p:extLst>
+      <p:ext uri="{BB962C8B-B14F-4D97-AF65-F5344CB8AC3E}">
+        <p14:creationId xmlns:p14="http://schemas.microsoft.com/office/powerpoint/2010/main" val="4246733283"/>
+      </p:ext>
+    </p:extLst>
+  </p:cSld>
+  <p:clrMapOvr>
+    <a:masterClrMapping/>
+  </p:clrMapOvr>
+  <p:transition>
+    <p:fade/>
+  </p:transition>
+  <p:timing>
+    <p:tnLst>
+      <p:par>
+        <p:cTn id="1" dur="indefinite" restart="never" nodeType="tmRoot">
+          <p:childTnLst>
+            <p:seq concurrent="1" nextAc="seek">
+              <p:cTn id="2" dur="indefinite" nodeType="mainSeq">
+                <p:childTnLst>
+                  <p:par>
+                    <p:cTn id="3" fill="hold">
+                      <p:stCondLst>
+                        <p:cond delay="indefinite"/>
+                      </p:stCondLst>
+                      <p:childTnLst>
+                        <p:par>
+                          <p:cTn id="4" fill="hold">
+                            <p:stCondLst>
+                              <p:cond delay="0"/>
+                            </p:stCondLst>
+                            <p:childTnLst>
+                              <p:par>
+                                <p:cTn id="5" presetID="10" presetClass="entr" presetSubtype="0" fill="hold" nodeType="clickEffect">
+                                  <p:stCondLst>
+                                    <p:cond delay="0"/>
+                                  </p:stCondLst>
+                                  <p:childTnLst>
+                                    <p:set>
+                                      <p:cBhvr>
+                                        <p:cTn id="6" dur="1" fill="hold">
+                                          <p:stCondLst>
+                                            <p:cond delay="0"/>
+                                          </p:stCondLst>
+                                        </p:cTn>
+                                        <p:tgtEl>
+                                          <p:spTgt spid="4"/>
+                                        </p:tgtEl>
+                                        <p:attrNameLst>
+                                          <p:attrName>style.visibility</p:attrName>
+                                        </p:attrNameLst>
+                                      </p:cBhvr>
+                                      <p:to>
+                                        <p:strVal val="visible"/>
+                                      </p:to>
+                                    </p:set>
+                                    <p:animEffect transition="in" filter="fade">
+                                      <p:cBhvr>
+                                        <p:cTn id="7" dur="500"/>
+                                        <p:tgtEl>
+                                          <p:spTgt spid="4"/>
+                                        </p:tgtEl>
+                                      </p:cBhvr>
+                                    </p:animEffect>
+                                  </p:childTnLst>
+                                </p:cTn>
+                              </p:par>
+                            </p:childTnLst>
+                          </p:cTn>
+                        </p:par>
+                      </p:childTnLst>
+                    </p:cTn>
+                  </p:par>
+                </p:childTnLst>
+              </p:cTn>
+              <p:prevCondLst>
+                <p:cond evt="onPrev" delay="0">
+                  <p:tgtEl>
+                    <p:sldTgt/>
+                  </p:tgtEl>
+                </p:cond>
+              </p:prevCondLst>
+              <p:nextCondLst>
+                <p:cond evt="onNext" delay="0">
+                  <p:tgtEl>
+                    <p:sldTgt/>
+                  </p:tgtEl>
+                </p:cond>
+              </p:nextCondLst>
+            </p:seq>
+          </p:childTnLst>
+        </p:cTn>
+      </p:par>
+    </p:tnLst>
+  </p:timing>
+</p:sld>
+</file>
+
+<file path=ppt/slides/slide21.xml><?xml version="1.0" encoding="utf-8"?>
+<p:sld xmlns:a="http://schemas.openxmlformats.org/drawingml/2006/main" xmlns:r="http://schemas.openxmlformats.org/officeDocument/2006/relationships" xmlns:p="http://schemas.openxmlformats.org/presentationml/2006/main">
+  <p:cSld>
+    <p:spTree>
+      <p:nvGrpSpPr>
+        <p:cNvPr id="1" name=""/>
+        <p:cNvGrpSpPr/>
+        <p:nvPr/>
+      </p:nvGrpSpPr>
+      <p:grpSpPr>
+        <a:xfrm>
+          <a:off x="0" y="0"/>
+          <a:ext cx="0" cy="0"/>
+          <a:chOff x="0" y="0"/>
+          <a:chExt cx="0" cy="0"/>
+        </a:xfrm>
+      </p:grpSpPr>
+      <p:sp>
+        <p:nvSpPr>
+          <p:cNvPr id="2" name="Title 1">
+            <a:extLst>
+              <a:ext uri="{FF2B5EF4-FFF2-40B4-BE49-F238E27FC236}">
+                <a16:creationId xmlns:a16="http://schemas.microsoft.com/office/drawing/2014/main" id="{6EF05B2F-7FF3-42E7-98EF-A7525E279F44}"/>
+              </a:ext>
+            </a:extLst>
+          </p:cNvPr>
+          <p:cNvSpPr>
+            <a:spLocks noGrp="1"/>
+          </p:cNvSpPr>
+          <p:nvPr>
+            <p:ph type="title"/>
+          </p:nvPr>
+        </p:nvSpPr>
+        <p:spPr/>
+        <p:txBody>
+          <a:bodyPr/>
+          <a:lstStyle/>
+          <a:p>
+            <a:r>
+              <a:rPr lang="en-US" dirty="0"/>
+              <a:t>.NET Core Builds on C# - Range and Index</a:t>
+            </a:r>
+          </a:p>
+        </p:txBody>
+      </p:sp>
+      <p:pic>
+        <p:nvPicPr>
+          <p:cNvPr id="3" name="Picture 2">
+            <a:extLst>
+              <a:ext uri="{FF2B5EF4-FFF2-40B4-BE49-F238E27FC236}">
+                <a16:creationId xmlns:a16="http://schemas.microsoft.com/office/drawing/2014/main" id="{51983A18-58B2-4BA7-9396-CCC712B7D77B}"/>
+              </a:ext>
+            </a:extLst>
+          </p:cNvPr>
+          <p:cNvPicPr>
+            <a:picLocks noChangeAspect="1"/>
+          </p:cNvPicPr>
+          <p:nvPr/>
+        </p:nvPicPr>
+        <p:blipFill>
+          <a:blip r:embed="rId2"/>
+          <a:stretch>
+            <a:fillRect/>
+          </a:stretch>
+        </p:blipFill>
+        <p:spPr>
+          <a:xfrm>
+            <a:off x="1784128" y="1882695"/>
+            <a:ext cx="8623743" cy="3092609"/>
+          </a:xfrm>
+          <a:prstGeom prst="rect">
+            <a:avLst/>
+          </a:prstGeom>
+        </p:spPr>
+      </p:pic>
+    </p:spTree>
+    <p:extLst>
+      <p:ext uri="{BB962C8B-B14F-4D97-AF65-F5344CB8AC3E}">
+        <p14:creationId xmlns:p14="http://schemas.microsoft.com/office/powerpoint/2010/main" val="689016363"/>
+      </p:ext>
+    </p:extLst>
+  </p:cSld>
+  <p:clrMapOvr>
+    <a:masterClrMapping/>
+  </p:clrMapOvr>
+  <p:transition>
+    <p:fade/>
+  </p:transition>
+  <p:timing>
+    <p:tnLst>
+      <p:par>
+        <p:cTn id="1" dur="indefinite" restart="never" nodeType="tmRoot">
+          <p:childTnLst>
+            <p:seq concurrent="1" nextAc="seek">
+              <p:cTn id="2" dur="indefinite" nodeType="mainSeq">
+                <p:childTnLst>
+                  <p:par>
+                    <p:cTn id="3" fill="hold">
+                      <p:stCondLst>
+                        <p:cond delay="indefinite"/>
+                      </p:stCondLst>
+                      <p:childTnLst>
+                        <p:par>
+                          <p:cTn id="4" fill="hold">
+                            <p:stCondLst>
+                              <p:cond delay="0"/>
+                            </p:stCondLst>
+                            <p:childTnLst>
+                              <p:par>
+                                <p:cTn id="5" presetID="10" presetClass="entr" presetSubtype="0" fill="hold" nodeType="clickEffect">
+                                  <p:stCondLst>
+                                    <p:cond delay="0"/>
+                                  </p:stCondLst>
+                                  <p:childTnLst>
+                                    <p:set>
+                                      <p:cBhvr>
+                                        <p:cTn id="6" dur="1" fill="hold">
+                                          <p:stCondLst>
+                                            <p:cond delay="0"/>
+                                          </p:stCondLst>
+                                        </p:cTn>
+                                        <p:tgtEl>
+                                          <p:spTgt spid="3"/>
+                                        </p:tgtEl>
+                                        <p:attrNameLst>
+                                          <p:attrName>style.visibility</p:attrName>
+                                        </p:attrNameLst>
+                                      </p:cBhvr>
+                                      <p:to>
+                                        <p:strVal val="visible"/>
+                                      </p:to>
+                                    </p:set>
+                                    <p:animEffect transition="in" filter="fade">
+                                      <p:cBhvr>
+                                        <p:cTn id="7" dur="500"/>
+                                        <p:tgtEl>
+                                          <p:spTgt spid="3"/>
+                                        </p:tgtEl>
+                                      </p:cBhvr>
+                                    </p:animEffect>
+                                  </p:childTnLst>
+                                </p:cTn>
+                              </p:par>
+                            </p:childTnLst>
+                          </p:cTn>
+                        </p:par>
+                      </p:childTnLst>
+                    </p:cTn>
+                  </p:par>
+                </p:childTnLst>
+              </p:cTn>
+              <p:prevCondLst>
+                <p:cond evt="onPrev" delay="0">
+                  <p:tgtEl>
+                    <p:sldTgt/>
+                  </p:tgtEl>
+                </p:cond>
+              </p:prevCondLst>
+              <p:nextCondLst>
+                <p:cond evt="onNext" delay="0">
+                  <p:tgtEl>
+                    <p:sldTgt/>
+                  </p:tgtEl>
+                </p:cond>
+              </p:nextCondLst>
+            </p:seq>
+          </p:childTnLst>
+        </p:cTn>
+      </p:par>
+    </p:tnLst>
+  </p:timing>
+</p:sld>
+</file>
+
+<file path=ppt/slides/slide22.xml><?xml version="1.0" encoding="utf-8"?>
+<p:sld xmlns:a="http://schemas.openxmlformats.org/drawingml/2006/main" xmlns:r="http://schemas.openxmlformats.org/officeDocument/2006/relationships" xmlns:p="http://schemas.openxmlformats.org/presentationml/2006/main">
+  <p:cSld>
+    <p:spTree>
+      <p:nvGrpSpPr>
+        <p:cNvPr id="1" name=""/>
+        <p:cNvGrpSpPr/>
+        <p:nvPr/>
+      </p:nvGrpSpPr>
+      <p:grpSpPr>
+        <a:xfrm>
+          <a:off x="0" y="0"/>
+          <a:ext cx="0" cy="0"/>
+          <a:chOff x="0" y="0"/>
+          <a:chExt cx="0" cy="0"/>
+        </a:xfrm>
+      </p:grpSpPr>
+      <p:sp>
+        <p:nvSpPr>
+          <p:cNvPr id="2" name="Title 1">
+            <a:extLst>
+              <a:ext uri="{FF2B5EF4-FFF2-40B4-BE49-F238E27FC236}">
+                <a16:creationId xmlns:a16="http://schemas.microsoft.com/office/drawing/2014/main" id="{6EF05B2F-7FF3-42E7-98EF-A7525E279F44}"/>
+              </a:ext>
+            </a:extLst>
+          </p:cNvPr>
+          <p:cNvSpPr>
+            <a:spLocks noGrp="1"/>
+          </p:cNvSpPr>
+          <p:nvPr>
+            <p:ph type="title"/>
+          </p:nvPr>
+        </p:nvSpPr>
+        <p:spPr/>
+        <p:txBody>
+          <a:bodyPr/>
+          <a:lstStyle/>
+          <a:p>
+            <a:r>
+              <a:rPr lang="en-US" dirty="0"/>
+              <a:t>.NET Core Builds on C# - Nullable References</a:t>
+            </a:r>
+          </a:p>
+        </p:txBody>
+      </p:sp>
+      <p:pic>
+        <p:nvPicPr>
+          <p:cNvPr id="4" name="Picture 3">
+            <a:extLst>
+              <a:ext uri="{FF2B5EF4-FFF2-40B4-BE49-F238E27FC236}">
+                <a16:creationId xmlns:a16="http://schemas.microsoft.com/office/drawing/2014/main" id="{1B6531A4-9D70-4846-8FBC-A1042A91C9C1}"/>
+              </a:ext>
+            </a:extLst>
+          </p:cNvPr>
+          <p:cNvPicPr>
+            <a:picLocks noChangeAspect="1"/>
+          </p:cNvPicPr>
+          <p:nvPr/>
+        </p:nvPicPr>
+        <p:blipFill>
+          <a:blip r:embed="rId2"/>
+          <a:stretch>
+            <a:fillRect/>
+          </a:stretch>
+        </p:blipFill>
+        <p:spPr>
+          <a:xfrm>
+            <a:off x="3412987" y="1819192"/>
+            <a:ext cx="5366026" cy="3219615"/>
+          </a:xfrm>
+          <a:prstGeom prst="rect">
+            <a:avLst/>
+          </a:prstGeom>
+        </p:spPr>
+      </p:pic>
+    </p:spTree>
+    <p:extLst>
+      <p:ext uri="{BB962C8B-B14F-4D97-AF65-F5344CB8AC3E}">
+        <p14:creationId xmlns:p14="http://schemas.microsoft.com/office/powerpoint/2010/main" val="2299484661"/>
+      </p:ext>
+    </p:extLst>
+  </p:cSld>
+  <p:clrMapOvr>
+    <a:masterClrMapping/>
+  </p:clrMapOvr>
+  <p:transition>
+    <p:fade/>
+  </p:transition>
+  <p:timing>
+    <p:tnLst>
+      <p:par>
+        <p:cTn id="1" dur="indefinite" restart="never" nodeType="tmRoot">
+          <p:childTnLst>
+            <p:seq concurrent="1" nextAc="seek">
+              <p:cTn id="2" dur="indefinite" nodeType="mainSeq">
+                <p:childTnLst>
+                  <p:par>
+                    <p:cTn id="3" fill="hold">
+                      <p:stCondLst>
+                        <p:cond delay="indefinite"/>
+                      </p:stCondLst>
+                      <p:childTnLst>
+                        <p:par>
+                          <p:cTn id="4" fill="hold">
+                            <p:stCondLst>
+                              <p:cond delay="0"/>
+                            </p:stCondLst>
+                            <p:childTnLst>
+                              <p:par>
+                                <p:cTn id="5" presetID="10" presetClass="entr" presetSubtype="0" fill="hold" nodeType="clickEffect">
+                                  <p:stCondLst>
+                                    <p:cond delay="0"/>
+                                  </p:stCondLst>
+                                  <p:childTnLst>
+                                    <p:set>
+                                      <p:cBhvr>
+                                        <p:cTn id="6" dur="1" fill="hold">
+                                          <p:stCondLst>
+                                            <p:cond delay="0"/>
+                                          </p:stCondLst>
+                                        </p:cTn>
+                                        <p:tgtEl>
+                                          <p:spTgt spid="4"/>
+                                        </p:tgtEl>
+                                        <p:attrNameLst>
+                                          <p:attrName>style.visibility</p:attrName>
+                                        </p:attrNameLst>
+                                      </p:cBhvr>
+                                      <p:to>
+                                        <p:strVal val="visible"/>
+                                      </p:to>
+                                    </p:set>
+                                    <p:animEffect transition="in" filter="fade">
+                                      <p:cBhvr>
+                                        <p:cTn id="7" dur="500"/>
+                                        <p:tgtEl>
+                                          <p:spTgt spid="4"/>
+                                        </p:tgtEl>
+                                      </p:cBhvr>
+                                    </p:animEffect>
+                                  </p:childTnLst>
+                                </p:cTn>
+                              </p:par>
+                            </p:childTnLst>
+                          </p:cTn>
+                        </p:par>
+                      </p:childTnLst>
+                    </p:cTn>
+                  </p:par>
+                </p:childTnLst>
+              </p:cTn>
+              <p:prevCondLst>
+                <p:cond evt="onPrev" delay="0">
+                  <p:tgtEl>
+                    <p:sldTgt/>
+                  </p:tgtEl>
+                </p:cond>
+              </p:prevCondLst>
+              <p:nextCondLst>
+                <p:cond evt="onNext" delay="0">
+                  <p:tgtEl>
+                    <p:sldTgt/>
+                  </p:tgtEl>
+                </p:cond>
+              </p:nextCondLst>
+            </p:seq>
+          </p:childTnLst>
+        </p:cTn>
+      </p:par>
+    </p:tnLst>
+  </p:timing>
+</p:sld>
+</file>
+
+<file path=ppt/slides/slide23.xml><?xml version="1.0" encoding="utf-8"?>
+<p:sld xmlns:a="http://schemas.openxmlformats.org/drawingml/2006/main" xmlns:r="http://schemas.openxmlformats.org/officeDocument/2006/relationships" xmlns:p="http://schemas.openxmlformats.org/presentationml/2006/main">
+  <p:cSld>
+    <p:spTree>
+      <p:nvGrpSpPr>
+        <p:cNvPr id="1" name=""/>
+        <p:cNvGrpSpPr/>
+        <p:nvPr/>
+      </p:nvGrpSpPr>
+      <p:grpSpPr>
+        <a:xfrm>
+          <a:off x="0" y="0"/>
+          <a:ext cx="0" cy="0"/>
+          <a:chOff x="0" y="0"/>
+          <a:chExt cx="0" cy="0"/>
+        </a:xfrm>
+      </p:grpSpPr>
+      <p:sp>
+        <p:nvSpPr>
+          <p:cNvPr id="2" name="Title 1">
+            <a:extLst>
+              <a:ext uri="{FF2B5EF4-FFF2-40B4-BE49-F238E27FC236}">
+                <a16:creationId xmlns:a16="http://schemas.microsoft.com/office/drawing/2014/main" id="{EFB8A196-283E-4C8A-A22F-14296B99B335}"/>
+              </a:ext>
+            </a:extLst>
+          </p:cNvPr>
+          <p:cNvSpPr>
+            <a:spLocks noGrp="1"/>
+          </p:cNvSpPr>
+          <p:nvPr>
+            <p:ph type="title"/>
+          </p:nvPr>
+        </p:nvSpPr>
+        <p:spPr/>
+        <p:txBody>
+          <a:bodyPr/>
+          <a:lstStyle/>
+          <a:p>
+            <a:r>
+              <a:rPr lang="en-US" dirty="0"/>
+              <a:t>The End</a:t>
+            </a:r>
+          </a:p>
+        </p:txBody>
+      </p:sp>
+      <p:sp>
+        <p:nvSpPr>
+          <p:cNvPr id="3" name="Text Placeholder 2">
+            <a:extLst>
+              <a:ext uri="{FF2B5EF4-FFF2-40B4-BE49-F238E27FC236}">
+                <a16:creationId xmlns:a16="http://schemas.microsoft.com/office/drawing/2014/main" id="{77D8CC58-B4C8-4995-9FC0-E726FE41CF5E}"/>
+              </a:ext>
+            </a:extLst>
+          </p:cNvPr>
+          <p:cNvSpPr>
+            <a:spLocks noGrp="1"/>
+          </p:cNvSpPr>
+          <p:nvPr>
+            <p:ph type="body" idx="1"/>
+          </p:nvPr>
+        </p:nvSpPr>
+        <p:spPr/>
+        <p:txBody>
+          <a:bodyPr/>
+          <a:lstStyle/>
+          <a:p>
+            <a:r>
+              <a:rPr lang="en-US" sz="4400" dirty="0">
+                <a:hlinkClick r:id="rId2"/>
+              </a:rPr>
+              <a:t>scott@OdeToCode.com</a:t>
+            </a:r>
+            <a:endParaRPr lang="en-US" sz="4400" dirty="0"/>
+          </a:p>
+          <a:p>
+            <a:r>
+              <a:rPr lang="en-US" sz="4400" dirty="0">
+                <a:hlinkClick r:id="rId3"/>
+              </a:rPr>
+              <a:t>https://odetocode.com/</a:t>
+            </a:r>
+            <a:endParaRPr lang="en-US" sz="4400" dirty="0"/>
+          </a:p>
+          <a:p>
+            <a:endParaRPr lang="en-US" dirty="0"/>
+          </a:p>
+        </p:txBody>
+      </p:sp>
+    </p:spTree>
+    <p:extLst>
+      <p:ext uri="{BB962C8B-B14F-4D97-AF65-F5344CB8AC3E}">
+        <p14:creationId xmlns:p14="http://schemas.microsoft.com/office/powerpoint/2010/main" val="2075980180"/>
+      </p:ext>
+    </p:extLst>
+  </p:cSld>
+  <p:clrMapOvr>
+    <a:masterClrMapping/>
+  </p:clrMapOvr>
+  <p:transition>
+    <p:fade/>
+  </p:transition>
+</p:sld>
+</file>
+
+<file path=ppt/slides/slide3.xml><?xml version="1.0" encoding="utf-8"?>
+<p:sld xmlns:a="http://schemas.openxmlformats.org/drawingml/2006/main" xmlns:r="http://schemas.openxmlformats.org/officeDocument/2006/relationships" xmlns:p="http://schemas.openxmlformats.org/presentationml/2006/main">
+  <p:cSld>
+    <p:spTree>
+      <p:nvGrpSpPr>
+        <p:cNvPr id="1" name=""/>
+        <p:cNvGrpSpPr/>
+        <p:nvPr/>
+      </p:nvGrpSpPr>
+      <p:grpSpPr>
+        <a:xfrm>
+          <a:off x="0" y="0"/>
+          <a:ext cx="0" cy="0"/>
+          <a:chOff x="0" y="0"/>
+          <a:chExt cx="0" cy="0"/>
+        </a:xfrm>
+      </p:grpSpPr>
+      <p:sp>
+        <p:nvSpPr>
+          <p:cNvPr id="2" name="Title 1">
+            <a:extLst>
+              <a:ext uri="{FF2B5EF4-FFF2-40B4-BE49-F238E27FC236}">
+                <a16:creationId xmlns:a16="http://schemas.microsoft.com/office/drawing/2014/main" id="{6F04F1E2-679D-4295-8C8D-E68EF77EDD26}"/>
+              </a:ext>
+            </a:extLst>
+          </p:cNvPr>
+          <p:cNvSpPr>
+            <a:spLocks noGrp="1"/>
+          </p:cNvSpPr>
+          <p:nvPr>
+            <p:ph type="title"/>
+          </p:nvPr>
+        </p:nvSpPr>
+        <p:spPr/>
+        <p:txBody>
+          <a:bodyPr/>
+          <a:lstStyle/>
+          <a:p>
+            <a:r>
+              <a:rPr lang="en-US" dirty="0"/>
+              <a:t>Creating a Host</a:t>
+            </a:r>
+          </a:p>
+        </p:txBody>
+      </p:sp>
+      <p:sp>
+        <p:nvSpPr>
+          <p:cNvPr id="3" name="Text Placeholder 2">
+            <a:extLst>
+              <a:ext uri="{FF2B5EF4-FFF2-40B4-BE49-F238E27FC236}">
+                <a16:creationId xmlns:a16="http://schemas.microsoft.com/office/drawing/2014/main" id="{73529DAD-9D15-470A-8D29-C19702F3F585}"/>
+              </a:ext>
+            </a:extLst>
+          </p:cNvPr>
+          <p:cNvSpPr>
+            <a:spLocks noGrp="1"/>
+          </p:cNvSpPr>
+          <p:nvPr>
+            <p:ph type="body" idx="1"/>
+          </p:nvPr>
+        </p:nvSpPr>
+        <p:spPr/>
+        <p:txBody>
+          <a:bodyPr/>
+          <a:lstStyle/>
+          <a:p>
+            <a:r>
+              <a:rPr lang="en-US" dirty="0"/>
+              <a:t>Not necessarily a web server …</a:t>
+            </a:r>
+          </a:p>
+          <a:p>
+            <a:endParaRPr lang="en-US" dirty="0"/>
+          </a:p>
+        </p:txBody>
+      </p:sp>
+      <p:pic>
+        <p:nvPicPr>
+          <p:cNvPr id="4" name="Picture 3">
+            <a:extLst>
+              <a:ext uri="{FF2B5EF4-FFF2-40B4-BE49-F238E27FC236}">
+                <a16:creationId xmlns:a16="http://schemas.microsoft.com/office/drawing/2014/main" id="{8EA15A9C-2285-4EED-8F2C-69A452C60DC7}"/>
+              </a:ext>
+            </a:extLst>
+          </p:cNvPr>
+          <p:cNvPicPr>
+            <a:picLocks noChangeAspect="1"/>
+          </p:cNvPicPr>
+          <p:nvPr/>
+        </p:nvPicPr>
+        <p:blipFill>
+          <a:blip r:embed="rId2"/>
+          <a:stretch>
+            <a:fillRect/>
+          </a:stretch>
+        </p:blipFill>
+        <p:spPr>
+          <a:xfrm>
+            <a:off x="2113038" y="2371409"/>
+            <a:ext cx="8299877" cy="3689540"/>
+          </a:xfrm>
+          <a:prstGeom prst="rect">
+            <a:avLst/>
+          </a:prstGeom>
+        </p:spPr>
+      </p:pic>
+    </p:spTree>
+    <p:extLst>
+      <p:ext uri="{BB962C8B-B14F-4D97-AF65-F5344CB8AC3E}">
+        <p14:creationId xmlns:p14="http://schemas.microsoft.com/office/powerpoint/2010/main" val="1266658772"/>
+      </p:ext>
+    </p:extLst>
+  </p:cSld>
+  <p:clrMapOvr>
+    <a:masterClrMapping/>
+  </p:clrMapOvr>
+  <p:transition>
+    <p:fade/>
+  </p:transition>
+  <p:timing>
+    <p:tnLst>
+      <p:par>
+        <p:cTn id="1" dur="indefinite" restart="never" nodeType="tmRoot">
+          <p:childTnLst>
+            <p:seq concurrent="1" nextAc="seek">
+              <p:cTn id="2" dur="indefinite" nodeType="mainSeq">
+                <p:childTnLst>
+                  <p:par>
+                    <p:cTn id="3" fill="hold">
+                      <p:stCondLst>
+                        <p:cond delay="indefinite"/>
+                      </p:stCondLst>
+                      <p:childTnLst>
+                        <p:par>
+                          <p:cTn id="4" fill="hold">
+                            <p:stCondLst>
+                              <p:cond delay="0"/>
+                            </p:stCondLst>
+                            <p:childTnLst>
+                              <p:par>
+                                <p:cTn id="5" presetID="10" presetClass="entr" presetSubtype="0" fill="hold" nodeType="clickEffect">
+                                  <p:stCondLst>
+                                    <p:cond delay="0"/>
+                                  </p:stCondLst>
+                                  <p:childTnLst>
+                                    <p:set>
+                                      <p:cBhvr>
+                                        <p:cTn id="6" dur="1" fill="hold">
+                                          <p:stCondLst>
+                                            <p:cond delay="0"/>
+                                          </p:stCondLst>
+                                        </p:cTn>
+                                        <p:tgtEl>
+                                          <p:spTgt spid="4"/>
+                                        </p:tgtEl>
+                                        <p:attrNameLst>
+                                          <p:attrName>style.visibility</p:attrName>
+                                        </p:attrNameLst>
+                                      </p:cBhvr>
+                                      <p:to>
+                                        <p:strVal val="visible"/>
+                                      </p:to>
+                                    </p:set>
+                                    <p:animEffect transition="in" filter="fade">
+                                      <p:cBhvr>
+                                        <p:cTn id="7" dur="500"/>
+                                        <p:tgtEl>
+                                          <p:spTgt spid="4"/>
+                                        </p:tgtEl>
+                                      </p:cBhvr>
+                                    </p:animEffect>
+                                  </p:childTnLst>
+                                </p:cTn>
+                              </p:par>
+                            </p:childTnLst>
+                          </p:cTn>
+                        </p:par>
+                      </p:childTnLst>
+                    </p:cTn>
+                  </p:par>
+                </p:childTnLst>
+              </p:cTn>
+              <p:prevCondLst>
+                <p:cond evt="onPrev" delay="0">
+                  <p:tgtEl>
+                    <p:sldTgt/>
+                  </p:tgtEl>
+                </p:cond>
+              </p:prevCondLst>
+              <p:nextCondLst>
+                <p:cond evt="onNext" delay="0">
+                  <p:tgtEl>
+                    <p:sldTgt/>
+                  </p:tgtEl>
+                </p:cond>
+              </p:nextCondLst>
+            </p:seq>
+          </p:childTnLst>
+        </p:cTn>
+      </p:par>
+    </p:tnLst>
   </p:timing>
 </p:sld>
 </file>
@@ -24231,7 +22852,7 @@
           <p:cNvPr id="2" name="Title 1">
             <a:extLst>
               <a:ext uri="{FF2B5EF4-FFF2-40B4-BE49-F238E27FC236}">
-                <a16:creationId xmlns:a16="http://schemas.microsoft.com/office/drawing/2014/main" id="{2BB042DB-6CF3-4D41-86E5-3D78146C0D99}"/>
+                <a16:creationId xmlns:a16="http://schemas.microsoft.com/office/drawing/2014/main" id="{58DC2902-F16B-47DD-811B-29ABAE63124E}"/>
               </a:ext>
             </a:extLst>
           </p:cNvPr>
@@ -24247,7 +22868,10 @@
           <a:bodyPr/>
           <a:lstStyle/>
           <a:p>
-            <a:endParaRPr lang="en-US"/>
+            <a:r>
+              <a:rPr lang="en-US" dirty="0"/>
+              <a:t>Configure Middleware</a:t>
+            </a:r>
           </a:p>
         </p:txBody>
       </p:sp>
@@ -24256,7 +22880,7 @@
           <p:cNvPr id="3" name="Text Placeholder 2">
             <a:extLst>
               <a:ext uri="{FF2B5EF4-FFF2-40B4-BE49-F238E27FC236}">
-                <a16:creationId xmlns:a16="http://schemas.microsoft.com/office/drawing/2014/main" id="{E68D0C5A-9EC9-483D-B8D1-440B2357170F}"/>
+                <a16:creationId xmlns:a16="http://schemas.microsoft.com/office/drawing/2014/main" id="{05819D87-EF18-4DA7-8F52-EC404FCEB150}"/>
               </a:ext>
             </a:extLst>
           </p:cNvPr>
@@ -24276,10 +22900,40 @@
           </a:p>
         </p:txBody>
       </p:sp>
+      <p:pic>
+        <p:nvPicPr>
+          <p:cNvPr id="4" name="Picture 3">
+            <a:extLst>
+              <a:ext uri="{FF2B5EF4-FFF2-40B4-BE49-F238E27FC236}">
+                <a16:creationId xmlns:a16="http://schemas.microsoft.com/office/drawing/2014/main" id="{BFE3E7DA-F992-4893-8E2F-664CC84DD484}"/>
+              </a:ext>
+            </a:extLst>
+          </p:cNvPr>
+          <p:cNvPicPr>
+            <a:picLocks noChangeAspect="1"/>
+          </p:cNvPicPr>
+          <p:nvPr/>
+        </p:nvPicPr>
+        <p:blipFill>
+          <a:blip r:embed="rId2"/>
+          <a:stretch>
+            <a:fillRect/>
+          </a:stretch>
+        </p:blipFill>
+        <p:spPr>
+          <a:xfrm>
+            <a:off x="2187669" y="2438677"/>
+            <a:ext cx="8166520" cy="2825895"/>
+          </a:xfrm>
+          <a:prstGeom prst="rect">
+            <a:avLst/>
+          </a:prstGeom>
+        </p:spPr>
+      </p:pic>
     </p:spTree>
     <p:extLst>
       <p:ext uri="{BB962C8B-B14F-4D97-AF65-F5344CB8AC3E}">
-        <p14:creationId xmlns:p14="http://schemas.microsoft.com/office/powerpoint/2010/main" val="3591383392"/>
+        <p14:creationId xmlns:p14="http://schemas.microsoft.com/office/powerpoint/2010/main" val="1030268464"/>
       </p:ext>
     </p:extLst>
   </p:cSld>
@@ -24289,6 +22943,1296 @@
   <p:transition>
     <p:fade/>
   </p:transition>
+  <p:timing>
+    <p:tnLst>
+      <p:par>
+        <p:cTn id="1" dur="indefinite" restart="never" nodeType="tmRoot">
+          <p:childTnLst>
+            <p:seq concurrent="1" nextAc="seek">
+              <p:cTn id="2" dur="indefinite" nodeType="mainSeq">
+                <p:childTnLst>
+                  <p:par>
+                    <p:cTn id="3" fill="hold">
+                      <p:stCondLst>
+                        <p:cond delay="indefinite"/>
+                      </p:stCondLst>
+                      <p:childTnLst>
+                        <p:par>
+                          <p:cTn id="4" fill="hold">
+                            <p:stCondLst>
+                              <p:cond delay="0"/>
+                            </p:stCondLst>
+                            <p:childTnLst>
+                              <p:par>
+                                <p:cTn id="5" presetID="10" presetClass="entr" presetSubtype="0" fill="hold" nodeType="clickEffect">
+                                  <p:stCondLst>
+                                    <p:cond delay="0"/>
+                                  </p:stCondLst>
+                                  <p:childTnLst>
+                                    <p:set>
+                                      <p:cBhvr>
+                                        <p:cTn id="6" dur="1" fill="hold">
+                                          <p:stCondLst>
+                                            <p:cond delay="0"/>
+                                          </p:stCondLst>
+                                        </p:cTn>
+                                        <p:tgtEl>
+                                          <p:spTgt spid="4"/>
+                                        </p:tgtEl>
+                                        <p:attrNameLst>
+                                          <p:attrName>style.visibility</p:attrName>
+                                        </p:attrNameLst>
+                                      </p:cBhvr>
+                                      <p:to>
+                                        <p:strVal val="visible"/>
+                                      </p:to>
+                                    </p:set>
+                                    <p:animEffect transition="in" filter="fade">
+                                      <p:cBhvr>
+                                        <p:cTn id="7" dur="500"/>
+                                        <p:tgtEl>
+                                          <p:spTgt spid="4"/>
+                                        </p:tgtEl>
+                                      </p:cBhvr>
+                                    </p:animEffect>
+                                  </p:childTnLst>
+                                </p:cTn>
+                              </p:par>
+                            </p:childTnLst>
+                          </p:cTn>
+                        </p:par>
+                      </p:childTnLst>
+                    </p:cTn>
+                  </p:par>
+                </p:childTnLst>
+              </p:cTn>
+              <p:prevCondLst>
+                <p:cond evt="onPrev" delay="0">
+                  <p:tgtEl>
+                    <p:sldTgt/>
+                  </p:tgtEl>
+                </p:cond>
+              </p:prevCondLst>
+              <p:nextCondLst>
+                <p:cond evt="onNext" delay="0">
+                  <p:tgtEl>
+                    <p:sldTgt/>
+                  </p:tgtEl>
+                </p:cond>
+              </p:nextCondLst>
+            </p:seq>
+          </p:childTnLst>
+        </p:cTn>
+      </p:par>
+    </p:tnLst>
+  </p:timing>
+</p:sld>
+</file>
+
+<file path=ppt/slides/slide5.xml><?xml version="1.0" encoding="utf-8"?>
+<p:sld xmlns:a="http://schemas.openxmlformats.org/drawingml/2006/main" xmlns:r="http://schemas.openxmlformats.org/officeDocument/2006/relationships" xmlns:p="http://schemas.openxmlformats.org/presentationml/2006/main">
+  <p:cSld>
+    <p:spTree>
+      <p:nvGrpSpPr>
+        <p:cNvPr id="1" name=""/>
+        <p:cNvGrpSpPr/>
+        <p:nvPr/>
+      </p:nvGrpSpPr>
+      <p:grpSpPr>
+        <a:xfrm>
+          <a:off x="0" y="0"/>
+          <a:ext cx="0" cy="0"/>
+          <a:chOff x="0" y="0"/>
+          <a:chExt cx="0" cy="0"/>
+        </a:xfrm>
+      </p:grpSpPr>
+      <p:sp>
+        <p:nvSpPr>
+          <p:cNvPr id="2" name="Title 1">
+            <a:extLst>
+              <a:ext uri="{FF2B5EF4-FFF2-40B4-BE49-F238E27FC236}">
+                <a16:creationId xmlns:a16="http://schemas.microsoft.com/office/drawing/2014/main" id="{3C442C77-3F1C-4E1C-9D10-28A9D17D2C3F}"/>
+              </a:ext>
+            </a:extLst>
+          </p:cNvPr>
+          <p:cNvSpPr>
+            <a:spLocks noGrp="1"/>
+          </p:cNvSpPr>
+          <p:nvPr>
+            <p:ph type="title"/>
+          </p:nvPr>
+        </p:nvSpPr>
+        <p:spPr/>
+        <p:txBody>
+          <a:bodyPr/>
+          <a:lstStyle/>
+          <a:p>
+            <a:r>
+              <a:rPr lang="en-US" dirty="0"/>
+              <a:t>Controllers for APIs</a:t>
+            </a:r>
+          </a:p>
+        </p:txBody>
+      </p:sp>
+      <p:sp>
+        <p:nvSpPr>
+          <p:cNvPr id="3" name="Text Placeholder 2">
+            <a:extLst>
+              <a:ext uri="{FF2B5EF4-FFF2-40B4-BE49-F238E27FC236}">
+                <a16:creationId xmlns:a16="http://schemas.microsoft.com/office/drawing/2014/main" id="{C6D7C85E-1339-4750-99F9-96ECABE4CFD9}"/>
+              </a:ext>
+            </a:extLst>
+          </p:cNvPr>
+          <p:cNvSpPr>
+            <a:spLocks noGrp="1"/>
+          </p:cNvSpPr>
+          <p:nvPr>
+            <p:ph type="body" idx="1"/>
+          </p:nvPr>
+        </p:nvSpPr>
+        <p:spPr/>
+        <p:txBody>
+          <a:bodyPr/>
+          <a:lstStyle/>
+          <a:p>
+            <a:endParaRPr lang="en-US"/>
+          </a:p>
+        </p:txBody>
+      </p:sp>
+      <p:pic>
+        <p:nvPicPr>
+          <p:cNvPr id="4" name="Picture 3">
+            <a:extLst>
+              <a:ext uri="{FF2B5EF4-FFF2-40B4-BE49-F238E27FC236}">
+                <a16:creationId xmlns:a16="http://schemas.microsoft.com/office/drawing/2014/main" id="{5E675FB5-1230-4017-822C-44109489F272}"/>
+              </a:ext>
+            </a:extLst>
+          </p:cNvPr>
+          <p:cNvPicPr>
+            <a:picLocks noChangeAspect="1"/>
+          </p:cNvPicPr>
+          <p:nvPr/>
+        </p:nvPicPr>
+        <p:blipFill>
+          <a:blip r:embed="rId2"/>
+          <a:stretch>
+            <a:fillRect/>
+          </a:stretch>
+        </p:blipFill>
+        <p:spPr>
+          <a:xfrm>
+            <a:off x="1929998" y="1635361"/>
+            <a:ext cx="8109367" cy="4432528"/>
+          </a:xfrm>
+          <a:prstGeom prst="rect">
+            <a:avLst/>
+          </a:prstGeom>
+        </p:spPr>
+      </p:pic>
+    </p:spTree>
+    <p:extLst>
+      <p:ext uri="{BB962C8B-B14F-4D97-AF65-F5344CB8AC3E}">
+        <p14:creationId xmlns:p14="http://schemas.microsoft.com/office/powerpoint/2010/main" val="550076345"/>
+      </p:ext>
+    </p:extLst>
+  </p:cSld>
+  <p:clrMapOvr>
+    <a:masterClrMapping/>
+  </p:clrMapOvr>
+  <p:transition>
+    <p:fade/>
+  </p:transition>
+  <p:timing>
+    <p:tnLst>
+      <p:par>
+        <p:cTn id="1" dur="indefinite" restart="never" nodeType="tmRoot">
+          <p:childTnLst>
+            <p:seq concurrent="1" nextAc="seek">
+              <p:cTn id="2" dur="indefinite" nodeType="mainSeq">
+                <p:childTnLst>
+                  <p:par>
+                    <p:cTn id="3" fill="hold">
+                      <p:stCondLst>
+                        <p:cond delay="indefinite"/>
+                      </p:stCondLst>
+                      <p:childTnLst>
+                        <p:par>
+                          <p:cTn id="4" fill="hold">
+                            <p:stCondLst>
+                              <p:cond delay="0"/>
+                            </p:stCondLst>
+                            <p:childTnLst>
+                              <p:par>
+                                <p:cTn id="5" presetID="10" presetClass="entr" presetSubtype="0" fill="hold" nodeType="clickEffect">
+                                  <p:stCondLst>
+                                    <p:cond delay="0"/>
+                                  </p:stCondLst>
+                                  <p:childTnLst>
+                                    <p:set>
+                                      <p:cBhvr>
+                                        <p:cTn id="6" dur="1" fill="hold">
+                                          <p:stCondLst>
+                                            <p:cond delay="0"/>
+                                          </p:stCondLst>
+                                        </p:cTn>
+                                        <p:tgtEl>
+                                          <p:spTgt spid="4"/>
+                                        </p:tgtEl>
+                                        <p:attrNameLst>
+                                          <p:attrName>style.visibility</p:attrName>
+                                        </p:attrNameLst>
+                                      </p:cBhvr>
+                                      <p:to>
+                                        <p:strVal val="visible"/>
+                                      </p:to>
+                                    </p:set>
+                                    <p:animEffect transition="in" filter="fade">
+                                      <p:cBhvr>
+                                        <p:cTn id="7" dur="500"/>
+                                        <p:tgtEl>
+                                          <p:spTgt spid="4"/>
+                                        </p:tgtEl>
+                                      </p:cBhvr>
+                                    </p:animEffect>
+                                  </p:childTnLst>
+                                </p:cTn>
+                              </p:par>
+                            </p:childTnLst>
+                          </p:cTn>
+                        </p:par>
+                      </p:childTnLst>
+                    </p:cTn>
+                  </p:par>
+                </p:childTnLst>
+              </p:cTn>
+              <p:prevCondLst>
+                <p:cond evt="onPrev" delay="0">
+                  <p:tgtEl>
+                    <p:sldTgt/>
+                  </p:tgtEl>
+                </p:cond>
+              </p:prevCondLst>
+              <p:nextCondLst>
+                <p:cond evt="onNext" delay="0">
+                  <p:tgtEl>
+                    <p:sldTgt/>
+                  </p:tgtEl>
+                </p:cond>
+              </p:nextCondLst>
+            </p:seq>
+          </p:childTnLst>
+        </p:cTn>
+      </p:par>
+    </p:tnLst>
+  </p:timing>
+</p:sld>
+</file>
+
+<file path=ppt/slides/slide6.xml><?xml version="1.0" encoding="utf-8"?>
+<p:sld xmlns:a="http://schemas.openxmlformats.org/drawingml/2006/main" xmlns:r="http://schemas.openxmlformats.org/officeDocument/2006/relationships" xmlns:p="http://schemas.openxmlformats.org/presentationml/2006/main">
+  <p:cSld>
+    <p:spTree>
+      <p:nvGrpSpPr>
+        <p:cNvPr id="1" name=""/>
+        <p:cNvGrpSpPr/>
+        <p:nvPr/>
+      </p:nvGrpSpPr>
+      <p:grpSpPr>
+        <a:xfrm>
+          <a:off x="0" y="0"/>
+          <a:ext cx="0" cy="0"/>
+          <a:chOff x="0" y="0"/>
+          <a:chExt cx="0" cy="0"/>
+        </a:xfrm>
+      </p:grpSpPr>
+      <p:sp>
+        <p:nvSpPr>
+          <p:cNvPr id="2" name="Title 1">
+            <a:extLst>
+              <a:ext uri="{FF2B5EF4-FFF2-40B4-BE49-F238E27FC236}">
+                <a16:creationId xmlns:a16="http://schemas.microsoft.com/office/drawing/2014/main" id="{3EFCE0E3-3719-418C-957B-85DFAAC4E990}"/>
+              </a:ext>
+            </a:extLst>
+          </p:cNvPr>
+          <p:cNvSpPr>
+            <a:spLocks noGrp="1"/>
+          </p:cNvSpPr>
+          <p:nvPr>
+            <p:ph type="title"/>
+          </p:nvPr>
+        </p:nvSpPr>
+        <p:spPr/>
+        <p:txBody>
+          <a:bodyPr/>
+          <a:lstStyle/>
+          <a:p>
+            <a:r>
+              <a:rPr lang="en-US" dirty="0"/>
+              <a:t>New: </a:t>
+            </a:r>
+            <a:r>
+              <a:rPr lang="en-US" dirty="0" err="1"/>
+              <a:t>System.Text.Json</a:t>
+            </a:r>
+            <a:endParaRPr lang="en-US" dirty="0"/>
+          </a:p>
+        </p:txBody>
+      </p:sp>
+      <p:sp>
+        <p:nvSpPr>
+          <p:cNvPr id="3" name="Text Placeholder 2">
+            <a:extLst>
+              <a:ext uri="{FF2B5EF4-FFF2-40B4-BE49-F238E27FC236}">
+                <a16:creationId xmlns:a16="http://schemas.microsoft.com/office/drawing/2014/main" id="{8F364675-4CE7-4E35-A354-684838E30F64}"/>
+              </a:ext>
+            </a:extLst>
+          </p:cNvPr>
+          <p:cNvSpPr>
+            <a:spLocks noGrp="1"/>
+          </p:cNvSpPr>
+          <p:nvPr>
+            <p:ph type="body" idx="1"/>
+          </p:nvPr>
+        </p:nvSpPr>
+        <p:spPr/>
+        <p:txBody>
+          <a:bodyPr/>
+          <a:lstStyle/>
+          <a:p>
+            <a:endParaRPr lang="en-US"/>
+          </a:p>
+        </p:txBody>
+      </p:sp>
+      <p:pic>
+        <p:nvPicPr>
+          <p:cNvPr id="4" name="Picture 3">
+            <a:extLst>
+              <a:ext uri="{FF2B5EF4-FFF2-40B4-BE49-F238E27FC236}">
+                <a16:creationId xmlns:a16="http://schemas.microsoft.com/office/drawing/2014/main" id="{110D4440-B8D8-4591-A9B9-51F831C10D68}"/>
+              </a:ext>
+            </a:extLst>
+          </p:cNvPr>
+          <p:cNvPicPr>
+            <a:picLocks noChangeAspect="1"/>
+          </p:cNvPicPr>
+          <p:nvPr/>
+        </p:nvPicPr>
+        <p:blipFill>
+          <a:blip r:embed="rId2"/>
+          <a:stretch>
+            <a:fillRect/>
+          </a:stretch>
+        </p:blipFill>
+        <p:spPr>
+          <a:xfrm>
+            <a:off x="2043485" y="1338299"/>
+            <a:ext cx="7981384" cy="5206761"/>
+          </a:xfrm>
+          <a:prstGeom prst="rect">
+            <a:avLst/>
+          </a:prstGeom>
+        </p:spPr>
+      </p:pic>
+    </p:spTree>
+    <p:extLst>
+      <p:ext uri="{BB962C8B-B14F-4D97-AF65-F5344CB8AC3E}">
+        <p14:creationId xmlns:p14="http://schemas.microsoft.com/office/powerpoint/2010/main" val="3905362977"/>
+      </p:ext>
+    </p:extLst>
+  </p:cSld>
+  <p:clrMapOvr>
+    <a:masterClrMapping/>
+  </p:clrMapOvr>
+  <p:transition>
+    <p:fade/>
+  </p:transition>
+  <p:timing>
+    <p:tnLst>
+      <p:par>
+        <p:cTn id="1" dur="indefinite" restart="never" nodeType="tmRoot">
+          <p:childTnLst>
+            <p:seq concurrent="1" nextAc="seek">
+              <p:cTn id="2" dur="indefinite" nodeType="mainSeq">
+                <p:childTnLst>
+                  <p:par>
+                    <p:cTn id="3" fill="hold">
+                      <p:stCondLst>
+                        <p:cond delay="indefinite"/>
+                      </p:stCondLst>
+                      <p:childTnLst>
+                        <p:par>
+                          <p:cTn id="4" fill="hold">
+                            <p:stCondLst>
+                              <p:cond delay="0"/>
+                            </p:stCondLst>
+                            <p:childTnLst>
+                              <p:par>
+                                <p:cTn id="5" presetID="10" presetClass="entr" presetSubtype="0" fill="hold" nodeType="clickEffect">
+                                  <p:stCondLst>
+                                    <p:cond delay="0"/>
+                                  </p:stCondLst>
+                                  <p:childTnLst>
+                                    <p:set>
+                                      <p:cBhvr>
+                                        <p:cTn id="6" dur="1" fill="hold">
+                                          <p:stCondLst>
+                                            <p:cond delay="0"/>
+                                          </p:stCondLst>
+                                        </p:cTn>
+                                        <p:tgtEl>
+                                          <p:spTgt spid="4"/>
+                                        </p:tgtEl>
+                                        <p:attrNameLst>
+                                          <p:attrName>style.visibility</p:attrName>
+                                        </p:attrNameLst>
+                                      </p:cBhvr>
+                                      <p:to>
+                                        <p:strVal val="visible"/>
+                                      </p:to>
+                                    </p:set>
+                                    <p:animEffect transition="in" filter="fade">
+                                      <p:cBhvr>
+                                        <p:cTn id="7" dur="500"/>
+                                        <p:tgtEl>
+                                          <p:spTgt spid="4"/>
+                                        </p:tgtEl>
+                                      </p:cBhvr>
+                                    </p:animEffect>
+                                  </p:childTnLst>
+                                </p:cTn>
+                              </p:par>
+                            </p:childTnLst>
+                          </p:cTn>
+                        </p:par>
+                      </p:childTnLst>
+                    </p:cTn>
+                  </p:par>
+                </p:childTnLst>
+              </p:cTn>
+              <p:prevCondLst>
+                <p:cond evt="onPrev" delay="0">
+                  <p:tgtEl>
+                    <p:sldTgt/>
+                  </p:tgtEl>
+                </p:cond>
+              </p:prevCondLst>
+              <p:nextCondLst>
+                <p:cond evt="onNext" delay="0">
+                  <p:tgtEl>
+                    <p:sldTgt/>
+                  </p:tgtEl>
+                </p:cond>
+              </p:nextCondLst>
+            </p:seq>
+          </p:childTnLst>
+        </p:cTn>
+      </p:par>
+    </p:tnLst>
+  </p:timing>
+</p:sld>
+</file>
+
+<file path=ppt/slides/slide7.xml><?xml version="1.0" encoding="utf-8"?>
+<p:sld xmlns:a="http://schemas.openxmlformats.org/drawingml/2006/main" xmlns:r="http://schemas.openxmlformats.org/officeDocument/2006/relationships" xmlns:p="http://schemas.openxmlformats.org/presentationml/2006/main">
+  <p:cSld>
+    <p:spTree>
+      <p:nvGrpSpPr>
+        <p:cNvPr id="1" name=""/>
+        <p:cNvGrpSpPr/>
+        <p:nvPr/>
+      </p:nvGrpSpPr>
+      <p:grpSpPr>
+        <a:xfrm>
+          <a:off x="0" y="0"/>
+          <a:ext cx="0" cy="0"/>
+          <a:chOff x="0" y="0"/>
+          <a:chExt cx="0" cy="0"/>
+        </a:xfrm>
+      </p:grpSpPr>
+      <p:sp>
+        <p:nvSpPr>
+          <p:cNvPr id="2" name="Title 1">
+            <a:extLst>
+              <a:ext uri="{FF2B5EF4-FFF2-40B4-BE49-F238E27FC236}">
+                <a16:creationId xmlns:a16="http://schemas.microsoft.com/office/drawing/2014/main" id="{7749688B-218B-4D3B-B9FD-26637A7F367F}"/>
+              </a:ext>
+            </a:extLst>
+          </p:cNvPr>
+          <p:cNvSpPr>
+            <a:spLocks noGrp="1"/>
+          </p:cNvSpPr>
+          <p:nvPr>
+            <p:ph type="title"/>
+          </p:nvPr>
+        </p:nvSpPr>
+        <p:spPr/>
+        <p:txBody>
+          <a:bodyPr/>
+          <a:lstStyle/>
+          <a:p>
+            <a:r>
+              <a:rPr lang="en-US" dirty="0"/>
+              <a:t>New: </a:t>
+            </a:r>
+            <a:r>
+              <a:rPr lang="en-US" dirty="0" err="1"/>
+              <a:t>gRPC</a:t>
+            </a:r>
+            <a:endParaRPr lang="en-US" dirty="0"/>
+          </a:p>
+        </p:txBody>
+      </p:sp>
+      <p:pic>
+        <p:nvPicPr>
+          <p:cNvPr id="8" name="Picture 7">
+            <a:extLst>
+              <a:ext uri="{FF2B5EF4-FFF2-40B4-BE49-F238E27FC236}">
+                <a16:creationId xmlns:a16="http://schemas.microsoft.com/office/drawing/2014/main" id="{A1AF7EDF-9C0A-40DE-8F84-3A50627F1592}"/>
+              </a:ext>
+            </a:extLst>
+          </p:cNvPr>
+          <p:cNvPicPr>
+            <a:picLocks noChangeAspect="1"/>
+          </p:cNvPicPr>
+          <p:nvPr/>
+        </p:nvPicPr>
+        <p:blipFill>
+          <a:blip r:embed="rId2"/>
+          <a:stretch>
+            <a:fillRect/>
+          </a:stretch>
+        </p:blipFill>
+        <p:spPr>
+          <a:xfrm>
+            <a:off x="2220408" y="1536496"/>
+            <a:ext cx="7751184" cy="3785079"/>
+          </a:xfrm>
+          <a:prstGeom prst="rect">
+            <a:avLst/>
+          </a:prstGeom>
+        </p:spPr>
+      </p:pic>
+    </p:spTree>
+    <p:extLst>
+      <p:ext uri="{BB962C8B-B14F-4D97-AF65-F5344CB8AC3E}">
+        <p14:creationId xmlns:p14="http://schemas.microsoft.com/office/powerpoint/2010/main" val="319583283"/>
+      </p:ext>
+    </p:extLst>
+  </p:cSld>
+  <p:clrMapOvr>
+    <a:masterClrMapping/>
+  </p:clrMapOvr>
+  <p:transition>
+    <p:fade/>
+  </p:transition>
+  <p:timing>
+    <p:tnLst>
+      <p:par>
+        <p:cTn id="1" dur="indefinite" restart="never" nodeType="tmRoot">
+          <p:childTnLst>
+            <p:seq concurrent="1" nextAc="seek">
+              <p:cTn id="2" dur="indefinite" nodeType="mainSeq">
+                <p:childTnLst>
+                  <p:par>
+                    <p:cTn id="3" fill="hold">
+                      <p:stCondLst>
+                        <p:cond delay="indefinite"/>
+                      </p:stCondLst>
+                      <p:childTnLst>
+                        <p:par>
+                          <p:cTn id="4" fill="hold">
+                            <p:stCondLst>
+                              <p:cond delay="0"/>
+                            </p:stCondLst>
+                            <p:childTnLst>
+                              <p:par>
+                                <p:cTn id="5" presetID="10" presetClass="entr" presetSubtype="0" fill="hold" nodeType="clickEffect">
+                                  <p:stCondLst>
+                                    <p:cond delay="0"/>
+                                  </p:stCondLst>
+                                  <p:childTnLst>
+                                    <p:set>
+                                      <p:cBhvr>
+                                        <p:cTn id="6" dur="1" fill="hold">
+                                          <p:stCondLst>
+                                            <p:cond delay="0"/>
+                                          </p:stCondLst>
+                                        </p:cTn>
+                                        <p:tgtEl>
+                                          <p:spTgt spid="8"/>
+                                        </p:tgtEl>
+                                        <p:attrNameLst>
+                                          <p:attrName>style.visibility</p:attrName>
+                                        </p:attrNameLst>
+                                      </p:cBhvr>
+                                      <p:to>
+                                        <p:strVal val="visible"/>
+                                      </p:to>
+                                    </p:set>
+                                    <p:animEffect transition="in" filter="fade">
+                                      <p:cBhvr>
+                                        <p:cTn id="7" dur="500"/>
+                                        <p:tgtEl>
+                                          <p:spTgt spid="8"/>
+                                        </p:tgtEl>
+                                      </p:cBhvr>
+                                    </p:animEffect>
+                                  </p:childTnLst>
+                                </p:cTn>
+                              </p:par>
+                            </p:childTnLst>
+                          </p:cTn>
+                        </p:par>
+                      </p:childTnLst>
+                    </p:cTn>
+                  </p:par>
+                </p:childTnLst>
+              </p:cTn>
+              <p:prevCondLst>
+                <p:cond evt="onPrev" delay="0">
+                  <p:tgtEl>
+                    <p:sldTgt/>
+                  </p:tgtEl>
+                </p:cond>
+              </p:prevCondLst>
+              <p:nextCondLst>
+                <p:cond evt="onNext" delay="0">
+                  <p:tgtEl>
+                    <p:sldTgt/>
+                  </p:tgtEl>
+                </p:cond>
+              </p:nextCondLst>
+            </p:seq>
+          </p:childTnLst>
+        </p:cTn>
+      </p:par>
+    </p:tnLst>
+  </p:timing>
+</p:sld>
+</file>
+
+<file path=ppt/slides/slide8.xml><?xml version="1.0" encoding="utf-8"?>
+<p:sld xmlns:a="http://schemas.openxmlformats.org/drawingml/2006/main" xmlns:r="http://schemas.openxmlformats.org/officeDocument/2006/relationships" xmlns:p="http://schemas.openxmlformats.org/presentationml/2006/main">
+  <p:cSld>
+    <p:spTree>
+      <p:nvGrpSpPr>
+        <p:cNvPr id="1" name=""/>
+        <p:cNvGrpSpPr/>
+        <p:nvPr/>
+      </p:nvGrpSpPr>
+      <p:grpSpPr>
+        <a:xfrm>
+          <a:off x="0" y="0"/>
+          <a:ext cx="0" cy="0"/>
+          <a:chOff x="0" y="0"/>
+          <a:chExt cx="0" cy="0"/>
+        </a:xfrm>
+      </p:grpSpPr>
+      <p:sp>
+        <p:nvSpPr>
+          <p:cNvPr id="2" name="Title 1">
+            <a:extLst>
+              <a:ext uri="{FF2B5EF4-FFF2-40B4-BE49-F238E27FC236}">
+                <a16:creationId xmlns:a16="http://schemas.microsoft.com/office/drawing/2014/main" id="{299038F8-6CF6-434B-81B9-B53C44D70711}"/>
+              </a:ext>
+            </a:extLst>
+          </p:cNvPr>
+          <p:cNvSpPr>
+            <a:spLocks noGrp="1"/>
+          </p:cNvSpPr>
+          <p:nvPr>
+            <p:ph type="title"/>
+          </p:nvPr>
+        </p:nvSpPr>
+        <p:spPr/>
+        <p:txBody>
+          <a:bodyPr/>
+          <a:lstStyle/>
+          <a:p>
+            <a:endParaRPr lang="en-US"/>
+          </a:p>
+        </p:txBody>
+      </p:sp>
+      <p:pic>
+        <p:nvPicPr>
+          <p:cNvPr id="4" name="Picture 3">
+            <a:extLst>
+              <a:ext uri="{FF2B5EF4-FFF2-40B4-BE49-F238E27FC236}">
+                <a16:creationId xmlns:a16="http://schemas.microsoft.com/office/drawing/2014/main" id="{7378308C-00C5-4845-98BD-383F5873E370}"/>
+              </a:ext>
+            </a:extLst>
+          </p:cNvPr>
+          <p:cNvPicPr>
+            <a:picLocks noChangeAspect="1"/>
+          </p:cNvPicPr>
+          <p:nvPr/>
+        </p:nvPicPr>
+        <p:blipFill>
+          <a:blip r:embed="rId2"/>
+          <a:stretch>
+            <a:fillRect/>
+          </a:stretch>
+        </p:blipFill>
+        <p:spPr>
+          <a:xfrm>
+            <a:off x="560086" y="1241015"/>
+            <a:ext cx="5359675" cy="1886047"/>
+          </a:xfrm>
+          <a:prstGeom prst="rect">
+            <a:avLst/>
+          </a:prstGeom>
+        </p:spPr>
+      </p:pic>
+      <p:pic>
+        <p:nvPicPr>
+          <p:cNvPr id="5" name="Picture 4">
+            <a:extLst>
+              <a:ext uri="{FF2B5EF4-FFF2-40B4-BE49-F238E27FC236}">
+                <a16:creationId xmlns:a16="http://schemas.microsoft.com/office/drawing/2014/main" id="{EF98E4CC-3E4E-46CB-9142-4635692B29CD}"/>
+              </a:ext>
+            </a:extLst>
+          </p:cNvPr>
+          <p:cNvPicPr>
+            <a:picLocks noChangeAspect="1"/>
+          </p:cNvPicPr>
+          <p:nvPr/>
+        </p:nvPicPr>
+        <p:blipFill>
+          <a:blip r:embed="rId3"/>
+          <a:stretch>
+            <a:fillRect/>
+          </a:stretch>
+        </p:blipFill>
+        <p:spPr>
+          <a:xfrm>
+            <a:off x="3173245" y="2733938"/>
+            <a:ext cx="5493032" cy="1994002"/>
+          </a:xfrm>
+          <a:prstGeom prst="rect">
+            <a:avLst/>
+          </a:prstGeom>
+        </p:spPr>
+      </p:pic>
+      <p:pic>
+        <p:nvPicPr>
+          <p:cNvPr id="7" name="Picture 6">
+            <a:extLst>
+              <a:ext uri="{FF2B5EF4-FFF2-40B4-BE49-F238E27FC236}">
+                <a16:creationId xmlns:a16="http://schemas.microsoft.com/office/drawing/2014/main" id="{1E045B87-49CB-434F-98A7-1D6B28DEC306}"/>
+              </a:ext>
+            </a:extLst>
+          </p:cNvPr>
+          <p:cNvPicPr>
+            <a:picLocks noChangeAspect="1"/>
+          </p:cNvPicPr>
+          <p:nvPr/>
+        </p:nvPicPr>
+        <p:blipFill>
+          <a:blip r:embed="rId4"/>
+          <a:stretch>
+            <a:fillRect/>
+          </a:stretch>
+        </p:blipFill>
+        <p:spPr>
+          <a:xfrm>
+            <a:off x="5744373" y="4317692"/>
+            <a:ext cx="5442230" cy="2108308"/>
+          </a:xfrm>
+          <a:prstGeom prst="rect">
+            <a:avLst/>
+          </a:prstGeom>
+        </p:spPr>
+      </p:pic>
+    </p:spTree>
+    <p:extLst>
+      <p:ext uri="{BB962C8B-B14F-4D97-AF65-F5344CB8AC3E}">
+        <p14:creationId xmlns:p14="http://schemas.microsoft.com/office/powerpoint/2010/main" val="974525672"/>
+      </p:ext>
+    </p:extLst>
+  </p:cSld>
+  <p:clrMapOvr>
+    <a:masterClrMapping/>
+  </p:clrMapOvr>
+  <p:transition>
+    <p:fade/>
+  </p:transition>
+  <p:timing>
+    <p:tnLst>
+      <p:par>
+        <p:cTn id="1" dur="indefinite" restart="never" nodeType="tmRoot">
+          <p:childTnLst>
+            <p:seq concurrent="1" nextAc="seek">
+              <p:cTn id="2" dur="indefinite" nodeType="mainSeq">
+                <p:childTnLst>
+                  <p:par>
+                    <p:cTn id="3" fill="hold">
+                      <p:stCondLst>
+                        <p:cond delay="indefinite"/>
+                      </p:stCondLst>
+                      <p:childTnLst>
+                        <p:par>
+                          <p:cTn id="4" fill="hold">
+                            <p:stCondLst>
+                              <p:cond delay="0"/>
+                            </p:stCondLst>
+                            <p:childTnLst>
+                              <p:par>
+                                <p:cTn id="5" presetID="2" presetClass="entr" presetSubtype="4" fill="hold" nodeType="clickEffect">
+                                  <p:stCondLst>
+                                    <p:cond delay="0"/>
+                                  </p:stCondLst>
+                                  <p:childTnLst>
+                                    <p:set>
+                                      <p:cBhvr>
+                                        <p:cTn id="6" dur="1" fill="hold">
+                                          <p:stCondLst>
+                                            <p:cond delay="0"/>
+                                          </p:stCondLst>
+                                        </p:cTn>
+                                        <p:tgtEl>
+                                          <p:spTgt spid="4"/>
+                                        </p:tgtEl>
+                                        <p:attrNameLst>
+                                          <p:attrName>style.visibility</p:attrName>
+                                        </p:attrNameLst>
+                                      </p:cBhvr>
+                                      <p:to>
+                                        <p:strVal val="visible"/>
+                                      </p:to>
+                                    </p:set>
+                                    <p:anim calcmode="lin" valueType="num">
+                                      <p:cBhvr additive="base">
+                                        <p:cTn id="7" dur="500" fill="hold"/>
+                                        <p:tgtEl>
+                                          <p:spTgt spid="4"/>
+                                        </p:tgtEl>
+                                        <p:attrNameLst>
+                                          <p:attrName>ppt_x</p:attrName>
+                                        </p:attrNameLst>
+                                      </p:cBhvr>
+                                      <p:tavLst>
+                                        <p:tav tm="0">
+                                          <p:val>
+                                            <p:strVal val="#ppt_x"/>
+                                          </p:val>
+                                        </p:tav>
+                                        <p:tav tm="100000">
+                                          <p:val>
+                                            <p:strVal val="#ppt_x"/>
+                                          </p:val>
+                                        </p:tav>
+                                      </p:tavLst>
+                                    </p:anim>
+                                    <p:anim calcmode="lin" valueType="num">
+                                      <p:cBhvr additive="base">
+                                        <p:cTn id="8" dur="500" fill="hold"/>
+                                        <p:tgtEl>
+                                          <p:spTgt spid="4"/>
+                                        </p:tgtEl>
+                                        <p:attrNameLst>
+                                          <p:attrName>ppt_y</p:attrName>
+                                        </p:attrNameLst>
+                                      </p:cBhvr>
+                                      <p:tavLst>
+                                        <p:tav tm="0">
+                                          <p:val>
+                                            <p:strVal val="1+#ppt_h/2"/>
+                                          </p:val>
+                                        </p:tav>
+                                        <p:tav tm="100000">
+                                          <p:val>
+                                            <p:strVal val="#ppt_y"/>
+                                          </p:val>
+                                        </p:tav>
+                                      </p:tavLst>
+                                    </p:anim>
+                                  </p:childTnLst>
+                                </p:cTn>
+                              </p:par>
+                            </p:childTnLst>
+                          </p:cTn>
+                        </p:par>
+                      </p:childTnLst>
+                    </p:cTn>
+                  </p:par>
+                  <p:par>
+                    <p:cTn id="9" fill="hold">
+                      <p:stCondLst>
+                        <p:cond delay="indefinite"/>
+                      </p:stCondLst>
+                      <p:childTnLst>
+                        <p:par>
+                          <p:cTn id="10" fill="hold">
+                            <p:stCondLst>
+                              <p:cond delay="0"/>
+                            </p:stCondLst>
+                            <p:childTnLst>
+                              <p:par>
+                                <p:cTn id="11" presetID="2" presetClass="entr" presetSubtype="4" fill="hold" nodeType="clickEffect">
+                                  <p:stCondLst>
+                                    <p:cond delay="0"/>
+                                  </p:stCondLst>
+                                  <p:childTnLst>
+                                    <p:set>
+                                      <p:cBhvr>
+                                        <p:cTn id="12" dur="1" fill="hold">
+                                          <p:stCondLst>
+                                            <p:cond delay="0"/>
+                                          </p:stCondLst>
+                                        </p:cTn>
+                                        <p:tgtEl>
+                                          <p:spTgt spid="5"/>
+                                        </p:tgtEl>
+                                        <p:attrNameLst>
+                                          <p:attrName>style.visibility</p:attrName>
+                                        </p:attrNameLst>
+                                      </p:cBhvr>
+                                      <p:to>
+                                        <p:strVal val="visible"/>
+                                      </p:to>
+                                    </p:set>
+                                    <p:anim calcmode="lin" valueType="num">
+                                      <p:cBhvr additive="base">
+                                        <p:cTn id="13" dur="500" fill="hold"/>
+                                        <p:tgtEl>
+                                          <p:spTgt spid="5"/>
+                                        </p:tgtEl>
+                                        <p:attrNameLst>
+                                          <p:attrName>ppt_x</p:attrName>
+                                        </p:attrNameLst>
+                                      </p:cBhvr>
+                                      <p:tavLst>
+                                        <p:tav tm="0">
+                                          <p:val>
+                                            <p:strVal val="#ppt_x"/>
+                                          </p:val>
+                                        </p:tav>
+                                        <p:tav tm="100000">
+                                          <p:val>
+                                            <p:strVal val="#ppt_x"/>
+                                          </p:val>
+                                        </p:tav>
+                                      </p:tavLst>
+                                    </p:anim>
+                                    <p:anim calcmode="lin" valueType="num">
+                                      <p:cBhvr additive="base">
+                                        <p:cTn id="14" dur="500" fill="hold"/>
+                                        <p:tgtEl>
+                                          <p:spTgt spid="5"/>
+                                        </p:tgtEl>
+                                        <p:attrNameLst>
+                                          <p:attrName>ppt_y</p:attrName>
+                                        </p:attrNameLst>
+                                      </p:cBhvr>
+                                      <p:tavLst>
+                                        <p:tav tm="0">
+                                          <p:val>
+                                            <p:strVal val="1+#ppt_h/2"/>
+                                          </p:val>
+                                        </p:tav>
+                                        <p:tav tm="100000">
+                                          <p:val>
+                                            <p:strVal val="#ppt_y"/>
+                                          </p:val>
+                                        </p:tav>
+                                      </p:tavLst>
+                                    </p:anim>
+                                  </p:childTnLst>
+                                </p:cTn>
+                              </p:par>
+                            </p:childTnLst>
+                          </p:cTn>
+                        </p:par>
+                      </p:childTnLst>
+                    </p:cTn>
+                  </p:par>
+                  <p:par>
+                    <p:cTn id="15" fill="hold">
+                      <p:stCondLst>
+                        <p:cond delay="indefinite"/>
+                      </p:stCondLst>
+                      <p:childTnLst>
+                        <p:par>
+                          <p:cTn id="16" fill="hold">
+                            <p:stCondLst>
+                              <p:cond delay="0"/>
+                            </p:stCondLst>
+                            <p:childTnLst>
+                              <p:par>
+                                <p:cTn id="17" presetID="2" presetClass="entr" presetSubtype="4" fill="hold" nodeType="clickEffect">
+                                  <p:stCondLst>
+                                    <p:cond delay="0"/>
+                                  </p:stCondLst>
+                                  <p:childTnLst>
+                                    <p:set>
+                                      <p:cBhvr>
+                                        <p:cTn id="18" dur="1" fill="hold">
+                                          <p:stCondLst>
+                                            <p:cond delay="0"/>
+                                          </p:stCondLst>
+                                        </p:cTn>
+                                        <p:tgtEl>
+                                          <p:spTgt spid="7"/>
+                                        </p:tgtEl>
+                                        <p:attrNameLst>
+                                          <p:attrName>style.visibility</p:attrName>
+                                        </p:attrNameLst>
+                                      </p:cBhvr>
+                                      <p:to>
+                                        <p:strVal val="visible"/>
+                                      </p:to>
+                                    </p:set>
+                                    <p:anim calcmode="lin" valueType="num">
+                                      <p:cBhvr additive="base">
+                                        <p:cTn id="19" dur="500" fill="hold"/>
+                                        <p:tgtEl>
+                                          <p:spTgt spid="7"/>
+                                        </p:tgtEl>
+                                        <p:attrNameLst>
+                                          <p:attrName>ppt_x</p:attrName>
+                                        </p:attrNameLst>
+                                      </p:cBhvr>
+                                      <p:tavLst>
+                                        <p:tav tm="0">
+                                          <p:val>
+                                            <p:strVal val="#ppt_x"/>
+                                          </p:val>
+                                        </p:tav>
+                                        <p:tav tm="100000">
+                                          <p:val>
+                                            <p:strVal val="#ppt_x"/>
+                                          </p:val>
+                                        </p:tav>
+                                      </p:tavLst>
+                                    </p:anim>
+                                    <p:anim calcmode="lin" valueType="num">
+                                      <p:cBhvr additive="base">
+                                        <p:cTn id="20" dur="500" fill="hold"/>
+                                        <p:tgtEl>
+                                          <p:spTgt spid="7"/>
+                                        </p:tgtEl>
+                                        <p:attrNameLst>
+                                          <p:attrName>ppt_y</p:attrName>
+                                        </p:attrNameLst>
+                                      </p:cBhvr>
+                                      <p:tavLst>
+                                        <p:tav tm="0">
+                                          <p:val>
+                                            <p:strVal val="1+#ppt_h/2"/>
+                                          </p:val>
+                                        </p:tav>
+                                        <p:tav tm="100000">
+                                          <p:val>
+                                            <p:strVal val="#ppt_y"/>
+                                          </p:val>
+                                        </p:tav>
+                                      </p:tavLst>
+                                    </p:anim>
+                                  </p:childTnLst>
+                                </p:cTn>
+                              </p:par>
+                            </p:childTnLst>
+                          </p:cTn>
+                        </p:par>
+                      </p:childTnLst>
+                    </p:cTn>
+                  </p:par>
+                </p:childTnLst>
+              </p:cTn>
+              <p:prevCondLst>
+                <p:cond evt="onPrev" delay="0">
+                  <p:tgtEl>
+                    <p:sldTgt/>
+                  </p:tgtEl>
+                </p:cond>
+              </p:prevCondLst>
+              <p:nextCondLst>
+                <p:cond evt="onNext" delay="0">
+                  <p:tgtEl>
+                    <p:sldTgt/>
+                  </p:tgtEl>
+                </p:cond>
+              </p:nextCondLst>
+            </p:seq>
+          </p:childTnLst>
+        </p:cTn>
+      </p:par>
+    </p:tnLst>
+  </p:timing>
+</p:sld>
+</file>
+
+<file path=ppt/slides/slide9.xml><?xml version="1.0" encoding="utf-8"?>
+<p:sld xmlns:a="http://schemas.openxmlformats.org/drawingml/2006/main" xmlns:r="http://schemas.openxmlformats.org/officeDocument/2006/relationships" xmlns:p="http://schemas.openxmlformats.org/presentationml/2006/main">
+  <p:cSld>
+    <p:spTree>
+      <p:nvGrpSpPr>
+        <p:cNvPr id="1" name=""/>
+        <p:cNvGrpSpPr/>
+        <p:nvPr/>
+      </p:nvGrpSpPr>
+      <p:grpSpPr>
+        <a:xfrm>
+          <a:off x="0" y="0"/>
+          <a:ext cx="0" cy="0"/>
+          <a:chOff x="0" y="0"/>
+          <a:chExt cx="0" cy="0"/>
+        </a:xfrm>
+      </p:grpSpPr>
+      <p:sp>
+        <p:nvSpPr>
+          <p:cNvPr id="2" name="Title 1">
+            <a:extLst>
+              <a:ext uri="{FF2B5EF4-FFF2-40B4-BE49-F238E27FC236}">
+                <a16:creationId xmlns:a16="http://schemas.microsoft.com/office/drawing/2014/main" id="{85CDC35F-DEE9-4752-A39A-816C987F0975}"/>
+              </a:ext>
+            </a:extLst>
+          </p:cNvPr>
+          <p:cNvSpPr>
+            <a:spLocks noGrp="1"/>
+          </p:cNvSpPr>
+          <p:nvPr>
+            <p:ph type="title"/>
+          </p:nvPr>
+        </p:nvSpPr>
+        <p:spPr/>
+        <p:txBody>
+          <a:bodyPr/>
+          <a:lstStyle/>
+          <a:p>
+            <a:r>
+              <a:rPr lang="en-US" dirty="0"/>
+              <a:t>Protocol Buffers</a:t>
+            </a:r>
+          </a:p>
+        </p:txBody>
+      </p:sp>
+      <p:pic>
+        <p:nvPicPr>
+          <p:cNvPr id="4" name="Picture 3">
+            <a:extLst>
+              <a:ext uri="{FF2B5EF4-FFF2-40B4-BE49-F238E27FC236}">
+                <a16:creationId xmlns:a16="http://schemas.microsoft.com/office/drawing/2014/main" id="{D227B494-D778-4853-A94B-03EBB031BB78}"/>
+              </a:ext>
+            </a:extLst>
+          </p:cNvPr>
+          <p:cNvPicPr>
+            <a:picLocks noChangeAspect="1"/>
+          </p:cNvPicPr>
+          <p:nvPr/>
+        </p:nvPicPr>
+        <p:blipFill>
+          <a:blip r:embed="rId2"/>
+          <a:stretch>
+            <a:fillRect/>
+          </a:stretch>
+        </p:blipFill>
+        <p:spPr>
+          <a:xfrm>
+            <a:off x="1384058" y="1686317"/>
+            <a:ext cx="9423884" cy="4057859"/>
+          </a:xfrm>
+          <a:prstGeom prst="rect">
+            <a:avLst/>
+          </a:prstGeom>
+        </p:spPr>
+      </p:pic>
+    </p:spTree>
+    <p:extLst>
+      <p:ext uri="{BB962C8B-B14F-4D97-AF65-F5344CB8AC3E}">
+        <p14:creationId xmlns:p14="http://schemas.microsoft.com/office/powerpoint/2010/main" val="887779182"/>
+      </p:ext>
+    </p:extLst>
+  </p:cSld>
+  <p:clrMapOvr>
+    <a:masterClrMapping/>
+  </p:clrMapOvr>
+  <p:transition>
+    <p:fade/>
+  </p:transition>
+  <p:timing>
+    <p:tnLst>
+      <p:par>
+        <p:cTn id="1" dur="indefinite" restart="never" nodeType="tmRoot">
+          <p:childTnLst>
+            <p:seq concurrent="1" nextAc="seek">
+              <p:cTn id="2" dur="indefinite" nodeType="mainSeq">
+                <p:childTnLst>
+                  <p:par>
+                    <p:cTn id="3" fill="hold">
+                      <p:stCondLst>
+                        <p:cond delay="indefinite"/>
+                      </p:stCondLst>
+                      <p:childTnLst>
+                        <p:par>
+                          <p:cTn id="4" fill="hold">
+                            <p:stCondLst>
+                              <p:cond delay="0"/>
+                            </p:stCondLst>
+                            <p:childTnLst>
+                              <p:par>
+                                <p:cTn id="5" presetID="10" presetClass="entr" presetSubtype="0" fill="hold" nodeType="clickEffect">
+                                  <p:stCondLst>
+                                    <p:cond delay="0"/>
+                                  </p:stCondLst>
+                                  <p:childTnLst>
+                                    <p:set>
+                                      <p:cBhvr>
+                                        <p:cTn id="6" dur="1" fill="hold">
+                                          <p:stCondLst>
+                                            <p:cond delay="0"/>
+                                          </p:stCondLst>
+                                        </p:cTn>
+                                        <p:tgtEl>
+                                          <p:spTgt spid="4"/>
+                                        </p:tgtEl>
+                                        <p:attrNameLst>
+                                          <p:attrName>style.visibility</p:attrName>
+                                        </p:attrNameLst>
+                                      </p:cBhvr>
+                                      <p:to>
+                                        <p:strVal val="visible"/>
+                                      </p:to>
+                                    </p:set>
+                                    <p:animEffect transition="in" filter="fade">
+                                      <p:cBhvr>
+                                        <p:cTn id="7" dur="500"/>
+                                        <p:tgtEl>
+                                          <p:spTgt spid="4"/>
+                                        </p:tgtEl>
+                                      </p:cBhvr>
+                                    </p:animEffect>
+                                  </p:childTnLst>
+                                </p:cTn>
+                              </p:par>
+                            </p:childTnLst>
+                          </p:cTn>
+                        </p:par>
+                      </p:childTnLst>
+                    </p:cTn>
+                  </p:par>
+                </p:childTnLst>
+              </p:cTn>
+              <p:prevCondLst>
+                <p:cond evt="onPrev" delay="0">
+                  <p:tgtEl>
+                    <p:sldTgt/>
+                  </p:tgtEl>
+                </p:cond>
+              </p:prevCondLst>
+              <p:nextCondLst>
+                <p:cond evt="onNext" delay="0">
+                  <p:tgtEl>
+                    <p:sldTgt/>
+                  </p:tgtEl>
+                </p:cond>
+              </p:nextCondLst>
+            </p:seq>
+          </p:childTnLst>
+        </p:cTn>
+      </p:par>
+    </p:tnLst>
+  </p:timing>
 </p:sld>
 </file>
 

--- a/presentations/aspnetcore3-whatsnew/aspnetcore3-whatsnew.pptx
+++ b/presentations/aspnetcore3-whatsnew/aspnetcore3-whatsnew.pptx
@@ -5,10 +5,10 @@
     <p:sldMasterId id="2147483648" r:id="rId4"/>
   </p:sldMasterIdLst>
   <p:notesMasterIdLst>
-    <p:notesMasterId r:id="rId28"/>
+    <p:notesMasterId r:id="rId32"/>
   </p:notesMasterIdLst>
   <p:handoutMasterIdLst>
-    <p:handoutMasterId r:id="rId29"/>
+    <p:handoutMasterId r:id="rId33"/>
   </p:handoutMasterIdLst>
   <p:sldIdLst>
     <p:sldId id="332" r:id="rId5"/>
@@ -33,7 +33,11 @@
     <p:sldId id="351" r:id="rId24"/>
     <p:sldId id="352" r:id="rId25"/>
     <p:sldId id="353" r:id="rId26"/>
-    <p:sldId id="354" r:id="rId27"/>
+    <p:sldId id="355" r:id="rId27"/>
+    <p:sldId id="356" r:id="rId28"/>
+    <p:sldId id="358" r:id="rId29"/>
+    <p:sldId id="357" r:id="rId30"/>
+    <p:sldId id="354" r:id="rId31"/>
   </p:sldIdLst>
   <p:sldSz cx="12192000" cy="6858000"/>
   <p:notesSz cx="6858000" cy="9144000"/>
@@ -159,6 +163,10 @@
             <p14:sldId id="351"/>
             <p14:sldId id="352"/>
             <p14:sldId id="353"/>
+            <p14:sldId id="355"/>
+            <p14:sldId id="356"/>
+            <p14:sldId id="358"/>
+            <p14:sldId id="357"/>
             <p14:sldId id="354"/>
           </p14:sldIdLst>
         </p14:section>
@@ -268,7 +276,7 @@
           <a:p>
             <a:fld id="{EF1077DB-935E-4A0A-947A-D283B9F9F452}" type="datetimeFigureOut">
               <a:rPr lang="en-US" smtClean="0"/>
-              <a:t>9/17/2019</a:t>
+              <a:t>9/24/2019</a:t>
             </a:fld>
             <a:endParaRPr lang="en-US"/>
           </a:p>
@@ -445,7 +453,7 @@
           <a:p>
             <a:fld id="{2D9EC30E-1A71-4188-9BE7-E2A64929A436}" type="datetimeFigureOut">
               <a:rPr lang="en-US" noProof="0" smtClean="0"/>
-              <a:t>9/17/2019</a:t>
+              <a:t>9/24/2019</a:t>
             </a:fld>
             <a:endParaRPr lang="en-US" noProof="0"/>
           </a:p>
@@ -22522,6 +22530,757 @@
 </file>
 
 <file path=ppt/slides/slide23.xml><?xml version="1.0" encoding="utf-8"?>
+<p:sld xmlns:a="http://schemas.openxmlformats.org/drawingml/2006/main" xmlns:r="http://schemas.openxmlformats.org/officeDocument/2006/relationships" xmlns:p="http://schemas.openxmlformats.org/presentationml/2006/main">
+  <p:cSld>
+    <p:spTree>
+      <p:nvGrpSpPr>
+        <p:cNvPr id="1" name=""/>
+        <p:cNvGrpSpPr/>
+        <p:nvPr/>
+      </p:nvGrpSpPr>
+      <p:grpSpPr>
+        <a:xfrm>
+          <a:off x="0" y="0"/>
+          <a:ext cx="0" cy="0"/>
+          <a:chOff x="0" y="0"/>
+          <a:chExt cx="0" cy="0"/>
+        </a:xfrm>
+      </p:grpSpPr>
+      <p:sp>
+        <p:nvSpPr>
+          <p:cNvPr id="2" name="Title 1">
+            <a:extLst>
+              <a:ext uri="{FF2B5EF4-FFF2-40B4-BE49-F238E27FC236}">
+                <a16:creationId xmlns:a16="http://schemas.microsoft.com/office/drawing/2014/main" id="{0D7B7569-24F7-4EE2-A127-1491E2E1BFA0}"/>
+              </a:ext>
+            </a:extLst>
+          </p:cNvPr>
+          <p:cNvSpPr>
+            <a:spLocks noGrp="1"/>
+          </p:cNvSpPr>
+          <p:nvPr>
+            <p:ph type="title"/>
+          </p:nvPr>
+        </p:nvSpPr>
+        <p:spPr/>
+        <p:txBody>
+          <a:bodyPr/>
+          <a:lstStyle/>
+          <a:p>
+            <a:r>
+              <a:rPr lang="en-US" dirty="0"/>
+              <a:t>Publishing - </a:t>
+            </a:r>
+            <a:r>
+              <a:rPr lang="en-US" dirty="0" err="1"/>
+              <a:t>SingleFileExecutable</a:t>
+            </a:r>
+            <a:endParaRPr lang="en-US" dirty="0"/>
+          </a:p>
+        </p:txBody>
+      </p:sp>
+      <p:sp>
+        <p:nvSpPr>
+          <p:cNvPr id="3" name="Text Placeholder 2">
+            <a:extLst>
+              <a:ext uri="{FF2B5EF4-FFF2-40B4-BE49-F238E27FC236}">
+                <a16:creationId xmlns:a16="http://schemas.microsoft.com/office/drawing/2014/main" id="{CD2958BF-FDD0-456B-B3FD-860BF1ADD273}"/>
+              </a:ext>
+            </a:extLst>
+          </p:cNvPr>
+          <p:cNvSpPr>
+            <a:spLocks noGrp="1"/>
+          </p:cNvSpPr>
+          <p:nvPr>
+            <p:ph type="body" idx="1"/>
+          </p:nvPr>
+        </p:nvSpPr>
+        <p:spPr/>
+        <p:txBody>
+          <a:bodyPr/>
+          <a:lstStyle/>
+          <a:p>
+            <a:endParaRPr lang="en-US"/>
+          </a:p>
+        </p:txBody>
+      </p:sp>
+      <p:pic>
+        <p:nvPicPr>
+          <p:cNvPr id="5" name="Picture 4">
+            <a:extLst>
+              <a:ext uri="{FF2B5EF4-FFF2-40B4-BE49-F238E27FC236}">
+                <a16:creationId xmlns:a16="http://schemas.microsoft.com/office/drawing/2014/main" id="{42E1AFFA-2FC5-43FD-AA5E-C3D25F23BD2B}"/>
+              </a:ext>
+            </a:extLst>
+          </p:cNvPr>
+          <p:cNvPicPr>
+            <a:picLocks noChangeAspect="1"/>
+          </p:cNvPicPr>
+          <p:nvPr/>
+        </p:nvPicPr>
+        <p:blipFill>
+          <a:blip r:embed="rId2"/>
+          <a:stretch>
+            <a:fillRect/>
+          </a:stretch>
+        </p:blipFill>
+        <p:spPr>
+          <a:xfrm>
+            <a:off x="717870" y="2409986"/>
+            <a:ext cx="9902737" cy="1876308"/>
+          </a:xfrm>
+          <a:prstGeom prst="rect">
+            <a:avLst/>
+          </a:prstGeom>
+        </p:spPr>
+      </p:pic>
+    </p:spTree>
+    <p:extLst>
+      <p:ext uri="{BB962C8B-B14F-4D97-AF65-F5344CB8AC3E}">
+        <p14:creationId xmlns:p14="http://schemas.microsoft.com/office/powerpoint/2010/main" val="2462264455"/>
+      </p:ext>
+    </p:extLst>
+  </p:cSld>
+  <p:clrMapOvr>
+    <a:masterClrMapping/>
+  </p:clrMapOvr>
+  <p:transition>
+    <p:fade/>
+  </p:transition>
+</p:sld>
+</file>
+
+<file path=ppt/slides/slide24.xml><?xml version="1.0" encoding="utf-8"?>
+<p:sld xmlns:a="http://schemas.openxmlformats.org/drawingml/2006/main" xmlns:r="http://schemas.openxmlformats.org/officeDocument/2006/relationships" xmlns:p="http://schemas.openxmlformats.org/presentationml/2006/main">
+  <p:cSld>
+    <p:spTree>
+      <p:nvGrpSpPr>
+        <p:cNvPr id="1" name=""/>
+        <p:cNvGrpSpPr/>
+        <p:nvPr/>
+      </p:nvGrpSpPr>
+      <p:grpSpPr>
+        <a:xfrm>
+          <a:off x="0" y="0"/>
+          <a:ext cx="0" cy="0"/>
+          <a:chOff x="0" y="0"/>
+          <a:chExt cx="0" cy="0"/>
+        </a:xfrm>
+      </p:grpSpPr>
+      <p:sp>
+        <p:nvSpPr>
+          <p:cNvPr id="2" name="Title 1">
+            <a:extLst>
+              <a:ext uri="{FF2B5EF4-FFF2-40B4-BE49-F238E27FC236}">
+                <a16:creationId xmlns:a16="http://schemas.microsoft.com/office/drawing/2014/main" id="{13894369-8CC7-4652-8F49-03E62C05B31D}"/>
+              </a:ext>
+            </a:extLst>
+          </p:cNvPr>
+          <p:cNvSpPr>
+            <a:spLocks noGrp="1"/>
+          </p:cNvSpPr>
+          <p:nvPr>
+            <p:ph type="title"/>
+          </p:nvPr>
+        </p:nvSpPr>
+        <p:spPr/>
+        <p:txBody>
+          <a:bodyPr/>
+          <a:lstStyle/>
+          <a:p>
+            <a:r>
+              <a:rPr lang="en-US" dirty="0"/>
+              <a:t>Publish – Linking and Trimming</a:t>
+            </a:r>
+          </a:p>
+        </p:txBody>
+      </p:sp>
+      <p:pic>
+        <p:nvPicPr>
+          <p:cNvPr id="6" name="Picture 5">
+            <a:extLst>
+              <a:ext uri="{FF2B5EF4-FFF2-40B4-BE49-F238E27FC236}">
+                <a16:creationId xmlns:a16="http://schemas.microsoft.com/office/drawing/2014/main" id="{CB7EF559-D9BC-4FFD-8F4A-22467E90BD35}"/>
+              </a:ext>
+            </a:extLst>
+          </p:cNvPr>
+          <p:cNvPicPr>
+            <a:picLocks noChangeAspect="1"/>
+          </p:cNvPicPr>
+          <p:nvPr/>
+        </p:nvPicPr>
+        <p:blipFill>
+          <a:blip r:embed="rId2"/>
+          <a:stretch>
+            <a:fillRect/>
+          </a:stretch>
+        </p:blipFill>
+        <p:spPr>
+          <a:xfrm>
+            <a:off x="1645194" y="1580434"/>
+            <a:ext cx="5993803" cy="1254309"/>
+          </a:xfrm>
+          <a:prstGeom prst="rect">
+            <a:avLst/>
+          </a:prstGeom>
+        </p:spPr>
+      </p:pic>
+      <p:pic>
+        <p:nvPicPr>
+          <p:cNvPr id="7" name="Picture 6">
+            <a:extLst>
+              <a:ext uri="{FF2B5EF4-FFF2-40B4-BE49-F238E27FC236}">
+                <a16:creationId xmlns:a16="http://schemas.microsoft.com/office/drawing/2014/main" id="{41606C28-5304-44F6-B024-D58BC015BF75}"/>
+              </a:ext>
+            </a:extLst>
+          </p:cNvPr>
+          <p:cNvPicPr>
+            <a:picLocks noChangeAspect="1"/>
+          </p:cNvPicPr>
+          <p:nvPr/>
+        </p:nvPicPr>
+        <p:blipFill>
+          <a:blip r:embed="rId3"/>
+          <a:stretch>
+            <a:fillRect/>
+          </a:stretch>
+        </p:blipFill>
+        <p:spPr>
+          <a:xfrm>
+            <a:off x="751668" y="3551177"/>
+            <a:ext cx="8102132" cy="1535141"/>
+          </a:xfrm>
+          <a:prstGeom prst="rect">
+            <a:avLst/>
+          </a:prstGeom>
+        </p:spPr>
+      </p:pic>
+    </p:spTree>
+    <p:extLst>
+      <p:ext uri="{BB962C8B-B14F-4D97-AF65-F5344CB8AC3E}">
+        <p14:creationId xmlns:p14="http://schemas.microsoft.com/office/powerpoint/2010/main" val="1419085546"/>
+      </p:ext>
+    </p:extLst>
+  </p:cSld>
+  <p:clrMapOvr>
+    <a:masterClrMapping/>
+  </p:clrMapOvr>
+  <p:transition>
+    <p:fade/>
+  </p:transition>
+  <p:timing>
+    <p:tnLst>
+      <p:par>
+        <p:cTn id="1" dur="indefinite" restart="never" nodeType="tmRoot">
+          <p:childTnLst>
+            <p:seq concurrent="1" nextAc="seek">
+              <p:cTn id="2" dur="indefinite" nodeType="mainSeq">
+                <p:childTnLst>
+                  <p:par>
+                    <p:cTn id="3" fill="hold">
+                      <p:stCondLst>
+                        <p:cond delay="indefinite"/>
+                      </p:stCondLst>
+                      <p:childTnLst>
+                        <p:par>
+                          <p:cTn id="4" fill="hold">
+                            <p:stCondLst>
+                              <p:cond delay="0"/>
+                            </p:stCondLst>
+                            <p:childTnLst>
+                              <p:par>
+                                <p:cTn id="5" presetID="10" presetClass="entr" presetSubtype="0" fill="hold" nodeType="clickEffect">
+                                  <p:stCondLst>
+                                    <p:cond delay="0"/>
+                                  </p:stCondLst>
+                                  <p:childTnLst>
+                                    <p:set>
+                                      <p:cBhvr>
+                                        <p:cTn id="6" dur="1" fill="hold">
+                                          <p:stCondLst>
+                                            <p:cond delay="0"/>
+                                          </p:stCondLst>
+                                        </p:cTn>
+                                        <p:tgtEl>
+                                          <p:spTgt spid="7"/>
+                                        </p:tgtEl>
+                                        <p:attrNameLst>
+                                          <p:attrName>style.visibility</p:attrName>
+                                        </p:attrNameLst>
+                                      </p:cBhvr>
+                                      <p:to>
+                                        <p:strVal val="visible"/>
+                                      </p:to>
+                                    </p:set>
+                                    <p:animEffect transition="in" filter="fade">
+                                      <p:cBhvr>
+                                        <p:cTn id="7" dur="500"/>
+                                        <p:tgtEl>
+                                          <p:spTgt spid="7"/>
+                                        </p:tgtEl>
+                                      </p:cBhvr>
+                                    </p:animEffect>
+                                  </p:childTnLst>
+                                </p:cTn>
+                              </p:par>
+                            </p:childTnLst>
+                          </p:cTn>
+                        </p:par>
+                      </p:childTnLst>
+                    </p:cTn>
+                  </p:par>
+                  <p:par>
+                    <p:cTn id="8" fill="hold">
+                      <p:stCondLst>
+                        <p:cond delay="indefinite"/>
+                      </p:stCondLst>
+                      <p:childTnLst>
+                        <p:par>
+                          <p:cTn id="9" fill="hold">
+                            <p:stCondLst>
+                              <p:cond delay="0"/>
+                            </p:stCondLst>
+                            <p:childTnLst>
+                              <p:par>
+                                <p:cTn id="10" presetID="10" presetClass="entr" presetSubtype="0" fill="hold" nodeType="clickEffect">
+                                  <p:stCondLst>
+                                    <p:cond delay="0"/>
+                                  </p:stCondLst>
+                                  <p:childTnLst>
+                                    <p:set>
+                                      <p:cBhvr>
+                                        <p:cTn id="11" dur="1" fill="hold">
+                                          <p:stCondLst>
+                                            <p:cond delay="0"/>
+                                          </p:stCondLst>
+                                        </p:cTn>
+                                        <p:tgtEl>
+                                          <p:spTgt spid="6"/>
+                                        </p:tgtEl>
+                                        <p:attrNameLst>
+                                          <p:attrName>style.visibility</p:attrName>
+                                        </p:attrNameLst>
+                                      </p:cBhvr>
+                                      <p:to>
+                                        <p:strVal val="visible"/>
+                                      </p:to>
+                                    </p:set>
+                                    <p:animEffect transition="in" filter="fade">
+                                      <p:cBhvr>
+                                        <p:cTn id="12" dur="500"/>
+                                        <p:tgtEl>
+                                          <p:spTgt spid="6"/>
+                                        </p:tgtEl>
+                                      </p:cBhvr>
+                                    </p:animEffect>
+                                  </p:childTnLst>
+                                </p:cTn>
+                              </p:par>
+                            </p:childTnLst>
+                          </p:cTn>
+                        </p:par>
+                      </p:childTnLst>
+                    </p:cTn>
+                  </p:par>
+                </p:childTnLst>
+              </p:cTn>
+              <p:prevCondLst>
+                <p:cond evt="onPrev" delay="0">
+                  <p:tgtEl>
+                    <p:sldTgt/>
+                  </p:tgtEl>
+                </p:cond>
+              </p:prevCondLst>
+              <p:nextCondLst>
+                <p:cond evt="onNext" delay="0">
+                  <p:tgtEl>
+                    <p:sldTgt/>
+                  </p:tgtEl>
+                </p:cond>
+              </p:nextCondLst>
+            </p:seq>
+          </p:childTnLst>
+        </p:cTn>
+      </p:par>
+    </p:tnLst>
+  </p:timing>
+</p:sld>
+</file>
+
+<file path=ppt/slides/slide25.xml><?xml version="1.0" encoding="utf-8"?>
+<p:sld xmlns:a="http://schemas.openxmlformats.org/drawingml/2006/main" xmlns:r="http://schemas.openxmlformats.org/officeDocument/2006/relationships" xmlns:p="http://schemas.openxmlformats.org/presentationml/2006/main">
+  <p:cSld>
+    <p:spTree>
+      <p:nvGrpSpPr>
+        <p:cNvPr id="1" name=""/>
+        <p:cNvGrpSpPr/>
+        <p:nvPr/>
+      </p:nvGrpSpPr>
+      <p:grpSpPr>
+        <a:xfrm>
+          <a:off x="0" y="0"/>
+          <a:ext cx="0" cy="0"/>
+          <a:chOff x="0" y="0"/>
+          <a:chExt cx="0" cy="0"/>
+        </a:xfrm>
+      </p:grpSpPr>
+      <p:sp>
+        <p:nvSpPr>
+          <p:cNvPr id="2" name="Title 1">
+            <a:extLst>
+              <a:ext uri="{FF2B5EF4-FFF2-40B4-BE49-F238E27FC236}">
+                <a16:creationId xmlns:a16="http://schemas.microsoft.com/office/drawing/2014/main" id="{29C4C00C-140D-4F06-ACBB-732B625DD71D}"/>
+              </a:ext>
+            </a:extLst>
+          </p:cNvPr>
+          <p:cNvSpPr>
+            <a:spLocks noGrp="1"/>
+          </p:cNvSpPr>
+          <p:nvPr>
+            <p:ph type="title"/>
+          </p:nvPr>
+        </p:nvSpPr>
+        <p:spPr/>
+        <p:txBody>
+          <a:bodyPr/>
+          <a:lstStyle/>
+          <a:p>
+            <a:r>
+              <a:rPr lang="en-US" dirty="0"/>
+              <a:t>Runtime – Tiered Compilation</a:t>
+            </a:r>
+          </a:p>
+        </p:txBody>
+      </p:sp>
+      <p:sp>
+        <p:nvSpPr>
+          <p:cNvPr id="3" name="Text Placeholder 2">
+            <a:extLst>
+              <a:ext uri="{FF2B5EF4-FFF2-40B4-BE49-F238E27FC236}">
+                <a16:creationId xmlns:a16="http://schemas.microsoft.com/office/drawing/2014/main" id="{F28F370D-E0A0-48FE-A81D-81B1CEBCD0CF}"/>
+              </a:ext>
+            </a:extLst>
+          </p:cNvPr>
+          <p:cNvSpPr>
+            <a:spLocks noGrp="1"/>
+          </p:cNvSpPr>
+          <p:nvPr>
+            <p:ph type="body" idx="1"/>
+          </p:nvPr>
+        </p:nvSpPr>
+        <p:spPr/>
+        <p:txBody>
+          <a:bodyPr/>
+          <a:lstStyle/>
+          <a:p>
+            <a:endParaRPr lang="en-US"/>
+          </a:p>
+        </p:txBody>
+      </p:sp>
+      <p:pic>
+        <p:nvPicPr>
+          <p:cNvPr id="5" name="Picture 4">
+            <a:extLst>
+              <a:ext uri="{FF2B5EF4-FFF2-40B4-BE49-F238E27FC236}">
+                <a16:creationId xmlns:a16="http://schemas.microsoft.com/office/drawing/2014/main" id="{76943ACB-170A-473C-81CE-12DBA3031014}"/>
+              </a:ext>
+            </a:extLst>
+          </p:cNvPr>
+          <p:cNvPicPr>
+            <a:picLocks noChangeAspect="1"/>
+          </p:cNvPicPr>
+          <p:nvPr/>
+        </p:nvPicPr>
+        <p:blipFill>
+          <a:blip r:embed="rId2"/>
+          <a:stretch>
+            <a:fillRect/>
+          </a:stretch>
+        </p:blipFill>
+        <p:spPr>
+          <a:xfrm>
+            <a:off x="432000" y="1252570"/>
+            <a:ext cx="5894031" cy="2815735"/>
+          </a:xfrm>
+          <a:prstGeom prst="rect">
+            <a:avLst/>
+          </a:prstGeom>
+        </p:spPr>
+      </p:pic>
+      <p:pic>
+        <p:nvPicPr>
+          <p:cNvPr id="7" name="Picture 6" descr="A screenshot of a cell phone&#10;&#10;Description automatically generated">
+            <a:extLst>
+              <a:ext uri="{FF2B5EF4-FFF2-40B4-BE49-F238E27FC236}">
+                <a16:creationId xmlns:a16="http://schemas.microsoft.com/office/drawing/2014/main" id="{0AEE4073-5C3A-457A-A70C-3E35DF5B5F78}"/>
+              </a:ext>
+            </a:extLst>
+          </p:cNvPr>
+          <p:cNvPicPr>
+            <a:picLocks noChangeAspect="1"/>
+          </p:cNvPicPr>
+          <p:nvPr/>
+        </p:nvPicPr>
+        <p:blipFill>
+          <a:blip r:embed="rId3"/>
+          <a:stretch>
+            <a:fillRect/>
+          </a:stretch>
+        </p:blipFill>
+        <p:spPr>
+          <a:xfrm>
+            <a:off x="3719593" y="3102883"/>
+            <a:ext cx="5650313" cy="2707984"/>
+          </a:xfrm>
+          <a:prstGeom prst="rect">
+            <a:avLst/>
+          </a:prstGeom>
+        </p:spPr>
+      </p:pic>
+    </p:spTree>
+    <p:extLst>
+      <p:ext uri="{BB962C8B-B14F-4D97-AF65-F5344CB8AC3E}">
+        <p14:creationId xmlns:p14="http://schemas.microsoft.com/office/powerpoint/2010/main" val="1479872905"/>
+      </p:ext>
+    </p:extLst>
+  </p:cSld>
+  <p:clrMapOvr>
+    <a:masterClrMapping/>
+  </p:clrMapOvr>
+  <p:transition>
+    <p:fade/>
+  </p:transition>
+  <p:timing>
+    <p:tnLst>
+      <p:par>
+        <p:cTn id="1" dur="indefinite" restart="never" nodeType="tmRoot">
+          <p:childTnLst>
+            <p:seq concurrent="1" nextAc="seek">
+              <p:cTn id="2" dur="indefinite" nodeType="mainSeq">
+                <p:childTnLst>
+                  <p:par>
+                    <p:cTn id="3" fill="hold">
+                      <p:stCondLst>
+                        <p:cond delay="indefinite"/>
+                      </p:stCondLst>
+                      <p:childTnLst>
+                        <p:par>
+                          <p:cTn id="4" fill="hold">
+                            <p:stCondLst>
+                              <p:cond delay="0"/>
+                            </p:stCondLst>
+                            <p:childTnLst>
+                              <p:par>
+                                <p:cTn id="5" presetID="10" presetClass="entr" presetSubtype="0" fill="hold" nodeType="clickEffect">
+                                  <p:stCondLst>
+                                    <p:cond delay="0"/>
+                                  </p:stCondLst>
+                                  <p:childTnLst>
+                                    <p:set>
+                                      <p:cBhvr>
+                                        <p:cTn id="6" dur="1" fill="hold">
+                                          <p:stCondLst>
+                                            <p:cond delay="0"/>
+                                          </p:stCondLst>
+                                        </p:cTn>
+                                        <p:tgtEl>
+                                          <p:spTgt spid="5"/>
+                                        </p:tgtEl>
+                                        <p:attrNameLst>
+                                          <p:attrName>style.visibility</p:attrName>
+                                        </p:attrNameLst>
+                                      </p:cBhvr>
+                                      <p:to>
+                                        <p:strVal val="visible"/>
+                                      </p:to>
+                                    </p:set>
+                                    <p:animEffect transition="in" filter="fade">
+                                      <p:cBhvr>
+                                        <p:cTn id="7" dur="500"/>
+                                        <p:tgtEl>
+                                          <p:spTgt spid="5"/>
+                                        </p:tgtEl>
+                                      </p:cBhvr>
+                                    </p:animEffect>
+                                  </p:childTnLst>
+                                </p:cTn>
+                              </p:par>
+                            </p:childTnLst>
+                          </p:cTn>
+                        </p:par>
+                      </p:childTnLst>
+                    </p:cTn>
+                  </p:par>
+                  <p:par>
+                    <p:cTn id="8" fill="hold">
+                      <p:stCondLst>
+                        <p:cond delay="indefinite"/>
+                      </p:stCondLst>
+                      <p:childTnLst>
+                        <p:par>
+                          <p:cTn id="9" fill="hold">
+                            <p:stCondLst>
+                              <p:cond delay="0"/>
+                            </p:stCondLst>
+                            <p:childTnLst>
+                              <p:par>
+                                <p:cTn id="10" presetID="10" presetClass="entr" presetSubtype="0" fill="hold" nodeType="clickEffect">
+                                  <p:stCondLst>
+                                    <p:cond delay="0"/>
+                                  </p:stCondLst>
+                                  <p:childTnLst>
+                                    <p:set>
+                                      <p:cBhvr>
+                                        <p:cTn id="11" dur="1" fill="hold">
+                                          <p:stCondLst>
+                                            <p:cond delay="0"/>
+                                          </p:stCondLst>
+                                        </p:cTn>
+                                        <p:tgtEl>
+                                          <p:spTgt spid="7"/>
+                                        </p:tgtEl>
+                                        <p:attrNameLst>
+                                          <p:attrName>style.visibility</p:attrName>
+                                        </p:attrNameLst>
+                                      </p:cBhvr>
+                                      <p:to>
+                                        <p:strVal val="visible"/>
+                                      </p:to>
+                                    </p:set>
+                                    <p:animEffect transition="in" filter="fade">
+                                      <p:cBhvr>
+                                        <p:cTn id="12" dur="500"/>
+                                        <p:tgtEl>
+                                          <p:spTgt spid="7"/>
+                                        </p:tgtEl>
+                                      </p:cBhvr>
+                                    </p:animEffect>
+                                  </p:childTnLst>
+                                </p:cTn>
+                              </p:par>
+                            </p:childTnLst>
+                          </p:cTn>
+                        </p:par>
+                      </p:childTnLst>
+                    </p:cTn>
+                  </p:par>
+                </p:childTnLst>
+              </p:cTn>
+              <p:prevCondLst>
+                <p:cond evt="onPrev" delay="0">
+                  <p:tgtEl>
+                    <p:sldTgt/>
+                  </p:tgtEl>
+                </p:cond>
+              </p:prevCondLst>
+              <p:nextCondLst>
+                <p:cond evt="onNext" delay="0">
+                  <p:tgtEl>
+                    <p:sldTgt/>
+                  </p:tgtEl>
+                </p:cond>
+              </p:nextCondLst>
+            </p:seq>
+          </p:childTnLst>
+        </p:cTn>
+      </p:par>
+    </p:tnLst>
+  </p:timing>
+</p:sld>
+</file>
+
+<file path=ppt/slides/slide26.xml><?xml version="1.0" encoding="utf-8"?>
+<p:sld xmlns:a="http://schemas.openxmlformats.org/drawingml/2006/main" xmlns:r="http://schemas.openxmlformats.org/officeDocument/2006/relationships" xmlns:p="http://schemas.openxmlformats.org/presentationml/2006/main">
+  <p:cSld>
+    <p:spTree>
+      <p:nvGrpSpPr>
+        <p:cNvPr id="1" name=""/>
+        <p:cNvGrpSpPr/>
+        <p:nvPr/>
+      </p:nvGrpSpPr>
+      <p:grpSpPr>
+        <a:xfrm>
+          <a:off x="0" y="0"/>
+          <a:ext cx="0" cy="0"/>
+          <a:chOff x="0" y="0"/>
+          <a:chExt cx="0" cy="0"/>
+        </a:xfrm>
+      </p:grpSpPr>
+      <p:sp>
+        <p:nvSpPr>
+          <p:cNvPr id="2" name="Title 1">
+            <a:extLst>
+              <a:ext uri="{FF2B5EF4-FFF2-40B4-BE49-F238E27FC236}">
+                <a16:creationId xmlns:a16="http://schemas.microsoft.com/office/drawing/2014/main" id="{3EA8A52D-20FC-4197-BD67-DC0D8D83EF47}"/>
+              </a:ext>
+            </a:extLst>
+          </p:cNvPr>
+          <p:cNvSpPr>
+            <a:spLocks noGrp="1"/>
+          </p:cNvSpPr>
+          <p:nvPr>
+            <p:ph type="title"/>
+          </p:nvPr>
+        </p:nvSpPr>
+        <p:spPr/>
+        <p:txBody>
+          <a:bodyPr/>
+          <a:lstStyle/>
+          <a:p>
+            <a:r>
+              <a:rPr lang="en-US" dirty="0"/>
+              <a:t>Publish – Ready to Run</a:t>
+            </a:r>
+          </a:p>
+        </p:txBody>
+      </p:sp>
+      <p:pic>
+        <p:nvPicPr>
+          <p:cNvPr id="5" name="Picture 4">
+            <a:extLst>
+              <a:ext uri="{FF2B5EF4-FFF2-40B4-BE49-F238E27FC236}">
+                <a16:creationId xmlns:a16="http://schemas.microsoft.com/office/drawing/2014/main" id="{E9C3D7B8-C41D-4A04-B41A-AE1C34141520}"/>
+              </a:ext>
+            </a:extLst>
+          </p:cNvPr>
+          <p:cNvPicPr>
+            <a:picLocks noChangeAspect="1"/>
+          </p:cNvPicPr>
+          <p:nvPr/>
+        </p:nvPicPr>
+        <p:blipFill>
+          <a:blip r:embed="rId2"/>
+          <a:stretch>
+            <a:fillRect/>
+          </a:stretch>
+        </p:blipFill>
+        <p:spPr>
+          <a:xfrm>
+            <a:off x="839762" y="2495228"/>
+            <a:ext cx="8100052" cy="1461871"/>
+          </a:xfrm>
+          <a:prstGeom prst="rect">
+            <a:avLst/>
+          </a:prstGeom>
+        </p:spPr>
+      </p:pic>
+    </p:spTree>
+    <p:extLst>
+      <p:ext uri="{BB962C8B-B14F-4D97-AF65-F5344CB8AC3E}">
+        <p14:creationId xmlns:p14="http://schemas.microsoft.com/office/powerpoint/2010/main" val="457605435"/>
+      </p:ext>
+    </p:extLst>
+  </p:cSld>
+  <p:clrMapOvr>
+    <a:masterClrMapping/>
+  </p:clrMapOvr>
+  <p:transition>
+    <p:fade/>
+  </p:transition>
+</p:sld>
+</file>
+
+<file path=ppt/slides/slide27.xml><?xml version="1.0" encoding="utf-8"?>
 <p:sld xmlns:a="http://schemas.openxmlformats.org/drawingml/2006/main" xmlns:r="http://schemas.openxmlformats.org/officeDocument/2006/relationships" xmlns:p="http://schemas.openxmlformats.org/presentationml/2006/main">
   <p:cSld>
     <p:spTree>
@@ -25058,15 +25817,6 @@
 </file>
 
 <file path=customXml/item1.xml><?xml version="1.0" encoding="utf-8"?>
-<?mso-contentType ?>
-<FormTemplates xmlns="http://schemas.microsoft.com/sharepoint/v3/contenttype/forms">
-  <Display>DocumentLibraryForm</Display>
-  <Edit>DocumentLibraryForm</Edit>
-  <New>DocumentLibraryForm</New>
-</FormTemplates>
-</file>
-
-<file path=customXml/item2.xml><?xml version="1.0" encoding="utf-8"?>
 <ct:contentTypeSchema xmlns:ct="http://schemas.microsoft.com/office/2006/metadata/contentType" xmlns:ma="http://schemas.microsoft.com/office/2006/metadata/properties/metaAttributes" ct:_="" ma:_="" ma:contentTypeName="Document" ma:contentTypeID="0x01010079F111ED35F8CC479449609E8A0923A6" ma:contentTypeVersion="11" ma:contentTypeDescription="Create a new document." ma:contentTypeScope="" ma:versionID="96291512c1ee715ab617f4c07df79fc1">
   <xsd:schema xmlns:xsd="http://www.w3.org/2001/XMLSchema" xmlns:xs="http://www.w3.org/2001/XMLSchema" xmlns:p="http://schemas.microsoft.com/office/2006/metadata/properties" xmlns:ns2="71af3243-3dd4-4a8d-8c0d-dd76da1f02a5" xmlns:ns3="16c05727-aa75-4e4a-9b5f-8a80a1165891" targetNamespace="http://schemas.microsoft.com/office/2006/metadata/properties" ma:root="true" ma:fieldsID="8256c27c40ca5c40ce1cf6c44f0205df" ns2:_="" ns3:_="">
     <xsd:import namespace="71af3243-3dd4-4a8d-8c0d-dd76da1f02a5"/>
@@ -25277,6 +26027,15 @@
 </ct:contentTypeSchema>
 </file>
 
+<file path=customXml/item2.xml><?xml version="1.0" encoding="utf-8"?>
+<?mso-contentType ?>
+<FormTemplates xmlns="http://schemas.microsoft.com/sharepoint/v3/contenttype/forms">
+  <Display>DocumentLibraryForm</Display>
+  <Edit>DocumentLibraryForm</Edit>
+  <New>DocumentLibraryForm</New>
+</FormTemplates>
+</file>
+
 <file path=customXml/item3.xml><?xml version="1.0" encoding="utf-8"?>
 <p:properties xmlns:p="http://schemas.microsoft.com/office/2006/metadata/properties" xmlns:xsi="http://www.w3.org/2001/XMLSchema-instance" xmlns:pc="http://schemas.microsoft.com/office/infopath/2007/PartnerControls">
   <documentManagement>
@@ -25286,14 +26045,6 @@
 </file>
 
 <file path=customXml/itemProps1.xml><?xml version="1.0" encoding="utf-8"?>
-<ds:datastoreItem xmlns:ds="http://schemas.openxmlformats.org/officeDocument/2006/customXml" ds:itemID="{8A930687-51F2-44C8-9CE6-D1B3D6E17522}">
-  <ds:schemaRefs>
-    <ds:schemaRef ds:uri="http://schemas.microsoft.com/sharepoint/v3/contenttype/forms"/>
-  </ds:schemaRefs>
-</ds:datastoreItem>
-</file>
-
-<file path=customXml/itemProps2.xml><?xml version="1.0" encoding="utf-8"?>
 <ds:datastoreItem xmlns:ds="http://schemas.openxmlformats.org/officeDocument/2006/customXml" ds:itemID="{29AE7CBC-C35C-4FA9-B339-59E31F30C6AC}">
   <ds:schemaRefs>
     <ds:schemaRef ds:uri="http://schemas.microsoft.com/office/2006/metadata/contentType"/>
@@ -25312,18 +26063,26 @@
 </ds:datastoreItem>
 </file>
 
+<file path=customXml/itemProps2.xml><?xml version="1.0" encoding="utf-8"?>
+<ds:datastoreItem xmlns:ds="http://schemas.openxmlformats.org/officeDocument/2006/customXml" ds:itemID="{8A930687-51F2-44C8-9CE6-D1B3D6E17522}">
+  <ds:schemaRefs>
+    <ds:schemaRef ds:uri="http://schemas.microsoft.com/sharepoint/v3/contenttype/forms"/>
+  </ds:schemaRefs>
+</ds:datastoreItem>
+</file>
+
 <file path=customXml/itemProps3.xml><?xml version="1.0" encoding="utf-8"?>
 <ds:datastoreItem xmlns:ds="http://schemas.openxmlformats.org/officeDocument/2006/customXml" ds:itemID="{A861FE8A-8F15-409F-AF62-619C69C0D537}">
   <ds:schemaRefs>
-    <ds:schemaRef ds:uri="http://purl.org/dc/dcmitype/"/>
-    <ds:schemaRef ds:uri="http://purl.org/dc/elements/1.1/"/>
+    <ds:schemaRef ds:uri="http://schemas.microsoft.com/office/2006/metadata/properties"/>
     <ds:schemaRef ds:uri="16c05727-aa75-4e4a-9b5f-8a80a1165891"/>
     <ds:schemaRef ds:uri="http://schemas.microsoft.com/office/2006/documentManagement/types"/>
-    <ds:schemaRef ds:uri="http://schemas.microsoft.com/office/2006/metadata/properties"/>
-    <ds:schemaRef ds:uri="http://schemas.openxmlformats.org/package/2006/metadata/core-properties"/>
+    <ds:schemaRef ds:uri="http://purl.org/dc/elements/1.1/"/>
     <ds:schemaRef ds:uri="http://www.w3.org/XML/1998/namespace"/>
     <ds:schemaRef ds:uri="http://schemas.microsoft.com/office/infopath/2007/PartnerControls"/>
+    <ds:schemaRef ds:uri="http://schemas.openxmlformats.org/package/2006/metadata/core-properties"/>
     <ds:schemaRef ds:uri="71af3243-3dd4-4a8d-8c0d-dd76da1f02a5"/>
+    <ds:schemaRef ds:uri="http://purl.org/dc/dcmitype/"/>
     <ds:schemaRef ds:uri="http://purl.org/dc/terms/"/>
   </ds:schemaRefs>
 </ds:datastoreItem>

--- a/presentations/aspnetcore3-whatsnew/aspnetcore3-whatsnew.pptx
+++ b/presentations/aspnetcore3-whatsnew/aspnetcore3-whatsnew.pptx
@@ -276,7 +276,7 @@
           <a:p>
             <a:fld id="{EF1077DB-935E-4A0A-947A-D283B9F9F452}" type="datetimeFigureOut">
               <a:rPr lang="en-US" smtClean="0"/>
-              <a:t>9/24/2019</a:t>
+              <a:t>10/1/2019</a:t>
             </a:fld>
             <a:endParaRPr lang="en-US"/>
           </a:p>
@@ -453,7 +453,7 @@
           <a:p>
             <a:fld id="{2D9EC30E-1A71-4188-9BE7-E2A64929A436}" type="datetimeFigureOut">
               <a:rPr lang="en-US" noProof="0" smtClean="0"/>
-              <a:t>9/24/2019</a:t>
+              <a:t>9/30/2019</a:t>
             </a:fld>
             <a:endParaRPr lang="en-US" noProof="0"/>
           </a:p>
@@ -25817,6 +25817,15 @@
 </file>
 
 <file path=customXml/item1.xml><?xml version="1.0" encoding="utf-8"?>
+<?mso-contentType ?>
+<FormTemplates xmlns="http://schemas.microsoft.com/sharepoint/v3/contenttype/forms">
+  <Display>DocumentLibraryForm</Display>
+  <Edit>DocumentLibraryForm</Edit>
+  <New>DocumentLibraryForm</New>
+</FormTemplates>
+</file>
+
+<file path=customXml/item2.xml><?xml version="1.0" encoding="utf-8"?>
 <ct:contentTypeSchema xmlns:ct="http://schemas.microsoft.com/office/2006/metadata/contentType" xmlns:ma="http://schemas.microsoft.com/office/2006/metadata/properties/metaAttributes" ct:_="" ma:_="" ma:contentTypeName="Document" ma:contentTypeID="0x01010079F111ED35F8CC479449609E8A0923A6" ma:contentTypeVersion="11" ma:contentTypeDescription="Create a new document." ma:contentTypeScope="" ma:versionID="96291512c1ee715ab617f4c07df79fc1">
   <xsd:schema xmlns:xsd="http://www.w3.org/2001/XMLSchema" xmlns:xs="http://www.w3.org/2001/XMLSchema" xmlns:p="http://schemas.microsoft.com/office/2006/metadata/properties" xmlns:ns2="71af3243-3dd4-4a8d-8c0d-dd76da1f02a5" xmlns:ns3="16c05727-aa75-4e4a-9b5f-8a80a1165891" targetNamespace="http://schemas.microsoft.com/office/2006/metadata/properties" ma:root="true" ma:fieldsID="8256c27c40ca5c40ce1cf6c44f0205df" ns2:_="" ns3:_="">
     <xsd:import namespace="71af3243-3dd4-4a8d-8c0d-dd76da1f02a5"/>
@@ -26027,15 +26036,6 @@
 </ct:contentTypeSchema>
 </file>
 
-<file path=customXml/item2.xml><?xml version="1.0" encoding="utf-8"?>
-<?mso-contentType ?>
-<FormTemplates xmlns="http://schemas.microsoft.com/sharepoint/v3/contenttype/forms">
-  <Display>DocumentLibraryForm</Display>
-  <Edit>DocumentLibraryForm</Edit>
-  <New>DocumentLibraryForm</New>
-</FormTemplates>
-</file>
-
 <file path=customXml/item3.xml><?xml version="1.0" encoding="utf-8"?>
 <p:properties xmlns:p="http://schemas.microsoft.com/office/2006/metadata/properties" xmlns:xsi="http://www.w3.org/2001/XMLSchema-instance" xmlns:pc="http://schemas.microsoft.com/office/infopath/2007/PartnerControls">
   <documentManagement>
@@ -26045,6 +26045,14 @@
 </file>
 
 <file path=customXml/itemProps1.xml><?xml version="1.0" encoding="utf-8"?>
+<ds:datastoreItem xmlns:ds="http://schemas.openxmlformats.org/officeDocument/2006/customXml" ds:itemID="{8A930687-51F2-44C8-9CE6-D1B3D6E17522}">
+  <ds:schemaRefs>
+    <ds:schemaRef ds:uri="http://schemas.microsoft.com/sharepoint/v3/contenttype/forms"/>
+  </ds:schemaRefs>
+</ds:datastoreItem>
+</file>
+
+<file path=customXml/itemProps2.xml><?xml version="1.0" encoding="utf-8"?>
 <ds:datastoreItem xmlns:ds="http://schemas.openxmlformats.org/officeDocument/2006/customXml" ds:itemID="{29AE7CBC-C35C-4FA9-B339-59E31F30C6AC}">
   <ds:schemaRefs>
     <ds:schemaRef ds:uri="http://schemas.microsoft.com/office/2006/metadata/contentType"/>
@@ -26063,27 +26071,19 @@
 </ds:datastoreItem>
 </file>
 
-<file path=customXml/itemProps2.xml><?xml version="1.0" encoding="utf-8"?>
-<ds:datastoreItem xmlns:ds="http://schemas.openxmlformats.org/officeDocument/2006/customXml" ds:itemID="{8A930687-51F2-44C8-9CE6-D1B3D6E17522}">
-  <ds:schemaRefs>
-    <ds:schemaRef ds:uri="http://schemas.microsoft.com/sharepoint/v3/contenttype/forms"/>
-  </ds:schemaRefs>
-</ds:datastoreItem>
-</file>
-
 <file path=customXml/itemProps3.xml><?xml version="1.0" encoding="utf-8"?>
 <ds:datastoreItem xmlns:ds="http://schemas.openxmlformats.org/officeDocument/2006/customXml" ds:itemID="{A861FE8A-8F15-409F-AF62-619C69C0D537}">
   <ds:schemaRefs>
+    <ds:schemaRef ds:uri="http://www.w3.org/XML/1998/namespace"/>
     <ds:schemaRef ds:uri="http://schemas.microsoft.com/office/2006/metadata/properties"/>
+    <ds:schemaRef ds:uri="http://schemas.microsoft.com/office/infopath/2007/PartnerControls"/>
+    <ds:schemaRef ds:uri="http://schemas.microsoft.com/office/2006/documentManagement/types"/>
+    <ds:schemaRef ds:uri="http://schemas.openxmlformats.org/package/2006/metadata/core-properties"/>
     <ds:schemaRef ds:uri="16c05727-aa75-4e4a-9b5f-8a80a1165891"/>
-    <ds:schemaRef ds:uri="http://schemas.microsoft.com/office/2006/documentManagement/types"/>
+    <ds:schemaRef ds:uri="http://purl.org/dc/dcmitype/"/>
+    <ds:schemaRef ds:uri="71af3243-3dd4-4a8d-8c0d-dd76da1f02a5"/>
+    <ds:schemaRef ds:uri="http://purl.org/dc/terms/"/>
     <ds:schemaRef ds:uri="http://purl.org/dc/elements/1.1/"/>
-    <ds:schemaRef ds:uri="http://www.w3.org/XML/1998/namespace"/>
-    <ds:schemaRef ds:uri="http://schemas.microsoft.com/office/infopath/2007/PartnerControls"/>
-    <ds:schemaRef ds:uri="http://schemas.openxmlformats.org/package/2006/metadata/core-properties"/>
-    <ds:schemaRef ds:uri="71af3243-3dd4-4a8d-8c0d-dd76da1f02a5"/>
-    <ds:schemaRef ds:uri="http://purl.org/dc/dcmitype/"/>
-    <ds:schemaRef ds:uri="http://purl.org/dc/terms/"/>
   </ds:schemaRefs>
 </ds:datastoreItem>
 </file>